--- a/outputs/보험사기자 분류모델링.pptx
+++ b/outputs/보험사기자 분류모델링.pptx
@@ -1,15 +1,18 @@
 
 <file path=ppt/presentation.xml><?xml version="1.0" encoding="utf-8"?>
-<p:presentation xmlns:a="http://schemas.openxmlformats.org/drawingml/2006/main" xmlns:r="http://schemas.openxmlformats.org/officeDocument/2006/relationships" xmlns:p="http://schemas.openxmlformats.org/presentationml/2006/main" saveSubsetFonts="1">
+<p:presentation xmlns:r="http://schemas.openxmlformats.org/officeDocument/2006/relationships" xmlns:c="http://schemas.openxmlformats.org/drawingml/2006/chart" xmlns:a="http://schemas.openxmlformats.org/drawingml/2006/main" xmlns:dgm="http://schemas.openxmlformats.org/drawingml/2006/diagram" xmlns:dsp="http://schemas.microsoft.com/office/drawing/2008/diagram" xmlns:p="http://schemas.openxmlformats.org/presentationml/2006/main">
   <p:sldMasterIdLst>
-    <p:sldMasterId id="2147483648" r:id="rId1"/>
+    <p:sldMasterId id="2147483674" r:id="rId1"/>
   </p:sldMasterIdLst>
   <p:notesMasterIdLst>
-    <p:notesMasterId r:id="rId4"/>
+    <p:notesMasterId r:id="rId2"/>
   </p:notesMasterIdLst>
   <p:sldIdLst>
-    <p:sldId id="258" r:id="rId2"/>
-    <p:sldId id="259" r:id="rId3"/>
+    <p:sldId id="258" r:id="rId3"/>
+    <p:sldId id="259" r:id="rId4"/>
+    <p:sldId id="260" r:id="rId5"/>
+    <p:sldId id="261" r:id="rId6"/>
+    <p:sldId id="262" r:id="rId7"/>
   </p:sldIdLst>
   <p:sldSz cx="12192000" cy="6858000"/>
   <p:notesSz cx="6858000" cy="9144000"/>
@@ -108,16 +111,11 @@
       </a:defRPr>
     </a:lvl9pPr>
   </p:defaultTextStyle>
-  <p:extLst>
-    <p:ext uri="{EFAFB233-063F-42B5-8137-9DF3F51BA10A}">
-      <p15:sldGuideLst xmlns:p15="http://schemas.microsoft.com/office/powerpoint/2012/main"/>
-    </p:ext>
-  </p:extLst>
 </p:presentation>
 </file>
 
 <file path=ppt/notesMasters/notesMaster1.xml><?xml version="1.0" encoding="utf-8"?>
-<p:notesMaster xmlns:a="http://schemas.openxmlformats.org/drawingml/2006/main" xmlns:r="http://schemas.openxmlformats.org/officeDocument/2006/relationships" xmlns:p="http://schemas.openxmlformats.org/presentationml/2006/main">
+<p:notesMaster xmlns:r="http://schemas.openxmlformats.org/officeDocument/2006/relationships" xmlns:c="http://schemas.openxmlformats.org/drawingml/2006/chart" xmlns:a="http://schemas.openxmlformats.org/drawingml/2006/main" xmlns:dgm="http://schemas.openxmlformats.org/drawingml/2006/diagram" xmlns:dsp="http://schemas.microsoft.com/office/drawing/2008/diagram" xmlns:p="http://schemas.openxmlformats.org/presentationml/2006/main">
   <p:cSld>
     <p:bg>
       <p:bgRef idx="1001">
@@ -145,7 +143,7 @@
             <a:spLocks noGrp="1"/>
           </p:cNvSpPr>
           <p:nvPr>
-            <p:ph type="hdr" sz="quarter"/>
+            <p:ph type="hdr" sz="quarter" idx="0"/>
           </p:nvPr>
         </p:nvSpPr>
         <p:spPr>
@@ -158,13 +156,20 @@
           </a:prstGeom>
         </p:spPr>
         <p:txBody>
-          <a:bodyPr vert="horz" lIns="91440" tIns="45720" rIns="91440" bIns="45720" rtlCol="0"/>
+          <a:bodyPr vert="horz" lIns="91440" tIns="45720" rIns="91440" bIns="45720"/>
           <a:lstStyle>
             <a:lvl1pPr algn="l">
               <a:defRPr sz="1200"/>
             </a:lvl1pPr>
           </a:lstStyle>
           <a:p>
+            <a:pPr lvl="0">
+              <a:defRPr/>
+            </a:pPr>
+            <a:r>
+              <a:rPr lang="ko-KR" altLang="en-US"/>
+              <a:t/>
+            </a:r>
             <a:endParaRPr lang="ko-KR" altLang="en-US"/>
           </a:p>
         </p:txBody>
@@ -189,16 +194,22 @@
           </a:prstGeom>
         </p:spPr>
         <p:txBody>
-          <a:bodyPr vert="horz" lIns="91440" tIns="45720" rIns="91440" bIns="45720" rtlCol="0"/>
+          <a:bodyPr vert="horz" lIns="91440" tIns="45720" rIns="91440" bIns="45720"/>
           <a:lstStyle>
             <a:lvl1pPr algn="r">
               <a:defRPr sz="1200"/>
             </a:lvl1pPr>
           </a:lstStyle>
           <a:p>
-            <a:fld id="{CA55AA50-5537-4123-A639-C333EC5FB3DA}" type="datetimeFigureOut">
-              <a:rPr lang="ko-KR" altLang="en-US" smtClean="0"/>
-              <a:t>2021-11-25</a:t>
+            <a:pPr lvl="0">
+              <a:defRPr/>
+            </a:pPr>
+            <a:fld id="{CA55AA50-5537-4123-A639-C333EC5FB3DA}" type="datetime1">
+              <a:rPr lang="ko-KR" altLang="en-US"/>
+              <a:pPr lvl="0">
+                <a:defRPr/>
+              </a:pPr>
+              <a:t>2021-12-01</a:t>
             </a:fld>
             <a:endParaRPr lang="ko-KR" altLang="en-US"/>
           </a:p>
@@ -208,7 +219,7 @@
         <p:nvSpPr>
           <p:cNvPr id="4" name="슬라이드 이미지 개체 틀 3"/>
           <p:cNvSpPr>
-            <a:spLocks noGrp="1" noRot="1" noChangeAspect="1"/>
+            <a:spLocks noGrp="1" noRot="1" noChangeAspect="1" noTextEdit="1"/>
           </p:cNvSpPr>
           <p:nvPr>
             <p:ph type="sldImg" idx="2"/>
@@ -230,9 +241,12 @@
           </a:ln>
         </p:spPr>
         <p:txBody>
-          <a:bodyPr vert="horz" lIns="91440" tIns="45720" rIns="91440" bIns="45720" rtlCol="0" anchor="ctr"/>
+          <a:bodyPr vert="horz" lIns="91440" tIns="45720" rIns="91440" bIns="45720" anchor="ctr"/>
           <a:lstStyle/>
           <a:p>
+            <a:pPr lvl="0">
+              <a:defRPr/>
+            </a:pPr>
             <a:endParaRPr lang="ko-KR" altLang="en-US"/>
           </a:p>
         </p:txBody>
@@ -257,42 +271,57 @@
           </a:prstGeom>
         </p:spPr>
         <p:txBody>
-          <a:bodyPr vert="horz" lIns="91440" tIns="45720" rIns="91440" bIns="45720" rtlCol="0"/>
+          <a:bodyPr vert="horz" lIns="91440" tIns="45720" rIns="91440" bIns="45720"/>
           <a:lstStyle/>
           <a:p>
-            <a:pPr lvl="0"/>
+            <a:pPr lvl="0">
+              <a:defRPr/>
+            </a:pPr>
             <a:r>
               <a:rPr lang="ko-KR" altLang="en-US"/>
               <a:t>마스터 텍스트 스타일을 편집하려면 클릭</a:t>
             </a:r>
+            <a:endParaRPr lang="ko-KR" altLang="en-US"/>
           </a:p>
           <a:p>
-            <a:pPr lvl="1"/>
+            <a:pPr lvl="1">
+              <a:defRPr/>
+            </a:pPr>
             <a:r>
               <a:rPr lang="ko-KR" altLang="en-US"/>
               <a:t>두 번째 수준</a:t>
             </a:r>
+            <a:endParaRPr lang="ko-KR" altLang="en-US"/>
           </a:p>
           <a:p>
-            <a:pPr lvl="2"/>
+            <a:pPr lvl="2">
+              <a:defRPr/>
+            </a:pPr>
             <a:r>
               <a:rPr lang="ko-KR" altLang="en-US"/>
               <a:t>세 번째 수준</a:t>
             </a:r>
+            <a:endParaRPr lang="ko-KR" altLang="en-US"/>
           </a:p>
           <a:p>
-            <a:pPr lvl="3"/>
+            <a:pPr lvl="3">
+              <a:defRPr/>
+            </a:pPr>
             <a:r>
               <a:rPr lang="ko-KR" altLang="en-US"/>
               <a:t>네 번째 수준</a:t>
             </a:r>
+            <a:endParaRPr lang="ko-KR" altLang="en-US"/>
           </a:p>
           <a:p>
-            <a:pPr lvl="4"/>
+            <a:pPr lvl="4">
+              <a:defRPr/>
+            </a:pPr>
             <a:r>
               <a:rPr lang="ko-KR" altLang="en-US"/>
               <a:t>다섯 번째 수준</a:t>
             </a:r>
+            <a:endParaRPr lang="ko-KR" altLang="en-US"/>
           </a:p>
         </p:txBody>
       </p:sp>
@@ -316,13 +345,20 @@
           </a:prstGeom>
         </p:spPr>
         <p:txBody>
-          <a:bodyPr vert="horz" lIns="91440" tIns="45720" rIns="91440" bIns="45720" rtlCol="0" anchor="b"/>
+          <a:bodyPr vert="horz" lIns="91440" tIns="45720" rIns="91440" bIns="45720" anchor="b"/>
           <a:lstStyle>
             <a:lvl1pPr algn="l">
               <a:defRPr sz="1200"/>
             </a:lvl1pPr>
           </a:lstStyle>
           <a:p>
+            <a:pPr lvl="0">
+              <a:defRPr/>
+            </a:pPr>
+            <a:r>
+              <a:rPr lang="ko-KR" altLang="en-US"/>
+              <a:t/>
+            </a:r>
             <a:endParaRPr lang="ko-KR" altLang="en-US"/>
           </a:p>
         </p:txBody>
@@ -347,15 +383,21 @@
           </a:prstGeom>
         </p:spPr>
         <p:txBody>
-          <a:bodyPr vert="horz" lIns="91440" tIns="45720" rIns="91440" bIns="45720" rtlCol="0" anchor="b"/>
+          <a:bodyPr vert="horz" lIns="91440" tIns="45720" rIns="91440" bIns="45720" anchor="b"/>
           <a:lstStyle>
             <a:lvl1pPr algn="r">
               <a:defRPr sz="1200"/>
             </a:lvl1pPr>
           </a:lstStyle>
           <a:p>
+            <a:pPr lvl="0">
+              <a:defRPr/>
+            </a:pPr>
             <a:fld id="{BD1E5B7C-F06E-47D0-80FA-A5328957F66D}" type="slidenum">
-              <a:rPr lang="ko-KR" altLang="en-US" smtClean="0"/>
+              <a:rPr lang="ko-KR" altLang="en-US"/>
+              <a:pPr lvl="0">
+                <a:defRPr/>
+              </a:pPr>
               <a:t>‹#›</a:t>
             </a:fld>
             <a:endParaRPr lang="ko-KR" altLang="en-US"/>
@@ -363,13 +405,9 @@
         </p:txBody>
       </p:sp>
     </p:spTree>
-    <p:extLst>
-      <p:ext uri="{BB962C8B-B14F-4D97-AF65-F5344CB8AC3E}">
-        <p14:creationId xmlns:p14="http://schemas.microsoft.com/office/powerpoint/2010/main" val="1203344103"/>
-      </p:ext>
-    </p:extLst>
   </p:cSld>
   <p:clrMap bg1="lt1" tx1="dk1" bg2="lt2" tx2="dk2" accent1="accent1" accent2="accent2" accent3="accent3" accent4="accent4" accent5="accent5" accent6="accent6" hlink="hlink" folHlink="folHlink"/>
+  <p:hf hdr="0" ftr="0" dt="0"/>
   <p:notesStyle>
     <a:lvl1pPr marL="0" algn="l" defTabSz="914400" rtl="0" eaLnBrk="1" latinLnBrk="1" hangingPunct="1">
       <a:defRPr sz="1200" kern="1200">
@@ -466,7 +504,7 @@
 </file>
 
 <file path=ppt/notesSlides/notesSlide1.xml><?xml version="1.0" encoding="utf-8"?>
-<p:notes xmlns:a="http://schemas.openxmlformats.org/drawingml/2006/main" xmlns:r="http://schemas.openxmlformats.org/officeDocument/2006/relationships" xmlns:p="http://schemas.openxmlformats.org/presentationml/2006/main">
+<p:notes xmlns:r="http://schemas.openxmlformats.org/officeDocument/2006/relationships" xmlns:c="http://schemas.openxmlformats.org/drawingml/2006/chart" xmlns:a="http://schemas.openxmlformats.org/drawingml/2006/main" xmlns:dgm="http://schemas.openxmlformats.org/drawingml/2006/diagram" xmlns:dsp="http://schemas.microsoft.com/office/drawing/2008/diagram" xmlns:p="http://schemas.openxmlformats.org/presentationml/2006/main">
   <p:cSld>
     <p:spTree>
       <p:nvGrpSpPr>
@@ -486,10 +524,10 @@
         <p:nvSpPr>
           <p:cNvPr id="2" name="슬라이드 이미지 개체 틀 1"/>
           <p:cNvSpPr>
-            <a:spLocks noGrp="1" noRot="1" noChangeAspect="1"/>
+            <a:spLocks noGrp="1" noRot="1" noChangeAspect="1" noTextEdit="1"/>
           </p:cNvSpPr>
           <p:nvPr>
-            <p:ph type="sldImg"/>
+            <p:ph type="sldImg" idx="0"/>
           </p:nvPr>
         </p:nvSpPr>
         <p:spPr/>
@@ -509,7 +547,14 @@
           <a:bodyPr/>
           <a:lstStyle/>
           <a:p>
-            <a:endParaRPr lang="ko-KR" altLang="en-US" dirty="0"/>
+            <a:pPr lvl="0">
+              <a:defRPr/>
+            </a:pPr>
+            <a:r>
+              <a:rPr lang="ko-KR" altLang="en-US"/>
+              <a:t/>
+            </a:r>
+            <a:endParaRPr lang="ko-KR" altLang="en-US"/>
           </a:p>
         </p:txBody>
       </p:sp>
@@ -528,20 +573,21 @@
           <a:bodyPr/>
           <a:lstStyle/>
           <a:p>
+            <a:pPr lvl="0">
+              <a:defRPr/>
+            </a:pPr>
             <a:fld id="{BD1E5B7C-F06E-47D0-80FA-A5328957F66D}" type="slidenum">
-              <a:rPr lang="ko-KR" altLang="en-US" smtClean="0"/>
+              <a:rPr lang="en-US" altLang="en-US"/>
+              <a:pPr lvl="0">
+                <a:defRPr/>
+              </a:pPr>
               <a:t>1</a:t>
             </a:fld>
-            <a:endParaRPr lang="ko-KR" altLang="en-US"/>
+            <a:endParaRPr lang="en-US" altLang="en-US"/>
           </a:p>
         </p:txBody>
       </p:sp>
     </p:spTree>
-    <p:extLst>
-      <p:ext uri="{BB962C8B-B14F-4D97-AF65-F5344CB8AC3E}">
-        <p14:creationId xmlns:p14="http://schemas.microsoft.com/office/powerpoint/2010/main" val="1280881968"/>
-      </p:ext>
-    </p:extLst>
   </p:cSld>
   <p:clrMapOvr>
     <a:masterClrMapping/>
@@ -550,7 +596,7 @@
 </file>
 
 <file path=ppt/notesSlides/notesSlide2.xml><?xml version="1.0" encoding="utf-8"?>
-<p:notes xmlns:a="http://schemas.openxmlformats.org/drawingml/2006/main" xmlns:r="http://schemas.openxmlformats.org/officeDocument/2006/relationships" xmlns:p="http://schemas.openxmlformats.org/presentationml/2006/main">
+<p:notes xmlns:r="http://schemas.openxmlformats.org/officeDocument/2006/relationships" xmlns:c="http://schemas.openxmlformats.org/drawingml/2006/chart" xmlns:a="http://schemas.openxmlformats.org/drawingml/2006/main" xmlns:dgm="http://schemas.openxmlformats.org/drawingml/2006/diagram" xmlns:dsp="http://schemas.microsoft.com/office/drawing/2008/diagram" xmlns:p="http://schemas.openxmlformats.org/presentationml/2006/main">
   <p:cSld>
     <p:spTree>
       <p:nvGrpSpPr>
@@ -570,10 +616,10 @@
         <p:nvSpPr>
           <p:cNvPr id="2" name="슬라이드 이미지 개체 틀 1"/>
           <p:cNvSpPr>
-            <a:spLocks noGrp="1" noRot="1" noChangeAspect="1"/>
+            <a:spLocks noGrp="1" noRot="1" noChangeAspect="1" noTextEdit="1"/>
           </p:cNvSpPr>
           <p:nvPr>
-            <p:ph type="sldImg"/>
+            <p:ph type="sldImg" idx="0"/>
           </p:nvPr>
         </p:nvSpPr>
         <p:spPr/>
@@ -593,7 +639,14 @@
           <a:bodyPr/>
           <a:lstStyle/>
           <a:p>
-            <a:endParaRPr lang="ko-KR" altLang="en-US" dirty="0"/>
+            <a:pPr lvl="0">
+              <a:defRPr/>
+            </a:pPr>
+            <a:r>
+              <a:rPr lang="ko-KR" altLang="en-US"/>
+              <a:t/>
+            </a:r>
+            <a:endParaRPr lang="ko-KR" altLang="en-US"/>
           </a:p>
         </p:txBody>
       </p:sp>
@@ -612,20 +665,297 @@
           <a:bodyPr/>
           <a:lstStyle/>
           <a:p>
+            <a:pPr lvl="0">
+              <a:defRPr/>
+            </a:pPr>
             <a:fld id="{BD1E5B7C-F06E-47D0-80FA-A5328957F66D}" type="slidenum">
-              <a:rPr lang="ko-KR" altLang="en-US" smtClean="0"/>
+              <a:rPr lang="en-US" altLang="en-US"/>
+              <a:pPr lvl="0">
+                <a:defRPr/>
+              </a:pPr>
               <a:t>2</a:t>
             </a:fld>
+            <a:endParaRPr lang="en-US" altLang="en-US"/>
+          </a:p>
+        </p:txBody>
+      </p:sp>
+    </p:spTree>
+  </p:cSld>
+  <p:clrMapOvr>
+    <a:masterClrMapping/>
+  </p:clrMapOvr>
+</p:notes>
+</file>
+
+<file path=ppt/notesSlides/notesSlide3.xml><?xml version="1.0" encoding="utf-8"?>
+<p:notes xmlns:r="http://schemas.openxmlformats.org/officeDocument/2006/relationships" xmlns:c="http://schemas.openxmlformats.org/drawingml/2006/chart" xmlns:a="http://schemas.openxmlformats.org/drawingml/2006/main" xmlns:dgm="http://schemas.openxmlformats.org/drawingml/2006/diagram" xmlns:dsp="http://schemas.microsoft.com/office/drawing/2008/diagram" xmlns:p="http://schemas.openxmlformats.org/presentationml/2006/main">
+  <p:cSld>
+    <p:spTree>
+      <p:nvGrpSpPr>
+        <p:cNvPr id="1" name=""/>
+        <p:cNvGrpSpPr/>
+        <p:nvPr/>
+      </p:nvGrpSpPr>
+      <p:grpSpPr>
+        <a:xfrm>
+          <a:off x="0" y="0"/>
+          <a:ext cx="0" cy="0"/>
+          <a:chOff x="0" y="0"/>
+          <a:chExt cx="0" cy="0"/>
+        </a:xfrm>
+      </p:grpSpPr>
+      <p:sp>
+        <p:nvSpPr>
+          <p:cNvPr id="2" name="슬라이드 이미지 개체 틀 1"/>
+          <p:cNvSpPr>
+            <a:spLocks noGrp="1" noRot="1" noChangeAspect="1" noTextEdit="1"/>
+          </p:cNvSpPr>
+          <p:nvPr>
+            <p:ph type="sldImg" idx="0"/>
+          </p:nvPr>
+        </p:nvSpPr>
+        <p:spPr/>
+      </p:sp>
+      <p:sp>
+        <p:nvSpPr>
+          <p:cNvPr id="3" name="슬라이드 노트 개체 틀 2"/>
+          <p:cNvSpPr>
+            <a:spLocks noGrp="1"/>
+          </p:cNvSpPr>
+          <p:nvPr>
+            <p:ph type="body" idx="1"/>
+          </p:nvPr>
+        </p:nvSpPr>
+        <p:spPr/>
+        <p:txBody>
+          <a:bodyPr/>
+          <a:lstStyle/>
+          <a:p>
+            <a:pPr lvl="0">
+              <a:defRPr/>
+            </a:pPr>
+            <a:r>
+              <a:rPr lang="ko-KR" altLang="en-US"/>
+              <a:t/>
+            </a:r>
             <a:endParaRPr lang="ko-KR" altLang="en-US"/>
           </a:p>
         </p:txBody>
       </p:sp>
+      <p:sp>
+        <p:nvSpPr>
+          <p:cNvPr id="4" name="슬라이드 번호 개체 틀 3"/>
+          <p:cNvSpPr>
+            <a:spLocks noGrp="1"/>
+          </p:cNvSpPr>
+          <p:nvPr>
+            <p:ph type="sldNum" sz="quarter" idx="5"/>
+          </p:nvPr>
+        </p:nvSpPr>
+        <p:spPr/>
+        <p:txBody>
+          <a:bodyPr/>
+          <a:lstStyle/>
+          <a:p>
+            <a:pPr lvl="0">
+              <a:defRPr/>
+            </a:pPr>
+            <a:fld id="{BD1E5B7C-F06E-47D0-80FA-A5328957F66D}" type="slidenum">
+              <a:rPr lang="en-US" altLang="en-US"/>
+              <a:pPr lvl="0">
+                <a:defRPr/>
+              </a:pPr>
+              <a:t>3</a:t>
+            </a:fld>
+            <a:endParaRPr lang="en-US" altLang="en-US"/>
+          </a:p>
+        </p:txBody>
+      </p:sp>
     </p:spTree>
-    <p:extLst>
-      <p:ext uri="{BB962C8B-B14F-4D97-AF65-F5344CB8AC3E}">
-        <p14:creationId xmlns:p14="http://schemas.microsoft.com/office/powerpoint/2010/main" val="1351851117"/>
-      </p:ext>
-    </p:extLst>
+  </p:cSld>
+  <p:clrMapOvr>
+    <a:masterClrMapping/>
+  </p:clrMapOvr>
+</p:notes>
+</file>
+
+<file path=ppt/notesSlides/notesSlide4.xml><?xml version="1.0" encoding="utf-8"?>
+<p:notes xmlns:r="http://schemas.openxmlformats.org/officeDocument/2006/relationships" xmlns:c="http://schemas.openxmlformats.org/drawingml/2006/chart" xmlns:a="http://schemas.openxmlformats.org/drawingml/2006/main" xmlns:dgm="http://schemas.openxmlformats.org/drawingml/2006/diagram" xmlns:dsp="http://schemas.microsoft.com/office/drawing/2008/diagram" xmlns:p="http://schemas.openxmlformats.org/presentationml/2006/main">
+  <p:cSld>
+    <p:spTree>
+      <p:nvGrpSpPr>
+        <p:cNvPr id="1" name=""/>
+        <p:cNvGrpSpPr/>
+        <p:nvPr/>
+      </p:nvGrpSpPr>
+      <p:grpSpPr>
+        <a:xfrm>
+          <a:off x="0" y="0"/>
+          <a:ext cx="0" cy="0"/>
+          <a:chOff x="0" y="0"/>
+          <a:chExt cx="0" cy="0"/>
+        </a:xfrm>
+      </p:grpSpPr>
+      <p:sp>
+        <p:nvSpPr>
+          <p:cNvPr id="2" name="슬라이드 이미지 개체 틀 1"/>
+          <p:cNvSpPr>
+            <a:spLocks noGrp="1" noRot="1" noChangeAspect="1" noTextEdit="1"/>
+          </p:cNvSpPr>
+          <p:nvPr>
+            <p:ph type="sldImg" idx="0"/>
+          </p:nvPr>
+        </p:nvSpPr>
+        <p:spPr/>
+      </p:sp>
+      <p:sp>
+        <p:nvSpPr>
+          <p:cNvPr id="3" name="슬라이드 노트 개체 틀 2"/>
+          <p:cNvSpPr>
+            <a:spLocks noGrp="1"/>
+          </p:cNvSpPr>
+          <p:nvPr>
+            <p:ph type="body" idx="1"/>
+          </p:nvPr>
+        </p:nvSpPr>
+        <p:spPr/>
+        <p:txBody>
+          <a:bodyPr/>
+          <a:lstStyle/>
+          <a:p>
+            <a:pPr lvl="0">
+              <a:defRPr/>
+            </a:pPr>
+            <a:r>
+              <a:rPr lang="ko-KR" altLang="en-US"/>
+              <a:t/>
+            </a:r>
+            <a:endParaRPr lang="ko-KR" altLang="en-US"/>
+          </a:p>
+        </p:txBody>
+      </p:sp>
+      <p:sp>
+        <p:nvSpPr>
+          <p:cNvPr id="4" name="슬라이드 번호 개체 틀 3"/>
+          <p:cNvSpPr>
+            <a:spLocks noGrp="1"/>
+          </p:cNvSpPr>
+          <p:nvPr>
+            <p:ph type="sldNum" sz="quarter" idx="5"/>
+          </p:nvPr>
+        </p:nvSpPr>
+        <p:spPr/>
+        <p:txBody>
+          <a:bodyPr/>
+          <a:lstStyle/>
+          <a:p>
+            <a:pPr lvl="0">
+              <a:defRPr/>
+            </a:pPr>
+            <a:fld id="{BD1E5B7C-F06E-47D0-80FA-A5328957F66D}" type="slidenum">
+              <a:rPr lang="en-US" altLang="en-US"/>
+              <a:pPr lvl="0">
+                <a:defRPr/>
+              </a:pPr>
+              <a:t>4</a:t>
+            </a:fld>
+            <a:endParaRPr lang="en-US" altLang="en-US"/>
+          </a:p>
+        </p:txBody>
+      </p:sp>
+    </p:spTree>
+  </p:cSld>
+  <p:clrMapOvr>
+    <a:masterClrMapping/>
+  </p:clrMapOvr>
+</p:notes>
+</file>
+
+<file path=ppt/notesSlides/notesSlide5.xml><?xml version="1.0" encoding="utf-8"?>
+<p:notes xmlns:r="http://schemas.openxmlformats.org/officeDocument/2006/relationships" xmlns:c="http://schemas.openxmlformats.org/drawingml/2006/chart" xmlns:a="http://schemas.openxmlformats.org/drawingml/2006/main" xmlns:dgm="http://schemas.openxmlformats.org/drawingml/2006/diagram" xmlns:dsp="http://schemas.microsoft.com/office/drawing/2008/diagram" xmlns:p="http://schemas.openxmlformats.org/presentationml/2006/main">
+  <p:cSld>
+    <p:spTree>
+      <p:nvGrpSpPr>
+        <p:cNvPr id="1" name=""/>
+        <p:cNvGrpSpPr/>
+        <p:nvPr/>
+      </p:nvGrpSpPr>
+      <p:grpSpPr>
+        <a:xfrm>
+          <a:off x="0" y="0"/>
+          <a:ext cx="0" cy="0"/>
+          <a:chOff x="0" y="0"/>
+          <a:chExt cx="0" cy="0"/>
+        </a:xfrm>
+      </p:grpSpPr>
+      <p:sp>
+        <p:nvSpPr>
+          <p:cNvPr id="2" name="슬라이드 이미지 개체 틀 1"/>
+          <p:cNvSpPr>
+            <a:spLocks noGrp="1" noRot="1" noChangeAspect="1" noTextEdit="1"/>
+          </p:cNvSpPr>
+          <p:nvPr>
+            <p:ph type="sldImg" idx="0"/>
+          </p:nvPr>
+        </p:nvSpPr>
+        <p:spPr/>
+      </p:sp>
+      <p:sp>
+        <p:nvSpPr>
+          <p:cNvPr id="3" name="슬라이드 노트 개체 틀 2"/>
+          <p:cNvSpPr>
+            <a:spLocks noGrp="1"/>
+          </p:cNvSpPr>
+          <p:nvPr>
+            <p:ph type="body" idx="1"/>
+          </p:nvPr>
+        </p:nvSpPr>
+        <p:spPr/>
+        <p:txBody>
+          <a:bodyPr/>
+          <a:lstStyle/>
+          <a:p>
+            <a:pPr lvl="0">
+              <a:defRPr/>
+            </a:pPr>
+            <a:r>
+              <a:rPr lang="ko-KR" altLang="en-US"/>
+              <a:t/>
+            </a:r>
+            <a:endParaRPr lang="ko-KR" altLang="en-US"/>
+          </a:p>
+        </p:txBody>
+      </p:sp>
+      <p:sp>
+        <p:nvSpPr>
+          <p:cNvPr id="4" name="슬라이드 번호 개체 틀 3"/>
+          <p:cNvSpPr>
+            <a:spLocks noGrp="1"/>
+          </p:cNvSpPr>
+          <p:nvPr>
+            <p:ph type="sldNum" sz="quarter" idx="5"/>
+          </p:nvPr>
+        </p:nvSpPr>
+        <p:spPr/>
+        <p:txBody>
+          <a:bodyPr/>
+          <a:lstStyle/>
+          <a:p>
+            <a:pPr lvl="0">
+              <a:defRPr/>
+            </a:pPr>
+            <a:fld id="{BD1E5B7C-F06E-47D0-80FA-A5328957F66D}" type="slidenum">
+              <a:rPr lang="en-US" altLang="en-US"/>
+              <a:pPr lvl="0">
+                <a:defRPr/>
+              </a:pPr>
+              <a:t>5</a:t>
+            </a:fld>
+            <a:endParaRPr lang="en-US" altLang="en-US"/>
+          </a:p>
+        </p:txBody>
+      </p:sp>
+    </p:spTree>
   </p:cSld>
   <p:clrMapOvr>
     <a:masterClrMapping/>
@@ -4426,7 +4756,7 @@
 </file>
 
 <file path=ppt/slides/slide2.xml><?xml version="1.0" encoding="utf-8"?>
-<p:sld xmlns:a="http://schemas.openxmlformats.org/drawingml/2006/main" xmlns:r="http://schemas.openxmlformats.org/officeDocument/2006/relationships" xmlns:p="http://schemas.openxmlformats.org/presentationml/2006/main">
+<p:sld xmlns:r="http://schemas.openxmlformats.org/officeDocument/2006/relationships" xmlns:c="http://schemas.openxmlformats.org/drawingml/2006/chart" xmlns:a="http://schemas.openxmlformats.org/drawingml/2006/main" xmlns:dgm="http://schemas.openxmlformats.org/drawingml/2006/diagram" xmlns:dsp="http://schemas.microsoft.com/office/drawing/2008/diagram" xmlns:p="http://schemas.openxmlformats.org/presentationml/2006/main">
   <p:cSld>
     <p:spTree>
       <p:nvGrpSpPr>
@@ -4444,27 +4774,15 @@
       </p:grpSpPr>
       <p:graphicFrame>
         <p:nvGraphicFramePr>
-          <p:cNvPr id="9" name="표 9">
-            <a:extLst>
-              <a:ext uri="{FF2B5EF4-FFF2-40B4-BE49-F238E27FC236}">
-                <a16:creationId xmlns:a16="http://schemas.microsoft.com/office/drawing/2014/main" id="{6805DEDA-EF5D-45EA-BA92-ABFF15945D80}"/>
-              </a:ext>
-            </a:extLst>
-          </p:cNvPr>
+          <p:cNvPr id="9" name="표 9"/>
           <p:cNvGraphicFramePr>
             <a:graphicFrameLocks noGrp="1"/>
           </p:cNvGraphicFramePr>
-          <p:nvPr>
-            <p:extLst>
-              <p:ext uri="{D42A27DB-BD31-4B8C-83A1-F6EECF244321}">
-                <p14:modId xmlns:p14="http://schemas.microsoft.com/office/powerpoint/2010/main" val="3098364851"/>
-              </p:ext>
-            </p:extLst>
-          </p:nvPr>
+          <p:nvPr/>
         </p:nvGraphicFramePr>
         <p:xfrm>
           <a:off x="343270" y="13317"/>
-          <a:ext cx="11505460" cy="6857997"/>
+          <a:ext cx="11510695" cy="6857997"/>
         </p:xfrm>
         <a:graphic>
           <a:graphicData uri="http://schemas.openxmlformats.org/drawingml/2006/table">
@@ -4473,371 +4791,385 @@
                 <a:tableStyleId>{5FD0F851-EC5A-4D38-B0AD-8093EC10F338}</a:tableStyleId>
               </a:tblPr>
               <a:tblGrid>
-                <a:gridCol w="3926889">
-                  <a:extLst>
-                    <a:ext uri="{9D8B030D-6E8A-4147-A177-3AD203B41FA5}">
-                      <a16:colId xmlns:a16="http://schemas.microsoft.com/office/drawing/2014/main" val="1111617652"/>
-                    </a:ext>
-                  </a:extLst>
-                </a:gridCol>
-                <a:gridCol w="7578571">
-                  <a:extLst>
-                    <a:ext uri="{9D8B030D-6E8A-4147-A177-3AD203B41FA5}">
-                      <a16:colId xmlns:a16="http://schemas.microsoft.com/office/drawing/2014/main" val="1311335590"/>
-                    </a:ext>
-                  </a:extLst>
-                </a:gridCol>
+                <a:gridCol w="3926889"/>
+                <a:gridCol w="7583806"/>
               </a:tblGrid>
               <a:tr h="375846">
                 <a:tc>
                   <a:txBody>
-                    <a:bodyPr/>
-                    <a:lstStyle/>
-                    <a:p>
-                      <a:pPr latinLnBrk="1"/>
-                      <a:r>
-                        <a:rPr lang="ko-KR" altLang="en-US" dirty="0"/>
+                    <a:bodyPr vert="horz" lIns="91440" tIns="45720" rIns="91440" bIns="45720" anchor="t" anchorCtr="0"/>
+                    <a:p>
+                      <a:pPr latinLnBrk="1">
+                        <a:defRPr/>
+                      </a:pPr>
+                      <a:r>
+                        <a:rPr lang="ko-KR" altLang="en-US"/>
                         <a:t>다이어그램</a:t>
                       </a:r>
-                    </a:p>
-                  </a:txBody>
-                  <a:tcPr/>
-                </a:tc>
-                <a:tc>
-                  <a:txBody>
-                    <a:bodyPr/>
-                    <a:lstStyle/>
-                    <a:p>
-                      <a:pPr latinLnBrk="1"/>
-                      <a:r>
-                        <a:rPr lang="ko-KR" altLang="en-US" dirty="0"/>
+                      <a:endParaRPr lang="ko-KR" altLang="en-US"/>
+                    </a:p>
+                  </a:txBody>
+                  <a:tcPr marL="91440" marR="91440"/>
+                </a:tc>
+                <a:tc>
+                  <a:txBody>
+                    <a:bodyPr vert="horz" lIns="91440" tIns="45720" rIns="91440" bIns="45720" anchor="t" anchorCtr="0"/>
+                    <a:p>
+                      <a:pPr latinLnBrk="1">
+                        <a:defRPr/>
+                      </a:pPr>
+                      <a:r>
+                        <a:rPr lang="ko-KR" altLang="en-US"/>
                         <a:t>내용</a:t>
                       </a:r>
-                    </a:p>
-                  </a:txBody>
-                  <a:tcPr/>
-                </a:tc>
-                <a:extLst>
-                  <a:ext uri="{0D108BD9-81ED-4DB2-BD59-A6C34878D82A}">
-                    <a16:rowId xmlns:a16="http://schemas.microsoft.com/office/drawing/2014/main" val="3398162122"/>
-                  </a:ext>
-                </a:extLst>
+                      <a:endParaRPr lang="ko-KR" altLang="en-US"/>
+                    </a:p>
+                  </a:txBody>
+                  <a:tcPr marL="91440" marR="91440"/>
+                </a:tc>
               </a:tr>
               <a:tr h="6482151">
                 <a:tc>
                   <a:txBody>
-                    <a:bodyPr/>
-                    <a:lstStyle/>
-                    <a:p>
-                      <a:pPr latinLnBrk="1"/>
-                      <a:endParaRPr lang="ko-KR" altLang="en-US" dirty="0"/>
-                    </a:p>
-                  </a:txBody>
-                  <a:tcPr/>
-                </a:tc>
-                <a:tc>
-                  <a:txBody>
-                    <a:bodyPr/>
-                    <a:lstStyle/>
-                    <a:p>
-                      <a:r>
-                        <a:rPr lang="en-US" altLang="ko-KR" sz="1400" b="1" dirty="0"/>
+                    <a:bodyPr vert="horz" lIns="91440" tIns="45720" rIns="91440" bIns="45720" anchor="t" anchorCtr="0"/>
+                    <a:p>
+                      <a:pPr latinLnBrk="1">
+                        <a:defRPr/>
+                      </a:pPr>
+                      <a:endParaRPr lang="ko-KR" altLang="en-US"/>
+                    </a:p>
+                  </a:txBody>
+                  <a:tcPr marL="91440" marR="91440"/>
+                </a:tc>
+                <a:tc>
+                  <a:txBody>
+                    <a:bodyPr vert="horz" lIns="91440" tIns="45720" rIns="91440" bIns="45720" anchor="t" anchorCtr="0"/>
+                    <a:p>
+                      <a:pPr lvl="0">
+                        <a:defRPr/>
+                      </a:pPr>
+                      <a:r>
+                        <a:rPr lang="en-US" altLang="ko-KR" sz="1400" b="1"/>
                         <a:t>5. K-means</a:t>
                       </a:r>
                       <a:r>
-                        <a:rPr lang="ko-KR" altLang="en-US" sz="1400" b="1" dirty="0"/>
+                        <a:rPr lang="ko-KR" altLang="en-US" sz="1400" b="1"/>
                         <a:t>모델을 이용한 </a:t>
                       </a:r>
                       <a:r>
-                        <a:rPr lang="en-US" altLang="ko-KR" sz="1400" b="1" dirty="0"/>
+                        <a:rPr lang="en-US" altLang="ko-KR" sz="1400" b="1"/>
                         <a:t>clustering </a:t>
                       </a:r>
                       <a:r>
-                        <a:rPr lang="ko-KR" altLang="en-US" sz="1400" b="1" dirty="0"/>
+                        <a:rPr lang="ko-KR" altLang="en-US" sz="1400" b="1"/>
                         <a:t>및 분석</a:t>
                       </a:r>
-                      <a:endParaRPr lang="en-US" altLang="ko-KR" sz="1400" b="1" dirty="0"/>
-                    </a:p>
-                    <a:p>
-                      <a:r>
-                        <a:rPr lang="en-US" altLang="ko-KR" sz="1200" dirty="0"/>
+                      <a:endParaRPr lang="ko-KR" altLang="en-US" sz="1400" b="1"/>
+                    </a:p>
+                    <a:p>
+                      <a:pPr lvl="0">
+                        <a:defRPr/>
+                      </a:pPr>
+                      <a:r>
+                        <a:rPr lang="en-US" altLang="ko-KR" sz="1200"/>
                         <a:t>1) </a:t>
                       </a:r>
                       <a:r>
-                        <a:rPr lang="ko-KR" altLang="en-US" sz="1200" dirty="0"/>
+                        <a:rPr lang="ko-KR" altLang="en-US" sz="1200"/>
                         <a:t>전체 학습데이터 중 보험사기자 비율은 약 </a:t>
                       </a:r>
                       <a:r>
-                        <a:rPr lang="en-US" altLang="ko-KR" sz="1200" dirty="0"/>
+                        <a:rPr lang="en-US" altLang="ko-KR" sz="1200"/>
                         <a:t>8.75%</a:t>
                       </a:r>
                       <a:r>
-                        <a:rPr lang="ko-KR" altLang="en-US" sz="1200" dirty="0"/>
+                        <a:rPr lang="ko-KR" altLang="en-US" sz="1200"/>
                         <a:t>이다</a:t>
                       </a:r>
                       <a:r>
-                        <a:rPr lang="en-US" altLang="ko-KR" sz="1200" dirty="0"/>
+                        <a:rPr lang="en-US" altLang="ko-KR" sz="1200"/>
                         <a:t>.</a:t>
                       </a:r>
-                    </a:p>
-                    <a:p>
-                      <a:r>
-                        <a:rPr lang="en-US" altLang="ko-KR" sz="1200" dirty="0"/>
+                      <a:endParaRPr lang="en-US" altLang="ko-KR" sz="1200"/>
+                    </a:p>
+                    <a:p>
+                      <a:pPr lvl="0">
+                        <a:defRPr/>
+                      </a:pPr>
+                      <a:r>
+                        <a:rPr lang="en-US" altLang="ko-KR" sz="1200"/>
                         <a:t>2) 1</a:t>
                       </a:r>
                       <a:r>
-                        <a:rPr lang="ko-KR" altLang="en-US" sz="1200" dirty="0"/>
+                        <a:rPr lang="ko-KR" altLang="en-US" sz="1200"/>
                         <a:t>차로 나뉜 </a:t>
                       </a:r>
                       <a:r>
-                        <a:rPr lang="en-US" altLang="ko-KR" sz="1200" dirty="0"/>
+                        <a:rPr lang="en-US" altLang="ko-KR" sz="1200"/>
                         <a:t>5</a:t>
                       </a:r>
                       <a:r>
-                        <a:rPr lang="ko-KR" altLang="en-US" sz="1200" dirty="0"/>
+                        <a:rPr lang="ko-KR" altLang="en-US" sz="1200"/>
                         <a:t>개의 군집을 각각 </a:t>
                       </a:r>
                       <a:r>
-                        <a:rPr lang="en-US" altLang="ko-KR" sz="1200" dirty="0"/>
+                        <a:rPr lang="en-US" altLang="ko-KR" sz="1200"/>
                         <a:t>2~4</a:t>
                       </a:r>
                       <a:r>
-                        <a:rPr lang="ko-KR" altLang="en-US" sz="1200" dirty="0"/>
+                        <a:rPr lang="ko-KR" altLang="en-US" sz="1200"/>
                         <a:t>차 군집을 진행해서 보험사기자가 </a:t>
                       </a:r>
                       <a:r>
-                        <a:rPr lang="en-US" altLang="ko-KR" sz="1200" dirty="0"/>
+                        <a:rPr lang="en-US" altLang="ko-KR" sz="1200"/>
                         <a:t>5% </a:t>
                       </a:r>
                       <a:r>
-                        <a:rPr lang="ko-KR" altLang="en-US" sz="1200" dirty="0"/>
+                        <a:rPr lang="ko-KR" altLang="en-US" sz="1200"/>
                         <a:t>미만인 군집 </a:t>
                       </a:r>
                       <a:r>
-                        <a:rPr lang="en-US" altLang="ko-KR" sz="1200" dirty="0"/>
+                        <a:rPr lang="en-US" altLang="ko-KR" sz="1200"/>
                         <a:t>10</a:t>
                       </a:r>
                       <a:r>
-                        <a:rPr lang="ko-KR" altLang="en-US" sz="1200" dirty="0"/>
+                        <a:rPr lang="ko-KR" altLang="en-US" sz="1200"/>
                         <a:t>개를 추출</a:t>
                       </a:r>
                       <a:r>
-                        <a:rPr lang="en-US" altLang="ko-KR" sz="1200" dirty="0"/>
+                        <a:rPr lang="en-US" altLang="ko-KR" sz="1200"/>
                         <a:t>.</a:t>
                       </a:r>
-                    </a:p>
-                    <a:p>
-                      <a:r>
-                        <a:rPr lang="en-US" altLang="ko-KR" sz="1200" dirty="0"/>
+                      <a:endParaRPr lang="en-US" altLang="ko-KR" sz="1200"/>
+                    </a:p>
+                    <a:p>
+                      <a:pPr lvl="0">
+                        <a:defRPr/>
+                      </a:pPr>
+                      <a:r>
+                        <a:rPr lang="en-US" altLang="ko-KR" sz="1200"/>
+                        <a:t>3) 2)</a:t>
+                      </a:r>
+                      <a:r>
+                        <a:rPr lang="ko-KR" altLang="en-US" sz="1200"/>
+                        <a:t>번 군집을 제외한 데이터를 다시 군집해서 보험사기자가 </a:t>
+                      </a:r>
+                      <a:r>
+                        <a:rPr lang="en-US" altLang="ko-KR" sz="1200"/>
+                        <a:t>15%</a:t>
+                      </a:r>
+                      <a:r>
+                        <a:rPr lang="ko-KR" altLang="en-US" sz="1200"/>
+                        <a:t>를 초과하는 군집 </a:t>
+                      </a:r>
+                      <a:r>
+                        <a:rPr lang="en-US" altLang="ko-KR" sz="1200"/>
+                        <a:t>6</a:t>
+                      </a:r>
+                      <a:r>
+                        <a:rPr lang="ko-KR" altLang="en-US" sz="1200"/>
+                        <a:t>개를 추출</a:t>
+                      </a:r>
+                      <a:r>
+                        <a:rPr lang="en-US" altLang="ko-KR" sz="1200"/>
+                        <a:t>.</a:t>
+                      </a:r>
+                      <a:endParaRPr lang="en-US" altLang="ko-KR" sz="1200"/>
+                    </a:p>
+                    <a:p>
+                      <a:pPr lvl="0">
+                        <a:defRPr/>
+                      </a:pPr>
+                      <a:r>
+                        <a:rPr lang="en-US" altLang="ko-KR" sz="1200"/>
+                        <a:t>4) </a:t>
+                      </a:r>
+                      <a:r>
+                        <a:rPr lang="ko-KR" altLang="en-US" sz="1200"/>
+                        <a:t>두 집단의 특성 분석하기</a:t>
+                      </a:r>
+                      <a:endParaRPr lang="ko-KR" altLang="en-US" sz="1200"/>
+                    </a:p>
+                    <a:p>
+                      <a:pPr lvl="0">
+                        <a:defRPr/>
+                      </a:pPr>
+                      <a:r>
+                        <a:rPr lang="ko-KR" altLang="en-US" sz="1200"/>
+                        <a:t>   ⦁ 보험사기라고 의심해 볼 수 있는 경우</a:t>
+                      </a:r>
+                      <a:endParaRPr lang="ko-KR" altLang="en-US" sz="1200"/>
+                    </a:p>
+                    <a:p>
+                      <a:pPr lvl="0">
+                        <a:defRPr/>
+                      </a:pPr>
+                      <a:r>
+                        <a:rPr lang="en-US" altLang="ko-KR" sz="1200"/>
                         <a:t>   </a:t>
                       </a:r>
                       <a:r>
-                        <a:rPr lang="ko-KR" altLang="en-US" sz="1200" dirty="0"/>
-                        <a:t>보험사기자가</a:t>
-                      </a:r>
-                      <a:r>
-                        <a:rPr lang="en-US" altLang="ko-KR" sz="1200" dirty="0"/>
-                        <a:t> 5% </a:t>
-                      </a:r>
-                      <a:r>
-                        <a:rPr lang="ko-KR" altLang="en-US" sz="1200" dirty="0"/>
-                        <a:t>미만인 군집은 총 </a:t>
-                      </a:r>
-                      <a:r>
-                        <a:rPr lang="en-US" altLang="ko-KR" sz="1200" dirty="0"/>
-                        <a:t>6692</a:t>
-                      </a:r>
-                      <a:r>
-                        <a:rPr lang="ko-KR" altLang="en-US" sz="1200" dirty="0"/>
-                        <a:t>명이다</a:t>
-                      </a:r>
-                      <a:r>
-                        <a:rPr lang="en-US" altLang="ko-KR" sz="1200" dirty="0"/>
-                        <a:t>.</a:t>
-                      </a:r>
-                    </a:p>
-                    <a:p>
-                      <a:r>
-                        <a:rPr lang="en-US" altLang="ko-KR" sz="1200" dirty="0"/>
-                        <a:t>3) </a:t>
-                      </a:r>
-                      <a:r>
-                        <a:rPr lang="ko-KR" altLang="en-US" sz="1200" dirty="0"/>
-                        <a:t>전체 학습데이터에서</a:t>
-                      </a:r>
-                      <a:r>
-                        <a:rPr lang="en-US" altLang="ko-KR" sz="1200" dirty="0"/>
-                        <a:t> </a:t>
-                      </a:r>
-                      <a:r>
-                        <a:rPr lang="ko-KR" altLang="en-US" sz="1200" dirty="0"/>
-                        <a:t>보험사기자가</a:t>
-                      </a:r>
-                      <a:r>
-                        <a:rPr lang="en-US" altLang="ko-KR" sz="1200" dirty="0"/>
-                        <a:t> 5% </a:t>
-                      </a:r>
-                      <a:r>
-                        <a:rPr lang="ko-KR" altLang="en-US" sz="1200" dirty="0"/>
-                        <a:t>미만인 군집을 제외한 데이터를 다시 군집해서 </a:t>
-                      </a:r>
-                      <a:endParaRPr lang="en-US" altLang="ko-KR" sz="1200" dirty="0"/>
-                    </a:p>
-                    <a:p>
-                      <a:r>
-                        <a:rPr lang="en-US" altLang="ko-KR" sz="1200" dirty="0"/>
+                        <a:rPr lang="ko-KR" altLang="en-US" sz="1000"/>
+                        <a:t>청구사유가 진단일 때 청구횟수가 전체가입자의 청구횟수의 75%이상</a:t>
+                      </a:r>
+                      <a:endParaRPr lang="ko-KR" altLang="en-US" sz="1000"/>
+                    </a:p>
+                    <a:p>
+                      <a:pPr lvl="0">
+                        <a:defRPr/>
+                      </a:pPr>
+                      <a:r>
+                        <a:rPr lang="ko-KR" altLang="en-US" sz="1000"/>
+                        <a:t>   소득이 없는 중년 여성이 재해 또는 질병에 의한 입원으로 보험금을 청구</a:t>
+                      </a:r>
+                      <a:endParaRPr lang="ko-KR" altLang="en-US" sz="1000"/>
+                    </a:p>
+                    <a:p>
+                      <a:pPr lvl="0">
+                        <a:defRPr/>
+                      </a:pPr>
+                      <a:r>
+                        <a:rPr lang="ko-KR" altLang="en-US" sz="1000"/>
+                        <a:t>   소득이 없는 20대 남성이 질병에 의한 입원으로 보험금을 청구</a:t>
+                      </a:r>
+                      <a:endParaRPr lang="ko-KR" altLang="en-US" sz="1000"/>
+                    </a:p>
+                    <a:p>
+                      <a:pPr lvl="0">
+                        <a:defRPr/>
+                      </a:pPr>
+                      <a:r>
+                        <a:rPr lang="ko-KR" altLang="en-US" sz="1000"/>
+                        <a:t>   가구소득을 책임지는 중년남성이 질병에 의한 입원으로 보험금을 청구</a:t>
+                      </a:r>
+                      <a:endParaRPr lang="ko-KR" altLang="en-US" sz="1000"/>
+                    </a:p>
+                    <a:p>
+                      <a:pPr lvl="0">
+                        <a:defRPr/>
+                      </a:pPr>
+                      <a:r>
+                        <a:rPr lang="ko-KR" altLang="en-US" sz="1000"/>
+                        <a:t>   소득이 없는 여성의 납입총액이 전체 보험가입자의 납입총보험료의 75%를 넘기면서, 합계보험료가 중위 값 이상</a:t>
+                      </a:r>
+                      <a:endParaRPr lang="ko-KR" altLang="en-US" sz="1000"/>
+                    </a:p>
+                    <a:p>
+                      <a:pPr lvl="0">
+                        <a:defRPr/>
+                      </a:pPr>
+                      <a:r>
+                        <a:rPr lang="ko-KR" altLang="en-US" sz="1000"/>
+                        <a:t>   가구소득을 책임지는 중년여성이 전체 보험가입자의 납입총보험료의 75%를 넘기면서, 합계보험료가 중위 값 이상</a:t>
+                      </a:r>
+                      <a:endParaRPr lang="ko-KR" altLang="en-US" sz="1000"/>
+                    </a:p>
+                    <a:p>
+                      <a:pPr lvl="0">
+                        <a:defRPr/>
+                      </a:pPr>
+                      <a:r>
+                        <a:rPr lang="ko-KR" altLang="en-US" sz="1000"/>
+                        <a:t>   소득이 없는 중년여성이 비교적 가까운 거리에 소재한 병원에서 재해 또는 질병에 의한 입원으로 보험금을 청구</a:t>
+                      </a:r>
+                      <a:endParaRPr lang="ko-KR" altLang="en-US" sz="1100"/>
+                    </a:p>
+                    <a:p>
+                      <a:pPr lvl="0">
+                        <a:defRPr/>
+                      </a:pPr>
+                      <a:r>
+                        <a:rPr lang="ko-KR" altLang="en-US" sz="1100"/>
                         <a:t>   </a:t>
                       </a:r>
-                      <a:r>
-                        <a:rPr lang="ko-KR" altLang="en-US" sz="1200" dirty="0"/>
-                        <a:t>보험사기자가 </a:t>
-                      </a:r>
-                      <a:r>
-                        <a:rPr lang="en-US" altLang="ko-KR" sz="1200" dirty="0"/>
-                        <a:t>15%</a:t>
-                      </a:r>
-                      <a:r>
-                        <a:rPr lang="ko-KR" altLang="en-US" sz="1200" dirty="0"/>
-                        <a:t>를 초과하는 군집 </a:t>
-                      </a:r>
-                      <a:r>
-                        <a:rPr lang="en-US" altLang="ko-KR" sz="1200" dirty="0"/>
-                        <a:t>6</a:t>
-                      </a:r>
-                      <a:r>
-                        <a:rPr lang="ko-KR" altLang="en-US" sz="1200" dirty="0"/>
-                        <a:t>개를 추출</a:t>
-                      </a:r>
-                      <a:r>
-                        <a:rPr lang="en-US" altLang="ko-KR" sz="1200" dirty="0"/>
-                        <a:t>. </a:t>
-                      </a:r>
-                      <a:r>
-                        <a:rPr lang="ko-KR" altLang="en-US" sz="1200" dirty="0"/>
-                        <a:t>총 </a:t>
-                      </a:r>
-                      <a:r>
-                        <a:rPr lang="en-US" altLang="ko-KR" sz="1200" dirty="0"/>
-                        <a:t>3031</a:t>
-                      </a:r>
-                      <a:r>
-                        <a:rPr lang="ko-KR" altLang="en-US" sz="1200" dirty="0"/>
-                        <a:t>명이다</a:t>
-                      </a:r>
-                      <a:r>
-                        <a:rPr lang="en-US" altLang="ko-KR" sz="1200" dirty="0"/>
-                        <a:t>.</a:t>
-                      </a:r>
-                    </a:p>
-                    <a:p>
-                      <a:r>
-                        <a:rPr lang="en-US" altLang="ko-KR" sz="1200" dirty="0"/>
-                        <a:t>4) </a:t>
-                      </a:r>
-                      <a:r>
-                        <a:rPr lang="ko-KR" altLang="en-US" sz="1200" dirty="0"/>
-                        <a:t>두 집단의 특성 분석하기</a:t>
-                      </a:r>
-                      <a:endParaRPr lang="en-US" altLang="ko-KR" sz="1200" dirty="0"/>
-                    </a:p>
-                    <a:p>
-                      <a:r>
-                        <a:rPr lang="en-US" altLang="ko-KR" sz="1200" dirty="0"/>
-                        <a:t>    15%</a:t>
-                      </a:r>
-                      <a:r>
-                        <a:rPr lang="ko-KR" altLang="en-US" sz="1200" dirty="0"/>
-                        <a:t>초과 집단은 </a:t>
-                      </a:r>
-                      <a:r>
-                        <a:rPr lang="en-US" altLang="ko-KR" sz="1200" dirty="0"/>
-                        <a:t>5%</a:t>
-                      </a:r>
-                      <a:r>
-                        <a:rPr lang="ko-KR" altLang="en-US" sz="1200" dirty="0"/>
-                        <a:t>미만 집단보다 평균적으로 자녀의 수가 더 많다</a:t>
-                      </a:r>
-                      <a:r>
-                        <a:rPr lang="en-US" altLang="ko-KR" sz="1200" dirty="0"/>
-                        <a:t>.</a:t>
-                      </a:r>
-                    </a:p>
-                    <a:p>
-                      <a:r>
-                        <a:rPr lang="en-US" altLang="ko-KR" sz="1400" dirty="0"/>
-                        <a:t>    </a:t>
-                      </a:r>
-                      <a:r>
-                        <a:rPr lang="en-US" altLang="ko-KR" sz="1200" dirty="0"/>
-                        <a:t>15%</a:t>
-                      </a:r>
-                      <a:r>
-                        <a:rPr lang="ko-KR" altLang="en-US" sz="1200" dirty="0"/>
-                        <a:t>초과 집단은 </a:t>
-                      </a:r>
-                      <a:r>
-                        <a:rPr lang="en-US" altLang="ko-KR" sz="1200" dirty="0"/>
-                        <a:t>5%</a:t>
-                      </a:r>
-                      <a:r>
-                        <a:rPr lang="ko-KR" altLang="en-US" sz="1200" dirty="0"/>
-                        <a:t>미만 집단보다 평균적으로 합계보험료가 더 높다</a:t>
-                      </a:r>
-                      <a:r>
-                        <a:rPr lang="en-US" altLang="ko-KR" sz="1200" dirty="0"/>
-                        <a:t>.</a:t>
-                      </a:r>
-                    </a:p>
-                    <a:p>
-                      <a:r>
-                        <a:rPr lang="en-US" altLang="ko-KR" sz="1200" dirty="0"/>
-                        <a:t>    15%</a:t>
-                      </a:r>
-                      <a:r>
-                        <a:rPr lang="ko-KR" altLang="en-US" sz="1200" dirty="0"/>
-                        <a:t>초과 집단은 </a:t>
-                      </a:r>
-                      <a:r>
-                        <a:rPr lang="en-US" altLang="ko-KR" sz="1200" dirty="0"/>
-                        <a:t>5%</a:t>
-                      </a:r>
-                      <a:r>
-                        <a:rPr lang="ko-KR" altLang="en-US" sz="1200" dirty="0"/>
-                        <a:t>미만 집단보다 총 납입보험료의 평균값과 중앙값이 모두 크다</a:t>
-                      </a:r>
-                      <a:r>
-                        <a:rPr lang="en-US" altLang="ko-KR" sz="1200" dirty="0"/>
-                        <a:t>.</a:t>
-                      </a:r>
-                    </a:p>
-                    <a:p>
-                      <a:r>
-                        <a:rPr lang="ko-KR" altLang="en-US" sz="1200" dirty="0"/>
-                        <a:t>    </a:t>
-                      </a:r>
-                      <a:r>
-                        <a:rPr lang="en-US" altLang="ko-KR" sz="1200" dirty="0"/>
-                        <a:t>15%</a:t>
-                      </a:r>
-                      <a:r>
-                        <a:rPr lang="ko-KR" altLang="en-US" sz="1200" dirty="0"/>
-                        <a:t>초과 집단은 </a:t>
-                      </a:r>
-                      <a:r>
-                        <a:rPr lang="en-US" altLang="ko-KR" sz="1200" dirty="0"/>
-                        <a:t>5%</a:t>
-                      </a:r>
-                      <a:r>
-                        <a:rPr lang="ko-KR" altLang="en-US" sz="1200" dirty="0"/>
-                        <a:t>미만 집단보다 병원과의 거리가 평균적으로 가깝다</a:t>
-                      </a:r>
-                      <a:r>
-                        <a:rPr lang="en-US" altLang="ko-KR" sz="1200" dirty="0"/>
-                        <a:t>.</a:t>
-                      </a:r>
-                    </a:p>
-                    <a:p>
-                      <a:pPr marL="0" marR="0" lvl="0" indent="0" algn="l" defTabSz="914400" rtl="0" eaLnBrk="1" fontAlgn="auto" latinLnBrk="1" hangingPunct="1">
+                      <a:endParaRPr lang="ko-KR" altLang="en-US" sz="1100"/>
+                    </a:p>
+                    <a:p>
+                      <a:pPr lvl="0">
+                        <a:defRPr/>
+                      </a:pPr>
+                      <a:r>
+                        <a:rPr lang="ko-KR" altLang="en-US" sz="1100"/>
+                        <a:t>   ⦁ 보험사기자로 보기 어려운 경우</a:t>
+                      </a:r>
+                      <a:endParaRPr lang="ko-KR" altLang="en-US" sz="1100"/>
+                    </a:p>
+                    <a:p>
+                      <a:pPr lvl="0">
+                        <a:defRPr/>
+                      </a:pPr>
+                      <a:r>
+                        <a:rPr lang="ko-KR" altLang="en-US" sz="1100"/>
+                        <a:t>   </a:t>
+                      </a:r>
+                      <a:r>
+                        <a:rPr lang="ko-KR" altLang="en-US" sz="1000"/>
+                        <a:t>거주지에서 상당한 거리에 소재한 병원에서 수술 또는 치료에 의한 보험금을 청구</a:t>
+                      </a:r>
+                      <a:endParaRPr lang="ko-KR" altLang="en-US" sz="1000"/>
+                    </a:p>
+                    <a:p>
+                      <a:pPr lvl="0">
+                        <a:defRPr/>
+                      </a:pPr>
+                      <a:r>
+                        <a:rPr lang="ko-KR" altLang="en-US" sz="1000"/>
+                        <a:t>   가구소득이 전체 보험가입자의 가구소득의 중위값보다 20%가량 낮으면서 소득이 없고 자녀도 없는 중년남성의 사망으로 보험금을 청구</a:t>
+                      </a:r>
+                      <a:endParaRPr lang="ko-KR" altLang="en-US" sz="1000"/>
+                    </a:p>
+                    <a:p>
+                      <a:pPr lvl="0">
+                        <a:defRPr/>
+                      </a:pPr>
+                      <a:r>
+                        <a:rPr lang="ko-KR" altLang="en-US" sz="1000"/>
+                        <a:t>   소득이 없는 20대 남성이 거주지에서 상당한 거리에 소재한 병원에서 질병에 의한 치료로 보험금을 청구</a:t>
+                      </a:r>
+                      <a:endParaRPr lang="ko-KR" altLang="en-US" sz="1000"/>
+                    </a:p>
+                    <a:p>
+                      <a:pPr lvl="0">
+                        <a:defRPr/>
+                      </a:pPr>
+                      <a:r>
+                        <a:rPr lang="ko-KR" altLang="en-US" sz="1000"/>
+                        <a:t>  성별이나 소득, 나이에 관계없이 상당한 거리에 소재한 병원에서 질병 또는 재해에 의한 통원으로 보험금을 청구</a:t>
+                      </a:r>
+                      <a:endParaRPr lang="ko-KR" altLang="en-US" sz="1000"/>
+                    </a:p>
+                    <a:p>
+                      <a:pPr lvl="0">
+                        <a:defRPr/>
+                      </a:pPr>
+                      <a:r>
+                        <a:rPr lang="ko-KR" altLang="en-US" sz="1000"/>
+                        <a:t>  소득이 있는 30대 여성이 질병에 의한 수술로 보험금을 청구</a:t>
+                      </a:r>
+                      <a:endParaRPr lang="ko-KR" altLang="en-US" sz="1000"/>
+                    </a:p>
+                    <a:p>
+                      <a:pPr lvl="0">
+                        <a:defRPr/>
+                      </a:pPr>
+                      <a:r>
+                        <a:rPr lang="ko-KR" altLang="en-US" sz="1000"/>
+                        <a:t>  합계보험료가 중위값에 근접하거나 보다 많다고 하더라고 소득이 없는 중년 여성이 거주지에서 상당한 거리에 소재한 병원에서 재해에 의한 수술로 보험금을 청구</a:t>
+                      </a:r>
+                      <a:endParaRPr lang="ko-KR" altLang="en-US" sz="1000"/>
+                    </a:p>
+                    <a:p>
+                      <a:pPr lvl="0">
+                        <a:defRPr/>
+                      </a:pPr>
+                      <a:r>
+                        <a:rPr lang="ko-KR" altLang="en-US" sz="1000"/>
+                        <a:t>  청구사유가 진단일 때 청구횟수가 전체가입자의 청구횟수의 중위 값 수준이거나 그보다 낮음</a:t>
+                      </a:r>
+                      <a:endParaRPr lang="ko-KR" altLang="en-US" sz="1100"/>
+                    </a:p>
+                    <a:p>
+                      <a:pPr marL="0" marR="0" lvl="0" indent="0" algn="l" defTabSz="914400" rtl="0" eaLnBrk="1" latinLnBrk="1" hangingPunct="1">
                         <a:lnSpc>
                           <a:spcPct val="100000"/>
                         </a:lnSpc>
@@ -4848,173 +5180,145 @@
                           <a:spcPts val="0"/>
                         </a:spcAft>
                         <a:buClrTx/>
-                        <a:buSzTx/>
                         <a:buFontTx/>
                         <a:buNone/>
-                        <a:tabLst/>
-                        <a:defRPr/>
-                      </a:pPr>
-                      <a:r>
-                        <a:rPr lang="en-US" altLang="ko-KR" sz="1200" dirty="0"/>
-                        <a:t>    15%</a:t>
-                      </a:r>
-                      <a:r>
-                        <a:rPr lang="ko-KR" altLang="en-US" sz="1200" dirty="0"/>
-                        <a:t>초과 집단은 </a:t>
-                      </a:r>
-                      <a:r>
-                        <a:rPr lang="en-US" altLang="ko-KR" sz="1200" dirty="0"/>
-                        <a:t>5%</a:t>
-                      </a:r>
-                      <a:r>
-                        <a:rPr lang="ko-KR" altLang="en-US" sz="1200" dirty="0"/>
-                        <a:t>미만 집단보다 추정가구소득의 평균값과 중앙값이 모두 크다</a:t>
-                      </a:r>
-                      <a:r>
-                        <a:rPr lang="en-US" altLang="ko-KR" sz="1200" dirty="0"/>
+                        <a:defRPr/>
+                      </a:pPr>
+                      <a:endParaRPr lang="en-US" altLang="ko-KR" sz="1200"/>
+                    </a:p>
+                    <a:p>
+                      <a:pPr lvl="0">
+                        <a:defRPr/>
+                      </a:pPr>
+                      <a:r>
+                        <a:rPr lang="en-US" altLang="ko-KR" sz="1400" b="1"/>
+                        <a:t>6. </a:t>
+                      </a:r>
+                      <a:r>
+                        <a:rPr lang="ko-KR" altLang="en-US" sz="1400" b="1"/>
+                        <a:t>군집 데이터로 학습데이터 완성</a:t>
+                      </a:r>
+                      <a:endParaRPr lang="en-US" altLang="ko-KR" sz="1400" b="1"/>
+                    </a:p>
+                    <a:p>
+                      <a:pPr marL="228600" indent="-228600">
+                        <a:buAutoNum type="arabicParenR"/>
+                        <a:defRPr/>
+                      </a:pPr>
+                      <a:r>
+                        <a:rPr lang="ko-KR" altLang="en-US" sz="1200"/>
+                        <a:t>군집들의 인덱스를 활용해서 </a:t>
+                      </a:r>
+                      <a:r>
+                        <a:rPr lang="en-US" altLang="ko-KR" sz="1200"/>
+                        <a:t>10009</a:t>
+                      </a:r>
+                      <a:r>
+                        <a:rPr lang="ko-KR" altLang="en-US" sz="1200"/>
+                        <a:t>명의 최종 훈련데이터를 추출</a:t>
+                      </a:r>
+                      <a:r>
+                        <a:rPr lang="en-US" altLang="ko-KR" sz="1200"/>
                         <a:t>.</a:t>
                       </a:r>
-                    </a:p>
-                    <a:p>
-                      <a:r>
-                        <a:rPr lang="en-US" altLang="ko-KR" sz="1200" dirty="0"/>
-                        <a:t>    15%</a:t>
-                      </a:r>
-                      <a:r>
-                        <a:rPr lang="ko-KR" altLang="en-US" sz="1200" dirty="0"/>
-                        <a:t>초과 집단은 </a:t>
-                      </a:r>
-                      <a:r>
-                        <a:rPr lang="en-US" altLang="ko-KR" sz="1200" dirty="0"/>
-                        <a:t>5%</a:t>
-                      </a:r>
-                      <a:r>
-                        <a:rPr lang="ko-KR" altLang="en-US" sz="1200" dirty="0"/>
-                        <a:t>미만 집단보다 나이의 평균값과 중앙값이 모두 크다</a:t>
-                      </a:r>
-                      <a:r>
-                        <a:rPr lang="en-US" altLang="ko-KR" sz="1200" dirty="0"/>
+                      <a:endParaRPr lang="en-US" altLang="ko-KR" sz="1200"/>
+                    </a:p>
+                    <a:p>
+                      <a:pPr marL="228600" indent="-228600">
+                        <a:buAutoNum type="arabicParenR"/>
+                        <a:defRPr/>
+                      </a:pPr>
+                      <a:r>
+                        <a:rPr lang="ko-KR" altLang="en-US" sz="1200"/>
+                        <a:t>훈련데이터의 </a:t>
+                      </a:r>
+                      <a:r>
+                        <a:rPr lang="en-US" altLang="ko-KR" sz="1200"/>
+                        <a:t>label </a:t>
+                      </a:r>
+                      <a:r>
+                        <a:rPr lang="ko-KR" altLang="en-US" sz="1200"/>
+                        <a:t>불균형을 해소하기 위해 </a:t>
+                      </a:r>
+                      <a:r>
+                        <a:rPr lang="en-US" altLang="ko-KR" sz="1200"/>
+                        <a:t>SMOTE</a:t>
+                      </a:r>
+                      <a:r>
+                        <a:rPr lang="ko-KR" altLang="en-US" sz="1200"/>
+                        <a:t>사용</a:t>
+                      </a:r>
+                      <a:r>
+                        <a:rPr lang="en-US" altLang="ko-KR" sz="1200"/>
                         <a:t>.</a:t>
                       </a:r>
-                    </a:p>
-                    <a:p>
-                      <a:r>
-                        <a:rPr lang="en-US" altLang="ko-KR" sz="1200" dirty="0"/>
-                        <a:t>    15%</a:t>
-                      </a:r>
-                      <a:r>
-                        <a:rPr lang="ko-KR" altLang="en-US" sz="1200" dirty="0"/>
-                        <a:t>초과 집단은 </a:t>
-                      </a:r>
-                      <a:r>
-                        <a:rPr lang="en-US" altLang="ko-KR" sz="1200" dirty="0"/>
-                        <a:t>5%</a:t>
-                      </a:r>
-                      <a:r>
-                        <a:rPr lang="ko-KR" altLang="en-US" sz="1200" dirty="0"/>
-                        <a:t>미만 집단보다 고객등록일이 평균적으로 더 길다</a:t>
-                      </a:r>
-                      <a:r>
-                        <a:rPr lang="en-US" altLang="ko-KR" sz="1200" dirty="0"/>
-                        <a:t>.</a:t>
-                      </a:r>
-                    </a:p>
-                    <a:p>
-                      <a:r>
-                        <a:rPr lang="en-US" altLang="ko-KR" sz="1200" dirty="0"/>
-                        <a:t>    15%</a:t>
-                      </a:r>
-                      <a:r>
-                        <a:rPr lang="ko-KR" altLang="en-US" sz="1200" dirty="0"/>
-                        <a:t>초과 집단은 </a:t>
-                      </a:r>
-                      <a:r>
-                        <a:rPr lang="en-US" altLang="ko-KR" sz="1200" dirty="0"/>
-                        <a:t>5%</a:t>
-                      </a:r>
-                      <a:r>
-                        <a:rPr lang="ko-KR" altLang="en-US" sz="1200" dirty="0"/>
-                        <a:t>미만 집단보다 청구횟수가 평균적으로 더 많다</a:t>
-                      </a:r>
-                      <a:r>
-                        <a:rPr lang="en-US" altLang="ko-KR" sz="1200" dirty="0"/>
-                        <a:t>.</a:t>
-                      </a:r>
-                    </a:p>
-                    <a:p>
-                      <a:r>
-                        <a:rPr lang="en-US" altLang="ko-KR" sz="1200" dirty="0"/>
-                        <a:t>    15%</a:t>
-                      </a:r>
-                      <a:r>
-                        <a:rPr lang="ko-KR" altLang="en-US" sz="1200" dirty="0"/>
-                        <a:t>초과 집단은 </a:t>
-                      </a:r>
-                      <a:r>
-                        <a:rPr lang="en-US" altLang="ko-KR" sz="1200" dirty="0"/>
-                        <a:t>5%</a:t>
-                      </a:r>
-                      <a:r>
-                        <a:rPr lang="ko-KR" altLang="en-US" sz="1200" dirty="0"/>
-                        <a:t>미만 집단보다 추정고객소득의 평균값과 중앙값이 모두 적다</a:t>
-                      </a:r>
-                      <a:r>
-                        <a:rPr lang="en-US" altLang="ko-KR" sz="1200" dirty="0"/>
-                        <a:t>.</a:t>
-                      </a:r>
-                    </a:p>
-                    <a:p>
-                      <a:r>
-                        <a:rPr lang="en-US" altLang="ko-KR" sz="1200" dirty="0"/>
+                      <a:endParaRPr lang="en-US" altLang="ko-KR" sz="1200"/>
+                    </a:p>
+                    <a:p>
+                      <a:pPr marL="0" indent="0">
+                        <a:buNone/>
+                        <a:defRPr/>
+                      </a:pPr>
+                      <a:r>
+                        <a:rPr lang="en-US" altLang="ko-KR" sz="1200"/>
                         <a:t>    </a:t>
                       </a:r>
-                    </a:p>
-                    <a:p>
-                      <a:r>
-                        <a:rPr lang="en-US" altLang="ko-KR" sz="1200" dirty="0"/>
-                        <a:t>    15%</a:t>
-                      </a:r>
-                      <a:r>
-                        <a:rPr lang="ko-KR" altLang="en-US" sz="1200" dirty="0"/>
-                        <a:t>초과 집단은 </a:t>
-                      </a:r>
-                      <a:r>
-                        <a:rPr lang="en-US" altLang="ko-KR" sz="1200" dirty="0"/>
-                        <a:t>5%</a:t>
-                      </a:r>
-                      <a:r>
-                        <a:rPr lang="ko-KR" altLang="en-US" sz="1200" dirty="0"/>
-                        <a:t>미만 집단보다 입원으로 청구하는 비율이 현저히 높다</a:t>
-                      </a:r>
-                      <a:r>
-                        <a:rPr lang="en-US" altLang="ko-KR" sz="1200" dirty="0"/>
-                        <a:t>.</a:t>
-                      </a:r>
-                    </a:p>
-                    <a:p>
-                      <a:r>
-                        <a:rPr lang="en-US" altLang="ko-KR" sz="1200" dirty="0"/>
-                        <a:t>    15%</a:t>
-                      </a:r>
-                      <a:r>
-                        <a:rPr lang="ko-KR" altLang="en-US" sz="1200" dirty="0"/>
-                        <a:t>초과 집단은 </a:t>
-                      </a:r>
-                      <a:r>
-                        <a:rPr lang="en-US" altLang="ko-KR" sz="1200" dirty="0"/>
-                        <a:t>5%</a:t>
-                      </a:r>
-                      <a:r>
-                        <a:rPr lang="ko-KR" altLang="en-US" sz="1200" dirty="0"/>
-                        <a:t>미만 집단보다 통원으로 청구하는 비율이 현저히 낮다</a:t>
-                      </a:r>
-                      <a:r>
-                        <a:rPr lang="en-US" altLang="ko-KR" sz="1200" dirty="0"/>
-                        <a:t>.</a:t>
-                      </a:r>
-                    </a:p>
-                    <a:p>
-                      <a:pPr marL="0" marR="0" lvl="0" indent="0" algn="l" defTabSz="914400" rtl="0" eaLnBrk="1" fontAlgn="auto" latinLnBrk="1" hangingPunct="1">
+                      <a:r>
+                        <a:rPr lang="ko-KR" altLang="en-US" sz="1200"/>
+                        <a:t>적용 전 보험사기자의 비율은 </a:t>
+                      </a:r>
+                      <a:r>
+                        <a:rPr lang="en-US" altLang="ko-KR" sz="1200"/>
+                        <a:t>7.9%, </a:t>
+                      </a:r>
+                      <a:r>
+                        <a:rPr lang="ko-KR" altLang="en-US" sz="1200"/>
+                        <a:t>적용 후 보험사기자 비율은 </a:t>
+                      </a:r>
+                      <a:r>
+                        <a:rPr lang="en-US" altLang="ko-KR" sz="1200"/>
+                        <a:t>50.1%.</a:t>
+                      </a:r>
+                      <a:endParaRPr lang="en-US" altLang="ko-KR" sz="1200"/>
+                    </a:p>
+                    <a:p>
+                      <a:pPr marL="0" indent="0">
+                        <a:buNone/>
+                        <a:defRPr/>
+                      </a:pPr>
+                      <a:r>
+                        <a:rPr lang="en-US" altLang="ko-KR" sz="1200"/>
+                        <a:t>2) </a:t>
+                      </a:r>
+                      <a:r>
+                        <a:rPr lang="ko-KR" altLang="en-US" sz="1200"/>
+                        <a:t>검증데이터 정규화와 인코딩 진행</a:t>
+                      </a:r>
+                      <a:endParaRPr lang="ko-KR" altLang="en-US" sz="1200"/>
+                    </a:p>
+                    <a:p>
+                      <a:pPr marL="0" indent="0">
+                        <a:buNone/>
+                        <a:defRPr/>
+                      </a:pPr>
+                      <a:endParaRPr lang="en-US" altLang="ko-KR" sz="1200"/>
+                    </a:p>
+                    <a:p>
+                      <a:pPr lvl="0">
+                        <a:defRPr/>
+                      </a:pPr>
+                      <a:r>
+                        <a:rPr lang="en-US" altLang="ko-KR" sz="1400" b="1"/>
+                        <a:t>7. DecisionTree</a:t>
+                      </a:r>
+                      <a:r>
+                        <a:rPr lang="ko-KR" altLang="en-US" sz="1400" b="1"/>
+                        <a:t>를 이용한 보험사기자 예측 모델 생성</a:t>
+                      </a:r>
+                      <a:endParaRPr lang="ko-KR" altLang="en-US" sz="1400" b="1"/>
+                    </a:p>
+                    <a:p>
+                      <a:pPr marL="228600" marR="0" lvl="0" indent="-228600" algn="l" defTabSz="914400" rtl="0" eaLnBrk="1" latinLnBrk="1" hangingPunct="1">
                         <a:lnSpc>
                           <a:spcPct val="100000"/>
                         </a:lnSpc>
@@ -5025,19 +5329,34 @@
                           <a:spcPts val="0"/>
                         </a:spcAft>
                         <a:buClrTx/>
-                        <a:buSzTx/>
                         <a:buFontTx/>
-                        <a:buNone/>
-                        <a:tabLst/>
-                        <a:defRPr/>
-                      </a:pPr>
-                      <a:r>
-                        <a:rPr lang="en-US" altLang="ko-KR" sz="1200" dirty="0"/>
-                        <a:t>    </a:t>
-                      </a:r>
-                    </a:p>
-                    <a:p>
-                      <a:pPr marL="0" marR="0" lvl="0" indent="0" algn="l" defTabSz="914400" rtl="0" eaLnBrk="1" fontAlgn="auto" latinLnBrk="1" hangingPunct="1">
+                        <a:buAutoNum type="arabicParenR"/>
+                        <a:defRPr/>
+                      </a:pPr>
+                      <a:r>
+                        <a:rPr lang="ko-KR" altLang="en-US" sz="1200"/>
+                        <a:t>하이퍼파라미터 튜닝으로 최적의 </a:t>
+                      </a:r>
+                      <a:r>
+                        <a:rPr lang="en-US" altLang="ko-KR" sz="1200"/>
+                        <a:t>depth</a:t>
+                      </a:r>
+                      <a:r>
+                        <a:rPr lang="ko-KR" altLang="en-US" sz="1200"/>
+                        <a:t>와 </a:t>
+                      </a:r>
+                      <a:r>
+                        <a:rPr lang="en-US" altLang="ko-KR" sz="1200"/>
+                        <a:t>split</a:t>
+                      </a:r>
+                      <a:r>
+                        <a:rPr lang="ko-KR" altLang="en-US" sz="1200"/>
+                        <a:t>을 찾기</a:t>
+                      </a:r>
+                      <a:endParaRPr lang="ko-KR" altLang="en-US" sz="1200"/>
+                    </a:p>
+                    <a:p>
+                      <a:pPr marL="228600" marR="0" lvl="0" indent="-228600" algn="l" defTabSz="914400" rtl="0" eaLnBrk="1" latinLnBrk="1" hangingPunct="1">
                         <a:lnSpc>
                           <a:spcPct val="100000"/>
                         </a:lnSpc>
@@ -5048,35 +5367,34 @@
                           <a:spcPts val="0"/>
                         </a:spcAft>
                         <a:buClrTx/>
-                        <a:buSzTx/>
                         <a:buFontTx/>
-                        <a:buNone/>
-                        <a:tabLst/>
-                        <a:defRPr/>
-                      </a:pPr>
-                      <a:r>
-                        <a:rPr lang="en-US" altLang="ko-KR" sz="1200" dirty="0"/>
-                        <a:t>    15%</a:t>
-                      </a:r>
-                      <a:r>
-                        <a:rPr lang="ko-KR" altLang="en-US" sz="1200" dirty="0"/>
-                        <a:t>초과 집단은 </a:t>
-                      </a:r>
-                      <a:r>
-                        <a:rPr lang="en-US" altLang="ko-KR" sz="1200" dirty="0"/>
-                        <a:t>5%</a:t>
-                      </a:r>
-                      <a:r>
-                        <a:rPr lang="ko-KR" altLang="en-US" sz="1200" dirty="0"/>
-                        <a:t>미만 집단보다 재해로 보험금을 청구한 비율이 현저히 낮다</a:t>
-                      </a:r>
-                      <a:r>
-                        <a:rPr lang="en-US" altLang="ko-KR" sz="1200" dirty="0"/>
-                        <a:t>.</a:t>
-                      </a:r>
-                    </a:p>
-                    <a:p>
-                      <a:pPr marL="0" marR="0" lvl="0" indent="0" algn="l" defTabSz="914400" rtl="0" eaLnBrk="1" fontAlgn="auto" latinLnBrk="1" hangingPunct="1">
+                        <a:buAutoNum type="arabicParenR"/>
+                        <a:defRPr/>
+                      </a:pPr>
+                      <a:r>
+                        <a:rPr lang="en-US" altLang="ko-KR" sz="1200"/>
+                        <a:t>DecisionTree</a:t>
+                      </a:r>
+                      <a:r>
+                        <a:rPr lang="ko-KR" altLang="en-US" sz="1200"/>
+                        <a:t>를 이용해 재현율이 약 </a:t>
+                      </a:r>
+                      <a:r>
+                        <a:rPr lang="en-US" altLang="ko-KR" sz="1200"/>
+                        <a:t>64.3%</a:t>
+                      </a:r>
+                      <a:r>
+                        <a:rPr lang="ko-KR" altLang="en-US" sz="1200"/>
+                        <a:t>의 모델 생성</a:t>
+                      </a:r>
+                      <a:r>
+                        <a:rPr lang="en-US" altLang="ko-KR" sz="1200"/>
+                        <a:t>. </a:t>
+                      </a:r>
+                      <a:endParaRPr lang="en-US" altLang="ko-KR" sz="1200"/>
+                    </a:p>
+                    <a:p>
+                      <a:pPr marL="228600" marR="0" lvl="0" indent="-228600" algn="l" defTabSz="914400" rtl="0" eaLnBrk="1" latinLnBrk="1" hangingPunct="1">
                         <a:lnSpc>
                           <a:spcPct val="100000"/>
                         </a:lnSpc>
@@ -5087,35 +5405,30 @@
                           <a:spcPts val="0"/>
                         </a:spcAft>
                         <a:buClrTx/>
-                        <a:buSzTx/>
                         <a:buFontTx/>
-                        <a:buNone/>
-                        <a:tabLst/>
-                        <a:defRPr/>
-                      </a:pPr>
-                      <a:r>
-                        <a:rPr lang="en-US" altLang="ko-KR" sz="1200" dirty="0"/>
-                        <a:t>    15%</a:t>
-                      </a:r>
-                      <a:r>
-                        <a:rPr lang="ko-KR" altLang="en-US" sz="1200" dirty="0"/>
-                        <a:t>초과 집단은 </a:t>
-                      </a:r>
-                      <a:r>
-                        <a:rPr lang="en-US" altLang="ko-KR" sz="1200" dirty="0"/>
-                        <a:t>5%</a:t>
-                      </a:r>
-                      <a:r>
-                        <a:rPr lang="ko-KR" altLang="en-US" sz="1200" dirty="0"/>
-                        <a:t>미만 집단보다 질병으로 보험금을 청구한 높다</a:t>
-                      </a:r>
-                      <a:r>
-                        <a:rPr lang="en-US" altLang="ko-KR" sz="1200" dirty="0"/>
-                        <a:t>.</a:t>
-                      </a:r>
-                    </a:p>
-                    <a:p>
-                      <a:pPr marL="0" marR="0" lvl="0" indent="0" algn="l" defTabSz="914400" rtl="0" eaLnBrk="1" fontAlgn="auto" latinLnBrk="1" hangingPunct="1">
+                        <a:buAutoNum type="arabicParenR"/>
+                        <a:defRPr/>
+                      </a:pPr>
+                      <a:r>
+                        <a:rPr lang="ko-KR" altLang="en-US" sz="1200"/>
+                        <a:t>튜닝 전 재현율은 </a:t>
+                      </a:r>
+                      <a:r>
+                        <a:rPr lang="en-US" altLang="ko-KR" sz="1200"/>
+                        <a:t>63.2%, SMOTE</a:t>
+                      </a:r>
+                      <a:r>
+                        <a:rPr lang="ko-KR" altLang="en-US" sz="1200"/>
+                        <a:t>전 재현율은 </a:t>
+                      </a:r>
+                      <a:r>
+                        <a:rPr lang="en-US" altLang="ko-KR" sz="1200"/>
+                        <a:t>27.5%.</a:t>
+                      </a:r>
+                      <a:endParaRPr lang="en-US" altLang="ko-KR" sz="1200"/>
+                    </a:p>
+                    <a:p>
+                      <a:pPr marL="228600" marR="0" lvl="0" indent="-228600" algn="l" defTabSz="914400" rtl="0" eaLnBrk="1" latinLnBrk="1" hangingPunct="1">
                         <a:lnSpc>
                           <a:spcPct val="100000"/>
                         </a:lnSpc>
@@ -5126,306 +5439,51 @@
                           <a:spcPts val="0"/>
                         </a:spcAft>
                         <a:buClrTx/>
-                        <a:buSzTx/>
-                        <a:buFontTx/>
-                        <a:buNone/>
-                        <a:tabLst/>
-                        <a:defRPr/>
-                      </a:pPr>
-                      <a:r>
-                        <a:rPr lang="en-US" altLang="ko-KR" sz="1200" dirty="0"/>
-                        <a:t>    </a:t>
-                      </a:r>
-                    </a:p>
-                    <a:p>
-                      <a:pPr marL="0" marR="0" lvl="0" indent="0" algn="l" defTabSz="914400" rtl="0" eaLnBrk="1" fontAlgn="auto" latinLnBrk="1" hangingPunct="1">
-                        <a:lnSpc>
-                          <a:spcPct val="100000"/>
-                        </a:lnSpc>
-                        <a:spcBef>
-                          <a:spcPts val="0"/>
-                        </a:spcBef>
-                        <a:spcAft>
-                          <a:spcPts val="0"/>
-                        </a:spcAft>
-                        <a:buClrTx/>
-                        <a:buSzTx/>
-                        <a:buFontTx/>
-                        <a:buNone/>
-                        <a:tabLst/>
-                        <a:defRPr/>
-                      </a:pPr>
-                      <a:r>
-                        <a:rPr lang="en-US" altLang="ko-KR" sz="1200" dirty="0"/>
-                        <a:t>    15%</a:t>
-                      </a:r>
-                      <a:r>
-                        <a:rPr lang="ko-KR" altLang="en-US" sz="1200" dirty="0"/>
-                        <a:t>초과 집단은 </a:t>
-                      </a:r>
-                      <a:r>
-                        <a:rPr lang="en-US" altLang="ko-KR" sz="1200" dirty="0"/>
-                        <a:t>5%</a:t>
-                      </a:r>
-                      <a:r>
-                        <a:rPr lang="ko-KR" altLang="en-US" sz="1200" dirty="0"/>
-                        <a:t>미만 집단보다 여성 청구비율이 현저히 높다</a:t>
-                      </a:r>
-                      <a:r>
-                        <a:rPr lang="en-US" altLang="ko-KR" sz="1200" dirty="0"/>
-                        <a:t>.</a:t>
-                      </a:r>
-                    </a:p>
-                    <a:p>
-                      <a:pPr marL="0" marR="0" lvl="0" indent="0" algn="l" defTabSz="914400" rtl="0" eaLnBrk="1" fontAlgn="auto" latinLnBrk="1" hangingPunct="1">
-                        <a:lnSpc>
-                          <a:spcPct val="100000"/>
-                        </a:lnSpc>
-                        <a:spcBef>
-                          <a:spcPts val="0"/>
-                        </a:spcBef>
-                        <a:spcAft>
-                          <a:spcPts val="0"/>
-                        </a:spcAft>
-                        <a:buClrTx/>
-                        <a:buSzTx/>
-                        <a:buFontTx/>
-                        <a:buNone/>
-                        <a:tabLst/>
-                        <a:defRPr/>
-                      </a:pPr>
-                      <a:endParaRPr lang="en-US" altLang="ko-KR" sz="1400" dirty="0"/>
-                    </a:p>
-                    <a:p>
-                      <a:r>
-                        <a:rPr lang="en-US" altLang="ko-KR" sz="1400" b="1" dirty="0"/>
-                        <a:t>6. </a:t>
-                      </a:r>
-                      <a:r>
-                        <a:rPr lang="ko-KR" altLang="en-US" sz="1400" b="1" dirty="0"/>
-                        <a:t>군집 데이터로 학습데이터 완성</a:t>
-                      </a:r>
-                      <a:endParaRPr lang="en-US" altLang="ko-KR" sz="1400" b="1" dirty="0"/>
-                    </a:p>
-                    <a:p>
-                      <a:pPr marL="228600" indent="-228600">
-                        <a:buAutoNum type="arabicParenR"/>
-                      </a:pPr>
-                      <a:r>
-                        <a:rPr lang="ko-KR" altLang="en-US" sz="1200" dirty="0"/>
-                        <a:t>훈련데이터의 </a:t>
-                      </a:r>
-                      <a:r>
-                        <a:rPr lang="en-US" altLang="ko-KR" sz="1200" dirty="0"/>
-                        <a:t>label </a:t>
-                      </a:r>
-                      <a:r>
-                        <a:rPr lang="ko-KR" altLang="en-US" sz="1200" dirty="0"/>
-                        <a:t>불균형을 해소하기 위해 </a:t>
-                      </a:r>
-                      <a:r>
-                        <a:rPr lang="en-US" altLang="ko-KR" sz="1200" dirty="0"/>
-                        <a:t>ADASYN</a:t>
-                      </a:r>
-                      <a:r>
-                        <a:rPr lang="ko-KR" altLang="en-US" sz="1200" dirty="0"/>
-                        <a:t>사용</a:t>
-                      </a:r>
-                      <a:r>
-                        <a:rPr lang="en-US" altLang="ko-KR" sz="1200" dirty="0"/>
-                        <a:t>.</a:t>
-                      </a:r>
-                    </a:p>
-                    <a:p>
-                      <a:pPr marL="0" indent="0">
-                        <a:buNone/>
-                      </a:pPr>
-                      <a:r>
-                        <a:rPr lang="en-US" altLang="ko-KR" sz="1200" dirty="0"/>
-                        <a:t>     </a:t>
-                      </a:r>
-                      <a:r>
-                        <a:rPr lang="ko-KR" altLang="en-US" sz="1200" dirty="0"/>
-                        <a:t>적용 전 보험사기자의 비율은 </a:t>
-                      </a:r>
-                      <a:r>
-                        <a:rPr lang="en-US" altLang="ko-KR" sz="1200" dirty="0"/>
-                        <a:t>8.2%, </a:t>
-                      </a:r>
-                      <a:r>
-                        <a:rPr lang="ko-KR" altLang="en-US" sz="1200" dirty="0"/>
-                        <a:t>적용 후 보험사기자 비율은 </a:t>
-                      </a:r>
-                      <a:r>
-                        <a:rPr lang="en-US" altLang="ko-KR" sz="1200" dirty="0"/>
-                        <a:t>49.7%.</a:t>
-                      </a:r>
-                    </a:p>
-                    <a:p>
-                      <a:pPr marL="0" indent="0">
-                        <a:buNone/>
-                      </a:pPr>
-                      <a:r>
-                        <a:rPr lang="en-US" altLang="ko-KR" sz="1200" dirty="0"/>
-                        <a:t>2) </a:t>
-                      </a:r>
-                      <a:r>
-                        <a:rPr lang="ko-KR" altLang="en-US" sz="1200" dirty="0"/>
-                        <a:t>검증데이터 </a:t>
-                      </a:r>
-                      <a:r>
-                        <a:rPr lang="ko-KR" altLang="en-US" sz="1200" dirty="0" err="1"/>
-                        <a:t>전처리</a:t>
-                      </a:r>
-                      <a:endParaRPr lang="en-US" altLang="ko-KR" sz="1200" dirty="0"/>
-                    </a:p>
-                    <a:p>
-                      <a:pPr marL="0" indent="0">
-                        <a:buNone/>
-                      </a:pPr>
-                      <a:endParaRPr lang="en-US" altLang="ko-KR" sz="1200" dirty="0"/>
-                    </a:p>
-                    <a:p>
-                      <a:r>
-                        <a:rPr lang="en-US" altLang="ko-KR" sz="1400" b="1" dirty="0"/>
-                        <a:t>7. </a:t>
-                      </a:r>
-                      <a:r>
-                        <a:rPr lang="en-US" altLang="ko-KR" sz="1400" b="1" dirty="0" err="1"/>
-                        <a:t>DecisionTree</a:t>
-                      </a:r>
-                      <a:r>
-                        <a:rPr lang="ko-KR" altLang="en-US" sz="1400" b="1" dirty="0"/>
-                        <a:t>를 이용한 보험사기자 예측 모델 생성</a:t>
-                      </a:r>
-                      <a:endParaRPr lang="en-US" altLang="ko-KR" sz="1400" b="1" dirty="0"/>
-                    </a:p>
-                    <a:p>
-                      <a:pPr marL="228600" marR="0" lvl="0" indent="-228600" algn="l" defTabSz="914400" rtl="0" eaLnBrk="1" fontAlgn="auto" latinLnBrk="1" hangingPunct="1">
-                        <a:lnSpc>
-                          <a:spcPct val="100000"/>
-                        </a:lnSpc>
-                        <a:spcBef>
-                          <a:spcPts val="0"/>
-                        </a:spcBef>
-                        <a:spcAft>
-                          <a:spcPts val="0"/>
-                        </a:spcAft>
-                        <a:buClrTx/>
-                        <a:buSzTx/>
                         <a:buFontTx/>
                         <a:buAutoNum type="arabicParenR"/>
-                        <a:tabLst/>
-                        <a:defRPr/>
-                      </a:pPr>
-                      <a:r>
-                        <a:rPr lang="ko-KR" altLang="en-US" sz="1200" dirty="0" err="1"/>
-                        <a:t>하이퍼파라미터</a:t>
-                      </a:r>
-                      <a:r>
-                        <a:rPr lang="ko-KR" altLang="en-US" sz="1200" dirty="0"/>
-                        <a:t> 튜닝으로 최적의 </a:t>
-                      </a:r>
-                      <a:r>
-                        <a:rPr lang="en-US" altLang="ko-KR" sz="1200" dirty="0"/>
-                        <a:t>depth</a:t>
-                      </a:r>
-                      <a:r>
-                        <a:rPr lang="ko-KR" altLang="en-US" sz="1200" dirty="0"/>
-                        <a:t>와 </a:t>
-                      </a:r>
-                      <a:r>
-                        <a:rPr lang="en-US" altLang="ko-KR" sz="1200" dirty="0"/>
-                        <a:t>split</a:t>
-                      </a:r>
-                      <a:r>
-                        <a:rPr lang="ko-KR" altLang="en-US" sz="1200" dirty="0"/>
-                        <a:t>을 찾기</a:t>
-                      </a:r>
-                      <a:endParaRPr lang="en-US" altLang="ko-KR" sz="1200" dirty="0"/>
-                    </a:p>
-                    <a:p>
-                      <a:pPr marL="228600" marR="0" lvl="0" indent="-228600" algn="l" defTabSz="914400" rtl="0" eaLnBrk="1" fontAlgn="auto" latinLnBrk="1" hangingPunct="1">
-                        <a:lnSpc>
-                          <a:spcPct val="100000"/>
-                        </a:lnSpc>
-                        <a:spcBef>
-                          <a:spcPts val="0"/>
-                        </a:spcBef>
-                        <a:spcAft>
-                          <a:spcPts val="0"/>
-                        </a:spcAft>
-                        <a:buClrTx/>
-                        <a:buSzTx/>
-                        <a:buFontTx/>
-                        <a:buAutoNum type="arabicParenR"/>
-                        <a:tabLst/>
-                        <a:defRPr/>
-                      </a:pPr>
-                      <a:r>
-                        <a:rPr lang="en-US" altLang="ko-KR" sz="1200" dirty="0" err="1"/>
-                        <a:t>DecisionTree</a:t>
-                      </a:r>
-                      <a:r>
-                        <a:rPr lang="ko-KR" altLang="en-US" sz="1200" dirty="0"/>
-                        <a:t>를 이용해 재현율이 약 </a:t>
-                      </a:r>
-                      <a:r>
-                        <a:rPr lang="en-US" altLang="ko-KR" sz="1200" dirty="0"/>
-                        <a:t>87.5%</a:t>
-                      </a:r>
-                      <a:r>
-                        <a:rPr lang="ko-KR" altLang="en-US" sz="1200" dirty="0"/>
-                        <a:t>의 모델 생성</a:t>
-                      </a:r>
-                      <a:r>
-                        <a:rPr lang="en-US" altLang="ko-KR" sz="1200" dirty="0"/>
-                        <a:t>. </a:t>
-                      </a:r>
-                    </a:p>
-                    <a:p>
-                      <a:pPr marL="228600" marR="0" lvl="0" indent="-228600" algn="l" defTabSz="914400" rtl="0" eaLnBrk="1" fontAlgn="auto" latinLnBrk="1" hangingPunct="1">
-                        <a:lnSpc>
-                          <a:spcPct val="100000"/>
-                        </a:lnSpc>
-                        <a:spcBef>
-                          <a:spcPts val="0"/>
-                        </a:spcBef>
-                        <a:spcAft>
-                          <a:spcPts val="0"/>
-                        </a:spcAft>
-                        <a:buClrTx/>
-                        <a:buSzTx/>
-                        <a:buFontTx/>
-                        <a:buAutoNum type="arabicParenR"/>
-                        <a:tabLst/>
-                        <a:defRPr/>
-                      </a:pPr>
-                      <a:r>
-                        <a:rPr lang="ko-KR" altLang="en-US" sz="1200" dirty="0"/>
-                        <a:t>튜닝 전 재현율은 </a:t>
-                      </a:r>
-                      <a:r>
-                        <a:rPr lang="en-US" altLang="ko-KR" sz="1200" dirty="0"/>
-                        <a:t>74%, SMOTE</a:t>
-                      </a:r>
-                      <a:r>
-                        <a:rPr lang="ko-KR" altLang="en-US" sz="1200" dirty="0"/>
-                        <a:t>전 재현율은 </a:t>
-                      </a:r>
-                      <a:r>
-                        <a:rPr lang="en-US" altLang="ko-KR" sz="1200" dirty="0"/>
-                        <a:t>33.5%.</a:t>
-                      </a:r>
-                    </a:p>
-                  </a:txBody>
-                  <a:tcPr/>
-                </a:tc>
-                <a:extLst>
-                  <a:ext uri="{0D108BD9-81ED-4DB2-BD59-A6C34878D82A}">
-                    <a16:rowId xmlns:a16="http://schemas.microsoft.com/office/drawing/2014/main" val="1799410193"/>
-                  </a:ext>
-                </a:extLst>
+                        <a:defRPr/>
+                      </a:pPr>
+                      <a:r>
+                        <a:rPr lang="en-US" altLang="ko-KR" sz="1200"/>
+                        <a:t>grqphviz</a:t>
+                      </a:r>
+                      <a:r>
+                        <a:rPr lang="ko-KR" altLang="en-US" sz="1200"/>
+                        <a:t>를 사용해 트리를 시각화 해본 뒤</a:t>
+                      </a:r>
+                      <a:r>
+                        <a:rPr lang="en-US" altLang="ko-KR" sz="1200"/>
+                        <a:t>,</a:t>
+                      </a:r>
+                      <a:r>
+                        <a:rPr lang="ko-KR" altLang="en-US" sz="1200"/>
+                        <a:t> 군집에 이용한 변수와 실제 모델이 의사결정에 사용한 변수가 일치하는지를 확인함</a:t>
+                      </a:r>
+                      <a:r>
+                        <a:rPr lang="en-US" altLang="ko-KR" sz="1200"/>
+                        <a:t>.</a:t>
+                      </a:r>
+                      <a:r>
+                        <a:rPr lang="ko-KR" altLang="en-US" sz="1200"/>
+                        <a:t> </a:t>
+                      </a:r>
+                      <a:r>
+                        <a:rPr lang="en-US" altLang="ko-KR" sz="1200"/>
+                        <a:t>(</a:t>
+                      </a:r>
+                      <a:r>
+                        <a:rPr lang="ko-KR" altLang="en-US" sz="1200"/>
+                        <a:t>확인 결과 일치함</a:t>
+                      </a:r>
+                      <a:r>
+                        <a:rPr lang="en-US" altLang="ko-KR" sz="1200"/>
+                        <a:t>)</a:t>
+                      </a:r>
+                      <a:endParaRPr lang="en-US" altLang="ko-KR" sz="1200"/>
+                    </a:p>
+                  </a:txBody>
+                  <a:tcPr marL="91440" marR="91440"/>
+                </a:tc>
               </a:tr>
             </a:tbl>
           </a:graphicData>
@@ -5433,26 +5491,14 @@
       </p:graphicFrame>
       <p:pic>
         <p:nvPicPr>
-          <p:cNvPr id="11" name="그림 10">
-            <a:extLst>
-              <a:ext uri="{FF2B5EF4-FFF2-40B4-BE49-F238E27FC236}">
-                <a16:creationId xmlns:a16="http://schemas.microsoft.com/office/drawing/2014/main" id="{F2A5CC85-367A-4E9E-B706-C42FFE4995EE}"/>
-              </a:ext>
-            </a:extLst>
-          </p:cNvPr>
+          <p:cNvPr id="11" name="그림 10"/>
           <p:cNvPicPr>
             <a:picLocks noChangeAspect="1"/>
           </p:cNvPicPr>
           <p:nvPr/>
         </p:nvPicPr>
-        <p:blipFill>
-          <a:blip r:embed="rId3">
-            <a:extLst>
-              <a:ext uri="{28A0092B-C50C-407E-A947-70E740481C1C}">
-                <a14:useLocalDpi xmlns:a14="http://schemas.microsoft.com/office/drawing/2010/main" val="0"/>
-              </a:ext>
-            </a:extLst>
-          </a:blip>
+        <p:blipFill rotWithShape="1">
+          <a:blip r:embed="rId3"/>
           <a:stretch>
             <a:fillRect/>
           </a:stretch>
@@ -5468,57 +5514,7109 @@
         </p:spPr>
       </p:pic>
     </p:spTree>
-    <p:extLst>
-      <p:ext uri="{BB962C8B-B14F-4D97-AF65-F5344CB8AC3E}">
-        <p14:creationId xmlns:p14="http://schemas.microsoft.com/office/powerpoint/2010/main" val="4183370936"/>
-      </p:ext>
-    </p:extLst>
   </p:cSld>
   <p:clrMapOvr>
     <a:masterClrMapping/>
   </p:clrMapOvr>
+  <mc:AlternateContent xmlns:mc="http://schemas.openxmlformats.org/markup-compatibility/2006">
+    <mc:Choice xmlns:p14="http://schemas.microsoft.com/office/powerpoint/2010/main" Requires="p14">
+      <p:transition xmlns:mc="http://schemas.openxmlformats.org/markup-compatibility/2006" xmlns:p14="http://schemas.microsoft.com/office/powerpoint/2010/main" mc:Ignorable="p14" p14:dur="500"/>
+    </mc:Choice>
+    <mc:Fallback>
+      <p:transition/>
+    </mc:Fallback>
+  </mc:AlternateContent>
+</p:sld>
+</file>
+
+<file path=ppt/slides/slide3.xml><?xml version="1.0" encoding="utf-8"?>
+<p:sld xmlns:r="http://schemas.openxmlformats.org/officeDocument/2006/relationships" xmlns:c="http://schemas.openxmlformats.org/drawingml/2006/chart" xmlns:a="http://schemas.openxmlformats.org/drawingml/2006/main" xmlns:dgm="http://schemas.openxmlformats.org/drawingml/2006/diagram" xmlns:dsp="http://schemas.microsoft.com/office/drawing/2008/diagram" xmlns:p="http://schemas.openxmlformats.org/presentationml/2006/main">
+  <p:cSld>
+    <p:spTree>
+      <p:nvGrpSpPr>
+        <p:cNvPr id="1" name=""/>
+        <p:cNvGrpSpPr/>
+        <p:nvPr/>
+      </p:nvGrpSpPr>
+      <p:grpSpPr>
+        <a:xfrm>
+          <a:off x="0" y="0"/>
+          <a:ext cx="0" cy="0"/>
+          <a:chOff x="0" y="0"/>
+          <a:chExt cx="0" cy="0"/>
+        </a:xfrm>
+      </p:grpSpPr>
+      <p:graphicFrame>
+        <p:nvGraphicFramePr>
+          <p:cNvPr id="9" name="표 9"/>
+          <p:cNvGraphicFramePr>
+            <a:graphicFrameLocks noGrp="1"/>
+          </p:cNvGraphicFramePr>
+          <p:nvPr/>
+        </p:nvGraphicFramePr>
+        <p:xfrm>
+          <a:off x="341947" y="185258"/>
+          <a:ext cx="11508105" cy="6487482"/>
+        </p:xfrm>
+        <a:graphic>
+          <a:graphicData uri="http://schemas.openxmlformats.org/drawingml/2006/table">
+            <a:tbl>
+              <a:tblPr firstRow="1" bandRow="1">
+                <a:tableStyleId>{5FD0F851-EC5A-4D38-B0AD-8093EC10F338}</a:tableStyleId>
+              </a:tblPr>
+              <a:tblGrid>
+                <a:gridCol w="11508105"/>
+              </a:tblGrid>
+              <a:tr h="357788">
+                <a:tc>
+                  <a:txBody>
+                    <a:bodyPr vert="horz" lIns="91440" tIns="45720" rIns="91440" bIns="45720" anchor="t" anchorCtr="0"/>
+                    <a:p>
+                      <a:pPr lvl="0">
+                        <a:defRPr/>
+                      </a:pPr>
+                      <a:r>
+                        <a:rPr lang="en-US" altLang="ko-KR" b="1"/>
+                        <a:t>extra.</a:t>
+                      </a:r>
+                      <a:r>
+                        <a:rPr lang="ko-KR" altLang="en-US" b="1"/>
+                        <a:t> 각 군집 특성 확인</a:t>
+                      </a:r>
+                      <a:endParaRPr lang="ko-KR" altLang="en-US"/>
+                    </a:p>
+                  </a:txBody>
+                  <a:tcPr marL="91440" marR="91440"/>
+                </a:tc>
+              </a:tr>
+              <a:tr h="6119817">
+                <a:tc>
+                  <a:txBody>
+                    <a:bodyPr vert="horz" lIns="91440" tIns="45720" rIns="91440" bIns="45720" anchor="t" anchorCtr="0"/>
+                    <a:p>
+                      <a:pPr lvl="0">
+                        <a:defRPr/>
+                      </a:pPr>
+                      <a:r>
+                        <a:rPr lang="ko-KR" altLang="en-US" sz="1400" b="1"/>
+                        <a:t>보험사기자가 </a:t>
+                      </a:r>
+                      <a:r>
+                        <a:rPr lang="en-US" altLang="ko-KR" sz="1400" b="1"/>
+                        <a:t>15%</a:t>
+                      </a:r>
+                      <a:r>
+                        <a:rPr lang="ko-KR" altLang="en-US" sz="1400" b="1"/>
+                        <a:t>를 초과한 군집 </a:t>
+                      </a:r>
+                      <a:r>
+                        <a:rPr lang="en-US" altLang="ko-KR" sz="1400" b="1"/>
+                        <a:t>6</a:t>
+                      </a:r>
+                      <a:r>
+                        <a:rPr lang="ko-KR" altLang="en-US" sz="1400" b="1"/>
+                        <a:t>개 </a:t>
+                      </a:r>
+                      <a:r>
+                        <a:rPr lang="en-US" altLang="ko-KR" sz="1400" b="1"/>
+                        <a:t>[</a:t>
+                      </a:r>
+                      <a:r>
+                        <a:rPr lang="ko-KR" altLang="en-US" sz="1400" b="1"/>
+                        <a:t>전체 </a:t>
+                      </a:r>
+                      <a:r>
+                        <a:rPr lang="en-US" altLang="ko-KR" sz="1400" b="1"/>
+                        <a:t>:</a:t>
+                      </a:r>
+                      <a:r>
+                        <a:rPr lang="ko-KR" altLang="en-US" sz="1400" b="1"/>
+                        <a:t> </a:t>
+                      </a:r>
+                      <a:r>
+                        <a:rPr lang="en-US" altLang="ko-KR" sz="1400" b="1"/>
+                        <a:t>6692</a:t>
+                      </a:r>
+                      <a:r>
+                        <a:rPr lang="ko-KR" altLang="en-US" sz="1400" b="1"/>
+                        <a:t>명</a:t>
+                      </a:r>
+                      <a:r>
+                        <a:rPr lang="en-US" altLang="ko-KR" sz="1400" b="1"/>
+                        <a:t>,</a:t>
+                      </a:r>
+                      <a:r>
+                        <a:rPr lang="ko-KR" altLang="en-US" sz="1400" b="1"/>
+                        <a:t> 보험사기자</a:t>
+                      </a:r>
+                      <a:r>
+                        <a:rPr lang="en-US" altLang="ko-KR" sz="1400" b="1"/>
+                        <a:t>:</a:t>
+                      </a:r>
+                      <a:r>
+                        <a:rPr lang="ko-KR" altLang="en-US" sz="1400" b="1"/>
+                        <a:t> </a:t>
+                      </a:r>
+                      <a:r>
+                        <a:rPr lang="en-US" altLang="ko-KR" sz="1400" b="1"/>
+                        <a:t>3%]</a:t>
+                      </a:r>
+                      <a:endParaRPr lang="en-US" altLang="ko-KR" sz="1400" b="1"/>
+                    </a:p>
+                    <a:p>
+                      <a:pPr lvl="0">
+                        <a:defRPr/>
+                      </a:pPr>
+                      <a:endParaRPr lang="ko-KR" altLang="en-US" sz="1400" b="1"/>
+                    </a:p>
+                    <a:p>
+                      <a:pPr lvl="0">
+                        <a:defRPr/>
+                      </a:pPr>
+                      <a:endParaRPr lang="ko-KR" altLang="en-US" sz="1400" b="1"/>
+                    </a:p>
+                    <a:p>
+                      <a:pPr lvl="0">
+                        <a:defRPr/>
+                      </a:pPr>
+                      <a:endParaRPr lang="ko-KR" altLang="en-US" sz="1400" b="1"/>
+                    </a:p>
+                    <a:p>
+                      <a:pPr lvl="0">
+                        <a:defRPr/>
+                      </a:pPr>
+                      <a:endParaRPr lang="ko-KR" altLang="en-US" sz="1400" b="1"/>
+                    </a:p>
+                    <a:p>
+                      <a:pPr lvl="0">
+                        <a:defRPr/>
+                      </a:pPr>
+                      <a:endParaRPr lang="ko-KR" altLang="en-US" sz="1400" b="1"/>
+                    </a:p>
+                    <a:p>
+                      <a:pPr lvl="0">
+                        <a:defRPr/>
+                      </a:pPr>
+                      <a:endParaRPr lang="ko-KR" altLang="en-US" sz="1400" b="1"/>
+                    </a:p>
+                    <a:p>
+                      <a:pPr lvl="0">
+                        <a:defRPr/>
+                      </a:pPr>
+                      <a:endParaRPr lang="ko-KR" altLang="en-US" sz="1400" b="1"/>
+                    </a:p>
+                    <a:p>
+                      <a:pPr lvl="0">
+                        <a:defRPr/>
+                      </a:pPr>
+                      <a:endParaRPr lang="ko-KR" altLang="en-US" sz="1400" b="1"/>
+                    </a:p>
+                    <a:p>
+                      <a:pPr lvl="0">
+                        <a:defRPr/>
+                      </a:pPr>
+                      <a:endParaRPr lang="ko-KR" altLang="en-US" sz="1400" b="1"/>
+                    </a:p>
+                    <a:p>
+                      <a:pPr lvl="0">
+                        <a:defRPr/>
+                      </a:pPr>
+                      <a:endParaRPr lang="ko-KR" altLang="en-US" sz="1400" b="1"/>
+                    </a:p>
+                    <a:p>
+                      <a:pPr lvl="0">
+                        <a:defRPr/>
+                      </a:pPr>
+                      <a:endParaRPr lang="ko-KR" altLang="en-US" sz="1400" b="1"/>
+                    </a:p>
+                    <a:p>
+                      <a:pPr lvl="0">
+                        <a:defRPr/>
+                      </a:pPr>
+                      <a:endParaRPr lang="ko-KR" altLang="en-US" sz="1400" b="1"/>
+                    </a:p>
+                    <a:p>
+                      <a:pPr lvl="0">
+                        <a:defRPr/>
+                      </a:pPr>
+                      <a:endParaRPr lang="ko-KR" altLang="en-US" sz="1400" b="1"/>
+                    </a:p>
+                    <a:p>
+                      <a:pPr lvl="0">
+                        <a:defRPr/>
+                      </a:pPr>
+                      <a:endParaRPr lang="ko-KR" altLang="en-US" sz="1400" b="1"/>
+                    </a:p>
+                    <a:p>
+                      <a:pPr lvl="0">
+                        <a:defRPr/>
+                      </a:pPr>
+                      <a:endParaRPr lang="ko-KR" altLang="en-US" sz="1400" b="1"/>
+                    </a:p>
+                    <a:p>
+                      <a:pPr lvl="0">
+                        <a:defRPr/>
+                      </a:pPr>
+                      <a:endParaRPr lang="ko-KR" altLang="en-US" sz="1400" b="1"/>
+                    </a:p>
+                    <a:p>
+                      <a:pPr lvl="0">
+                        <a:defRPr/>
+                      </a:pPr>
+                      <a:endParaRPr lang="ko-KR" altLang="en-US" sz="1400" b="1"/>
+                    </a:p>
+                    <a:p>
+                      <a:pPr lvl="0">
+                        <a:defRPr/>
+                      </a:pPr>
+                      <a:endParaRPr lang="ko-KR" altLang="en-US" sz="1400" b="1"/>
+                    </a:p>
+                    <a:p>
+                      <a:pPr lvl="0">
+                        <a:defRPr/>
+                      </a:pPr>
+                      <a:endParaRPr lang="ko-KR" altLang="en-US" sz="1400" b="1"/>
+                    </a:p>
+                    <a:p>
+                      <a:pPr lvl="0">
+                        <a:defRPr/>
+                      </a:pPr>
+                      <a:endParaRPr lang="ko-KR" altLang="en-US" sz="1400" b="1"/>
+                    </a:p>
+                    <a:p>
+                      <a:pPr lvl="0">
+                        <a:defRPr/>
+                      </a:pPr>
+                      <a:endParaRPr lang="ko-KR" altLang="en-US" sz="1400" b="1"/>
+                    </a:p>
+                    <a:p>
+                      <a:pPr lvl="0">
+                        <a:defRPr/>
+                      </a:pPr>
+                      <a:endParaRPr lang="ko-KR" altLang="en-US" sz="1400" b="1"/>
+                    </a:p>
+                    <a:p>
+                      <a:pPr lvl="0">
+                        <a:defRPr/>
+                      </a:pPr>
+                      <a:endParaRPr lang="ko-KR" altLang="en-US" sz="1400" b="1"/>
+                    </a:p>
+                    <a:p>
+                      <a:pPr lvl="0">
+                        <a:defRPr/>
+                      </a:pPr>
+                      <a:endParaRPr lang="ko-KR" altLang="en-US" sz="1400" b="1"/>
+                    </a:p>
+                    <a:p>
+                      <a:pPr lvl="0">
+                        <a:defRPr/>
+                      </a:pPr>
+                      <a:endParaRPr lang="ko-KR" altLang="en-US" sz="1400" b="1"/>
+                    </a:p>
+                    <a:p>
+                      <a:pPr lvl="0">
+                        <a:defRPr/>
+                      </a:pPr>
+                      <a:endParaRPr lang="ko-KR" altLang="en-US" sz="1400" b="1"/>
+                    </a:p>
+                    <a:p>
+                      <a:pPr lvl="0">
+                        <a:defRPr/>
+                      </a:pPr>
+                      <a:r>
+                        <a:rPr lang="en-US" altLang="ko-KR" sz="1200" b="1"/>
+                        <a:t>*</a:t>
+                      </a:r>
+                      <a:r>
+                        <a:rPr lang="ko-KR" altLang="en-US" sz="1200" b="1"/>
+                        <a:t> 소득이나 보험료같은 금액은 중위값</a:t>
+                      </a:r>
+                      <a:r>
+                        <a:rPr lang="en-US" altLang="ko-KR" sz="1200" b="1"/>
+                        <a:t>,</a:t>
+                      </a:r>
+                      <a:r>
+                        <a:rPr lang="ko-KR" altLang="en-US" sz="1200" b="1"/>
+                        <a:t> 나머지는 평균값 적용</a:t>
+                      </a:r>
+                      <a:r>
+                        <a:rPr lang="en-US" altLang="ko-KR" sz="1200" b="1"/>
+                        <a:t>.</a:t>
+                      </a:r>
+                      <a:endParaRPr lang="ko-KR" altLang="en-US" sz="1200" b="1"/>
+                    </a:p>
+                  </a:txBody>
+                  <a:tcPr marL="91440" marR="91440"/>
+                </a:tc>
+              </a:tr>
+            </a:tbl>
+          </a:graphicData>
+        </a:graphic>
+      </p:graphicFrame>
+      <p:graphicFrame>
+        <p:nvGraphicFramePr>
+          <p:cNvPr id="12" name=""/>
+          <p:cNvGraphicFramePr>
+            <a:graphicFrameLocks noGrp="1"/>
+          </p:cNvGraphicFramePr>
+          <p:nvPr/>
+        </p:nvGraphicFramePr>
+        <p:xfrm>
+          <a:off x="470795" y="889766"/>
+          <a:ext cx="10472534" cy="5384074"/>
+        </p:xfrm>
+        <a:graphic>
+          <a:graphicData uri="http://schemas.openxmlformats.org/drawingml/2006/table">
+            <a:tbl>
+              <a:tblPr firstRow="1" bandRow="1">
+                <a:tableStyleId>{F8D88D6A-5F01-457D-8EC9-7B5F63248C40}</a:tableStyleId>
+              </a:tblPr>
+              <a:tblGrid>
+                <a:gridCol w="1765524"/>
+                <a:gridCol w="1475852"/>
+                <a:gridCol w="1433830"/>
+                <a:gridCol w="1382282"/>
+                <a:gridCol w="1478280"/>
+                <a:gridCol w="1409551"/>
+                <a:gridCol w="1527215"/>
+              </a:tblGrid>
+              <a:tr h="313308">
+                <a:tc>
+                  <a:txBody>
+                    <a:bodyPr vert="horz" wrap="square" lIns="91440" tIns="45720" rIns="91440" bIns="45720" anchor="t" anchorCtr="0">
+                      <a:spAutoFit/>
+                    </a:bodyPr>
+                    <a:p>
+                      <a:pPr>
+                        <a:defRPr/>
+                      </a:pPr>
+                      <a:endParaRPr lang="ko-KR" altLang="en-US" sz="1600"/>
+                    </a:p>
+                  </a:txBody>
+                  <a:tcPr marL="91440" marR="91440"/>
+                </a:tc>
+                <a:tc>
+                  <a:txBody>
+                    <a:bodyPr vert="horz" wrap="square" lIns="91440" tIns="45720" rIns="91440" bIns="45720" anchor="t" anchorCtr="0">
+                      <a:spAutoFit/>
+                    </a:bodyPr>
+                    <a:p>
+                      <a:pPr>
+                        <a:defRPr/>
+                      </a:pPr>
+                      <a:r>
+                        <a:rPr lang="en-US" altLang="ko-KR" sz="1600"/>
+                        <a:t>0</a:t>
+                      </a:r>
+                      <a:endParaRPr lang="ko-KR" altLang="en-US" sz="1600"/>
+                    </a:p>
+                  </a:txBody>
+                  <a:tcPr marL="91440" marR="91440"/>
+                </a:tc>
+                <a:tc>
+                  <a:txBody>
+                    <a:bodyPr vert="horz" wrap="square" lIns="91440" tIns="45720" rIns="91440" bIns="45720" anchor="t" anchorCtr="0">
+                      <a:spAutoFit/>
+                    </a:bodyPr>
+                    <a:p>
+                      <a:pPr>
+                        <a:defRPr/>
+                      </a:pPr>
+                      <a:r>
+                        <a:rPr lang="en-US" altLang="ko-KR" sz="1600"/>
+                        <a:t>1</a:t>
+                      </a:r>
+                      <a:endParaRPr lang="ko-KR" altLang="en-US" sz="1600"/>
+                    </a:p>
+                  </a:txBody>
+                  <a:tcPr marL="91440" marR="91440"/>
+                </a:tc>
+                <a:tc>
+                  <a:txBody>
+                    <a:bodyPr vert="horz" wrap="square" lIns="91440" tIns="45720" rIns="91440" bIns="45720" anchor="t" anchorCtr="0">
+                      <a:spAutoFit/>
+                    </a:bodyPr>
+                    <a:p>
+                      <a:pPr>
+                        <a:defRPr/>
+                      </a:pPr>
+                      <a:r>
+                        <a:rPr lang="en-US" altLang="ko-KR" sz="1600"/>
+                        <a:t>2</a:t>
+                      </a:r>
+                      <a:endParaRPr lang="en-US" altLang="ko-KR" sz="1600"/>
+                    </a:p>
+                  </a:txBody>
+                  <a:tcPr marL="91440" marR="91440"/>
+                </a:tc>
+                <a:tc>
+                  <a:txBody>
+                    <a:bodyPr vert="horz" wrap="square" lIns="91440" tIns="45720" rIns="91440" bIns="45720" anchor="t" anchorCtr="0">
+                      <a:spAutoFit/>
+                    </a:bodyPr>
+                    <a:p>
+                      <a:pPr>
+                        <a:defRPr/>
+                      </a:pPr>
+                      <a:r>
+                        <a:rPr lang="en-US" altLang="ko-KR" sz="1600"/>
+                        <a:t>3</a:t>
+                      </a:r>
+                      <a:endParaRPr lang="en-US" altLang="ko-KR" sz="1600"/>
+                    </a:p>
+                  </a:txBody>
+                  <a:tcPr marL="91440" marR="91440"/>
+                </a:tc>
+                <a:tc>
+                  <a:txBody>
+                    <a:bodyPr vert="horz" wrap="square" lIns="91440" tIns="45720" rIns="91440" bIns="45720" anchor="t" anchorCtr="0">
+                      <a:spAutoFit/>
+                    </a:bodyPr>
+                    <a:p>
+                      <a:pPr>
+                        <a:defRPr/>
+                      </a:pPr>
+                      <a:r>
+                        <a:rPr lang="en-US" altLang="ko-KR" sz="1600"/>
+                        <a:t>4</a:t>
+                      </a:r>
+                      <a:endParaRPr lang="en-US" altLang="ko-KR" sz="1600"/>
+                    </a:p>
+                  </a:txBody>
+                  <a:tcPr marL="91440" marR="91440"/>
+                </a:tc>
+                <a:tc>
+                  <a:txBody>
+                    <a:bodyPr vert="horz" wrap="square" lIns="91440" tIns="45720" rIns="91440" bIns="45720" anchor="t" anchorCtr="0">
+                      <a:spAutoFit/>
+                    </a:bodyPr>
+                    <a:p>
+                      <a:pPr>
+                        <a:defRPr/>
+                      </a:pPr>
+                      <a:r>
+                        <a:rPr lang="en-US" altLang="ko-KR" sz="1600"/>
+                        <a:t>5</a:t>
+                      </a:r>
+                      <a:endParaRPr lang="en-US" altLang="ko-KR" sz="1600"/>
+                    </a:p>
+                  </a:txBody>
+                  <a:tcPr marL="91440" marR="91440"/>
+                </a:tc>
+              </a:tr>
+              <a:tr h="313308">
+                <a:tc>
+                  <a:txBody>
+                    <a:bodyPr vert="horz" wrap="square" lIns="91440" tIns="45720" rIns="91440" bIns="45720" anchor="t" anchorCtr="0">
+                      <a:spAutoFit/>
+                    </a:bodyPr>
+                    <a:p>
+                      <a:pPr>
+                        <a:defRPr/>
+                      </a:pPr>
+                      <a:r>
+                        <a:rPr lang="ko-KR" altLang="en-US" sz="1600"/>
+                        <a:t>인원</a:t>
+                      </a:r>
+                      <a:endParaRPr lang="ko-KR" altLang="en-US" sz="1600"/>
+                    </a:p>
+                  </a:txBody>
+                  <a:tcPr marL="91440" marR="91440"/>
+                </a:tc>
+                <a:tc>
+                  <a:txBody>
+                    <a:bodyPr vert="horz" wrap="square" lIns="91440" tIns="45720" rIns="91440" bIns="45720" anchor="t" anchorCtr="0">
+                      <a:spAutoFit/>
+                    </a:bodyPr>
+                    <a:p>
+                      <a:pPr>
+                        <a:defRPr/>
+                      </a:pPr>
+                      <a:r>
+                        <a:rPr lang="en-US" altLang="ko-KR" sz="1600"/>
+                        <a:t>264</a:t>
+                      </a:r>
+                      <a:r>
+                        <a:rPr lang="ko-KR" altLang="en-US" sz="1600"/>
+                        <a:t>명</a:t>
+                      </a:r>
+                      <a:endParaRPr lang="ko-KR" altLang="en-US" sz="1600"/>
+                    </a:p>
+                  </a:txBody>
+                  <a:tcPr marL="91440" marR="91440"/>
+                </a:tc>
+                <a:tc>
+                  <a:txBody>
+                    <a:bodyPr vert="horz" wrap="square" lIns="91440" tIns="45720" rIns="91440" bIns="45720" anchor="t" anchorCtr="0">
+                      <a:spAutoFit/>
+                    </a:bodyPr>
+                    <a:p>
+                      <a:pPr>
+                        <a:defRPr/>
+                      </a:pPr>
+                      <a:r>
+                        <a:rPr lang="en-US" altLang="ko-KR" sz="1600"/>
+                        <a:t>1272</a:t>
+                      </a:r>
+                      <a:r>
+                        <a:rPr lang="ko-KR" altLang="en-US" sz="1600"/>
+                        <a:t>명</a:t>
+                      </a:r>
+                      <a:endParaRPr lang="ko-KR" altLang="en-US" sz="1600"/>
+                    </a:p>
+                  </a:txBody>
+                  <a:tcPr marL="91440" marR="91440"/>
+                </a:tc>
+                <a:tc>
+                  <a:txBody>
+                    <a:bodyPr vert="horz" wrap="square" lIns="91440" tIns="45720" rIns="91440" bIns="45720" anchor="t" anchorCtr="0">
+                      <a:spAutoFit/>
+                    </a:bodyPr>
+                    <a:p>
+                      <a:pPr>
+                        <a:defRPr/>
+                      </a:pPr>
+                      <a:r>
+                        <a:rPr lang="en-US" altLang="ko-KR" sz="1600"/>
+                        <a:t>463</a:t>
+                      </a:r>
+                      <a:r>
+                        <a:rPr lang="ko-KR" altLang="en-US" sz="1600"/>
+                        <a:t>명</a:t>
+                      </a:r>
+                      <a:endParaRPr lang="ko-KR" altLang="en-US" sz="1600"/>
+                    </a:p>
+                  </a:txBody>
+                  <a:tcPr marL="91440" marR="91440"/>
+                </a:tc>
+                <a:tc>
+                  <a:txBody>
+                    <a:bodyPr vert="horz" wrap="square" lIns="91440" tIns="45720" rIns="91440" bIns="45720" anchor="t" anchorCtr="0">
+                      <a:spAutoFit/>
+                    </a:bodyPr>
+                    <a:p>
+                      <a:pPr>
+                        <a:defRPr/>
+                      </a:pPr>
+                      <a:r>
+                        <a:rPr lang="en-US" altLang="ko-KR" sz="1600"/>
+                        <a:t>504</a:t>
+                      </a:r>
+                      <a:r>
+                        <a:rPr lang="ko-KR" altLang="en-US" sz="1600"/>
+                        <a:t>명</a:t>
+                      </a:r>
+                      <a:endParaRPr lang="ko-KR" altLang="en-US" sz="1600"/>
+                    </a:p>
+                  </a:txBody>
+                  <a:tcPr marL="91440" marR="91440"/>
+                </a:tc>
+                <a:tc>
+                  <a:txBody>
+                    <a:bodyPr vert="horz" wrap="square" lIns="91440" tIns="45720" rIns="91440" bIns="45720" anchor="t" anchorCtr="0">
+                      <a:spAutoFit/>
+                    </a:bodyPr>
+                    <a:p>
+                      <a:pPr>
+                        <a:defRPr/>
+                      </a:pPr>
+                      <a:r>
+                        <a:rPr lang="en-US" altLang="ko-KR"/>
+                        <a:t>240</a:t>
+                      </a:r>
+                      <a:r>
+                        <a:rPr lang="ko-KR" altLang="en-US"/>
+                        <a:t>명</a:t>
+                      </a:r>
+                      <a:endParaRPr lang="ko-KR" altLang="en-US"/>
+                    </a:p>
+                  </a:txBody>
+                  <a:tcPr marL="91440" marR="91440"/>
+                </a:tc>
+                <a:tc>
+                  <a:txBody>
+                    <a:bodyPr vert="horz" wrap="square" lIns="91440" tIns="45720" rIns="91440" bIns="45720" anchor="t" anchorCtr="0">
+                      <a:spAutoFit/>
+                    </a:bodyPr>
+                    <a:p>
+                      <a:pPr>
+                        <a:defRPr/>
+                      </a:pPr>
+                      <a:r>
+                        <a:rPr lang="en-US" altLang="ko-KR" sz="1600"/>
+                        <a:t>574</a:t>
+                      </a:r>
+                      <a:r>
+                        <a:rPr lang="ko-KR" altLang="en-US" sz="1600"/>
+                        <a:t>명</a:t>
+                      </a:r>
+                      <a:endParaRPr lang="ko-KR" altLang="en-US" sz="1600"/>
+                    </a:p>
+                  </a:txBody>
+                  <a:tcPr marL="91440" marR="91440"/>
+                </a:tc>
+              </a:tr>
+              <a:tr h="374579">
+                <a:tc>
+                  <a:txBody>
+                    <a:bodyPr vert="horz" wrap="square" lIns="91440" tIns="45720" rIns="91440" bIns="45720" anchor="t" anchorCtr="0">
+                      <a:spAutoFit/>
+                    </a:bodyPr>
+                    <a:p>
+                      <a:pPr>
+                        <a:defRPr/>
+                      </a:pPr>
+                      <a:r>
+                        <a:rPr lang="ko-KR" altLang="en-US" sz="1600"/>
+                        <a:t>보험사기자 비율</a:t>
+                      </a:r>
+                      <a:endParaRPr lang="ko-KR" altLang="en-US" sz="1600"/>
+                    </a:p>
+                  </a:txBody>
+                  <a:tcPr marL="91440" marR="91440"/>
+                </a:tc>
+                <a:tc>
+                  <a:txBody>
+                    <a:bodyPr vert="horz" wrap="square" lIns="91440" tIns="45720" rIns="91440" bIns="45720" anchor="t" anchorCtr="0">
+                      <a:spAutoFit/>
+                    </a:bodyPr>
+                    <a:p>
+                      <a:pPr>
+                        <a:defRPr/>
+                      </a:pPr>
+                      <a:r>
+                        <a:rPr lang="en-US" altLang="ko-KR" sz="1600"/>
+                        <a:t>21.9%</a:t>
+                      </a:r>
+                      <a:endParaRPr lang="en-US" altLang="ko-KR" sz="1600"/>
+                    </a:p>
+                  </a:txBody>
+                  <a:tcPr marL="91440" marR="91440"/>
+                </a:tc>
+                <a:tc>
+                  <a:txBody>
+                    <a:bodyPr vert="horz" wrap="square" lIns="91440" tIns="45720" rIns="91440" bIns="45720" anchor="t" anchorCtr="0">
+                      <a:spAutoFit/>
+                    </a:bodyPr>
+                    <a:p>
+                      <a:pPr>
+                        <a:defRPr/>
+                      </a:pPr>
+                      <a:r>
+                        <a:rPr lang="en-US" altLang="ko-KR" sz="1600"/>
+                        <a:t>18.8%</a:t>
+                      </a:r>
+                      <a:endParaRPr lang="en-US" altLang="ko-KR" sz="1600"/>
+                    </a:p>
+                  </a:txBody>
+                  <a:tcPr marL="91440" marR="91440"/>
+                </a:tc>
+                <a:tc>
+                  <a:txBody>
+                    <a:bodyPr vert="horz" wrap="square" lIns="91440" tIns="45720" rIns="91440" bIns="45720" anchor="t" anchorCtr="0">
+                      <a:spAutoFit/>
+                    </a:bodyPr>
+                    <a:p>
+                      <a:pPr>
+                        <a:defRPr/>
+                      </a:pPr>
+                      <a:r>
+                        <a:rPr lang="en-US" altLang="ko-KR" sz="1600"/>
+                        <a:t>18.5%</a:t>
+                      </a:r>
+                      <a:endParaRPr lang="en-US" altLang="ko-KR" sz="1600"/>
+                    </a:p>
+                  </a:txBody>
+                  <a:tcPr marL="91440" marR="91440"/>
+                </a:tc>
+                <a:tc>
+                  <a:txBody>
+                    <a:bodyPr vert="horz" wrap="square" lIns="91440" tIns="45720" rIns="91440" bIns="45720" anchor="t" anchorCtr="0">
+                      <a:spAutoFit/>
+                    </a:bodyPr>
+                    <a:p>
+                      <a:pPr>
+                        <a:defRPr/>
+                      </a:pPr>
+                      <a:r>
+                        <a:rPr lang="en-US" altLang="ko-KR" sz="1600"/>
+                        <a:t>17.6%</a:t>
+                      </a:r>
+                      <a:endParaRPr lang="en-US" altLang="ko-KR" sz="1600"/>
+                    </a:p>
+                  </a:txBody>
+                  <a:tcPr marL="91440" marR="91440"/>
+                </a:tc>
+                <a:tc>
+                  <a:txBody>
+                    <a:bodyPr vert="horz" wrap="square" lIns="91440" tIns="45720" rIns="91440" bIns="45720" anchor="t" anchorCtr="0">
+                      <a:spAutoFit/>
+                    </a:bodyPr>
+                    <a:p>
+                      <a:pPr>
+                        <a:defRPr/>
+                      </a:pPr>
+                      <a:r>
+                        <a:rPr lang="en-US" altLang="ko-KR" sz="1600"/>
+                        <a:t>14.1%</a:t>
+                      </a:r>
+                      <a:endParaRPr lang="en-US" altLang="ko-KR" sz="1600"/>
+                    </a:p>
+                  </a:txBody>
+                  <a:tcPr marL="91440" marR="91440"/>
+                </a:tc>
+                <a:tc>
+                  <a:txBody>
+                    <a:bodyPr vert="horz" wrap="square" lIns="91440" tIns="45720" rIns="91440" bIns="45720" anchor="t" anchorCtr="0">
+                      <a:spAutoFit/>
+                    </a:bodyPr>
+                    <a:p>
+                      <a:pPr>
+                        <a:defRPr/>
+                      </a:pPr>
+                      <a:r>
+                        <a:rPr lang="en-US" altLang="ko-KR" sz="1600"/>
+                        <a:t>14.9%</a:t>
+                      </a:r>
+                      <a:endParaRPr lang="en-US" altLang="ko-KR" sz="1600"/>
+                    </a:p>
+                  </a:txBody>
+                  <a:tcPr marL="91440" marR="91440"/>
+                </a:tc>
+              </a:tr>
+              <a:tr h="372470">
+                <a:tc>
+                  <a:txBody>
+                    <a:bodyPr vert="horz" wrap="square" lIns="91440" tIns="45720" rIns="91440" bIns="45720" anchor="t" anchorCtr="0">
+                      <a:spAutoFit/>
+                    </a:bodyPr>
+                    <a:p>
+                      <a:pPr>
+                        <a:defRPr/>
+                      </a:pPr>
+                      <a:r>
+                        <a:rPr lang="ko-KR" altLang="en-US" sz="1600"/>
+                        <a:t>자녀수</a:t>
+                      </a:r>
+                      <a:endParaRPr lang="ko-KR" altLang="en-US" sz="1600"/>
+                    </a:p>
+                  </a:txBody>
+                  <a:tcPr marL="91440" marR="91440"/>
+                </a:tc>
+                <a:tc>
+                  <a:txBody>
+                    <a:bodyPr vert="horz" wrap="square" lIns="91440" tIns="45720" rIns="91440" bIns="45720" anchor="t" anchorCtr="0">
+                      <a:spAutoFit/>
+                    </a:bodyPr>
+                    <a:p>
+                      <a:pPr>
+                        <a:defRPr/>
+                      </a:pPr>
+                      <a:r>
+                        <a:rPr lang="en-US" altLang="ko-KR" sz="1600"/>
+                        <a:t>0.74</a:t>
+                      </a:r>
+                      <a:r>
+                        <a:rPr lang="ko-KR" altLang="en-US" sz="1600"/>
+                        <a:t>명</a:t>
+                      </a:r>
+                      <a:endParaRPr lang="ko-KR" altLang="en-US" sz="1600"/>
+                    </a:p>
+                  </a:txBody>
+                  <a:tcPr marL="91440" marR="91440"/>
+                </a:tc>
+                <a:tc>
+                  <a:txBody>
+                    <a:bodyPr vert="horz" wrap="square" lIns="91440" tIns="45720" rIns="91440" bIns="45720" anchor="t" anchorCtr="0">
+                      <a:spAutoFit/>
+                    </a:bodyPr>
+                    <a:p>
+                      <a:pPr>
+                        <a:defRPr/>
+                      </a:pPr>
+                      <a:r>
+                        <a:rPr lang="en-US" altLang="ko-KR" sz="1600"/>
+                        <a:t>0.66</a:t>
+                      </a:r>
+                      <a:r>
+                        <a:rPr lang="ko-KR" altLang="en-US" sz="1600"/>
+                        <a:t>명</a:t>
+                      </a:r>
+                      <a:endParaRPr lang="ko-KR" altLang="en-US" sz="1600"/>
+                    </a:p>
+                  </a:txBody>
+                  <a:tcPr marL="91440" marR="91440"/>
+                </a:tc>
+                <a:tc>
+                  <a:txBody>
+                    <a:bodyPr vert="horz" wrap="square" lIns="91440" tIns="45720" rIns="91440" bIns="45720" anchor="t" anchorCtr="0">
+                      <a:spAutoFit/>
+                    </a:bodyPr>
+                    <a:p>
+                      <a:pPr>
+                        <a:defRPr/>
+                      </a:pPr>
+                      <a:r>
+                        <a:rPr lang="en-US" altLang="ko-KR" sz="1600"/>
+                        <a:t>1.5</a:t>
+                      </a:r>
+                      <a:r>
+                        <a:rPr lang="ko-KR" altLang="en-US" sz="1600"/>
+                        <a:t>명</a:t>
+                      </a:r>
+                      <a:endParaRPr lang="ko-KR" altLang="en-US" sz="1600"/>
+                    </a:p>
+                  </a:txBody>
+                  <a:tcPr marL="91440" marR="91440"/>
+                </a:tc>
+                <a:tc>
+                  <a:txBody>
+                    <a:bodyPr vert="horz" wrap="square" lIns="91440" tIns="45720" rIns="91440" bIns="45720" anchor="t" anchorCtr="0">
+                      <a:spAutoFit/>
+                    </a:bodyPr>
+                    <a:p>
+                      <a:pPr>
+                        <a:defRPr/>
+                      </a:pPr>
+                      <a:r>
+                        <a:rPr lang="en-US" altLang="ko-KR" sz="1600"/>
+                        <a:t>1.3</a:t>
+                      </a:r>
+                      <a:r>
+                        <a:rPr lang="ko-KR" altLang="en-US" sz="1600"/>
+                        <a:t>명</a:t>
+                      </a:r>
+                      <a:endParaRPr lang="ko-KR" altLang="en-US" sz="1600"/>
+                    </a:p>
+                  </a:txBody>
+                  <a:tcPr marL="91440" marR="91440"/>
+                </a:tc>
+                <a:tc>
+                  <a:txBody>
+                    <a:bodyPr vert="horz" wrap="square" lIns="91440" tIns="45720" rIns="91440" bIns="45720" anchor="t" anchorCtr="0">
+                      <a:spAutoFit/>
+                    </a:bodyPr>
+                    <a:p>
+                      <a:pPr>
+                        <a:defRPr/>
+                      </a:pPr>
+                      <a:r>
+                        <a:rPr lang="en-US" altLang="ko-KR" sz="1600"/>
+                        <a:t>0</a:t>
+                      </a:r>
+                      <a:r>
+                        <a:rPr lang="ko-KR" altLang="en-US" sz="1600"/>
+                        <a:t>명</a:t>
+                      </a:r>
+                      <a:endParaRPr lang="ko-KR" altLang="en-US" sz="1600"/>
+                    </a:p>
+                  </a:txBody>
+                  <a:tcPr marL="91440" marR="91440"/>
+                </a:tc>
+                <a:tc>
+                  <a:txBody>
+                    <a:bodyPr vert="horz" wrap="square" lIns="91440" tIns="45720" rIns="91440" bIns="45720" anchor="t" anchorCtr="0">
+                      <a:spAutoFit/>
+                    </a:bodyPr>
+                    <a:p>
+                      <a:pPr>
+                        <a:defRPr/>
+                      </a:pPr>
+                      <a:r>
+                        <a:rPr lang="en-US" altLang="ko-KR" sz="1600"/>
+                        <a:t>0.7</a:t>
+                      </a:r>
+                      <a:r>
+                        <a:rPr lang="ko-KR" altLang="en-US" sz="1600"/>
+                        <a:t>명</a:t>
+                      </a:r>
+                      <a:endParaRPr lang="ko-KR" altLang="en-US" sz="1600"/>
+                    </a:p>
+                  </a:txBody>
+                  <a:tcPr marL="91440" marR="91440"/>
+                </a:tc>
+              </a:tr>
+              <a:tr h="372470">
+                <a:tc>
+                  <a:txBody>
+                    <a:bodyPr vert="horz" wrap="square" lIns="91440" tIns="45720" rIns="91440" bIns="45720" anchor="t" anchorCtr="0">
+                      <a:spAutoFit/>
+                    </a:bodyPr>
+                    <a:p>
+                      <a:pPr>
+                        <a:defRPr/>
+                      </a:pPr>
+                      <a:r>
+                        <a:rPr lang="ko-KR" altLang="en-US" sz="1600"/>
+                        <a:t>합계보험료</a:t>
+                      </a:r>
+                      <a:endParaRPr lang="ko-KR" altLang="en-US" sz="1600"/>
+                    </a:p>
+                  </a:txBody>
+                  <a:tcPr marL="91440" marR="91440"/>
+                </a:tc>
+                <a:tc>
+                  <a:txBody>
+                    <a:bodyPr vert="horz" wrap="square" lIns="91440" tIns="45720" rIns="91440" bIns="45720" anchor="t" anchorCtr="0">
+                      <a:spAutoFit/>
+                    </a:bodyPr>
+                    <a:p>
+                      <a:pPr>
+                        <a:defRPr/>
+                      </a:pPr>
+                      <a:r>
+                        <a:rPr lang="en-US" altLang="ko-KR" sz="1600"/>
+                        <a:t>82,000</a:t>
+                      </a:r>
+                      <a:r>
+                        <a:rPr lang="ko-KR" altLang="en-US" sz="1600"/>
+                        <a:t>원</a:t>
+                      </a:r>
+                      <a:endParaRPr lang="ko-KR" altLang="en-US" sz="1600"/>
+                    </a:p>
+                  </a:txBody>
+                  <a:tcPr marL="91440" marR="91440"/>
+                </a:tc>
+                <a:tc>
+                  <a:txBody>
+                    <a:bodyPr vert="horz" wrap="square" lIns="91440" tIns="45720" rIns="91440" bIns="45720" anchor="t" anchorCtr="0">
+                      <a:spAutoFit/>
+                    </a:bodyPr>
+                    <a:p>
+                      <a:pPr>
+                        <a:defRPr/>
+                      </a:pPr>
+                      <a:r>
+                        <a:rPr lang="en-US" altLang="ko-KR" sz="1600"/>
+                        <a:t>78,000</a:t>
+                      </a:r>
+                      <a:r>
+                        <a:rPr lang="ko-KR" altLang="en-US" sz="1600"/>
+                        <a:t>원</a:t>
+                      </a:r>
+                      <a:endParaRPr lang="ko-KR" altLang="en-US" sz="1600"/>
+                    </a:p>
+                  </a:txBody>
+                  <a:tcPr marL="91440" marR="91440"/>
+                </a:tc>
+                <a:tc>
+                  <a:txBody>
+                    <a:bodyPr vert="horz" wrap="square" lIns="91440" tIns="45720" rIns="91440" bIns="45720" anchor="t" anchorCtr="0">
+                      <a:spAutoFit/>
+                    </a:bodyPr>
+                    <a:p>
+                      <a:pPr>
+                        <a:defRPr/>
+                      </a:pPr>
+                      <a:r>
+                        <a:rPr lang="en-US" altLang="ko-KR" sz="1600"/>
+                        <a:t>96,000</a:t>
+                      </a:r>
+                      <a:r>
+                        <a:rPr lang="ko-KR" altLang="en-US" sz="1600"/>
+                        <a:t>원</a:t>
+                      </a:r>
+                      <a:endParaRPr lang="ko-KR" altLang="en-US" sz="1600"/>
+                    </a:p>
+                  </a:txBody>
+                  <a:tcPr marL="91440" marR="91440"/>
+                </a:tc>
+                <a:tc>
+                  <a:txBody>
+                    <a:bodyPr vert="horz" wrap="square" lIns="91440" tIns="45720" rIns="91440" bIns="45720" anchor="t" anchorCtr="0">
+                      <a:spAutoFit/>
+                    </a:bodyPr>
+                    <a:p>
+                      <a:pPr>
+                        <a:defRPr/>
+                      </a:pPr>
+                      <a:r>
+                        <a:rPr lang="en-US" altLang="ko-KR" sz="1600"/>
+                        <a:t>100,000</a:t>
+                      </a:r>
+                      <a:r>
+                        <a:rPr lang="ko-KR" altLang="en-US" sz="1600"/>
+                        <a:t>원</a:t>
+                      </a:r>
+                      <a:endParaRPr lang="ko-KR" altLang="en-US" sz="1600"/>
+                    </a:p>
+                  </a:txBody>
+                  <a:tcPr marL="91440" marR="91440"/>
+                </a:tc>
+                <a:tc>
+                  <a:txBody>
+                    <a:bodyPr vert="horz" wrap="square" lIns="91440" tIns="45720" rIns="91440" bIns="45720" anchor="t" anchorCtr="0">
+                      <a:spAutoFit/>
+                    </a:bodyPr>
+                    <a:p>
+                      <a:pPr>
+                        <a:defRPr/>
+                      </a:pPr>
+                      <a:r>
+                        <a:rPr lang="en-US" altLang="ko-KR" sz="1600"/>
+                        <a:t>66,000</a:t>
+                      </a:r>
+                      <a:r>
+                        <a:rPr lang="ko-KR" altLang="en-US" sz="1600"/>
+                        <a:t>원</a:t>
+                      </a:r>
+                      <a:endParaRPr lang="ko-KR" altLang="en-US" sz="1600"/>
+                    </a:p>
+                  </a:txBody>
+                  <a:tcPr marL="91440" marR="91440"/>
+                </a:tc>
+                <a:tc>
+                  <a:txBody>
+                    <a:bodyPr vert="horz" wrap="square" lIns="91440" tIns="45720" rIns="91440" bIns="45720" anchor="t" anchorCtr="0">
+                      <a:spAutoFit/>
+                    </a:bodyPr>
+                    <a:p>
+                      <a:pPr>
+                        <a:defRPr/>
+                      </a:pPr>
+                      <a:r>
+                        <a:rPr lang="en-US" altLang="ko-KR" sz="1600"/>
+                        <a:t>96,000</a:t>
+                      </a:r>
+                      <a:r>
+                        <a:rPr lang="ko-KR" altLang="en-US" sz="1600"/>
+                        <a:t>원</a:t>
+                      </a:r>
+                      <a:endParaRPr lang="ko-KR" altLang="en-US" sz="1600"/>
+                    </a:p>
+                  </a:txBody>
+                  <a:tcPr marL="91440" marR="91440"/>
+                </a:tc>
+              </a:tr>
+              <a:tr h="372470">
+                <a:tc>
+                  <a:txBody>
+                    <a:bodyPr vert="horz" wrap="square" lIns="91440" tIns="45720" rIns="91440" bIns="45720" anchor="t" anchorCtr="0">
+                      <a:spAutoFit/>
+                    </a:bodyPr>
+                    <a:p>
+                      <a:pPr>
+                        <a:defRPr/>
+                      </a:pPr>
+                      <a:r>
+                        <a:rPr lang="ko-KR" altLang="en-US" sz="1600"/>
+                        <a:t>납입총보험료</a:t>
+                      </a:r>
+                      <a:endParaRPr lang="ko-KR" altLang="en-US" sz="1600"/>
+                    </a:p>
+                  </a:txBody>
+                  <a:tcPr marL="91440" marR="91440"/>
+                </a:tc>
+                <a:tc>
+                  <a:txBody>
+                    <a:bodyPr vert="horz" wrap="square" lIns="91440" tIns="45720" rIns="91440" bIns="45720" anchor="t" anchorCtr="0">
+                      <a:spAutoFit/>
+                    </a:bodyPr>
+                    <a:p>
+                      <a:pPr>
+                        <a:defRPr/>
+                      </a:pPr>
+                      <a:r>
+                        <a:rPr lang="en-US" altLang="ko-KR" sz="1600"/>
+                        <a:t>12,000,000</a:t>
+                      </a:r>
+                      <a:r>
+                        <a:rPr lang="ko-KR" altLang="en-US" sz="1600"/>
+                        <a:t>원</a:t>
+                      </a:r>
+                      <a:endParaRPr lang="ko-KR" altLang="en-US" sz="1600"/>
+                    </a:p>
+                  </a:txBody>
+                  <a:tcPr marL="91440" marR="91440"/>
+                </a:tc>
+                <a:tc>
+                  <a:txBody>
+                    <a:bodyPr vert="horz" wrap="square" lIns="91440" tIns="45720" rIns="91440" bIns="45720" anchor="t" anchorCtr="0">
+                      <a:spAutoFit/>
+                    </a:bodyPr>
+                    <a:p>
+                      <a:pPr>
+                        <a:defRPr/>
+                      </a:pPr>
+                      <a:r>
+                        <a:rPr lang="en-US" altLang="ko-KR" sz="1600"/>
+                        <a:t>10,000,000</a:t>
+                      </a:r>
+                      <a:r>
+                        <a:rPr lang="ko-KR" altLang="en-US" sz="1600"/>
+                        <a:t>원</a:t>
+                      </a:r>
+                      <a:endParaRPr lang="ko-KR" altLang="en-US" sz="1600"/>
+                    </a:p>
+                  </a:txBody>
+                  <a:tcPr marL="91440" marR="91440"/>
+                </a:tc>
+                <a:tc>
+                  <a:txBody>
+                    <a:bodyPr vert="horz" wrap="square" lIns="91440" tIns="45720" rIns="91440" bIns="45720" anchor="t" anchorCtr="0">
+                      <a:spAutoFit/>
+                    </a:bodyPr>
+                    <a:p>
+                      <a:pPr>
+                        <a:defRPr/>
+                      </a:pPr>
+                      <a:r>
+                        <a:rPr lang="en-US" altLang="ko-KR" sz="1600"/>
+                        <a:t>27,500,000</a:t>
+                      </a:r>
+                      <a:r>
+                        <a:rPr lang="ko-KR" altLang="en-US" sz="1600"/>
+                        <a:t>원</a:t>
+                      </a:r>
+                      <a:endParaRPr lang="ko-KR" altLang="en-US" sz="1600"/>
+                    </a:p>
+                  </a:txBody>
+                  <a:tcPr marL="91440" marR="91440"/>
+                </a:tc>
+                <a:tc>
+                  <a:txBody>
+                    <a:bodyPr vert="horz" wrap="square" lIns="91440" tIns="45720" rIns="91440" bIns="45720" anchor="t" anchorCtr="0">
+                      <a:spAutoFit/>
+                    </a:bodyPr>
+                    <a:p>
+                      <a:pPr>
+                        <a:defRPr/>
+                      </a:pPr>
+                      <a:r>
+                        <a:rPr lang="en-US" altLang="ko-KR" sz="1600"/>
+                        <a:t>30,800,000</a:t>
+                      </a:r>
+                      <a:r>
+                        <a:rPr lang="ko-KR" altLang="en-US" sz="1600"/>
+                        <a:t>원</a:t>
+                      </a:r>
+                      <a:endParaRPr lang="ko-KR" altLang="en-US" sz="1600"/>
+                    </a:p>
+                  </a:txBody>
+                  <a:tcPr marL="91440" marR="91440"/>
+                </a:tc>
+                <a:tc>
+                  <a:txBody>
+                    <a:bodyPr vert="horz" wrap="square" lIns="91440" tIns="45720" rIns="91440" bIns="45720" anchor="t" anchorCtr="0">
+                      <a:spAutoFit/>
+                    </a:bodyPr>
+                    <a:p>
+                      <a:pPr>
+                        <a:defRPr/>
+                      </a:pPr>
+                      <a:r>
+                        <a:rPr lang="en-US" altLang="ko-KR" sz="1600"/>
+                        <a:t>10,650,000</a:t>
+                      </a:r>
+                      <a:r>
+                        <a:rPr lang="ko-KR" altLang="en-US" sz="1600"/>
+                        <a:t>원</a:t>
+                      </a:r>
+                      <a:endParaRPr lang="ko-KR" altLang="en-US" sz="1600"/>
+                    </a:p>
+                  </a:txBody>
+                  <a:tcPr marL="91440" marR="91440"/>
+                </a:tc>
+                <a:tc>
+                  <a:txBody>
+                    <a:bodyPr vert="horz" wrap="square" lIns="91440" tIns="45720" rIns="91440" bIns="45720" anchor="t" anchorCtr="0">
+                      <a:spAutoFit/>
+                    </a:bodyPr>
+                    <a:p>
+                      <a:pPr>
+                        <a:defRPr/>
+                      </a:pPr>
+                      <a:r>
+                        <a:rPr lang="en-US" altLang="ko-KR" sz="1600"/>
+                        <a:t>12,800,000</a:t>
+                      </a:r>
+                      <a:r>
+                        <a:rPr lang="ko-KR" altLang="en-US" sz="1600"/>
+                        <a:t>원</a:t>
+                      </a:r>
+                      <a:endParaRPr lang="ko-KR" altLang="en-US" sz="1600"/>
+                    </a:p>
+                  </a:txBody>
+                  <a:tcPr marL="91440" marR="91440"/>
+                </a:tc>
+              </a:tr>
+              <a:tr h="313308">
+                <a:tc>
+                  <a:txBody>
+                    <a:bodyPr vert="horz" wrap="square" lIns="91440" tIns="45720" rIns="91440" bIns="45720" anchor="t" anchorCtr="0">
+                      <a:spAutoFit/>
+                    </a:bodyPr>
+                    <a:p>
+                      <a:pPr>
+                        <a:defRPr/>
+                      </a:pPr>
+                      <a:r>
+                        <a:rPr lang="ko-KR" altLang="en-US" sz="1600"/>
+                        <a:t>병원거리</a:t>
+                      </a:r>
+                      <a:endParaRPr lang="ko-KR" altLang="en-US" sz="1600"/>
+                    </a:p>
+                  </a:txBody>
+                  <a:tcPr marL="91440" marR="91440"/>
+                </a:tc>
+                <a:tc>
+                  <a:txBody>
+                    <a:bodyPr vert="horz" wrap="square" lIns="91440" tIns="45720" rIns="91440" bIns="45720" anchor="t" anchorCtr="0">
+                      <a:spAutoFit/>
+                    </a:bodyPr>
+                    <a:p>
+                      <a:pPr>
+                        <a:defRPr/>
+                      </a:pPr>
+                      <a:r>
+                        <a:rPr lang="en-US" altLang="ko-KR" sz="1600"/>
+                        <a:t>14km</a:t>
+                      </a:r>
+                      <a:endParaRPr lang="en-US" altLang="ko-KR" sz="1600"/>
+                    </a:p>
+                  </a:txBody>
+                  <a:tcPr marL="91440" marR="91440"/>
+                </a:tc>
+                <a:tc>
+                  <a:txBody>
+                    <a:bodyPr vert="horz" wrap="square" lIns="91440" tIns="45720" rIns="91440" bIns="45720" anchor="t" anchorCtr="0">
+                      <a:spAutoFit/>
+                    </a:bodyPr>
+                    <a:p>
+                      <a:pPr>
+                        <a:defRPr/>
+                      </a:pPr>
+                      <a:r>
+                        <a:rPr lang="en-US" altLang="ko-KR" sz="1600"/>
+                        <a:t>17km</a:t>
+                      </a:r>
+                      <a:endParaRPr lang="en-US" altLang="ko-KR" sz="1600"/>
+                    </a:p>
+                  </a:txBody>
+                  <a:tcPr marL="91440" marR="91440"/>
+                </a:tc>
+                <a:tc>
+                  <a:txBody>
+                    <a:bodyPr vert="horz" wrap="square" lIns="91440" tIns="45720" rIns="91440" bIns="45720" anchor="t" anchorCtr="0">
+                      <a:spAutoFit/>
+                    </a:bodyPr>
+                    <a:p>
+                      <a:pPr>
+                        <a:defRPr/>
+                      </a:pPr>
+                      <a:r>
+                        <a:rPr lang="en-US" altLang="ko-KR" sz="1600"/>
+                        <a:t>19km</a:t>
+                      </a:r>
+                      <a:endParaRPr lang="en-US" altLang="ko-KR" sz="1600"/>
+                    </a:p>
+                  </a:txBody>
+                  <a:tcPr marL="91440" marR="91440"/>
+                </a:tc>
+                <a:tc>
+                  <a:txBody>
+                    <a:bodyPr vert="horz" wrap="square" lIns="91440" tIns="45720" rIns="91440" bIns="45720" anchor="t" anchorCtr="0">
+                      <a:spAutoFit/>
+                    </a:bodyPr>
+                    <a:p>
+                      <a:pPr>
+                        <a:defRPr/>
+                      </a:pPr>
+                      <a:r>
+                        <a:rPr lang="en-US" altLang="ko-KR" sz="1600"/>
+                        <a:t>24km</a:t>
+                      </a:r>
+                      <a:endParaRPr lang="en-US" altLang="ko-KR" sz="1600"/>
+                    </a:p>
+                  </a:txBody>
+                  <a:tcPr marL="91440" marR="91440"/>
+                </a:tc>
+                <a:tc>
+                  <a:txBody>
+                    <a:bodyPr vert="horz" wrap="square" lIns="91440" tIns="45720" rIns="91440" bIns="45720" anchor="t" anchorCtr="0">
+                      <a:spAutoFit/>
+                    </a:bodyPr>
+                    <a:p>
+                      <a:pPr>
+                        <a:defRPr/>
+                      </a:pPr>
+                      <a:r>
+                        <a:rPr lang="en-US" altLang="ko-KR" sz="1600"/>
+                        <a:t>32.9km</a:t>
+                      </a:r>
+                      <a:endParaRPr lang="en-US" altLang="ko-KR" sz="1600"/>
+                    </a:p>
+                  </a:txBody>
+                  <a:tcPr marL="91440" marR="91440"/>
+                </a:tc>
+                <a:tc>
+                  <a:txBody>
+                    <a:bodyPr vert="horz" wrap="square" lIns="91440" tIns="45720" rIns="91440" bIns="45720" anchor="t" anchorCtr="0">
+                      <a:spAutoFit/>
+                    </a:bodyPr>
+                    <a:p>
+                      <a:pPr>
+                        <a:defRPr/>
+                      </a:pPr>
+                      <a:r>
+                        <a:rPr lang="en-US" altLang="ko-KR" sz="1600"/>
+                        <a:t>19.6km</a:t>
+                      </a:r>
+                      <a:endParaRPr lang="en-US" altLang="ko-KR" sz="1600"/>
+                    </a:p>
+                  </a:txBody>
+                  <a:tcPr marL="91440" marR="91440"/>
+                </a:tc>
+              </a:tr>
+              <a:tr h="372470">
+                <a:tc>
+                  <a:txBody>
+                    <a:bodyPr vert="horz" wrap="square" lIns="91440" tIns="45720" rIns="91440" bIns="45720" anchor="t" anchorCtr="0">
+                      <a:spAutoFit/>
+                    </a:bodyPr>
+                    <a:p>
+                      <a:pPr>
+                        <a:defRPr/>
+                      </a:pPr>
+                      <a:r>
+                        <a:rPr lang="ko-KR" altLang="en-US" sz="1600"/>
+                        <a:t>추정가구소득</a:t>
+                      </a:r>
+                      <a:endParaRPr lang="ko-KR" altLang="en-US" sz="1600"/>
+                    </a:p>
+                  </a:txBody>
+                  <a:tcPr marL="91440" marR="91440"/>
+                </a:tc>
+                <a:tc>
+                  <a:txBody>
+                    <a:bodyPr vert="horz" wrap="square" lIns="91440" tIns="45720" rIns="91440" bIns="45720" anchor="t" anchorCtr="0">
+                      <a:spAutoFit/>
+                    </a:bodyPr>
+                    <a:p>
+                      <a:pPr>
+                        <a:defRPr/>
+                      </a:pPr>
+                      <a:r>
+                        <a:rPr lang="en-US" altLang="ko-KR" sz="1600"/>
+                        <a:t>43,700,000</a:t>
+                      </a:r>
+                      <a:r>
+                        <a:rPr lang="ko-KR" altLang="en-US" sz="1600"/>
+                        <a:t>원</a:t>
+                      </a:r>
+                      <a:endParaRPr lang="ko-KR" altLang="en-US" sz="1600"/>
+                    </a:p>
+                  </a:txBody>
+                  <a:tcPr marL="91440" marR="91440"/>
+                </a:tc>
+                <a:tc>
+                  <a:txBody>
+                    <a:bodyPr vert="horz" wrap="square" lIns="91440" tIns="45720" rIns="91440" bIns="45720" anchor="t" anchorCtr="0">
+                      <a:spAutoFit/>
+                    </a:bodyPr>
+                    <a:p>
+                      <a:pPr>
+                        <a:defRPr/>
+                      </a:pPr>
+                      <a:r>
+                        <a:rPr lang="en-US" altLang="ko-KR" sz="1600"/>
+                        <a:t>44,530,000</a:t>
+                      </a:r>
+                      <a:r>
+                        <a:rPr lang="ko-KR" altLang="en-US" sz="1600"/>
+                        <a:t>원</a:t>
+                      </a:r>
+                      <a:endParaRPr lang="ko-KR" altLang="en-US" sz="1600"/>
+                    </a:p>
+                  </a:txBody>
+                  <a:tcPr marL="91440" marR="91440"/>
+                </a:tc>
+                <a:tc>
+                  <a:txBody>
+                    <a:bodyPr vert="horz" wrap="square" lIns="91440" tIns="45720" rIns="91440" bIns="45720" anchor="t" anchorCtr="0">
+                      <a:spAutoFit/>
+                    </a:bodyPr>
+                    <a:p>
+                      <a:pPr>
+                        <a:defRPr/>
+                      </a:pPr>
+                      <a:r>
+                        <a:rPr lang="en-US" altLang="ko-KR" sz="1600"/>
+                        <a:t>65,080,000</a:t>
+                      </a:r>
+                      <a:r>
+                        <a:rPr lang="ko-KR" altLang="en-US" sz="1600"/>
+                        <a:t>원</a:t>
+                      </a:r>
+                      <a:endParaRPr lang="ko-KR" altLang="en-US" sz="1600"/>
+                    </a:p>
+                  </a:txBody>
+                  <a:tcPr marL="91440" marR="91440"/>
+                </a:tc>
+                <a:tc>
+                  <a:txBody>
+                    <a:bodyPr vert="horz" wrap="square" lIns="91440" tIns="45720" rIns="91440" bIns="45720" anchor="t" anchorCtr="0">
+                      <a:spAutoFit/>
+                    </a:bodyPr>
+                    <a:p>
+                      <a:pPr>
+                        <a:defRPr/>
+                      </a:pPr>
+                      <a:r>
+                        <a:rPr lang="en-US" altLang="ko-KR" sz="1600"/>
+                        <a:t>56,400,000</a:t>
+                      </a:r>
+                      <a:r>
+                        <a:rPr lang="ko-KR" altLang="en-US" sz="1600"/>
+                        <a:t>원</a:t>
+                      </a:r>
+                      <a:endParaRPr lang="ko-KR" altLang="en-US" sz="1600"/>
+                    </a:p>
+                  </a:txBody>
+                  <a:tcPr marL="91440" marR="91440"/>
+                </a:tc>
+                <a:tc>
+                  <a:txBody>
+                    <a:bodyPr vert="horz" wrap="square" lIns="91440" tIns="45720" rIns="91440" bIns="45720" anchor="t" anchorCtr="0">
+                      <a:spAutoFit/>
+                    </a:bodyPr>
+                    <a:p>
+                      <a:pPr>
+                        <a:defRPr/>
+                      </a:pPr>
+                      <a:r>
+                        <a:rPr lang="en-US" altLang="ko-KR" sz="1600"/>
+                        <a:t>45,010,000</a:t>
+                      </a:r>
+                      <a:r>
+                        <a:rPr lang="ko-KR" altLang="en-US" sz="1600"/>
+                        <a:t>원</a:t>
+                      </a:r>
+                      <a:endParaRPr lang="ko-KR" altLang="en-US" sz="1600"/>
+                    </a:p>
+                  </a:txBody>
+                  <a:tcPr marL="91440" marR="91440"/>
+                </a:tc>
+                <a:tc>
+                  <a:txBody>
+                    <a:bodyPr vert="horz" wrap="square" lIns="91440" tIns="45720" rIns="91440" bIns="45720" anchor="t" anchorCtr="0">
+                      <a:spAutoFit/>
+                    </a:bodyPr>
+                    <a:p>
+                      <a:pPr>
+                        <a:defRPr/>
+                      </a:pPr>
+                      <a:r>
+                        <a:rPr lang="en-US" altLang="ko-KR" sz="1600"/>
+                        <a:t>44,670,000</a:t>
+                      </a:r>
+                      <a:r>
+                        <a:rPr lang="ko-KR" altLang="en-US" sz="1600"/>
+                        <a:t>원</a:t>
+                      </a:r>
+                      <a:endParaRPr lang="ko-KR" altLang="en-US" sz="1600"/>
+                    </a:p>
+                  </a:txBody>
+                  <a:tcPr marL="91440" marR="91440"/>
+                </a:tc>
+              </a:tr>
+              <a:tr h="313308">
+                <a:tc>
+                  <a:txBody>
+                    <a:bodyPr vert="horz" wrap="square" lIns="91440" tIns="45720" rIns="91440" bIns="45720" anchor="t" anchorCtr="0">
+                      <a:spAutoFit/>
+                    </a:bodyPr>
+                    <a:p>
+                      <a:pPr>
+                        <a:defRPr/>
+                      </a:pPr>
+                      <a:r>
+                        <a:rPr lang="ko-KR" altLang="en-US" sz="1600"/>
+                        <a:t>나이</a:t>
+                      </a:r>
+                      <a:endParaRPr lang="ko-KR" altLang="en-US" sz="1600"/>
+                    </a:p>
+                  </a:txBody>
+                  <a:tcPr marL="91440" marR="91440"/>
+                </a:tc>
+                <a:tc>
+                  <a:txBody>
+                    <a:bodyPr vert="horz" wrap="square" lIns="91440" tIns="45720" rIns="91440" bIns="45720" anchor="t" anchorCtr="0">
+                      <a:spAutoFit/>
+                    </a:bodyPr>
+                    <a:p>
+                      <a:pPr>
+                        <a:defRPr/>
+                      </a:pPr>
+                      <a:r>
+                        <a:rPr lang="en-US" altLang="ko-KR" sz="1600"/>
+                        <a:t>51</a:t>
+                      </a:r>
+                      <a:r>
+                        <a:rPr lang="ko-KR" altLang="en-US" sz="1600"/>
+                        <a:t>세</a:t>
+                      </a:r>
+                      <a:endParaRPr lang="ko-KR" altLang="en-US" sz="1600"/>
+                    </a:p>
+                  </a:txBody>
+                  <a:tcPr marL="91440" marR="91440"/>
+                </a:tc>
+                <a:tc>
+                  <a:txBody>
+                    <a:bodyPr vert="horz" wrap="square" lIns="91440" tIns="45720" rIns="91440" bIns="45720" anchor="t" anchorCtr="0">
+                      <a:spAutoFit/>
+                    </a:bodyPr>
+                    <a:p>
+                      <a:pPr>
+                        <a:defRPr/>
+                      </a:pPr>
+                      <a:r>
+                        <a:rPr lang="en-US" altLang="ko-KR" sz="1600"/>
+                        <a:t>44.7</a:t>
+                      </a:r>
+                      <a:r>
+                        <a:rPr lang="ko-KR" altLang="en-US" sz="1600"/>
+                        <a:t>세</a:t>
+                      </a:r>
+                      <a:endParaRPr lang="ko-KR" altLang="en-US" sz="1600"/>
+                    </a:p>
+                  </a:txBody>
+                  <a:tcPr marL="91440" marR="91440"/>
+                </a:tc>
+                <a:tc>
+                  <a:txBody>
+                    <a:bodyPr vert="horz" wrap="square" lIns="91440" tIns="45720" rIns="91440" bIns="45720" anchor="t" anchorCtr="0">
+                      <a:spAutoFit/>
+                    </a:bodyPr>
+                    <a:p>
+                      <a:pPr>
+                        <a:defRPr/>
+                      </a:pPr>
+                      <a:r>
+                        <a:rPr lang="en-US" altLang="ko-KR" sz="1600"/>
+                        <a:t>52.8</a:t>
+                      </a:r>
+                      <a:r>
+                        <a:rPr lang="ko-KR" altLang="en-US" sz="1600"/>
+                        <a:t>세</a:t>
+                      </a:r>
+                      <a:endParaRPr lang="ko-KR" altLang="en-US" sz="1600"/>
+                    </a:p>
+                  </a:txBody>
+                  <a:tcPr marL="91440" marR="91440"/>
+                </a:tc>
+                <a:tc>
+                  <a:txBody>
+                    <a:bodyPr vert="horz" wrap="square" lIns="91440" tIns="45720" rIns="91440" bIns="45720" anchor="t" anchorCtr="0">
+                      <a:spAutoFit/>
+                    </a:bodyPr>
+                    <a:p>
+                      <a:pPr>
+                        <a:defRPr/>
+                      </a:pPr>
+                      <a:r>
+                        <a:rPr lang="en-US" altLang="ko-KR" sz="1600"/>
+                        <a:t>52.3</a:t>
+                      </a:r>
+                      <a:r>
+                        <a:rPr lang="ko-KR" altLang="en-US" sz="1600"/>
+                        <a:t>세</a:t>
+                      </a:r>
+                      <a:endParaRPr lang="ko-KR" altLang="en-US" sz="1600"/>
+                    </a:p>
+                  </a:txBody>
+                  <a:tcPr marL="91440" marR="91440"/>
+                </a:tc>
+                <a:tc>
+                  <a:txBody>
+                    <a:bodyPr vert="horz" wrap="square" lIns="91440" tIns="45720" rIns="91440" bIns="45720" anchor="t" anchorCtr="0">
+                      <a:spAutoFit/>
+                    </a:bodyPr>
+                    <a:p>
+                      <a:pPr>
+                        <a:defRPr/>
+                      </a:pPr>
+                      <a:r>
+                        <a:rPr lang="en-US" altLang="ko-KR" sz="1600"/>
+                        <a:t>21.4</a:t>
+                      </a:r>
+                      <a:r>
+                        <a:rPr lang="ko-KR" altLang="en-US" sz="1600"/>
+                        <a:t>세</a:t>
+                      </a:r>
+                      <a:endParaRPr lang="ko-KR" altLang="en-US" sz="1600"/>
+                    </a:p>
+                  </a:txBody>
+                  <a:tcPr marL="91440" marR="91440"/>
+                </a:tc>
+                <a:tc>
+                  <a:txBody>
+                    <a:bodyPr vert="horz" wrap="square" lIns="91440" tIns="45720" rIns="91440" bIns="45720" anchor="t" anchorCtr="0">
+                      <a:spAutoFit/>
+                    </a:bodyPr>
+                    <a:p>
+                      <a:pPr>
+                        <a:defRPr/>
+                      </a:pPr>
+                      <a:r>
+                        <a:rPr lang="en-US" altLang="ko-KR" sz="1600"/>
+                        <a:t>51.7</a:t>
+                      </a:r>
+                      <a:r>
+                        <a:rPr lang="ko-KR" altLang="en-US" sz="1600"/>
+                        <a:t>세</a:t>
+                      </a:r>
+                      <a:endParaRPr lang="ko-KR" altLang="en-US" sz="1600"/>
+                    </a:p>
+                  </a:txBody>
+                  <a:tcPr marL="91440" marR="91440"/>
+                </a:tc>
+              </a:tr>
+              <a:tr h="372470">
+                <a:tc>
+                  <a:txBody>
+                    <a:bodyPr vert="horz" wrap="square" lIns="91440" tIns="45720" rIns="91440" bIns="45720" anchor="t" anchorCtr="0">
+                      <a:spAutoFit/>
+                    </a:bodyPr>
+                    <a:p>
+                      <a:pPr>
+                        <a:defRPr/>
+                      </a:pPr>
+                      <a:r>
+                        <a:rPr lang="ko-KR" altLang="en-US" sz="1600"/>
+                        <a:t>고객등록년월</a:t>
+                      </a:r>
+                      <a:endParaRPr lang="ko-KR" altLang="en-US" sz="1600"/>
+                    </a:p>
+                  </a:txBody>
+                  <a:tcPr marL="91440" marR="91440"/>
+                </a:tc>
+                <a:tc>
+                  <a:txBody>
+                    <a:bodyPr vert="horz" wrap="square" lIns="91440" tIns="45720" rIns="91440" bIns="45720" anchor="t" anchorCtr="0">
+                      <a:spAutoFit/>
+                    </a:bodyPr>
+                    <a:p>
+                      <a:pPr>
+                        <a:defRPr/>
+                      </a:pPr>
+                      <a:r>
+                        <a:rPr lang="en-US" altLang="ko-KR" sz="1600"/>
+                        <a:t>4851</a:t>
+                      </a:r>
+                      <a:r>
+                        <a:rPr lang="ko-KR" altLang="en-US" sz="1600"/>
+                        <a:t>일</a:t>
+                      </a:r>
+                      <a:endParaRPr lang="ko-KR" altLang="en-US" sz="1600"/>
+                    </a:p>
+                  </a:txBody>
+                  <a:tcPr marL="91440" marR="91440"/>
+                </a:tc>
+                <a:tc>
+                  <a:txBody>
+                    <a:bodyPr vert="horz" wrap="square" lIns="91440" tIns="45720" rIns="91440" bIns="45720" anchor="t" anchorCtr="0">
+                      <a:spAutoFit/>
+                    </a:bodyPr>
+                    <a:p>
+                      <a:pPr>
+                        <a:defRPr/>
+                      </a:pPr>
+                      <a:r>
+                        <a:rPr lang="en-US" altLang="ko-KR" sz="1600"/>
+                        <a:t>4570</a:t>
+                      </a:r>
+                      <a:r>
+                        <a:rPr lang="ko-KR" altLang="en-US" sz="1600"/>
+                        <a:t>일</a:t>
+                      </a:r>
+                      <a:endParaRPr lang="ko-KR" altLang="en-US" sz="1600"/>
+                    </a:p>
+                  </a:txBody>
+                  <a:tcPr marL="91440" marR="91440"/>
+                </a:tc>
+                <a:tc>
+                  <a:txBody>
+                    <a:bodyPr vert="horz" wrap="square" lIns="91440" tIns="45720" rIns="91440" bIns="45720" anchor="t" anchorCtr="0">
+                      <a:spAutoFit/>
+                    </a:bodyPr>
+                    <a:p>
+                      <a:pPr>
+                        <a:defRPr/>
+                      </a:pPr>
+                      <a:r>
+                        <a:rPr lang="en-US" altLang="ko-KR" sz="1600"/>
+                        <a:t>5075</a:t>
+                      </a:r>
+                      <a:r>
+                        <a:rPr lang="ko-KR" altLang="en-US" sz="1600"/>
+                        <a:t>일</a:t>
+                      </a:r>
+                      <a:endParaRPr lang="ko-KR" altLang="en-US" sz="1600"/>
+                    </a:p>
+                  </a:txBody>
+                  <a:tcPr marL="91440" marR="91440"/>
+                </a:tc>
+                <a:tc>
+                  <a:txBody>
+                    <a:bodyPr vert="horz" wrap="square" lIns="91440" tIns="45720" rIns="91440" bIns="45720" anchor="t" anchorCtr="0">
+                      <a:spAutoFit/>
+                    </a:bodyPr>
+                    <a:p>
+                      <a:pPr>
+                        <a:defRPr/>
+                      </a:pPr>
+                      <a:r>
+                        <a:rPr lang="en-US" altLang="ko-KR" sz="1600"/>
+                        <a:t>4810</a:t>
+                      </a:r>
+                      <a:r>
+                        <a:rPr lang="ko-KR" altLang="en-US" sz="1600"/>
+                        <a:t>일</a:t>
+                      </a:r>
+                      <a:endParaRPr lang="ko-KR" altLang="en-US" sz="1600"/>
+                    </a:p>
+                  </a:txBody>
+                  <a:tcPr marL="91440" marR="91440"/>
+                </a:tc>
+                <a:tc>
+                  <a:txBody>
+                    <a:bodyPr vert="horz" wrap="square" lIns="91440" tIns="45720" rIns="91440" bIns="45720" anchor="t" anchorCtr="0">
+                      <a:spAutoFit/>
+                    </a:bodyPr>
+                    <a:p>
+                      <a:pPr>
+                        <a:defRPr/>
+                      </a:pPr>
+                      <a:r>
+                        <a:rPr lang="en-US" altLang="ko-KR" sz="1600"/>
+                        <a:t>3781</a:t>
+                      </a:r>
+                      <a:r>
+                        <a:rPr lang="ko-KR" altLang="en-US" sz="1600"/>
+                        <a:t>일</a:t>
+                      </a:r>
+                      <a:endParaRPr lang="ko-KR" altLang="en-US" sz="1600"/>
+                    </a:p>
+                  </a:txBody>
+                  <a:tcPr marL="91440" marR="91440"/>
+                </a:tc>
+                <a:tc>
+                  <a:txBody>
+                    <a:bodyPr vert="horz" wrap="square" lIns="91440" tIns="45720" rIns="91440" bIns="45720" anchor="t" anchorCtr="0">
+                      <a:spAutoFit/>
+                    </a:bodyPr>
+                    <a:p>
+                      <a:pPr>
+                        <a:defRPr/>
+                      </a:pPr>
+                      <a:r>
+                        <a:rPr lang="en-US" altLang="ko-KR" sz="1600"/>
+                        <a:t>4609</a:t>
+                      </a:r>
+                      <a:r>
+                        <a:rPr lang="ko-KR" altLang="en-US" sz="1600"/>
+                        <a:t>일</a:t>
+                      </a:r>
+                      <a:endParaRPr lang="ko-KR" altLang="en-US" sz="1600"/>
+                    </a:p>
+                  </a:txBody>
+                  <a:tcPr marL="91440" marR="91440"/>
+                </a:tc>
+              </a:tr>
+              <a:tr h="313308">
+                <a:tc>
+                  <a:txBody>
+                    <a:bodyPr vert="horz" wrap="square" lIns="91440" tIns="45720" rIns="91440" bIns="45720" anchor="t" anchorCtr="0">
+                      <a:spAutoFit/>
+                    </a:bodyPr>
+                    <a:p>
+                      <a:pPr>
+                        <a:defRPr/>
+                      </a:pPr>
+                      <a:r>
+                        <a:rPr lang="ko-KR" altLang="en-US" sz="1600"/>
+                        <a:t>청구횟수</a:t>
+                      </a:r>
+                      <a:endParaRPr lang="ko-KR" altLang="en-US" sz="1600"/>
+                    </a:p>
+                  </a:txBody>
+                  <a:tcPr marL="91440" marR="91440"/>
+                </a:tc>
+                <a:tc>
+                  <a:txBody>
+                    <a:bodyPr vert="horz" wrap="square" lIns="91440" tIns="45720" rIns="91440" bIns="45720" anchor="t" anchorCtr="0">
+                      <a:spAutoFit/>
+                    </a:bodyPr>
+                    <a:p>
+                      <a:pPr>
+                        <a:defRPr/>
+                      </a:pPr>
+                      <a:r>
+                        <a:rPr lang="en-US" altLang="ko-KR" sz="1600"/>
+                        <a:t>1.9</a:t>
+                      </a:r>
+                      <a:r>
+                        <a:rPr lang="ko-KR" altLang="en-US" sz="1600"/>
+                        <a:t>회</a:t>
+                      </a:r>
+                      <a:endParaRPr lang="ko-KR" altLang="en-US" sz="1600"/>
+                    </a:p>
+                  </a:txBody>
+                  <a:tcPr marL="91440" marR="91440"/>
+                </a:tc>
+                <a:tc>
+                  <a:txBody>
+                    <a:bodyPr vert="horz" wrap="square" lIns="91440" tIns="45720" rIns="91440" bIns="45720" anchor="t" anchorCtr="0">
+                      <a:spAutoFit/>
+                    </a:bodyPr>
+                    <a:p>
+                      <a:pPr>
+                        <a:defRPr/>
+                      </a:pPr>
+                      <a:r>
+                        <a:rPr lang="en-US" altLang="ko-KR" sz="1600"/>
+                        <a:t>4</a:t>
+                      </a:r>
+                      <a:r>
+                        <a:rPr lang="ko-KR" altLang="en-US" sz="1600"/>
+                        <a:t>회</a:t>
+                      </a:r>
+                      <a:endParaRPr lang="ko-KR" altLang="en-US" sz="1600"/>
+                    </a:p>
+                  </a:txBody>
+                  <a:tcPr marL="91440" marR="91440"/>
+                </a:tc>
+                <a:tc>
+                  <a:txBody>
+                    <a:bodyPr vert="horz" wrap="square" lIns="91440" tIns="45720" rIns="91440" bIns="45720" anchor="t" anchorCtr="0">
+                      <a:spAutoFit/>
+                    </a:bodyPr>
+                    <a:p>
+                      <a:pPr>
+                        <a:defRPr/>
+                      </a:pPr>
+                      <a:r>
+                        <a:rPr lang="en-US" altLang="ko-KR" sz="1600"/>
+                        <a:t>10.3</a:t>
+                      </a:r>
+                      <a:r>
+                        <a:rPr lang="ko-KR" altLang="en-US" sz="1600"/>
+                        <a:t>회</a:t>
+                      </a:r>
+                      <a:endParaRPr lang="ko-KR" altLang="en-US" sz="1600"/>
+                    </a:p>
+                  </a:txBody>
+                  <a:tcPr marL="91440" marR="91440"/>
+                </a:tc>
+                <a:tc>
+                  <a:txBody>
+                    <a:bodyPr vert="horz" wrap="square" lIns="91440" tIns="45720" rIns="91440" bIns="45720" anchor="t" anchorCtr="0">
+                      <a:spAutoFit/>
+                    </a:bodyPr>
+                    <a:p>
+                      <a:pPr>
+                        <a:defRPr/>
+                      </a:pPr>
+                      <a:r>
+                        <a:rPr lang="en-US" altLang="ko-KR" sz="1600"/>
+                        <a:t>10.4</a:t>
+                      </a:r>
+                      <a:r>
+                        <a:rPr lang="ko-KR" altLang="en-US" sz="1600"/>
+                        <a:t>회</a:t>
+                      </a:r>
+                      <a:endParaRPr lang="ko-KR" altLang="en-US" sz="1600"/>
+                    </a:p>
+                  </a:txBody>
+                  <a:tcPr marL="91440" marR="91440"/>
+                </a:tc>
+                <a:tc>
+                  <a:txBody>
+                    <a:bodyPr vert="horz" wrap="square" lIns="91440" tIns="45720" rIns="91440" bIns="45720" anchor="t" anchorCtr="0">
+                      <a:spAutoFit/>
+                    </a:bodyPr>
+                    <a:p>
+                      <a:pPr>
+                        <a:defRPr/>
+                      </a:pPr>
+                      <a:r>
+                        <a:rPr lang="en-US" altLang="ko-KR" sz="1600"/>
+                        <a:t>4.2</a:t>
+                      </a:r>
+                      <a:r>
+                        <a:rPr lang="ko-KR" altLang="en-US" sz="1600"/>
+                        <a:t>회</a:t>
+                      </a:r>
+                      <a:endParaRPr lang="ko-KR" altLang="en-US" sz="1600"/>
+                    </a:p>
+                  </a:txBody>
+                  <a:tcPr marL="91440" marR="91440"/>
+                </a:tc>
+                <a:tc>
+                  <a:txBody>
+                    <a:bodyPr vert="horz" wrap="square" lIns="91440" tIns="45720" rIns="91440" bIns="45720" anchor="t" anchorCtr="0">
+                      <a:spAutoFit/>
+                    </a:bodyPr>
+                    <a:p>
+                      <a:pPr>
+                        <a:defRPr/>
+                      </a:pPr>
+                      <a:r>
+                        <a:rPr lang="en-US" altLang="ko-KR" sz="1600"/>
+                        <a:t>4.2</a:t>
+                      </a:r>
+                      <a:r>
+                        <a:rPr lang="ko-KR" altLang="en-US" sz="1600"/>
+                        <a:t>회</a:t>
+                      </a:r>
+                      <a:endParaRPr lang="ko-KR" altLang="en-US" sz="1600"/>
+                    </a:p>
+                  </a:txBody>
+                  <a:tcPr marL="91440" marR="91440"/>
+                </a:tc>
+              </a:tr>
+              <a:tr h="372470">
+                <a:tc>
+                  <a:txBody>
+                    <a:bodyPr vert="horz" wrap="square" lIns="91440" tIns="45720" rIns="91440" bIns="45720" anchor="t" anchorCtr="0">
+                      <a:spAutoFit/>
+                    </a:bodyPr>
+                    <a:p>
+                      <a:pPr>
+                        <a:defRPr/>
+                      </a:pPr>
+                      <a:r>
+                        <a:rPr lang="ko-KR" altLang="en-US" sz="1600"/>
+                        <a:t>추정고객소득</a:t>
+                      </a:r>
+                      <a:endParaRPr lang="ko-KR" altLang="en-US" sz="1600"/>
+                    </a:p>
+                  </a:txBody>
+                  <a:tcPr marL="91440" marR="91440"/>
+                </a:tc>
+                <a:tc>
+                  <a:txBody>
+                    <a:bodyPr vert="horz" wrap="square" lIns="91440" tIns="45720" rIns="91440" bIns="45720" anchor="t" anchorCtr="0">
+                      <a:spAutoFit/>
+                    </a:bodyPr>
+                    <a:p>
+                      <a:pPr>
+                        <a:defRPr/>
+                      </a:pPr>
+                      <a:r>
+                        <a:rPr lang="en-US" altLang="ko-KR" sz="1600"/>
+                        <a:t>0</a:t>
+                      </a:r>
+                      <a:r>
+                        <a:rPr lang="ko-KR" altLang="en-US" sz="1600"/>
+                        <a:t>원</a:t>
+                      </a:r>
+                      <a:endParaRPr lang="ko-KR" altLang="en-US" sz="1600"/>
+                    </a:p>
+                  </a:txBody>
+                  <a:tcPr marL="91440" marR="91440"/>
+                </a:tc>
+                <a:tc>
+                  <a:txBody>
+                    <a:bodyPr vert="horz" wrap="square" lIns="91440" tIns="45720" rIns="91440" bIns="45720" anchor="t" anchorCtr="0">
+                      <a:spAutoFit/>
+                    </a:bodyPr>
+                    <a:p>
+                      <a:pPr>
+                        <a:defRPr/>
+                      </a:pPr>
+                      <a:r>
+                        <a:rPr lang="en-US" altLang="ko-KR" sz="1600"/>
+                        <a:t>0</a:t>
+                      </a:r>
+                      <a:r>
+                        <a:rPr lang="ko-KR" altLang="en-US" sz="1600"/>
+                        <a:t>원</a:t>
+                      </a:r>
+                      <a:endParaRPr lang="ko-KR" altLang="en-US" sz="1600"/>
+                    </a:p>
+                  </a:txBody>
+                  <a:tcPr marL="91440" marR="91440"/>
+                </a:tc>
+                <a:tc>
+                  <a:txBody>
+                    <a:bodyPr vert="horz" wrap="square" lIns="91440" tIns="45720" rIns="91440" bIns="45720" anchor="t" anchorCtr="0">
+                      <a:spAutoFit/>
+                    </a:bodyPr>
+                    <a:p>
+                      <a:pPr>
+                        <a:defRPr/>
+                      </a:pPr>
+                      <a:r>
+                        <a:rPr lang="en-US" altLang="ko-KR" sz="1600"/>
+                        <a:t>0</a:t>
+                      </a:r>
+                      <a:r>
+                        <a:rPr lang="ko-KR" altLang="en-US" sz="1600"/>
+                        <a:t>원</a:t>
+                      </a:r>
+                      <a:endParaRPr lang="ko-KR" altLang="en-US" sz="1600"/>
+                    </a:p>
+                  </a:txBody>
+                  <a:tcPr marL="91440" marR="91440"/>
+                </a:tc>
+                <a:tc>
+                  <a:txBody>
+                    <a:bodyPr vert="horz" wrap="square" lIns="91440" tIns="45720" rIns="91440" bIns="45720" anchor="t" anchorCtr="0">
+                      <a:spAutoFit/>
+                    </a:bodyPr>
+                    <a:p>
+                      <a:pPr>
+                        <a:defRPr/>
+                      </a:pPr>
+                      <a:r>
+                        <a:rPr lang="en-US" altLang="ko-KR" sz="1600"/>
+                        <a:t>41,460,000</a:t>
+                      </a:r>
+                      <a:r>
+                        <a:rPr lang="ko-KR" altLang="en-US" sz="1600"/>
+                        <a:t>원</a:t>
+                      </a:r>
+                      <a:endParaRPr lang="ko-KR" altLang="en-US" sz="1600"/>
+                    </a:p>
+                  </a:txBody>
+                  <a:tcPr marL="91440" marR="91440"/>
+                </a:tc>
+                <a:tc>
+                  <a:txBody>
+                    <a:bodyPr vert="horz" wrap="square" lIns="91440" tIns="45720" rIns="91440" bIns="45720" anchor="t" anchorCtr="0">
+                      <a:spAutoFit/>
+                    </a:bodyPr>
+                    <a:p>
+                      <a:pPr>
+                        <a:defRPr/>
+                      </a:pPr>
+                      <a:r>
+                        <a:rPr lang="en-US" altLang="ko-KR" sz="1600"/>
+                        <a:t>0</a:t>
+                      </a:r>
+                      <a:r>
+                        <a:rPr lang="ko-KR" altLang="en-US" sz="1600"/>
+                        <a:t>원</a:t>
+                      </a:r>
+                      <a:endParaRPr lang="ko-KR" altLang="en-US" sz="1600"/>
+                    </a:p>
+                  </a:txBody>
+                  <a:tcPr marL="91440" marR="91440"/>
+                </a:tc>
+                <a:tc>
+                  <a:txBody>
+                    <a:bodyPr vert="horz" wrap="square" lIns="91440" tIns="45720" rIns="91440" bIns="45720" anchor="t" anchorCtr="0">
+                      <a:spAutoFit/>
+                    </a:bodyPr>
+                    <a:p>
+                      <a:pPr>
+                        <a:defRPr/>
+                      </a:pPr>
+                      <a:r>
+                        <a:rPr lang="en-US" altLang="ko-KR" sz="1600"/>
+                        <a:t>44,340,000</a:t>
+                      </a:r>
+                      <a:r>
+                        <a:rPr lang="ko-KR" altLang="en-US" sz="1600"/>
+                        <a:t>원</a:t>
+                      </a:r>
+                      <a:endParaRPr lang="ko-KR" altLang="en-US" sz="1600"/>
+                    </a:p>
+                  </a:txBody>
+                  <a:tcPr marL="91440" marR="91440"/>
+                </a:tc>
+              </a:tr>
+              <a:tr h="372470">
+                <a:tc>
+                  <a:txBody>
+                    <a:bodyPr vert="horz" wrap="square" lIns="91440" tIns="45720" rIns="91440" bIns="45720" anchor="t" anchorCtr="0">
+                      <a:spAutoFit/>
+                    </a:bodyPr>
+                    <a:p>
+                      <a:pPr>
+                        <a:defRPr/>
+                      </a:pPr>
+                      <a:r>
+                        <a:rPr lang="ko-KR" altLang="en-US" sz="1600"/>
+                        <a:t>청구사유코드</a:t>
+                      </a:r>
+                      <a:endParaRPr lang="ko-KR" altLang="en-US" sz="1600"/>
+                    </a:p>
+                  </a:txBody>
+                  <a:tcPr marL="91440" marR="91440"/>
+                </a:tc>
+                <a:tc>
+                  <a:txBody>
+                    <a:bodyPr vert="horz" wrap="square" lIns="91440" tIns="45720" rIns="91440" bIns="45720" anchor="t" anchorCtr="0">
+                      <a:spAutoFit/>
+                    </a:bodyPr>
+                    <a:p>
+                      <a:pPr>
+                        <a:defRPr/>
+                      </a:pPr>
+                      <a:r>
+                        <a:rPr lang="ko-KR" altLang="en-US" sz="1600"/>
+                        <a:t>입원 </a:t>
+                      </a:r>
+                      <a:r>
+                        <a:rPr lang="en-US" altLang="ko-KR" sz="1600"/>
+                        <a:t>(96%)</a:t>
+                      </a:r>
+                      <a:endParaRPr lang="en-US" altLang="ko-KR" sz="1600"/>
+                    </a:p>
+                  </a:txBody>
+                  <a:tcPr marL="91440" marR="91440"/>
+                </a:tc>
+                <a:tc>
+                  <a:txBody>
+                    <a:bodyPr vert="horz" wrap="square" lIns="91440" tIns="45720" rIns="91440" bIns="45720" anchor="t" anchorCtr="0">
+                      <a:spAutoFit/>
+                    </a:bodyPr>
+                    <a:p>
+                      <a:pPr>
+                        <a:defRPr/>
+                      </a:pPr>
+                      <a:r>
+                        <a:rPr lang="ko-KR" altLang="en-US" sz="1600"/>
+                        <a:t>입원 </a:t>
+                      </a:r>
+                      <a:r>
+                        <a:rPr lang="en-US" altLang="ko-KR" sz="1600"/>
+                        <a:t>(100%)</a:t>
+                      </a:r>
+                      <a:endParaRPr lang="en-US" altLang="ko-KR" sz="1600"/>
+                    </a:p>
+                  </a:txBody>
+                  <a:tcPr marL="91440" marR="91440"/>
+                </a:tc>
+                <a:tc>
+                  <a:txBody>
+                    <a:bodyPr vert="horz" wrap="square" lIns="91440" tIns="45720" rIns="91440" bIns="45720" anchor="t" anchorCtr="0">
+                      <a:spAutoFit/>
+                    </a:bodyPr>
+                    <a:p>
+                      <a:pPr>
+                        <a:defRPr/>
+                      </a:pPr>
+                      <a:r>
+                        <a:rPr lang="ko-KR" altLang="en-US" sz="1600"/>
+                        <a:t>진단 </a:t>
+                      </a:r>
+                      <a:r>
+                        <a:rPr lang="en-US" altLang="ko-KR" sz="1600"/>
+                        <a:t>(100%)</a:t>
+                      </a:r>
+                      <a:endParaRPr lang="en-US" altLang="ko-KR" sz="1600"/>
+                    </a:p>
+                  </a:txBody>
+                  <a:tcPr marL="91440" marR="91440"/>
+                </a:tc>
+                <a:tc>
+                  <a:txBody>
+                    <a:bodyPr vert="horz" wrap="square" lIns="91440" tIns="45720" rIns="91440" bIns="45720" anchor="t" anchorCtr="0">
+                      <a:spAutoFit/>
+                    </a:bodyPr>
+                    <a:p>
+                      <a:pPr>
+                        <a:defRPr/>
+                      </a:pPr>
+                      <a:r>
+                        <a:rPr lang="ko-KR" altLang="en-US" sz="1600"/>
+                        <a:t>진단 </a:t>
+                      </a:r>
+                      <a:r>
+                        <a:rPr lang="en-US" altLang="ko-KR" sz="1600"/>
+                        <a:t>(100%)</a:t>
+                      </a:r>
+                      <a:endParaRPr lang="ko-KR" altLang="en-US" sz="1600"/>
+                    </a:p>
+                  </a:txBody>
+                  <a:tcPr marL="91440" marR="91440"/>
+                </a:tc>
+                <a:tc>
+                  <a:txBody>
+                    <a:bodyPr vert="horz" wrap="square" lIns="91440" tIns="45720" rIns="91440" bIns="45720" anchor="t" anchorCtr="0">
+                      <a:spAutoFit/>
+                    </a:bodyPr>
+                    <a:p>
+                      <a:pPr>
+                        <a:defRPr/>
+                      </a:pPr>
+                      <a:r>
+                        <a:rPr lang="ko-KR" altLang="en-US" sz="1600"/>
+                        <a:t>입원 </a:t>
+                      </a:r>
+                      <a:r>
+                        <a:rPr lang="en-US" altLang="ko-KR" sz="1600"/>
+                        <a:t>(100%)</a:t>
+                      </a:r>
+                      <a:endParaRPr lang="ko-KR" altLang="en-US" sz="1600"/>
+                    </a:p>
+                  </a:txBody>
+                  <a:tcPr marL="91440" marR="91440"/>
+                </a:tc>
+                <a:tc>
+                  <a:txBody>
+                    <a:bodyPr vert="horz" wrap="square" lIns="91440" tIns="45720" rIns="91440" bIns="45720" anchor="t" anchorCtr="0">
+                      <a:spAutoFit/>
+                    </a:bodyPr>
+                    <a:p>
+                      <a:pPr>
+                        <a:defRPr/>
+                      </a:pPr>
+                      <a:r>
+                        <a:rPr lang="ko-KR" altLang="en-US" sz="1600"/>
+                        <a:t>입원 </a:t>
+                      </a:r>
+                      <a:r>
+                        <a:rPr lang="en-US" altLang="ko-KR" sz="1600"/>
+                        <a:t>(100%)</a:t>
+                      </a:r>
+                      <a:endParaRPr lang="ko-KR" altLang="en-US" sz="1600"/>
+                    </a:p>
+                  </a:txBody>
+                  <a:tcPr marL="91440" marR="91440"/>
+                </a:tc>
+              </a:tr>
+              <a:tr h="313308">
+                <a:tc>
+                  <a:txBody>
+                    <a:bodyPr vert="horz" wrap="square" lIns="91440" tIns="45720" rIns="91440" bIns="45720" anchor="t" anchorCtr="0">
+                      <a:spAutoFit/>
+                    </a:bodyPr>
+                    <a:p>
+                      <a:pPr>
+                        <a:defRPr/>
+                      </a:pPr>
+                      <a:r>
+                        <a:rPr lang="ko-KR" altLang="en-US" sz="1600"/>
+                        <a:t>사고구분</a:t>
+                      </a:r>
+                      <a:endParaRPr lang="ko-KR" altLang="en-US" sz="1600"/>
+                    </a:p>
+                  </a:txBody>
+                  <a:tcPr marL="91440" marR="91440"/>
+                </a:tc>
+                <a:tc>
+                  <a:txBody>
+                    <a:bodyPr vert="horz" wrap="square" lIns="91440" tIns="45720" rIns="91440" bIns="45720" anchor="t" anchorCtr="0">
+                      <a:spAutoFit/>
+                    </a:bodyPr>
+                    <a:p>
+                      <a:pPr>
+                        <a:defRPr/>
+                      </a:pPr>
+                      <a:r>
+                        <a:rPr lang="ko-KR" altLang="en-US" sz="1600"/>
+                        <a:t>재해 </a:t>
+                      </a:r>
+                      <a:r>
+                        <a:rPr lang="en-US" altLang="ko-KR" sz="1600"/>
+                        <a:t>(100%)</a:t>
+                      </a:r>
+                      <a:endParaRPr lang="en-US" altLang="ko-KR" sz="1600"/>
+                    </a:p>
+                  </a:txBody>
+                  <a:tcPr marL="91440" marR="91440"/>
+                </a:tc>
+                <a:tc>
+                  <a:txBody>
+                    <a:bodyPr vert="horz" wrap="square" lIns="91440" tIns="45720" rIns="91440" bIns="45720" anchor="t" anchorCtr="0">
+                      <a:spAutoFit/>
+                    </a:bodyPr>
+                    <a:p>
+                      <a:pPr>
+                        <a:defRPr/>
+                      </a:pPr>
+                      <a:r>
+                        <a:rPr lang="ko-KR" altLang="en-US" sz="1600"/>
+                        <a:t>질병 </a:t>
+                      </a:r>
+                      <a:r>
+                        <a:rPr lang="en-US" altLang="ko-KR" sz="1600"/>
+                        <a:t>(100%)</a:t>
+                      </a:r>
+                      <a:endParaRPr lang="en-US" altLang="ko-KR" sz="1600"/>
+                    </a:p>
+                  </a:txBody>
+                  <a:tcPr marL="91440" marR="91440"/>
+                </a:tc>
+                <a:tc>
+                  <a:txBody>
+                    <a:bodyPr vert="horz" wrap="square" lIns="91440" tIns="45720" rIns="91440" bIns="45720" anchor="t" anchorCtr="0">
+                      <a:spAutoFit/>
+                    </a:bodyPr>
+                    <a:p>
+                      <a:pPr>
+                        <a:defRPr/>
+                      </a:pPr>
+                      <a:r>
+                        <a:rPr lang="ko-KR" altLang="en-US" sz="1600"/>
+                        <a:t>질병 </a:t>
+                      </a:r>
+                      <a:r>
+                        <a:rPr lang="en-US" altLang="ko-KR" sz="1600"/>
+                        <a:t>(100%)</a:t>
+                      </a:r>
+                      <a:endParaRPr lang="ko-KR" altLang="en-US" sz="1600"/>
+                    </a:p>
+                  </a:txBody>
+                  <a:tcPr marL="91440" marR="91440"/>
+                </a:tc>
+                <a:tc>
+                  <a:txBody>
+                    <a:bodyPr vert="horz" wrap="square" lIns="91440" tIns="45720" rIns="91440" bIns="45720" anchor="t" anchorCtr="0">
+                      <a:spAutoFit/>
+                    </a:bodyPr>
+                    <a:p>
+                      <a:pPr>
+                        <a:defRPr/>
+                      </a:pPr>
+                      <a:r>
+                        <a:rPr lang="ko-KR" altLang="en-US" sz="1600"/>
+                        <a:t>질병 </a:t>
+                      </a:r>
+                      <a:r>
+                        <a:rPr lang="en-US" altLang="ko-KR" sz="1600"/>
+                        <a:t>(100%)</a:t>
+                      </a:r>
+                      <a:endParaRPr lang="ko-KR" altLang="en-US" sz="1600"/>
+                    </a:p>
+                  </a:txBody>
+                  <a:tcPr marL="91440" marR="91440"/>
+                </a:tc>
+                <a:tc>
+                  <a:txBody>
+                    <a:bodyPr vert="horz" wrap="square" lIns="91440" tIns="45720" rIns="91440" bIns="45720" anchor="t" anchorCtr="0">
+                      <a:spAutoFit/>
+                    </a:bodyPr>
+                    <a:p>
+                      <a:pPr>
+                        <a:defRPr/>
+                      </a:pPr>
+                      <a:r>
+                        <a:rPr lang="ko-KR" altLang="en-US" sz="1600"/>
+                        <a:t>질병 </a:t>
+                      </a:r>
+                      <a:r>
+                        <a:rPr lang="en-US" altLang="ko-KR" sz="1600"/>
+                        <a:t>(100%)</a:t>
+                      </a:r>
+                      <a:endParaRPr lang="ko-KR" altLang="en-US" sz="1600"/>
+                    </a:p>
+                  </a:txBody>
+                  <a:tcPr marL="91440" marR="91440"/>
+                </a:tc>
+                <a:tc>
+                  <a:txBody>
+                    <a:bodyPr vert="horz" wrap="square" lIns="91440" tIns="45720" rIns="91440" bIns="45720" anchor="t" anchorCtr="0">
+                      <a:spAutoFit/>
+                    </a:bodyPr>
+                    <a:p>
+                      <a:pPr>
+                        <a:defRPr/>
+                      </a:pPr>
+                      <a:r>
+                        <a:rPr lang="ko-KR" altLang="en-US" sz="1600"/>
+                        <a:t>질병 </a:t>
+                      </a:r>
+                      <a:r>
+                        <a:rPr lang="en-US" altLang="ko-KR" sz="1600"/>
+                        <a:t>(100%)</a:t>
+                      </a:r>
+                      <a:endParaRPr lang="ko-KR" altLang="en-US" sz="1600"/>
+                    </a:p>
+                  </a:txBody>
+                  <a:tcPr marL="91440" marR="91440"/>
+                </a:tc>
+              </a:tr>
+              <a:tr h="313308">
+                <a:tc>
+                  <a:txBody>
+                    <a:bodyPr vert="horz" wrap="square" lIns="91440" tIns="45720" rIns="91440" bIns="45720" anchor="t" anchorCtr="0">
+                      <a:spAutoFit/>
+                    </a:bodyPr>
+                    <a:p>
+                      <a:pPr>
+                        <a:defRPr/>
+                      </a:pPr>
+                      <a:r>
+                        <a:rPr lang="ko-KR" altLang="en-US" sz="1600"/>
+                        <a:t>성별</a:t>
+                      </a:r>
+                      <a:endParaRPr lang="ko-KR" altLang="en-US" sz="1600"/>
+                    </a:p>
+                  </a:txBody>
+                  <a:tcPr marL="91440" marR="91440"/>
+                </a:tc>
+                <a:tc>
+                  <a:txBody>
+                    <a:bodyPr vert="horz" wrap="square" lIns="91440" tIns="45720" rIns="91440" bIns="45720" anchor="t" anchorCtr="0">
+                      <a:spAutoFit/>
+                    </a:bodyPr>
+                    <a:p>
+                      <a:pPr>
+                        <a:defRPr/>
+                      </a:pPr>
+                      <a:r>
+                        <a:rPr lang="ko-KR" altLang="en-US" sz="1600"/>
+                        <a:t>여성 </a:t>
+                      </a:r>
+                      <a:r>
+                        <a:rPr lang="en-US" altLang="ko-KR" sz="1600"/>
+                        <a:t>(100%)</a:t>
+                      </a:r>
+                      <a:endParaRPr lang="en-US" altLang="ko-KR" sz="1600"/>
+                    </a:p>
+                  </a:txBody>
+                  <a:tcPr marL="91440" marR="91440"/>
+                </a:tc>
+                <a:tc>
+                  <a:txBody>
+                    <a:bodyPr vert="horz" wrap="square" lIns="91440" tIns="45720" rIns="91440" bIns="45720" anchor="t" anchorCtr="0">
+                      <a:spAutoFit/>
+                    </a:bodyPr>
+                    <a:p>
+                      <a:pPr>
+                        <a:defRPr/>
+                      </a:pPr>
+                      <a:r>
+                        <a:rPr lang="ko-KR" altLang="en-US" sz="1600"/>
+                        <a:t>여성 </a:t>
+                      </a:r>
+                      <a:r>
+                        <a:rPr lang="en-US" altLang="ko-KR" sz="1600"/>
+                        <a:t>(100%)</a:t>
+                      </a:r>
+                      <a:endParaRPr lang="ko-KR" altLang="en-US" sz="1600"/>
+                    </a:p>
+                  </a:txBody>
+                  <a:tcPr marL="91440" marR="91440"/>
+                </a:tc>
+                <a:tc>
+                  <a:txBody>
+                    <a:bodyPr vert="horz" wrap="square" lIns="91440" tIns="45720" rIns="91440" bIns="45720" anchor="t" anchorCtr="0">
+                      <a:spAutoFit/>
+                    </a:bodyPr>
+                    <a:p>
+                      <a:pPr>
+                        <a:defRPr/>
+                      </a:pPr>
+                      <a:r>
+                        <a:rPr lang="ko-KR" altLang="en-US" sz="1600"/>
+                        <a:t>여성 </a:t>
+                      </a:r>
+                      <a:r>
+                        <a:rPr lang="en-US" altLang="ko-KR" sz="1600"/>
+                        <a:t>(100%)</a:t>
+                      </a:r>
+                      <a:endParaRPr lang="ko-KR" altLang="en-US" sz="1600"/>
+                    </a:p>
+                  </a:txBody>
+                  <a:tcPr marL="91440" marR="91440"/>
+                </a:tc>
+                <a:tc>
+                  <a:txBody>
+                    <a:bodyPr vert="horz" wrap="square" lIns="91440" tIns="45720" rIns="91440" bIns="45720" anchor="t" anchorCtr="0">
+                      <a:spAutoFit/>
+                    </a:bodyPr>
+                    <a:p>
+                      <a:pPr>
+                        <a:defRPr/>
+                      </a:pPr>
+                      <a:r>
+                        <a:rPr lang="ko-KR" altLang="en-US" sz="1600"/>
+                        <a:t>여성 </a:t>
+                      </a:r>
+                      <a:r>
+                        <a:rPr lang="en-US" altLang="ko-KR" sz="1600"/>
+                        <a:t>(100%)</a:t>
+                      </a:r>
+                      <a:endParaRPr lang="ko-KR" altLang="en-US" sz="1600"/>
+                    </a:p>
+                  </a:txBody>
+                  <a:tcPr marL="91440" marR="91440"/>
+                </a:tc>
+                <a:tc>
+                  <a:txBody>
+                    <a:bodyPr vert="horz" wrap="square" lIns="91440" tIns="45720" rIns="91440" bIns="45720" anchor="t" anchorCtr="0">
+                      <a:spAutoFit/>
+                    </a:bodyPr>
+                    <a:p>
+                      <a:pPr>
+                        <a:defRPr/>
+                      </a:pPr>
+                      <a:r>
+                        <a:rPr lang="ko-KR" altLang="en-US" sz="1600"/>
+                        <a:t>남성 </a:t>
+                      </a:r>
+                      <a:r>
+                        <a:rPr lang="en-US" altLang="ko-KR" sz="1600"/>
+                        <a:t>(100%)</a:t>
+                      </a:r>
+                      <a:endParaRPr lang="en-US" altLang="ko-KR" sz="1600"/>
+                    </a:p>
+                  </a:txBody>
+                  <a:tcPr marL="91440" marR="91440"/>
+                </a:tc>
+                <a:tc>
+                  <a:txBody>
+                    <a:bodyPr vert="horz" wrap="square" lIns="91440" tIns="45720" rIns="91440" bIns="45720" anchor="t" anchorCtr="0">
+                      <a:spAutoFit/>
+                    </a:bodyPr>
+                    <a:p>
+                      <a:pPr>
+                        <a:defRPr/>
+                      </a:pPr>
+                      <a:r>
+                        <a:rPr lang="ko-KR" altLang="en-US" sz="1600"/>
+                        <a:t>남성 </a:t>
+                      </a:r>
+                      <a:r>
+                        <a:rPr lang="en-US" altLang="ko-KR" sz="1600"/>
+                        <a:t>(100%)</a:t>
+                      </a:r>
+                      <a:endParaRPr lang="ko-KR" altLang="en-US" sz="1600"/>
+                    </a:p>
+                  </a:txBody>
+                  <a:tcPr marL="91440" marR="91440"/>
+                </a:tc>
+              </a:tr>
+            </a:tbl>
+          </a:graphicData>
+        </a:graphic>
+      </p:graphicFrame>
+    </p:spTree>
+  </p:cSld>
+  <p:clrMapOvr>
+    <a:masterClrMapping/>
+  </p:clrMapOvr>
+  <mc:AlternateContent xmlns:mc="http://schemas.openxmlformats.org/markup-compatibility/2006">
+    <mc:Choice xmlns:p14="http://schemas.microsoft.com/office/powerpoint/2010/main" Requires="p14">
+      <p:transition xmlns:mc="http://schemas.openxmlformats.org/markup-compatibility/2006" xmlns:p14="http://schemas.microsoft.com/office/powerpoint/2010/main" mc:Ignorable="p14" p14:dur="500"/>
+    </mc:Choice>
+    <mc:Fallback>
+      <p:transition/>
+    </mc:Fallback>
+  </mc:AlternateContent>
+</p:sld>
+</file>
+
+<file path=ppt/slides/slide4.xml><?xml version="1.0" encoding="utf-8"?>
+<p:sld xmlns:r="http://schemas.openxmlformats.org/officeDocument/2006/relationships" xmlns:c="http://schemas.openxmlformats.org/drawingml/2006/chart" xmlns:a="http://schemas.openxmlformats.org/drawingml/2006/main" xmlns:dgm="http://schemas.openxmlformats.org/drawingml/2006/diagram" xmlns:dsp="http://schemas.microsoft.com/office/drawing/2008/diagram" xmlns:p="http://schemas.openxmlformats.org/presentationml/2006/main">
+  <p:cSld>
+    <p:spTree>
+      <p:nvGrpSpPr>
+        <p:cNvPr id="1" name=""/>
+        <p:cNvGrpSpPr/>
+        <p:nvPr/>
+      </p:nvGrpSpPr>
+      <p:grpSpPr>
+        <a:xfrm>
+          <a:off x="0" y="0"/>
+          <a:ext cx="0" cy="0"/>
+          <a:chOff x="0" y="0"/>
+          <a:chExt cx="0" cy="0"/>
+        </a:xfrm>
+      </p:grpSpPr>
+      <p:graphicFrame>
+        <p:nvGraphicFramePr>
+          <p:cNvPr id="9" name="표 9"/>
+          <p:cNvGraphicFramePr>
+            <a:graphicFrameLocks noGrp="1"/>
+          </p:cNvGraphicFramePr>
+          <p:nvPr/>
+        </p:nvGraphicFramePr>
+        <p:xfrm>
+          <a:off x="341947" y="185258"/>
+          <a:ext cx="11508106" cy="6612255"/>
+        </p:xfrm>
+        <a:graphic>
+          <a:graphicData uri="http://schemas.openxmlformats.org/drawingml/2006/table">
+            <a:tbl>
+              <a:tblPr firstRow="1" bandRow="1">
+                <a:tableStyleId>{5FD0F851-EC5A-4D38-B0AD-8093EC10F338}</a:tableStyleId>
+              </a:tblPr>
+              <a:tblGrid>
+                <a:gridCol w="11508106"/>
+              </a:tblGrid>
+              <a:tr h="357788">
+                <a:tc>
+                  <a:txBody>
+                    <a:bodyPr vert="horz" lIns="91440" tIns="45720" rIns="91440" bIns="45720" anchor="t" anchorCtr="0"/>
+                    <a:p>
+                      <a:pPr lvl="0">
+                        <a:defRPr/>
+                      </a:pPr>
+                      <a:r>
+                        <a:rPr lang="en-US" altLang="ko-KR" b="1"/>
+                        <a:t>extra.</a:t>
+                      </a:r>
+                      <a:r>
+                        <a:rPr lang="ko-KR" altLang="en-US" b="1"/>
+                        <a:t> 각 군집 특성 확인</a:t>
+                      </a:r>
+                      <a:endParaRPr lang="ko-KR" altLang="en-US"/>
+                    </a:p>
+                  </a:txBody>
+                  <a:tcPr marL="91440" marR="91440"/>
+                </a:tc>
+              </a:tr>
+              <a:tr h="6119817">
+                <a:tc>
+                  <a:txBody>
+                    <a:bodyPr vert="horz" lIns="91440" tIns="45720" rIns="91440" bIns="45720" anchor="t" anchorCtr="0"/>
+                    <a:p>
+                      <a:pPr lvl="0">
+                        <a:defRPr/>
+                      </a:pPr>
+                      <a:r>
+                        <a:rPr lang="ko-KR" altLang="en-US" sz="1400" b="1"/>
+                        <a:t>보험사기자가 </a:t>
+                      </a:r>
+                      <a:r>
+                        <a:rPr lang="en-US" altLang="ko-KR" sz="1400" b="1"/>
+                        <a:t>5%</a:t>
+                      </a:r>
+                      <a:r>
+                        <a:rPr lang="ko-KR" altLang="en-US" sz="1400" b="1"/>
+                        <a:t> 미만인 군집 </a:t>
+                      </a:r>
+                      <a:r>
+                        <a:rPr lang="en-US" altLang="ko-KR" sz="1400" b="1"/>
+                        <a:t>10</a:t>
+                      </a:r>
+                      <a:r>
+                        <a:rPr lang="ko-KR" altLang="en-US" sz="1400" b="1"/>
+                        <a:t>개 </a:t>
+                      </a:r>
+                      <a:r>
+                        <a:rPr lang="en-US" altLang="ko-KR" sz="1400" b="1"/>
+                        <a:t>[</a:t>
+                      </a:r>
+                      <a:r>
+                        <a:rPr lang="ko-KR" altLang="en-US" sz="1400" b="1"/>
+                        <a:t>전체 </a:t>
+                      </a:r>
+                      <a:r>
+                        <a:rPr lang="en-US" altLang="ko-KR" sz="1400" b="1"/>
+                        <a:t>:</a:t>
+                      </a:r>
+                      <a:r>
+                        <a:rPr lang="ko-KR" altLang="en-US" sz="1400" b="1"/>
+                        <a:t> </a:t>
+                      </a:r>
+                      <a:r>
+                        <a:rPr lang="en-US" altLang="ko-KR" sz="1400" b="1"/>
+                        <a:t>3317</a:t>
+                      </a:r>
+                      <a:r>
+                        <a:rPr lang="ko-KR" altLang="en-US" sz="1400" b="1"/>
+                        <a:t>명</a:t>
+                      </a:r>
+                      <a:r>
+                        <a:rPr lang="en-US" altLang="ko-KR" sz="1400" b="1"/>
+                        <a:t>,</a:t>
+                      </a:r>
+                      <a:r>
+                        <a:rPr lang="ko-KR" altLang="en-US" sz="1400" b="1"/>
+                        <a:t> 보험사기자</a:t>
+                      </a:r>
+                      <a:r>
+                        <a:rPr lang="en-US" altLang="ko-KR" sz="1400" b="1"/>
+                        <a:t>:</a:t>
+                      </a:r>
+                      <a:r>
+                        <a:rPr lang="ko-KR" altLang="en-US" sz="1400" b="1"/>
+                        <a:t> </a:t>
+                      </a:r>
+                      <a:r>
+                        <a:rPr lang="en-US" altLang="ko-KR" sz="1400" b="1"/>
+                        <a:t>17.8%]</a:t>
+                      </a:r>
+                      <a:endParaRPr lang="en-US" altLang="ko-KR" sz="1400" b="1"/>
+                    </a:p>
+                    <a:p>
+                      <a:pPr lvl="0">
+                        <a:defRPr/>
+                      </a:pPr>
+                      <a:endParaRPr lang="ko-KR" altLang="en-US" sz="1400" b="1"/>
+                    </a:p>
+                    <a:p>
+                      <a:pPr lvl="0">
+                        <a:defRPr/>
+                      </a:pPr>
+                      <a:endParaRPr lang="ko-KR" altLang="en-US" sz="1400" b="1"/>
+                    </a:p>
+                    <a:p>
+                      <a:pPr lvl="0">
+                        <a:defRPr/>
+                      </a:pPr>
+                      <a:endParaRPr lang="ko-KR" altLang="en-US" sz="1400" b="1"/>
+                    </a:p>
+                    <a:p>
+                      <a:pPr lvl="0">
+                        <a:defRPr/>
+                      </a:pPr>
+                      <a:endParaRPr lang="ko-KR" altLang="en-US" sz="1400" b="1"/>
+                    </a:p>
+                    <a:p>
+                      <a:pPr lvl="0">
+                        <a:defRPr/>
+                      </a:pPr>
+                      <a:endParaRPr lang="ko-KR" altLang="en-US" sz="1400" b="1"/>
+                    </a:p>
+                    <a:p>
+                      <a:pPr lvl="0">
+                        <a:defRPr/>
+                      </a:pPr>
+                      <a:endParaRPr lang="ko-KR" altLang="en-US" sz="1400" b="1"/>
+                    </a:p>
+                    <a:p>
+                      <a:pPr lvl="0">
+                        <a:defRPr/>
+                      </a:pPr>
+                      <a:endParaRPr lang="ko-KR" altLang="en-US" sz="1400" b="1"/>
+                    </a:p>
+                    <a:p>
+                      <a:pPr lvl="0">
+                        <a:defRPr/>
+                      </a:pPr>
+                      <a:endParaRPr lang="ko-KR" altLang="en-US" sz="1400" b="1"/>
+                    </a:p>
+                    <a:p>
+                      <a:pPr lvl="0">
+                        <a:defRPr/>
+                      </a:pPr>
+                      <a:endParaRPr lang="ko-KR" altLang="en-US" sz="1400" b="1"/>
+                    </a:p>
+                    <a:p>
+                      <a:pPr lvl="0">
+                        <a:defRPr/>
+                      </a:pPr>
+                      <a:endParaRPr lang="ko-KR" altLang="en-US" sz="1400" b="1"/>
+                    </a:p>
+                    <a:p>
+                      <a:pPr lvl="0">
+                        <a:defRPr/>
+                      </a:pPr>
+                      <a:endParaRPr lang="ko-KR" altLang="en-US" sz="1400" b="1"/>
+                    </a:p>
+                    <a:p>
+                      <a:pPr lvl="0">
+                        <a:defRPr/>
+                      </a:pPr>
+                      <a:endParaRPr lang="ko-KR" altLang="en-US" sz="1400" b="1"/>
+                    </a:p>
+                    <a:p>
+                      <a:pPr lvl="0">
+                        <a:defRPr/>
+                      </a:pPr>
+                      <a:endParaRPr lang="ko-KR" altLang="en-US" sz="1400" b="1"/>
+                    </a:p>
+                    <a:p>
+                      <a:pPr lvl="0">
+                        <a:defRPr/>
+                      </a:pPr>
+                      <a:endParaRPr lang="ko-KR" altLang="en-US" sz="1400" b="1"/>
+                    </a:p>
+                    <a:p>
+                      <a:pPr lvl="0">
+                        <a:defRPr/>
+                      </a:pPr>
+                      <a:endParaRPr lang="ko-KR" altLang="en-US" sz="1400" b="1"/>
+                    </a:p>
+                    <a:p>
+                      <a:pPr lvl="0">
+                        <a:defRPr/>
+                      </a:pPr>
+                      <a:endParaRPr lang="ko-KR" altLang="en-US" sz="1400" b="1"/>
+                    </a:p>
+                    <a:p>
+                      <a:pPr lvl="0">
+                        <a:defRPr/>
+                      </a:pPr>
+                      <a:endParaRPr lang="ko-KR" altLang="en-US" sz="1400" b="1"/>
+                    </a:p>
+                    <a:p>
+                      <a:pPr lvl="0">
+                        <a:defRPr/>
+                      </a:pPr>
+                      <a:endParaRPr lang="ko-KR" altLang="en-US" sz="1400" b="1"/>
+                    </a:p>
+                    <a:p>
+                      <a:pPr lvl="0">
+                        <a:defRPr/>
+                      </a:pPr>
+                      <a:endParaRPr lang="ko-KR" altLang="en-US" sz="1400" b="1"/>
+                    </a:p>
+                    <a:p>
+                      <a:pPr lvl="0">
+                        <a:defRPr/>
+                      </a:pPr>
+                      <a:endParaRPr lang="ko-KR" altLang="en-US" sz="1400" b="1"/>
+                    </a:p>
+                    <a:p>
+                      <a:pPr lvl="0">
+                        <a:defRPr/>
+                      </a:pPr>
+                      <a:endParaRPr lang="ko-KR" altLang="en-US" sz="1400" b="1"/>
+                    </a:p>
+                    <a:p>
+                      <a:pPr lvl="0">
+                        <a:defRPr/>
+                      </a:pPr>
+                      <a:endParaRPr lang="ko-KR" altLang="en-US" sz="1400" b="1"/>
+                    </a:p>
+                    <a:p>
+                      <a:pPr lvl="0">
+                        <a:defRPr/>
+                      </a:pPr>
+                      <a:endParaRPr lang="ko-KR" altLang="en-US" sz="1400" b="1"/>
+                    </a:p>
+                    <a:p>
+                      <a:pPr lvl="0">
+                        <a:defRPr/>
+                      </a:pPr>
+                      <a:endParaRPr lang="ko-KR" altLang="en-US" sz="1400" b="1"/>
+                    </a:p>
+                    <a:p>
+                      <a:pPr lvl="0">
+                        <a:defRPr/>
+                      </a:pPr>
+                      <a:endParaRPr lang="ko-KR" altLang="en-US" sz="1400" b="1"/>
+                    </a:p>
+                    <a:p>
+                      <a:pPr lvl="0">
+                        <a:defRPr/>
+                      </a:pPr>
+                      <a:endParaRPr lang="ko-KR" altLang="en-US" sz="1400" b="1"/>
+                    </a:p>
+                    <a:p>
+                      <a:pPr lvl="0">
+                        <a:defRPr/>
+                      </a:pPr>
+                      <a:endParaRPr lang="ko-KR" altLang="en-US" sz="1400" b="1"/>
+                    </a:p>
+                    <a:p>
+                      <a:pPr lvl="0">
+                        <a:defRPr/>
+                      </a:pPr>
+                      <a:r>
+                        <a:rPr lang="en-US" altLang="ko-KR" sz="1200" b="1"/>
+                        <a:t>*</a:t>
+                      </a:r>
+                      <a:r>
+                        <a:rPr lang="ko-KR" altLang="en-US" sz="1200" b="1"/>
+                        <a:t> 소득이나 보험료같은 금액은 중위값</a:t>
+                      </a:r>
+                      <a:r>
+                        <a:rPr lang="en-US" altLang="ko-KR" sz="1200" b="1"/>
+                        <a:t>,</a:t>
+                      </a:r>
+                      <a:r>
+                        <a:rPr lang="ko-KR" altLang="en-US" sz="1200" b="1"/>
+                        <a:t> 나머지는 평균값 적용</a:t>
+                      </a:r>
+                      <a:r>
+                        <a:rPr lang="en-US" altLang="ko-KR" sz="1200" b="1"/>
+                        <a:t>.</a:t>
+                      </a:r>
+                      <a:endParaRPr lang="ko-KR" altLang="en-US" sz="1200" b="1"/>
+                    </a:p>
+                  </a:txBody>
+                  <a:tcPr marL="91440" marR="91440"/>
+                </a:tc>
+              </a:tr>
+            </a:tbl>
+          </a:graphicData>
+        </a:graphic>
+      </p:graphicFrame>
+      <p:graphicFrame>
+        <p:nvGraphicFramePr>
+          <p:cNvPr id="12" name=""/>
+          <p:cNvGraphicFramePr>
+            <a:graphicFrameLocks noGrp="1"/>
+          </p:cNvGraphicFramePr>
+          <p:nvPr/>
+        </p:nvGraphicFramePr>
+        <p:xfrm>
+          <a:off x="458095" y="845698"/>
+          <a:ext cx="8945880" cy="5344953"/>
+        </p:xfrm>
+        <a:graphic>
+          <a:graphicData uri="http://schemas.openxmlformats.org/drawingml/2006/table">
+            <a:tbl>
+              <a:tblPr firstRow="1" bandRow="1">
+                <a:tableStyleId>{F8D88D6A-5F01-457D-8EC9-7B5F63248C40}</a:tableStyleId>
+              </a:tblPr>
+              <a:tblGrid>
+                <a:gridCol w="1764030"/>
+                <a:gridCol w="1478280"/>
+                <a:gridCol w="1430655"/>
+                <a:gridCol w="1383030"/>
+                <a:gridCol w="1478280"/>
+                <a:gridCol w="1411605"/>
+              </a:tblGrid>
+              <a:tr h="332174">
+                <a:tc>
+                  <a:txBody>
+                    <a:bodyPr vert="horz" wrap="square" lIns="91440" tIns="45720" rIns="91440" bIns="45720" anchor="t" anchorCtr="0">
+                      <a:spAutoFit/>
+                    </a:bodyPr>
+                    <a:p>
+                      <a:pPr>
+                        <a:defRPr/>
+                      </a:pPr>
+                      <a:endParaRPr lang="ko-KR" altLang="en-US" sz="1600"/>
+                    </a:p>
+                  </a:txBody>
+                  <a:tcPr marL="91440" marR="91440"/>
+                </a:tc>
+                <a:tc>
+                  <a:txBody>
+                    <a:bodyPr vert="horz" wrap="square" lIns="91440" tIns="45720" rIns="91440" bIns="45720" anchor="t" anchorCtr="0">
+                      <a:spAutoFit/>
+                    </a:bodyPr>
+                    <a:p>
+                      <a:pPr>
+                        <a:defRPr/>
+                      </a:pPr>
+                      <a:r>
+                        <a:rPr lang="en-US" altLang="ko-KR" sz="1600"/>
+                        <a:t>0</a:t>
+                      </a:r>
+                      <a:endParaRPr lang="ko-KR" altLang="en-US" sz="1600"/>
+                    </a:p>
+                  </a:txBody>
+                  <a:tcPr marL="91440" marR="91440"/>
+                </a:tc>
+                <a:tc>
+                  <a:txBody>
+                    <a:bodyPr vert="horz" wrap="square" lIns="91440" tIns="45720" rIns="91440" bIns="45720" anchor="t" anchorCtr="0">
+                      <a:spAutoFit/>
+                    </a:bodyPr>
+                    <a:p>
+                      <a:pPr>
+                        <a:defRPr/>
+                      </a:pPr>
+                      <a:r>
+                        <a:rPr lang="en-US" altLang="ko-KR" sz="1600"/>
+                        <a:t>1</a:t>
+                      </a:r>
+                      <a:endParaRPr lang="ko-KR" altLang="en-US" sz="1600"/>
+                    </a:p>
+                  </a:txBody>
+                  <a:tcPr marL="91440" marR="91440"/>
+                </a:tc>
+                <a:tc>
+                  <a:txBody>
+                    <a:bodyPr vert="horz" wrap="square" lIns="91440" tIns="45720" rIns="91440" bIns="45720" anchor="t" anchorCtr="0">
+                      <a:spAutoFit/>
+                    </a:bodyPr>
+                    <a:p>
+                      <a:pPr>
+                        <a:defRPr/>
+                      </a:pPr>
+                      <a:r>
+                        <a:rPr lang="en-US" altLang="ko-KR" sz="1600"/>
+                        <a:t>2</a:t>
+                      </a:r>
+                      <a:endParaRPr lang="en-US" altLang="ko-KR" sz="1600"/>
+                    </a:p>
+                  </a:txBody>
+                  <a:tcPr marL="91440" marR="91440"/>
+                </a:tc>
+                <a:tc>
+                  <a:txBody>
+                    <a:bodyPr vert="horz" wrap="square" lIns="91440" tIns="45720" rIns="91440" bIns="45720" anchor="t" anchorCtr="0">
+                      <a:spAutoFit/>
+                    </a:bodyPr>
+                    <a:p>
+                      <a:pPr>
+                        <a:defRPr/>
+                      </a:pPr>
+                      <a:r>
+                        <a:rPr lang="en-US" altLang="ko-KR" sz="1600"/>
+                        <a:t>3</a:t>
+                      </a:r>
+                      <a:endParaRPr lang="en-US" altLang="ko-KR" sz="1600"/>
+                    </a:p>
+                  </a:txBody>
+                  <a:tcPr marL="91440" marR="91440"/>
+                </a:tc>
+                <a:tc>
+                  <a:txBody>
+                    <a:bodyPr vert="horz" wrap="square" lIns="91440" tIns="45720" rIns="91440" bIns="45720" anchor="t" anchorCtr="0">
+                      <a:spAutoFit/>
+                    </a:bodyPr>
+                    <a:p>
+                      <a:pPr>
+                        <a:defRPr/>
+                      </a:pPr>
+                      <a:r>
+                        <a:rPr lang="en-US" altLang="ko-KR" sz="1600"/>
+                        <a:t>4</a:t>
+                      </a:r>
+                      <a:endParaRPr lang="en-US" altLang="ko-KR" sz="1600"/>
+                    </a:p>
+                  </a:txBody>
+                  <a:tcPr marL="91440" marR="91440"/>
+                </a:tc>
+              </a:tr>
+              <a:tr h="360167">
+                <a:tc>
+                  <a:txBody>
+                    <a:bodyPr vert="horz" wrap="square" lIns="91440" tIns="45720" rIns="91440" bIns="45720" anchor="t" anchorCtr="0">
+                      <a:spAutoFit/>
+                    </a:bodyPr>
+                    <a:p>
+                      <a:pPr>
+                        <a:defRPr/>
+                      </a:pPr>
+                      <a:r>
+                        <a:rPr lang="ko-KR" altLang="en-US" sz="1600"/>
+                        <a:t>인원</a:t>
+                      </a:r>
+                      <a:endParaRPr lang="ko-KR" altLang="en-US" sz="1600"/>
+                    </a:p>
+                  </a:txBody>
+                  <a:tcPr marL="91440" marR="91440"/>
+                </a:tc>
+                <a:tc>
+                  <a:txBody>
+                    <a:bodyPr vert="horz" wrap="square" lIns="91440" tIns="45720" rIns="91440" bIns="45720" anchor="t" anchorCtr="0">
+                      <a:spAutoFit/>
+                    </a:bodyPr>
+                    <a:p>
+                      <a:pPr>
+                        <a:defRPr/>
+                      </a:pPr>
+                      <a:r>
+                        <a:rPr lang="en-US" altLang="ko-KR" sz="1600"/>
+                        <a:t>2266</a:t>
+                      </a:r>
+                      <a:r>
+                        <a:rPr lang="ko-KR" altLang="en-US" sz="1600"/>
+                        <a:t>명</a:t>
+                      </a:r>
+                      <a:endParaRPr lang="ko-KR" altLang="en-US" sz="1600"/>
+                    </a:p>
+                  </a:txBody>
+                  <a:tcPr marL="91440" marR="91440"/>
+                </a:tc>
+                <a:tc>
+                  <a:txBody>
+                    <a:bodyPr vert="horz" wrap="square" lIns="91440" tIns="45720" rIns="91440" bIns="45720" anchor="t" anchorCtr="0">
+                      <a:spAutoFit/>
+                    </a:bodyPr>
+                    <a:p>
+                      <a:pPr>
+                        <a:defRPr/>
+                      </a:pPr>
+                      <a:r>
+                        <a:rPr lang="en-US" altLang="ko-KR" sz="1600"/>
+                        <a:t>1704</a:t>
+                      </a:r>
+                      <a:r>
+                        <a:rPr lang="ko-KR" altLang="en-US" sz="1600"/>
+                        <a:t>명</a:t>
+                      </a:r>
+                      <a:endParaRPr lang="ko-KR" altLang="en-US" sz="1600"/>
+                    </a:p>
+                  </a:txBody>
+                  <a:tcPr marL="91440" marR="91440"/>
+                </a:tc>
+                <a:tc>
+                  <a:txBody>
+                    <a:bodyPr vert="horz" wrap="square" lIns="91440" tIns="45720" rIns="91440" bIns="45720" anchor="t" anchorCtr="0">
+                      <a:spAutoFit/>
+                    </a:bodyPr>
+                    <a:p>
+                      <a:pPr>
+                        <a:defRPr/>
+                      </a:pPr>
+                      <a:r>
+                        <a:rPr lang="en-US" altLang="ko-KR" sz="1600"/>
+                        <a:t>266</a:t>
+                      </a:r>
+                      <a:r>
+                        <a:rPr lang="ko-KR" altLang="en-US" sz="1600"/>
+                        <a:t>명</a:t>
+                      </a:r>
+                      <a:endParaRPr lang="ko-KR" altLang="en-US" sz="1600"/>
+                    </a:p>
+                  </a:txBody>
+                  <a:tcPr marL="91440" marR="91440"/>
+                </a:tc>
+                <a:tc>
+                  <a:txBody>
+                    <a:bodyPr vert="horz" wrap="square" lIns="91440" tIns="45720" rIns="91440" bIns="45720" anchor="t" anchorCtr="0">
+                      <a:spAutoFit/>
+                    </a:bodyPr>
+                    <a:p>
+                      <a:pPr>
+                        <a:defRPr/>
+                      </a:pPr>
+                      <a:r>
+                        <a:rPr lang="en-US" altLang="ko-KR" sz="1600"/>
+                        <a:t>1119</a:t>
+                      </a:r>
+                      <a:r>
+                        <a:rPr lang="ko-KR" altLang="en-US" sz="1600"/>
+                        <a:t>명</a:t>
+                      </a:r>
+                      <a:endParaRPr lang="ko-KR" altLang="en-US" sz="1600"/>
+                    </a:p>
+                  </a:txBody>
+                  <a:tcPr marL="91440" marR="91440"/>
+                </a:tc>
+                <a:tc>
+                  <a:txBody>
+                    <a:bodyPr vert="horz" wrap="square" lIns="91440" tIns="45720" rIns="91440" bIns="45720" anchor="t" anchorCtr="0">
+                      <a:spAutoFit/>
+                    </a:bodyPr>
+                    <a:p>
+                      <a:pPr>
+                        <a:defRPr/>
+                      </a:pPr>
+                      <a:r>
+                        <a:rPr lang="en-US" altLang="ko-KR" sz="1600"/>
+                        <a:t>34</a:t>
+                      </a:r>
+                      <a:r>
+                        <a:rPr lang="ko-KR" altLang="en-US" sz="1600"/>
+                        <a:t>명</a:t>
+                      </a:r>
+                      <a:endParaRPr lang="ko-KR" altLang="en-US" sz="1600"/>
+                    </a:p>
+                  </a:txBody>
+                  <a:tcPr marL="91440" marR="91440"/>
+                </a:tc>
+              </a:tr>
+              <a:tr h="360167">
+                <a:tc>
+                  <a:txBody>
+                    <a:bodyPr vert="horz" wrap="square" lIns="91440" tIns="45720" rIns="91440" bIns="45720" anchor="t" anchorCtr="0">
+                      <a:spAutoFit/>
+                    </a:bodyPr>
+                    <a:p>
+                      <a:pPr>
+                        <a:defRPr/>
+                      </a:pPr>
+                      <a:r>
+                        <a:rPr lang="ko-KR" altLang="en-US" sz="1600"/>
+                        <a:t>보험사기자 비율</a:t>
+                      </a:r>
+                      <a:endParaRPr lang="ko-KR" altLang="en-US" sz="1600"/>
+                    </a:p>
+                  </a:txBody>
+                  <a:tcPr marL="91440" marR="91440"/>
+                </a:tc>
+                <a:tc>
+                  <a:txBody>
+                    <a:bodyPr vert="horz" wrap="square" lIns="91440" tIns="45720" rIns="91440" bIns="45720" anchor="t" anchorCtr="0">
+                      <a:spAutoFit/>
+                    </a:bodyPr>
+                    <a:p>
+                      <a:pPr>
+                        <a:defRPr/>
+                      </a:pPr>
+                      <a:r>
+                        <a:rPr lang="en-US" altLang="ko-KR" sz="1600"/>
+                        <a:t>3.2%</a:t>
+                      </a:r>
+                      <a:endParaRPr lang="en-US" altLang="ko-KR" sz="1600"/>
+                    </a:p>
+                  </a:txBody>
+                  <a:tcPr marL="91440" marR="91440"/>
+                </a:tc>
+                <a:tc>
+                  <a:txBody>
+                    <a:bodyPr vert="horz" wrap="square" lIns="91440" tIns="45720" rIns="91440" bIns="45720" anchor="t" anchorCtr="0">
+                      <a:spAutoFit/>
+                    </a:bodyPr>
+                    <a:p>
+                      <a:pPr>
+                        <a:defRPr/>
+                      </a:pPr>
+                      <a:r>
+                        <a:rPr lang="en-US" altLang="ko-KR" sz="1600"/>
+                        <a:t>3.1%</a:t>
+                      </a:r>
+                      <a:endParaRPr lang="en-US" altLang="ko-KR" sz="1600"/>
+                    </a:p>
+                  </a:txBody>
+                  <a:tcPr marL="91440" marR="91440"/>
+                </a:tc>
+                <a:tc>
+                  <a:txBody>
+                    <a:bodyPr vert="horz" wrap="square" lIns="91440" tIns="45720" rIns="91440" bIns="45720" anchor="t" anchorCtr="0">
+                      <a:spAutoFit/>
+                    </a:bodyPr>
+                    <a:p>
+                      <a:pPr>
+                        <a:defRPr/>
+                      </a:pPr>
+                      <a:r>
+                        <a:rPr lang="en-US" altLang="ko-KR" sz="1600"/>
+                        <a:t>3%</a:t>
+                      </a:r>
+                      <a:endParaRPr lang="en-US" altLang="ko-KR" sz="1600"/>
+                    </a:p>
+                  </a:txBody>
+                  <a:tcPr marL="91440" marR="91440"/>
+                </a:tc>
+                <a:tc>
+                  <a:txBody>
+                    <a:bodyPr vert="horz" wrap="square" lIns="91440" tIns="45720" rIns="91440" bIns="45720" anchor="t" anchorCtr="0">
+                      <a:spAutoFit/>
+                    </a:bodyPr>
+                    <a:p>
+                      <a:pPr>
+                        <a:defRPr/>
+                      </a:pPr>
+                      <a:r>
+                        <a:rPr lang="en-US" altLang="ko-KR" sz="1600"/>
+                        <a:t>2.5%</a:t>
+                      </a:r>
+                      <a:endParaRPr lang="en-US" altLang="ko-KR" sz="1600"/>
+                    </a:p>
+                  </a:txBody>
+                  <a:tcPr marL="91440" marR="91440"/>
+                </a:tc>
+                <a:tc>
+                  <a:txBody>
+                    <a:bodyPr vert="horz" wrap="square" lIns="91440" tIns="45720" rIns="91440" bIns="45720" anchor="t" anchorCtr="0">
+                      <a:spAutoFit/>
+                    </a:bodyPr>
+                    <a:p>
+                      <a:pPr>
+                        <a:defRPr/>
+                      </a:pPr>
+                      <a:r>
+                        <a:rPr lang="en-US" altLang="ko-KR" sz="1600"/>
+                        <a:t>0%</a:t>
+                      </a:r>
+                      <a:endParaRPr lang="en-US" altLang="ko-KR" sz="1600"/>
+                    </a:p>
+                  </a:txBody>
+                  <a:tcPr marL="91440" marR="91440"/>
+                </a:tc>
+              </a:tr>
+              <a:tr h="360167">
+                <a:tc>
+                  <a:txBody>
+                    <a:bodyPr vert="horz" wrap="square" lIns="91440" tIns="45720" rIns="91440" bIns="45720" anchor="t" anchorCtr="0">
+                      <a:spAutoFit/>
+                    </a:bodyPr>
+                    <a:p>
+                      <a:pPr>
+                        <a:defRPr/>
+                      </a:pPr>
+                      <a:r>
+                        <a:rPr lang="ko-KR" altLang="en-US" sz="1600"/>
+                        <a:t>자녀수</a:t>
+                      </a:r>
+                      <a:endParaRPr lang="ko-KR" altLang="en-US" sz="1600"/>
+                    </a:p>
+                  </a:txBody>
+                  <a:tcPr marL="91440" marR="91440"/>
+                </a:tc>
+                <a:tc>
+                  <a:txBody>
+                    <a:bodyPr vert="horz" wrap="square" lIns="91440" tIns="45720" rIns="91440" bIns="45720" anchor="t" anchorCtr="0">
+                      <a:spAutoFit/>
+                    </a:bodyPr>
+                    <a:p>
+                      <a:pPr>
+                        <a:defRPr/>
+                      </a:pPr>
+                      <a:r>
+                        <a:rPr lang="en-US" altLang="ko-KR" sz="1600"/>
+                        <a:t>0.48</a:t>
+                      </a:r>
+                      <a:r>
+                        <a:rPr lang="ko-KR" altLang="en-US" sz="1600"/>
+                        <a:t>명</a:t>
+                      </a:r>
+                      <a:endParaRPr lang="ko-KR" altLang="en-US" sz="1600"/>
+                    </a:p>
+                  </a:txBody>
+                  <a:tcPr marL="91440" marR="91440"/>
+                </a:tc>
+                <a:tc>
+                  <a:txBody>
+                    <a:bodyPr vert="horz" wrap="square" lIns="91440" tIns="45720" rIns="91440" bIns="45720" anchor="t" anchorCtr="0">
+                      <a:spAutoFit/>
+                    </a:bodyPr>
+                    <a:p>
+                      <a:pPr>
+                        <a:defRPr/>
+                      </a:pPr>
+                      <a:r>
+                        <a:rPr lang="en-US" altLang="ko-KR" sz="1600"/>
+                        <a:t>0.8</a:t>
+                      </a:r>
+                      <a:r>
+                        <a:rPr lang="ko-KR" altLang="en-US" sz="1600"/>
+                        <a:t>명</a:t>
+                      </a:r>
+                      <a:endParaRPr lang="ko-KR" altLang="en-US" sz="1600"/>
+                    </a:p>
+                  </a:txBody>
+                  <a:tcPr marL="91440" marR="91440"/>
+                </a:tc>
+                <a:tc>
+                  <a:txBody>
+                    <a:bodyPr vert="horz" wrap="square" lIns="91440" tIns="45720" rIns="91440" bIns="45720" anchor="t" anchorCtr="0">
+                      <a:spAutoFit/>
+                    </a:bodyPr>
+                    <a:p>
+                      <a:pPr>
+                        <a:defRPr/>
+                      </a:pPr>
+                      <a:r>
+                        <a:rPr lang="en-US" altLang="ko-KR" sz="1600"/>
+                        <a:t>0.6</a:t>
+                      </a:r>
+                      <a:r>
+                        <a:rPr lang="ko-KR" altLang="en-US" sz="1600"/>
+                        <a:t>명</a:t>
+                      </a:r>
+                      <a:endParaRPr lang="ko-KR" altLang="en-US" sz="1600"/>
+                    </a:p>
+                  </a:txBody>
+                  <a:tcPr marL="91440" marR="91440"/>
+                </a:tc>
+                <a:tc>
+                  <a:txBody>
+                    <a:bodyPr vert="horz" wrap="square" lIns="91440" tIns="45720" rIns="91440" bIns="45720" anchor="t" anchorCtr="0">
+                      <a:spAutoFit/>
+                    </a:bodyPr>
+                    <a:p>
+                      <a:pPr>
+                        <a:defRPr/>
+                      </a:pPr>
+                      <a:r>
+                        <a:rPr lang="en-US" altLang="ko-KR" sz="1600"/>
+                        <a:t>0.58</a:t>
+                      </a:r>
+                      <a:r>
+                        <a:rPr lang="ko-KR" altLang="en-US" sz="1600"/>
+                        <a:t>명</a:t>
+                      </a:r>
+                      <a:endParaRPr lang="ko-KR" altLang="en-US" sz="1600"/>
+                    </a:p>
+                  </a:txBody>
+                  <a:tcPr marL="91440" marR="91440"/>
+                </a:tc>
+                <a:tc>
+                  <a:txBody>
+                    <a:bodyPr vert="horz" wrap="square" lIns="91440" tIns="45720" rIns="91440" bIns="45720" anchor="t" anchorCtr="0">
+                      <a:spAutoFit/>
+                    </a:bodyPr>
+                    <a:p>
+                      <a:pPr>
+                        <a:defRPr/>
+                      </a:pPr>
+                      <a:r>
+                        <a:rPr lang="en-US" altLang="ko-KR" sz="1600"/>
+                        <a:t>0</a:t>
+                      </a:r>
+                      <a:r>
+                        <a:rPr lang="ko-KR" altLang="en-US" sz="1600"/>
+                        <a:t>명</a:t>
+                      </a:r>
+                      <a:endParaRPr lang="ko-KR" altLang="en-US" sz="1600"/>
+                    </a:p>
+                  </a:txBody>
+                  <a:tcPr marL="91440" marR="91440"/>
+                </a:tc>
+              </a:tr>
+              <a:tr h="352872">
+                <a:tc>
+                  <a:txBody>
+                    <a:bodyPr vert="horz" wrap="square" lIns="91440" tIns="45720" rIns="91440" bIns="45720" anchor="t" anchorCtr="0">
+                      <a:spAutoFit/>
+                    </a:bodyPr>
+                    <a:p>
+                      <a:pPr>
+                        <a:defRPr/>
+                      </a:pPr>
+                      <a:r>
+                        <a:rPr lang="ko-KR" altLang="en-US" sz="1600"/>
+                        <a:t>합계보험료</a:t>
+                      </a:r>
+                      <a:endParaRPr lang="ko-KR" altLang="en-US" sz="1600"/>
+                    </a:p>
+                  </a:txBody>
+                  <a:tcPr marL="91440" marR="91440"/>
+                </a:tc>
+                <a:tc>
+                  <a:txBody>
+                    <a:bodyPr vert="horz" wrap="square" lIns="91440" tIns="45720" rIns="91440" bIns="45720" anchor="t" anchorCtr="0">
+                      <a:spAutoFit/>
+                    </a:bodyPr>
+                    <a:p>
+                      <a:pPr>
+                        <a:defRPr/>
+                      </a:pPr>
+                      <a:r>
+                        <a:rPr lang="en-US" altLang="ko-KR" sz="1600"/>
+                        <a:t>98,000</a:t>
+                      </a:r>
+                      <a:r>
+                        <a:rPr lang="ko-KR" altLang="en-US" sz="1600"/>
+                        <a:t>원</a:t>
+                      </a:r>
+                      <a:endParaRPr lang="ko-KR" altLang="en-US" sz="1600"/>
+                    </a:p>
+                  </a:txBody>
+                  <a:tcPr marL="91440" marR="91440"/>
+                </a:tc>
+                <a:tc>
+                  <a:txBody>
+                    <a:bodyPr vert="horz" wrap="square" lIns="91440" tIns="45720" rIns="91440" bIns="45720" anchor="t" anchorCtr="0">
+                      <a:spAutoFit/>
+                    </a:bodyPr>
+                    <a:p>
+                      <a:pPr>
+                        <a:defRPr/>
+                      </a:pPr>
+                      <a:r>
+                        <a:rPr lang="en-US" altLang="ko-KR" sz="1600"/>
+                        <a:t>92,000</a:t>
+                      </a:r>
+                      <a:r>
+                        <a:rPr lang="ko-KR" altLang="en-US" sz="1600"/>
+                        <a:t>원</a:t>
+                      </a:r>
+                      <a:endParaRPr lang="ko-KR" altLang="en-US" sz="1600"/>
+                    </a:p>
+                  </a:txBody>
+                  <a:tcPr marL="91440" marR="91440"/>
+                </a:tc>
+                <a:tc>
+                  <a:txBody>
+                    <a:bodyPr vert="horz" wrap="square" lIns="91440" tIns="45720" rIns="91440" bIns="45720" anchor="t" anchorCtr="0">
+                      <a:spAutoFit/>
+                    </a:bodyPr>
+                    <a:p>
+                      <a:pPr>
+                        <a:defRPr/>
+                      </a:pPr>
+                      <a:r>
+                        <a:rPr lang="en-US" altLang="ko-KR" sz="1600"/>
+                        <a:t>78,000</a:t>
+                      </a:r>
+                      <a:r>
+                        <a:rPr lang="ko-KR" altLang="en-US" sz="1600"/>
+                        <a:t>원</a:t>
+                      </a:r>
+                      <a:endParaRPr lang="ko-KR" altLang="en-US" sz="1600"/>
+                    </a:p>
+                  </a:txBody>
+                  <a:tcPr marL="91440" marR="91440"/>
+                </a:tc>
+                <a:tc>
+                  <a:txBody>
+                    <a:bodyPr vert="horz" wrap="square" lIns="91440" tIns="45720" rIns="91440" bIns="45720" anchor="t" anchorCtr="0">
+                      <a:spAutoFit/>
+                    </a:bodyPr>
+                    <a:p>
+                      <a:pPr>
+                        <a:defRPr/>
+                      </a:pPr>
+                      <a:r>
+                        <a:rPr lang="en-US" altLang="ko-KR" sz="1600"/>
+                        <a:t>100,000</a:t>
+                      </a:r>
+                      <a:r>
+                        <a:rPr lang="ko-KR" altLang="en-US" sz="1600"/>
+                        <a:t>원</a:t>
+                      </a:r>
+                      <a:endParaRPr lang="ko-KR" altLang="en-US" sz="1600"/>
+                    </a:p>
+                  </a:txBody>
+                  <a:tcPr marL="91440" marR="91440"/>
+                </a:tc>
+                <a:tc>
+                  <a:txBody>
+                    <a:bodyPr vert="horz" wrap="square" lIns="91440" tIns="45720" rIns="91440" bIns="45720" anchor="t" anchorCtr="0">
+                      <a:spAutoFit/>
+                    </a:bodyPr>
+                    <a:p>
+                      <a:pPr>
+                        <a:defRPr/>
+                      </a:pPr>
+                      <a:r>
+                        <a:rPr lang="en-US" altLang="ko-KR" sz="1600"/>
+                        <a:t>88,000</a:t>
+                      </a:r>
+                      <a:r>
+                        <a:rPr lang="ko-KR" altLang="en-US" sz="1600"/>
+                        <a:t>원</a:t>
+                      </a:r>
+                      <a:endParaRPr lang="ko-KR" altLang="en-US" sz="1600"/>
+                    </a:p>
+                  </a:txBody>
+                  <a:tcPr marL="91440" marR="91440"/>
+                </a:tc>
+              </a:tr>
+              <a:tr h="360167">
+                <a:tc>
+                  <a:txBody>
+                    <a:bodyPr vert="horz" wrap="square" lIns="91440" tIns="45720" rIns="91440" bIns="45720" anchor="t" anchorCtr="0">
+                      <a:spAutoFit/>
+                    </a:bodyPr>
+                    <a:p>
+                      <a:pPr>
+                        <a:defRPr/>
+                      </a:pPr>
+                      <a:r>
+                        <a:rPr lang="ko-KR" altLang="en-US" sz="1600"/>
+                        <a:t>납입총보험료</a:t>
+                      </a:r>
+                      <a:endParaRPr lang="ko-KR" altLang="en-US" sz="1600"/>
+                    </a:p>
+                  </a:txBody>
+                  <a:tcPr marL="91440" marR="91440"/>
+                </a:tc>
+                <a:tc>
+                  <a:txBody>
+                    <a:bodyPr vert="horz" wrap="square" lIns="91440" tIns="45720" rIns="91440" bIns="45720" anchor="t" anchorCtr="0">
+                      <a:spAutoFit/>
+                    </a:bodyPr>
+                    <a:p>
+                      <a:pPr>
+                        <a:defRPr/>
+                      </a:pPr>
+                      <a:r>
+                        <a:rPr lang="en-US" altLang="ko-KR" sz="1600"/>
+                        <a:t>10,600,000</a:t>
+                      </a:r>
+                      <a:r>
+                        <a:rPr lang="ko-KR" altLang="en-US" sz="1600"/>
+                        <a:t>원</a:t>
+                      </a:r>
+                      <a:endParaRPr lang="ko-KR" altLang="en-US" sz="1600"/>
+                    </a:p>
+                  </a:txBody>
+                  <a:tcPr marL="91440" marR="91440"/>
+                </a:tc>
+                <a:tc>
+                  <a:txBody>
+                    <a:bodyPr vert="horz" wrap="square" lIns="91440" tIns="45720" rIns="91440" bIns="45720" anchor="t" anchorCtr="0">
+                      <a:spAutoFit/>
+                    </a:bodyPr>
+                    <a:p>
+                      <a:pPr>
+                        <a:defRPr/>
+                      </a:pPr>
+                      <a:r>
+                        <a:rPr lang="en-US" altLang="ko-KR" sz="1600"/>
+                        <a:t>12,700,000</a:t>
+                      </a:r>
+                      <a:r>
+                        <a:rPr lang="ko-KR" altLang="en-US" sz="1600"/>
+                        <a:t>원</a:t>
+                      </a:r>
+                      <a:endParaRPr lang="ko-KR" altLang="en-US" sz="1600"/>
+                    </a:p>
+                  </a:txBody>
+                  <a:tcPr marL="91440" marR="91440"/>
+                </a:tc>
+                <a:tc>
+                  <a:txBody>
+                    <a:bodyPr vert="horz" wrap="square" lIns="91440" tIns="45720" rIns="91440" bIns="45720" anchor="t" anchorCtr="0">
+                      <a:spAutoFit/>
+                    </a:bodyPr>
+                    <a:p>
+                      <a:pPr>
+                        <a:defRPr/>
+                      </a:pPr>
+                      <a:r>
+                        <a:rPr lang="en-US" altLang="ko-KR" sz="1600"/>
+                        <a:t>10,600,000</a:t>
+                      </a:r>
+                      <a:r>
+                        <a:rPr lang="ko-KR" altLang="en-US" sz="1600"/>
+                        <a:t>원</a:t>
+                      </a:r>
+                      <a:endParaRPr lang="ko-KR" altLang="en-US" sz="1600"/>
+                    </a:p>
+                  </a:txBody>
+                  <a:tcPr marL="91440" marR="91440"/>
+                </a:tc>
+                <a:tc>
+                  <a:txBody>
+                    <a:bodyPr vert="horz" wrap="square" lIns="91440" tIns="45720" rIns="91440" bIns="45720" anchor="t" anchorCtr="0">
+                      <a:spAutoFit/>
+                    </a:bodyPr>
+                    <a:p>
+                      <a:pPr>
+                        <a:defRPr/>
+                      </a:pPr>
+                      <a:r>
+                        <a:rPr lang="en-US" altLang="ko-KR" sz="1600"/>
+                        <a:t>10,600,000</a:t>
+                      </a:r>
+                      <a:r>
+                        <a:rPr lang="ko-KR" altLang="en-US" sz="1600"/>
+                        <a:t>원</a:t>
+                      </a:r>
+                      <a:endParaRPr lang="ko-KR" altLang="en-US" sz="1600"/>
+                    </a:p>
+                  </a:txBody>
+                  <a:tcPr marL="91440" marR="91440"/>
+                </a:tc>
+                <a:tc>
+                  <a:txBody>
+                    <a:bodyPr vert="horz" wrap="square" lIns="91440" tIns="45720" rIns="91440" bIns="45720" anchor="t" anchorCtr="0">
+                      <a:spAutoFit/>
+                    </a:bodyPr>
+                    <a:p>
+                      <a:pPr>
+                        <a:defRPr/>
+                      </a:pPr>
+                      <a:r>
+                        <a:rPr lang="en-US" altLang="ko-KR" sz="1600"/>
+                        <a:t>10,600,000</a:t>
+                      </a:r>
+                      <a:r>
+                        <a:rPr lang="ko-KR" altLang="en-US" sz="1600"/>
+                        <a:t>원</a:t>
+                      </a:r>
+                      <a:endParaRPr lang="ko-KR" altLang="en-US" sz="1600"/>
+                    </a:p>
+                  </a:txBody>
+                  <a:tcPr marL="91440" marR="91440"/>
+                </a:tc>
+              </a:tr>
+              <a:tr h="360167">
+                <a:tc>
+                  <a:txBody>
+                    <a:bodyPr vert="horz" wrap="square" lIns="91440" tIns="45720" rIns="91440" bIns="45720" anchor="t" anchorCtr="0">
+                      <a:spAutoFit/>
+                    </a:bodyPr>
+                    <a:p>
+                      <a:pPr>
+                        <a:defRPr/>
+                      </a:pPr>
+                      <a:r>
+                        <a:rPr lang="ko-KR" altLang="en-US" sz="1600"/>
+                        <a:t>병원거리</a:t>
+                      </a:r>
+                      <a:endParaRPr lang="ko-KR" altLang="en-US" sz="1600"/>
+                    </a:p>
+                  </a:txBody>
+                  <a:tcPr marL="91440" marR="91440"/>
+                </a:tc>
+                <a:tc>
+                  <a:txBody>
+                    <a:bodyPr vert="horz" wrap="square" lIns="91440" tIns="45720" rIns="91440" bIns="45720" anchor="t" anchorCtr="0">
+                      <a:spAutoFit/>
+                    </a:bodyPr>
+                    <a:p>
+                      <a:pPr>
+                        <a:defRPr/>
+                      </a:pPr>
+                      <a:r>
+                        <a:rPr lang="en-US" altLang="ko-KR" sz="1600"/>
+                        <a:t>22km</a:t>
+                      </a:r>
+                      <a:endParaRPr lang="en-US" altLang="ko-KR" sz="1600"/>
+                    </a:p>
+                  </a:txBody>
+                  <a:tcPr marL="91440" marR="91440"/>
+                </a:tc>
+                <a:tc>
+                  <a:txBody>
+                    <a:bodyPr vert="horz" wrap="square" lIns="91440" tIns="45720" rIns="91440" bIns="45720" anchor="t" anchorCtr="0">
+                      <a:spAutoFit/>
+                    </a:bodyPr>
+                    <a:p>
+                      <a:pPr>
+                        <a:defRPr/>
+                      </a:pPr>
+                      <a:r>
+                        <a:rPr lang="en-US" altLang="ko-KR" sz="1600"/>
+                        <a:t>17km</a:t>
+                      </a:r>
+                      <a:endParaRPr lang="en-US" altLang="ko-KR" sz="1600"/>
+                    </a:p>
+                  </a:txBody>
+                  <a:tcPr marL="91440" marR="91440"/>
+                </a:tc>
+                <a:tc>
+                  <a:txBody>
+                    <a:bodyPr vert="horz" wrap="square" lIns="91440" tIns="45720" rIns="91440" bIns="45720" anchor="t" anchorCtr="0">
+                      <a:spAutoFit/>
+                    </a:bodyPr>
+                    <a:p>
+                      <a:pPr>
+                        <a:defRPr/>
+                      </a:pPr>
+                      <a:r>
+                        <a:rPr lang="en-US" altLang="ko-KR" sz="1600"/>
+                        <a:t>16km</a:t>
+                      </a:r>
+                      <a:endParaRPr lang="en-US" altLang="ko-KR" sz="1600"/>
+                    </a:p>
+                  </a:txBody>
+                  <a:tcPr marL="91440" marR="91440"/>
+                </a:tc>
+                <a:tc>
+                  <a:txBody>
+                    <a:bodyPr vert="horz" wrap="square" lIns="91440" tIns="45720" rIns="91440" bIns="45720" anchor="t" anchorCtr="0">
+                      <a:spAutoFit/>
+                    </a:bodyPr>
+                    <a:p>
+                      <a:pPr>
+                        <a:defRPr/>
+                      </a:pPr>
+                      <a:r>
+                        <a:rPr lang="en-US" altLang="ko-KR" sz="1600"/>
+                        <a:t>20km</a:t>
+                      </a:r>
+                      <a:endParaRPr lang="en-US" altLang="ko-KR" sz="1600"/>
+                    </a:p>
+                  </a:txBody>
+                  <a:tcPr marL="91440" marR="91440"/>
+                </a:tc>
+                <a:tc>
+                  <a:txBody>
+                    <a:bodyPr vert="horz" wrap="square" lIns="91440" tIns="45720" rIns="91440" bIns="45720" anchor="t" anchorCtr="0">
+                      <a:spAutoFit/>
+                    </a:bodyPr>
+                    <a:p>
+                      <a:pPr>
+                        <a:defRPr/>
+                      </a:pPr>
+                      <a:r>
+                        <a:rPr lang="en-US" altLang="ko-KR" sz="1600"/>
+                        <a:t>21.4km</a:t>
+                      </a:r>
+                      <a:endParaRPr lang="en-US" altLang="ko-KR" sz="1600"/>
+                    </a:p>
+                  </a:txBody>
+                  <a:tcPr marL="91440" marR="91440"/>
+                </a:tc>
+              </a:tr>
+              <a:tr h="352872">
+                <a:tc>
+                  <a:txBody>
+                    <a:bodyPr vert="horz" wrap="square" lIns="91440" tIns="45720" rIns="91440" bIns="45720" anchor="t" anchorCtr="0">
+                      <a:spAutoFit/>
+                    </a:bodyPr>
+                    <a:p>
+                      <a:pPr>
+                        <a:defRPr/>
+                      </a:pPr>
+                      <a:r>
+                        <a:rPr lang="ko-KR" altLang="en-US" sz="1600"/>
+                        <a:t>추정가구소득</a:t>
+                      </a:r>
+                      <a:endParaRPr lang="ko-KR" altLang="en-US" sz="1600"/>
+                    </a:p>
+                  </a:txBody>
+                  <a:tcPr marL="91440" marR="91440"/>
+                </a:tc>
+                <a:tc>
+                  <a:txBody>
+                    <a:bodyPr vert="horz" wrap="square" lIns="91440" tIns="45720" rIns="91440" bIns="45720" anchor="t" anchorCtr="0">
+                      <a:spAutoFit/>
+                    </a:bodyPr>
+                    <a:p>
+                      <a:pPr>
+                        <a:defRPr/>
+                      </a:pPr>
+                      <a:r>
+                        <a:rPr lang="en-US" altLang="ko-KR" sz="1600"/>
+                        <a:t>46,190,000</a:t>
+                      </a:r>
+                      <a:r>
+                        <a:rPr lang="ko-KR" altLang="en-US" sz="1600"/>
+                        <a:t>원</a:t>
+                      </a:r>
+                      <a:endParaRPr lang="ko-KR" altLang="en-US" sz="1600"/>
+                    </a:p>
+                  </a:txBody>
+                  <a:tcPr marL="91440" marR="91440"/>
+                </a:tc>
+                <a:tc>
+                  <a:txBody>
+                    <a:bodyPr vert="horz" wrap="square" lIns="91440" tIns="45720" rIns="91440" bIns="45720" anchor="t" anchorCtr="0">
+                      <a:spAutoFit/>
+                    </a:bodyPr>
+                    <a:p>
+                      <a:pPr>
+                        <a:defRPr/>
+                      </a:pPr>
+                      <a:r>
+                        <a:rPr lang="en-US" altLang="ko-KR" sz="1600"/>
+                        <a:t>51,530,000</a:t>
+                      </a:r>
+                      <a:r>
+                        <a:rPr lang="ko-KR" altLang="en-US" sz="1600"/>
+                        <a:t>원</a:t>
+                      </a:r>
+                      <a:endParaRPr lang="ko-KR" altLang="en-US" sz="1600"/>
+                    </a:p>
+                  </a:txBody>
+                  <a:tcPr marL="91440" marR="91440"/>
+                </a:tc>
+                <a:tc>
+                  <a:txBody>
+                    <a:bodyPr vert="horz" wrap="square" lIns="91440" tIns="45720" rIns="91440" bIns="45720" anchor="t" anchorCtr="0">
+                      <a:spAutoFit/>
+                    </a:bodyPr>
+                    <a:p>
+                      <a:pPr>
+                        <a:defRPr/>
+                      </a:pPr>
+                      <a:r>
+                        <a:rPr lang="en-US" altLang="ko-KR" sz="1600"/>
+                        <a:t>49,770,000</a:t>
+                      </a:r>
+                      <a:r>
+                        <a:rPr lang="ko-KR" altLang="en-US" sz="1600"/>
+                        <a:t>원</a:t>
+                      </a:r>
+                      <a:endParaRPr lang="ko-KR" altLang="en-US" sz="1600"/>
+                    </a:p>
+                  </a:txBody>
+                  <a:tcPr marL="91440" marR="91440"/>
+                </a:tc>
+                <a:tc>
+                  <a:txBody>
+                    <a:bodyPr vert="horz" wrap="square" lIns="91440" tIns="45720" rIns="91440" bIns="45720" anchor="t" anchorCtr="0">
+                      <a:spAutoFit/>
+                    </a:bodyPr>
+                    <a:p>
+                      <a:pPr>
+                        <a:defRPr/>
+                      </a:pPr>
+                      <a:r>
+                        <a:rPr lang="en-US" altLang="ko-KR" sz="1600"/>
+                        <a:t>46,940,000</a:t>
+                      </a:r>
+                      <a:r>
+                        <a:rPr lang="ko-KR" altLang="en-US" sz="1600"/>
+                        <a:t>원</a:t>
+                      </a:r>
+                      <a:endParaRPr lang="ko-KR" altLang="en-US" sz="1600"/>
+                    </a:p>
+                  </a:txBody>
+                  <a:tcPr marL="91440" marR="91440"/>
+                </a:tc>
+                <a:tc>
+                  <a:txBody>
+                    <a:bodyPr vert="horz" wrap="square" lIns="91440" tIns="45720" rIns="91440" bIns="45720" anchor="t" anchorCtr="0">
+                      <a:spAutoFit/>
+                    </a:bodyPr>
+                    <a:p>
+                      <a:pPr>
+                        <a:defRPr/>
+                      </a:pPr>
+                      <a:r>
+                        <a:rPr lang="en-US" altLang="ko-KR" sz="1600"/>
+                        <a:t>38,250,000</a:t>
+                      </a:r>
+                      <a:r>
+                        <a:rPr lang="ko-KR" altLang="en-US" sz="1600"/>
+                        <a:t>원</a:t>
+                      </a:r>
+                      <a:endParaRPr lang="ko-KR" altLang="en-US" sz="1600"/>
+                    </a:p>
+                  </a:txBody>
+                  <a:tcPr marL="91440" marR="91440"/>
+                </a:tc>
+              </a:tr>
+              <a:tr h="352872">
+                <a:tc>
+                  <a:txBody>
+                    <a:bodyPr vert="horz" wrap="square" lIns="91440" tIns="45720" rIns="91440" bIns="45720" anchor="t" anchorCtr="0">
+                      <a:spAutoFit/>
+                    </a:bodyPr>
+                    <a:p>
+                      <a:pPr>
+                        <a:defRPr/>
+                      </a:pPr>
+                      <a:r>
+                        <a:rPr lang="ko-KR" altLang="en-US" sz="1600"/>
+                        <a:t>나이</a:t>
+                      </a:r>
+                      <a:endParaRPr lang="ko-KR" altLang="en-US" sz="1600"/>
+                    </a:p>
+                  </a:txBody>
+                  <a:tcPr marL="91440" marR="91440"/>
+                </a:tc>
+                <a:tc>
+                  <a:txBody>
+                    <a:bodyPr vert="horz" wrap="square" lIns="91440" tIns="45720" rIns="91440" bIns="45720" anchor="t" anchorCtr="0">
+                      <a:spAutoFit/>
+                    </a:bodyPr>
+                    <a:p>
+                      <a:pPr>
+                        <a:defRPr/>
+                      </a:pPr>
+                      <a:r>
+                        <a:rPr lang="en-US" altLang="ko-KR" sz="1600"/>
+                        <a:t>37.2</a:t>
+                      </a:r>
+                      <a:r>
+                        <a:rPr lang="ko-KR" altLang="en-US" sz="1600"/>
+                        <a:t>세</a:t>
+                      </a:r>
+                      <a:endParaRPr lang="ko-KR" altLang="en-US" sz="1600"/>
+                    </a:p>
+                  </a:txBody>
+                  <a:tcPr marL="91440" marR="91440"/>
+                </a:tc>
+                <a:tc>
+                  <a:txBody>
+                    <a:bodyPr vert="horz" wrap="square" lIns="91440" tIns="45720" rIns="91440" bIns="45720" anchor="t" anchorCtr="0">
+                      <a:spAutoFit/>
+                    </a:bodyPr>
+                    <a:p>
+                      <a:pPr>
+                        <a:defRPr/>
+                      </a:pPr>
+                      <a:r>
+                        <a:rPr lang="en-US" altLang="ko-KR" sz="1600"/>
+                        <a:t>42.1</a:t>
+                      </a:r>
+                      <a:r>
+                        <a:rPr lang="ko-KR" altLang="en-US" sz="1600"/>
+                        <a:t>세</a:t>
+                      </a:r>
+                      <a:endParaRPr lang="ko-KR" altLang="en-US" sz="1600"/>
+                    </a:p>
+                  </a:txBody>
+                  <a:tcPr marL="91440" marR="91440"/>
+                </a:tc>
+                <a:tc>
+                  <a:txBody>
+                    <a:bodyPr vert="horz" wrap="square" lIns="91440" tIns="45720" rIns="91440" bIns="45720" anchor="t" anchorCtr="0">
+                      <a:spAutoFit/>
+                    </a:bodyPr>
+                    <a:p>
+                      <a:pPr>
+                        <a:defRPr/>
+                      </a:pPr>
+                      <a:r>
+                        <a:rPr lang="en-US" altLang="ko-KR" sz="1600"/>
+                        <a:t>40</a:t>
+                      </a:r>
+                      <a:r>
+                        <a:rPr lang="ko-KR" altLang="en-US" sz="1600"/>
+                        <a:t>세</a:t>
+                      </a:r>
+                      <a:endParaRPr lang="ko-KR" altLang="en-US" sz="1600"/>
+                    </a:p>
+                  </a:txBody>
+                  <a:tcPr marL="91440" marR="91440"/>
+                </a:tc>
+                <a:tc>
+                  <a:txBody>
+                    <a:bodyPr vert="horz" wrap="square" lIns="91440" tIns="45720" rIns="91440" bIns="45720" anchor="t" anchorCtr="0">
+                      <a:spAutoFit/>
+                    </a:bodyPr>
+                    <a:p>
+                      <a:pPr>
+                        <a:defRPr/>
+                      </a:pPr>
+                      <a:r>
+                        <a:rPr lang="en-US" altLang="ko-KR" sz="1600"/>
+                        <a:t>40.3</a:t>
+                      </a:r>
+                      <a:r>
+                        <a:rPr lang="ko-KR" altLang="en-US" sz="1600"/>
+                        <a:t>세</a:t>
+                      </a:r>
+                      <a:endParaRPr lang="ko-KR" altLang="en-US" sz="1600"/>
+                    </a:p>
+                  </a:txBody>
+                  <a:tcPr marL="91440" marR="91440"/>
+                </a:tc>
+                <a:tc>
+                  <a:txBody>
+                    <a:bodyPr vert="horz" wrap="square" lIns="91440" tIns="45720" rIns="91440" bIns="45720" anchor="t" anchorCtr="0">
+                      <a:spAutoFit/>
+                    </a:bodyPr>
+                    <a:p>
+                      <a:pPr>
+                        <a:defRPr/>
+                      </a:pPr>
+                      <a:r>
+                        <a:rPr lang="en-US" altLang="ko-KR" sz="1600"/>
+                        <a:t>55.2</a:t>
+                      </a:r>
+                      <a:r>
+                        <a:rPr lang="ko-KR" altLang="en-US" sz="1600"/>
+                        <a:t>세</a:t>
+                      </a:r>
+                      <a:endParaRPr lang="ko-KR" altLang="en-US" sz="1600"/>
+                    </a:p>
+                  </a:txBody>
+                  <a:tcPr marL="91440" marR="91440"/>
+                </a:tc>
+              </a:tr>
+              <a:tr h="360167">
+                <a:tc>
+                  <a:txBody>
+                    <a:bodyPr vert="horz" wrap="square" lIns="91440" tIns="45720" rIns="91440" bIns="45720" anchor="t" anchorCtr="0">
+                      <a:spAutoFit/>
+                    </a:bodyPr>
+                    <a:p>
+                      <a:pPr>
+                        <a:defRPr/>
+                      </a:pPr>
+                      <a:r>
+                        <a:rPr lang="ko-KR" altLang="en-US" sz="1600"/>
+                        <a:t>고객등록년월</a:t>
+                      </a:r>
+                      <a:endParaRPr lang="ko-KR" altLang="en-US" sz="1600"/>
+                    </a:p>
+                  </a:txBody>
+                  <a:tcPr marL="91440" marR="91440"/>
+                </a:tc>
+                <a:tc>
+                  <a:txBody>
+                    <a:bodyPr vert="horz" wrap="square" lIns="91440" tIns="45720" rIns="91440" bIns="45720" anchor="t" anchorCtr="0">
+                      <a:spAutoFit/>
+                    </a:bodyPr>
+                    <a:p>
+                      <a:pPr>
+                        <a:defRPr/>
+                      </a:pPr>
+                      <a:r>
+                        <a:rPr lang="en-US" altLang="ko-KR" sz="1600"/>
+                        <a:t>4446</a:t>
+                      </a:r>
+                      <a:r>
+                        <a:rPr lang="ko-KR" altLang="en-US" sz="1600"/>
+                        <a:t>일</a:t>
+                      </a:r>
+                      <a:endParaRPr lang="ko-KR" altLang="en-US" sz="1600"/>
+                    </a:p>
+                  </a:txBody>
+                  <a:tcPr marL="91440" marR="91440"/>
+                </a:tc>
+                <a:tc>
+                  <a:txBody>
+                    <a:bodyPr vert="horz" wrap="square" lIns="91440" tIns="45720" rIns="91440" bIns="45720" anchor="t" anchorCtr="0">
+                      <a:spAutoFit/>
+                    </a:bodyPr>
+                    <a:p>
+                      <a:pPr>
+                        <a:defRPr/>
+                      </a:pPr>
+                      <a:r>
+                        <a:rPr lang="en-US" altLang="ko-KR" sz="1600"/>
+                        <a:t>4137</a:t>
+                      </a:r>
+                      <a:r>
+                        <a:rPr lang="ko-KR" altLang="en-US" sz="1600"/>
+                        <a:t>일</a:t>
+                      </a:r>
+                      <a:endParaRPr lang="ko-KR" altLang="en-US" sz="1600"/>
+                    </a:p>
+                  </a:txBody>
+                  <a:tcPr marL="91440" marR="91440"/>
+                </a:tc>
+                <a:tc>
+                  <a:txBody>
+                    <a:bodyPr vert="horz" wrap="square" lIns="91440" tIns="45720" rIns="91440" bIns="45720" anchor="t" anchorCtr="0">
+                      <a:spAutoFit/>
+                    </a:bodyPr>
+                    <a:p>
+                      <a:pPr>
+                        <a:defRPr/>
+                      </a:pPr>
+                      <a:r>
+                        <a:rPr lang="en-US" altLang="ko-KR" sz="1600"/>
+                        <a:t>4163</a:t>
+                      </a:r>
+                      <a:r>
+                        <a:rPr lang="ko-KR" altLang="en-US" sz="1600"/>
+                        <a:t>일</a:t>
+                      </a:r>
+                      <a:endParaRPr lang="ko-KR" altLang="en-US" sz="1600"/>
+                    </a:p>
+                  </a:txBody>
+                  <a:tcPr marL="91440" marR="91440"/>
+                </a:tc>
+                <a:tc>
+                  <a:txBody>
+                    <a:bodyPr vert="horz" wrap="square" lIns="91440" tIns="45720" rIns="91440" bIns="45720" anchor="t" anchorCtr="0">
+                      <a:spAutoFit/>
+                    </a:bodyPr>
+                    <a:p>
+                      <a:pPr>
+                        <a:defRPr/>
+                      </a:pPr>
+                      <a:r>
+                        <a:rPr lang="en-US" altLang="ko-KR" sz="1600"/>
+                        <a:t>3947</a:t>
+                      </a:r>
+                      <a:r>
+                        <a:rPr lang="ko-KR" altLang="en-US" sz="1600"/>
+                        <a:t>일</a:t>
+                      </a:r>
+                      <a:endParaRPr lang="ko-KR" altLang="en-US" sz="1600"/>
+                    </a:p>
+                  </a:txBody>
+                  <a:tcPr marL="91440" marR="91440"/>
+                </a:tc>
+                <a:tc>
+                  <a:txBody>
+                    <a:bodyPr vert="horz" wrap="square" lIns="91440" tIns="45720" rIns="91440" bIns="45720" anchor="t" anchorCtr="0">
+                      <a:spAutoFit/>
+                    </a:bodyPr>
+                    <a:p>
+                      <a:pPr>
+                        <a:defRPr/>
+                      </a:pPr>
+                      <a:r>
+                        <a:rPr lang="en-US" altLang="ko-KR" sz="1600"/>
+                        <a:t>5890</a:t>
+                      </a:r>
+                      <a:r>
+                        <a:rPr lang="ko-KR" altLang="en-US" sz="1600"/>
+                        <a:t>일</a:t>
+                      </a:r>
+                      <a:endParaRPr lang="ko-KR" altLang="en-US" sz="1600"/>
+                    </a:p>
+                  </a:txBody>
+                  <a:tcPr marL="91440" marR="91440"/>
+                </a:tc>
+              </a:tr>
+              <a:tr h="360167">
+                <a:tc>
+                  <a:txBody>
+                    <a:bodyPr vert="horz" wrap="square" lIns="91440" tIns="45720" rIns="91440" bIns="45720" anchor="t" anchorCtr="0">
+                      <a:spAutoFit/>
+                    </a:bodyPr>
+                    <a:p>
+                      <a:pPr>
+                        <a:defRPr/>
+                      </a:pPr>
+                      <a:r>
+                        <a:rPr lang="ko-KR" altLang="en-US" sz="1600"/>
+                        <a:t>청구횟수</a:t>
+                      </a:r>
+                      <a:endParaRPr lang="ko-KR" altLang="en-US" sz="1600"/>
+                    </a:p>
+                  </a:txBody>
+                  <a:tcPr marL="91440" marR="91440"/>
+                </a:tc>
+                <a:tc>
+                  <a:txBody>
+                    <a:bodyPr vert="horz" wrap="square" lIns="91440" tIns="45720" rIns="91440" bIns="45720" anchor="t" anchorCtr="0">
+                      <a:spAutoFit/>
+                    </a:bodyPr>
+                    <a:p>
+                      <a:pPr>
+                        <a:defRPr/>
+                      </a:pPr>
+                      <a:r>
+                        <a:rPr lang="en-US" altLang="ko-KR" sz="1600"/>
+                        <a:t>3.8</a:t>
+                      </a:r>
+                      <a:r>
+                        <a:rPr lang="ko-KR" altLang="en-US" sz="1600"/>
+                        <a:t>회</a:t>
+                      </a:r>
+                      <a:endParaRPr lang="ko-KR" altLang="en-US" sz="1600"/>
+                    </a:p>
+                  </a:txBody>
+                  <a:tcPr marL="91440" marR="91440"/>
+                </a:tc>
+                <a:tc>
+                  <a:txBody>
+                    <a:bodyPr vert="horz" wrap="square" lIns="91440" tIns="45720" rIns="91440" bIns="45720" anchor="t" anchorCtr="0">
+                      <a:spAutoFit/>
+                    </a:bodyPr>
+                    <a:p>
+                      <a:pPr>
+                        <a:defRPr/>
+                      </a:pPr>
+                      <a:r>
+                        <a:rPr lang="en-US" altLang="ko-KR" sz="1600"/>
+                        <a:t>4.8</a:t>
+                      </a:r>
+                      <a:r>
+                        <a:rPr lang="ko-KR" altLang="en-US" sz="1600"/>
+                        <a:t>회</a:t>
+                      </a:r>
+                      <a:endParaRPr lang="ko-KR" altLang="en-US" sz="1600"/>
+                    </a:p>
+                  </a:txBody>
+                  <a:tcPr marL="91440" marR="91440"/>
+                </a:tc>
+                <a:tc>
+                  <a:txBody>
+                    <a:bodyPr vert="horz" wrap="square" lIns="91440" tIns="45720" rIns="91440" bIns="45720" anchor="t" anchorCtr="0">
+                      <a:spAutoFit/>
+                    </a:bodyPr>
+                    <a:p>
+                      <a:pPr>
+                        <a:defRPr/>
+                      </a:pPr>
+                      <a:r>
+                        <a:rPr lang="en-US" altLang="ko-KR" sz="1600"/>
+                        <a:t>2.8</a:t>
+                      </a:r>
+                      <a:r>
+                        <a:rPr lang="ko-KR" altLang="en-US" sz="1600"/>
+                        <a:t>회</a:t>
+                      </a:r>
+                      <a:endParaRPr lang="ko-KR" altLang="en-US" sz="1600"/>
+                    </a:p>
+                  </a:txBody>
+                  <a:tcPr marL="91440" marR="91440"/>
+                </a:tc>
+                <a:tc>
+                  <a:txBody>
+                    <a:bodyPr vert="horz" wrap="square" lIns="91440" tIns="45720" rIns="91440" bIns="45720" anchor="t" anchorCtr="0">
+                      <a:spAutoFit/>
+                    </a:bodyPr>
+                    <a:p>
+                      <a:pPr>
+                        <a:defRPr/>
+                      </a:pPr>
+                      <a:r>
+                        <a:rPr lang="en-US" altLang="ko-KR" sz="1600"/>
+                        <a:t>4.3</a:t>
+                      </a:r>
+                      <a:r>
+                        <a:rPr lang="ko-KR" altLang="en-US" sz="1600"/>
+                        <a:t>회</a:t>
+                      </a:r>
+                      <a:endParaRPr lang="ko-KR" altLang="en-US" sz="1600"/>
+                    </a:p>
+                  </a:txBody>
+                  <a:tcPr marL="91440" marR="91440"/>
+                </a:tc>
+                <a:tc>
+                  <a:txBody>
+                    <a:bodyPr vert="horz" wrap="square" lIns="91440" tIns="45720" rIns="91440" bIns="45720" anchor="t" anchorCtr="0">
+                      <a:spAutoFit/>
+                    </a:bodyPr>
+                    <a:p>
+                      <a:pPr>
+                        <a:defRPr/>
+                      </a:pPr>
+                      <a:r>
+                        <a:rPr lang="en-US" altLang="ko-KR" sz="1600"/>
+                        <a:t>1.1</a:t>
+                      </a:r>
+                      <a:r>
+                        <a:rPr lang="ko-KR" altLang="en-US" sz="1600"/>
+                        <a:t>회</a:t>
+                      </a:r>
+                      <a:endParaRPr lang="ko-KR" altLang="en-US" sz="1600"/>
+                    </a:p>
+                  </a:txBody>
+                  <a:tcPr marL="91440" marR="91440"/>
+                </a:tc>
+              </a:tr>
+              <a:tr h="352872">
+                <a:tc>
+                  <a:txBody>
+                    <a:bodyPr vert="horz" wrap="square" lIns="91440" tIns="45720" rIns="91440" bIns="45720" anchor="t" anchorCtr="0">
+                      <a:spAutoFit/>
+                    </a:bodyPr>
+                    <a:p>
+                      <a:pPr>
+                        <a:defRPr/>
+                      </a:pPr>
+                      <a:r>
+                        <a:rPr lang="ko-KR" altLang="en-US" sz="1600"/>
+                        <a:t>추정고객소득</a:t>
+                      </a:r>
+                      <a:endParaRPr lang="ko-KR" altLang="en-US" sz="1600"/>
+                    </a:p>
+                  </a:txBody>
+                  <a:tcPr marL="91440" marR="91440"/>
+                </a:tc>
+                <a:tc>
+                  <a:txBody>
+                    <a:bodyPr vert="horz" wrap="square" lIns="91440" tIns="45720" rIns="91440" bIns="45720" anchor="t" anchorCtr="0">
+                      <a:spAutoFit/>
+                    </a:bodyPr>
+                    <a:p>
+                      <a:pPr>
+                        <a:defRPr/>
+                      </a:pPr>
+                      <a:r>
+                        <a:rPr lang="en-US" altLang="ko-KR" sz="1600"/>
+                        <a:t>36,250,000</a:t>
+                      </a:r>
+                      <a:r>
+                        <a:rPr lang="ko-KR" altLang="en-US" sz="1600"/>
+                        <a:t>원</a:t>
+                      </a:r>
+                      <a:endParaRPr lang="ko-KR" altLang="en-US" sz="1600"/>
+                    </a:p>
+                  </a:txBody>
+                  <a:tcPr marL="91440" marR="91440"/>
+                </a:tc>
+                <a:tc>
+                  <a:txBody>
+                    <a:bodyPr vert="horz" wrap="square" lIns="91440" tIns="45720" rIns="91440" bIns="45720" anchor="t" anchorCtr="0">
+                      <a:spAutoFit/>
+                    </a:bodyPr>
+                    <a:p>
+                      <a:pPr>
+                        <a:defRPr/>
+                      </a:pPr>
+                      <a:r>
+                        <a:rPr lang="en-US" altLang="ko-KR" sz="1600"/>
+                        <a:t>25,590,000</a:t>
+                      </a:r>
+                      <a:r>
+                        <a:rPr lang="ko-KR" altLang="en-US" sz="1600"/>
+                        <a:t>원</a:t>
+                      </a:r>
+                      <a:endParaRPr lang="ko-KR" altLang="en-US" sz="1600"/>
+                    </a:p>
+                  </a:txBody>
+                  <a:tcPr marL="91440" marR="91440"/>
+                </a:tc>
+                <a:tc>
+                  <a:txBody>
+                    <a:bodyPr vert="horz" wrap="square" lIns="91440" tIns="45720" rIns="91440" bIns="45720" anchor="t" anchorCtr="0">
+                      <a:spAutoFit/>
+                    </a:bodyPr>
+                    <a:p>
+                      <a:pPr>
+                        <a:defRPr/>
+                      </a:pPr>
+                      <a:r>
+                        <a:rPr lang="en-US" altLang="ko-KR" sz="1600"/>
+                        <a:t>0</a:t>
+                      </a:r>
+                      <a:r>
+                        <a:rPr lang="ko-KR" altLang="en-US" sz="1600"/>
+                        <a:t>원</a:t>
+                      </a:r>
+                      <a:endParaRPr lang="ko-KR" altLang="en-US" sz="1600"/>
+                    </a:p>
+                  </a:txBody>
+                  <a:tcPr marL="91440" marR="91440"/>
+                </a:tc>
+                <a:tc>
+                  <a:txBody>
+                    <a:bodyPr vert="horz" wrap="square" lIns="91440" tIns="45720" rIns="91440" bIns="45720" anchor="t" anchorCtr="0">
+                      <a:spAutoFit/>
+                    </a:bodyPr>
+                    <a:p>
+                      <a:pPr>
+                        <a:defRPr/>
+                      </a:pPr>
+                      <a:r>
+                        <a:rPr lang="en-US" altLang="ko-KR" sz="1600"/>
+                        <a:t>41,150,000</a:t>
+                      </a:r>
+                      <a:r>
+                        <a:rPr lang="ko-KR" altLang="en-US" sz="1600"/>
+                        <a:t>원</a:t>
+                      </a:r>
+                      <a:endParaRPr lang="ko-KR" altLang="en-US" sz="1600"/>
+                    </a:p>
+                  </a:txBody>
+                  <a:tcPr marL="91440" marR="91440"/>
+                </a:tc>
+                <a:tc>
+                  <a:txBody>
+                    <a:bodyPr vert="horz" wrap="square" lIns="91440" tIns="45720" rIns="91440" bIns="45720" anchor="t" anchorCtr="0">
+                      <a:spAutoFit/>
+                    </a:bodyPr>
+                    <a:p>
+                      <a:pPr>
+                        <a:defRPr/>
+                      </a:pPr>
+                      <a:r>
+                        <a:rPr lang="en-US" altLang="ko-KR" sz="1600"/>
+                        <a:t>0</a:t>
+                      </a:r>
+                      <a:r>
+                        <a:rPr lang="ko-KR" altLang="en-US" sz="1600"/>
+                        <a:t>원</a:t>
+                      </a:r>
+                      <a:endParaRPr lang="ko-KR" altLang="en-US" sz="1600"/>
+                    </a:p>
+                  </a:txBody>
+                  <a:tcPr marL="91440" marR="91440"/>
+                </a:tc>
+              </a:tr>
+              <a:tr h="360167">
+                <a:tc>
+                  <a:txBody>
+                    <a:bodyPr vert="horz" wrap="square" lIns="91440" tIns="45720" rIns="91440" bIns="45720" anchor="t" anchorCtr="0">
+                      <a:spAutoFit/>
+                    </a:bodyPr>
+                    <a:p>
+                      <a:pPr>
+                        <a:defRPr/>
+                      </a:pPr>
+                      <a:r>
+                        <a:rPr lang="ko-KR" altLang="en-US" sz="1600"/>
+                        <a:t>청구사유코드</a:t>
+                      </a:r>
+                      <a:endParaRPr lang="ko-KR" altLang="en-US" sz="1600"/>
+                    </a:p>
+                  </a:txBody>
+                  <a:tcPr marL="91440" marR="91440"/>
+                </a:tc>
+                <a:tc>
+                  <a:txBody>
+                    <a:bodyPr vert="horz" wrap="square" lIns="91440" tIns="45720" rIns="91440" bIns="45720" anchor="t" anchorCtr="0">
+                      <a:spAutoFit/>
+                    </a:bodyPr>
+                    <a:p>
+                      <a:pPr>
+                        <a:defRPr/>
+                      </a:pPr>
+                      <a:r>
+                        <a:rPr lang="ko-KR" altLang="en-US" sz="1600"/>
+                        <a:t>진단 </a:t>
+                      </a:r>
+                      <a:r>
+                        <a:rPr lang="en-US" altLang="ko-KR" sz="1600"/>
+                        <a:t>(67.3%)</a:t>
+                      </a:r>
+                      <a:endParaRPr lang="en-US" altLang="ko-KR" sz="1600"/>
+                    </a:p>
+                  </a:txBody>
+                  <a:tcPr marL="91440" marR="91440"/>
+                </a:tc>
+                <a:tc>
+                  <a:txBody>
+                    <a:bodyPr vert="horz" wrap="square" lIns="91440" tIns="45720" rIns="91440" bIns="45720" anchor="t" anchorCtr="0">
+                      <a:spAutoFit/>
+                    </a:bodyPr>
+                    <a:p>
+                      <a:pPr>
+                        <a:defRPr/>
+                      </a:pPr>
+                      <a:r>
+                        <a:rPr lang="ko-KR" altLang="en-US" sz="1600"/>
+                        <a:t>통원 </a:t>
+                      </a:r>
+                      <a:r>
+                        <a:rPr lang="en-US" altLang="ko-KR" sz="1600"/>
+                        <a:t>(100%)</a:t>
+                      </a:r>
+                      <a:endParaRPr lang="en-US" altLang="ko-KR" sz="1600"/>
+                    </a:p>
+                  </a:txBody>
+                  <a:tcPr marL="91440" marR="91440"/>
+                </a:tc>
+                <a:tc>
+                  <a:txBody>
+                    <a:bodyPr vert="horz" wrap="square" lIns="91440" tIns="45720" rIns="91440" bIns="45720" anchor="t" anchorCtr="0">
+                      <a:spAutoFit/>
+                    </a:bodyPr>
+                    <a:p>
+                      <a:pPr>
+                        <a:defRPr/>
+                      </a:pPr>
+                      <a:r>
+                        <a:rPr lang="ko-KR" altLang="en-US" sz="1600"/>
+                        <a:t>통원 </a:t>
+                      </a:r>
+                      <a:r>
+                        <a:rPr lang="en-US" altLang="ko-KR" sz="1600"/>
+                        <a:t>(100%)</a:t>
+                      </a:r>
+                      <a:endParaRPr lang="en-US" altLang="ko-KR" sz="1600"/>
+                    </a:p>
+                  </a:txBody>
+                  <a:tcPr marL="91440" marR="91440"/>
+                </a:tc>
+                <a:tc>
+                  <a:txBody>
+                    <a:bodyPr vert="horz" wrap="square" lIns="91440" tIns="45720" rIns="91440" bIns="45720" anchor="t" anchorCtr="0">
+                      <a:spAutoFit/>
+                    </a:bodyPr>
+                    <a:p>
+                      <a:pPr>
+                        <a:defRPr/>
+                      </a:pPr>
+                      <a:r>
+                        <a:rPr lang="ko-KR" altLang="en-US" sz="1600"/>
+                        <a:t>통원 </a:t>
+                      </a:r>
+                      <a:r>
+                        <a:rPr lang="en-US" altLang="ko-KR" sz="1600"/>
+                        <a:t>(100%)</a:t>
+                      </a:r>
+                      <a:endParaRPr lang="ko-KR" altLang="en-US" sz="1600"/>
+                    </a:p>
+                  </a:txBody>
+                  <a:tcPr marL="91440" marR="91440"/>
+                </a:tc>
+                <a:tc>
+                  <a:txBody>
+                    <a:bodyPr vert="horz" wrap="square" lIns="91440" tIns="45720" rIns="91440" bIns="45720" anchor="t" anchorCtr="0">
+                      <a:spAutoFit/>
+                    </a:bodyPr>
+                    <a:p>
+                      <a:pPr>
+                        <a:defRPr/>
+                      </a:pPr>
+                      <a:r>
+                        <a:rPr lang="ko-KR" altLang="en-US" sz="1600"/>
+                        <a:t>사망 </a:t>
+                      </a:r>
+                      <a:r>
+                        <a:rPr lang="en-US" altLang="ko-KR" sz="1600"/>
+                        <a:t>(100%)</a:t>
+                      </a:r>
+                      <a:endParaRPr lang="en-US" altLang="ko-KR" sz="1600"/>
+                    </a:p>
+                  </a:txBody>
+                  <a:tcPr marL="91440" marR="91440"/>
+                </a:tc>
+              </a:tr>
+              <a:tr h="360167">
+                <a:tc>
+                  <a:txBody>
+                    <a:bodyPr vert="horz" wrap="square" lIns="91440" tIns="45720" rIns="91440" bIns="45720" anchor="t" anchorCtr="0">
+                      <a:spAutoFit/>
+                    </a:bodyPr>
+                    <a:p>
+                      <a:pPr>
+                        <a:defRPr/>
+                      </a:pPr>
+                      <a:r>
+                        <a:rPr lang="ko-KR" altLang="en-US" sz="1600"/>
+                        <a:t>사고구분</a:t>
+                      </a:r>
+                      <a:endParaRPr lang="ko-KR" altLang="en-US" sz="1600"/>
+                    </a:p>
+                  </a:txBody>
+                  <a:tcPr marL="91440" marR="91440"/>
+                </a:tc>
+                <a:tc>
+                  <a:txBody>
+                    <a:bodyPr vert="horz" wrap="square" lIns="91440" tIns="45720" rIns="91440" bIns="45720" anchor="t" anchorCtr="0">
+                      <a:spAutoFit/>
+                    </a:bodyPr>
+                    <a:p>
+                      <a:pPr>
+                        <a:defRPr/>
+                      </a:pPr>
+                      <a:r>
+                        <a:rPr lang="ko-KR" altLang="en-US" sz="1600"/>
+                        <a:t>재해 </a:t>
+                      </a:r>
+                      <a:r>
+                        <a:rPr lang="en-US" altLang="ko-KR" sz="1600"/>
+                        <a:t>(85.9%)</a:t>
+                      </a:r>
+                      <a:endParaRPr lang="en-US" altLang="ko-KR" sz="1600"/>
+                    </a:p>
+                  </a:txBody>
+                  <a:tcPr marL="91440" marR="91440"/>
+                </a:tc>
+                <a:tc>
+                  <a:txBody>
+                    <a:bodyPr vert="horz" wrap="square" lIns="91440" tIns="45720" rIns="91440" bIns="45720" anchor="t" anchorCtr="0">
+                      <a:spAutoFit/>
+                    </a:bodyPr>
+                    <a:p>
+                      <a:pPr>
+                        <a:defRPr/>
+                      </a:pPr>
+                      <a:r>
+                        <a:rPr lang="ko-KR" altLang="en-US" sz="1600"/>
+                        <a:t>질병 </a:t>
+                      </a:r>
+                      <a:r>
+                        <a:rPr lang="en-US" altLang="ko-KR" sz="1600"/>
+                        <a:t>(100%)</a:t>
+                      </a:r>
+                      <a:endParaRPr lang="en-US" altLang="ko-KR" sz="1600"/>
+                    </a:p>
+                  </a:txBody>
+                  <a:tcPr marL="91440" marR="91440"/>
+                </a:tc>
+                <a:tc>
+                  <a:txBody>
+                    <a:bodyPr vert="horz" wrap="square" lIns="91440" tIns="45720" rIns="91440" bIns="45720" anchor="t" anchorCtr="0">
+                      <a:spAutoFit/>
+                    </a:bodyPr>
+                    <a:p>
+                      <a:pPr>
+                        <a:defRPr/>
+                      </a:pPr>
+                      <a:r>
+                        <a:rPr lang="ko-KR" altLang="en-US" sz="1600"/>
+                        <a:t>재해 </a:t>
+                      </a:r>
+                      <a:r>
+                        <a:rPr lang="en-US" altLang="ko-KR" sz="1600"/>
+                        <a:t>(77%)</a:t>
+                      </a:r>
+                      <a:endParaRPr lang="en-US" altLang="ko-KR" sz="1600"/>
+                    </a:p>
+                  </a:txBody>
+                  <a:tcPr marL="91440" marR="91440"/>
+                </a:tc>
+                <a:tc>
+                  <a:txBody>
+                    <a:bodyPr vert="horz" wrap="square" lIns="91440" tIns="45720" rIns="91440" bIns="45720" anchor="t" anchorCtr="0">
+                      <a:spAutoFit/>
+                    </a:bodyPr>
+                    <a:p>
+                      <a:pPr>
+                        <a:defRPr/>
+                      </a:pPr>
+                      <a:r>
+                        <a:rPr lang="ko-KR" altLang="en-US" sz="1600"/>
+                        <a:t>질병 </a:t>
+                      </a:r>
+                      <a:r>
+                        <a:rPr lang="en-US" altLang="ko-KR" sz="1600"/>
+                        <a:t>(100%)</a:t>
+                      </a:r>
+                      <a:endParaRPr lang="en-US" altLang="ko-KR" sz="1600"/>
+                    </a:p>
+                  </a:txBody>
+                  <a:tcPr marL="91440" marR="91440"/>
+                </a:tc>
+                <a:tc>
+                  <a:txBody>
+                    <a:bodyPr vert="horz" wrap="square" lIns="91440" tIns="45720" rIns="91440" bIns="45720" anchor="t" anchorCtr="0">
+                      <a:spAutoFit/>
+                    </a:bodyPr>
+                    <a:p>
+                      <a:pPr>
+                        <a:defRPr/>
+                      </a:pPr>
+                      <a:r>
+                        <a:rPr lang="ko-KR" altLang="en-US" sz="1600"/>
+                        <a:t>질병 </a:t>
+                      </a:r>
+                      <a:r>
+                        <a:rPr lang="en-US" altLang="ko-KR" sz="1600"/>
+                        <a:t>(100%)</a:t>
+                      </a:r>
+                      <a:endParaRPr lang="en-US" altLang="ko-KR" sz="1600"/>
+                    </a:p>
+                  </a:txBody>
+                  <a:tcPr marL="91440" marR="91440"/>
+                </a:tc>
+              </a:tr>
+              <a:tr h="352872">
+                <a:tc>
+                  <a:txBody>
+                    <a:bodyPr vert="horz" wrap="square" lIns="91440" tIns="45720" rIns="91440" bIns="45720" anchor="t" anchorCtr="0">
+                      <a:spAutoFit/>
+                    </a:bodyPr>
+                    <a:p>
+                      <a:pPr>
+                        <a:defRPr/>
+                      </a:pPr>
+                      <a:r>
+                        <a:rPr lang="ko-KR" altLang="en-US" sz="1600"/>
+                        <a:t>성별</a:t>
+                      </a:r>
+                      <a:endParaRPr lang="ko-KR" altLang="en-US" sz="1600"/>
+                    </a:p>
+                  </a:txBody>
+                  <a:tcPr marL="91440" marR="91440"/>
+                </a:tc>
+                <a:tc>
+                  <a:txBody>
+                    <a:bodyPr vert="horz" wrap="square" lIns="91440" tIns="45720" rIns="91440" bIns="45720" anchor="t" anchorCtr="0">
+                      <a:spAutoFit/>
+                    </a:bodyPr>
+                    <a:p>
+                      <a:pPr>
+                        <a:defRPr/>
+                      </a:pPr>
+                      <a:r>
+                        <a:rPr lang="ko-KR" altLang="en-US" sz="1600"/>
+                        <a:t>남성 </a:t>
+                      </a:r>
+                      <a:r>
+                        <a:rPr lang="en-US" altLang="ko-KR" sz="1600"/>
+                        <a:t>(100%)</a:t>
+                      </a:r>
+                      <a:endParaRPr lang="en-US" altLang="ko-KR" sz="1600"/>
+                    </a:p>
+                  </a:txBody>
+                  <a:tcPr marL="91440" marR="91440"/>
+                </a:tc>
+                <a:tc>
+                  <a:txBody>
+                    <a:bodyPr vert="horz" wrap="square" lIns="91440" tIns="45720" rIns="91440" bIns="45720" anchor="t" anchorCtr="0">
+                      <a:spAutoFit/>
+                    </a:bodyPr>
+                    <a:p>
+                      <a:pPr>
+                        <a:defRPr/>
+                      </a:pPr>
+                      <a:r>
+                        <a:rPr lang="ko-KR" altLang="en-US" sz="1600"/>
+                        <a:t>여성 </a:t>
+                      </a:r>
+                      <a:r>
+                        <a:rPr lang="en-US" altLang="ko-KR" sz="1600"/>
+                        <a:t>(100%)</a:t>
+                      </a:r>
+                      <a:endParaRPr lang="en-US" altLang="ko-KR" sz="1600"/>
+                    </a:p>
+                  </a:txBody>
+                  <a:tcPr marL="91440" marR="91440"/>
+                </a:tc>
+                <a:tc>
+                  <a:txBody>
+                    <a:bodyPr vert="horz" wrap="square" lIns="91440" tIns="45720" rIns="91440" bIns="45720" anchor="t" anchorCtr="0">
+                      <a:spAutoFit/>
+                    </a:bodyPr>
+                    <a:p>
+                      <a:pPr>
+                        <a:defRPr/>
+                      </a:pPr>
+                      <a:r>
+                        <a:rPr lang="ko-KR" altLang="en-US" sz="1600"/>
+                        <a:t>여성 </a:t>
+                      </a:r>
+                      <a:r>
+                        <a:rPr lang="en-US" altLang="ko-KR" sz="1600"/>
+                        <a:t>(100%)</a:t>
+                      </a:r>
+                      <a:endParaRPr lang="en-US" altLang="ko-KR" sz="1600"/>
+                    </a:p>
+                  </a:txBody>
+                  <a:tcPr marL="91440" marR="91440"/>
+                </a:tc>
+                <a:tc>
+                  <a:txBody>
+                    <a:bodyPr vert="horz" wrap="square" lIns="91440" tIns="45720" rIns="91440" bIns="45720" anchor="t" anchorCtr="0">
+                      <a:spAutoFit/>
+                    </a:bodyPr>
+                    <a:p>
+                      <a:pPr>
+                        <a:defRPr/>
+                      </a:pPr>
+                      <a:r>
+                        <a:rPr lang="ko-KR" altLang="en-US" sz="1600"/>
+                        <a:t> 남성 </a:t>
+                      </a:r>
+                      <a:r>
+                        <a:rPr lang="en-US" altLang="ko-KR" sz="1600"/>
+                        <a:t>(100%)</a:t>
+                      </a:r>
+                      <a:endParaRPr lang="en-US" altLang="ko-KR" sz="1600"/>
+                    </a:p>
+                  </a:txBody>
+                  <a:tcPr marL="91440" marR="91440"/>
+                </a:tc>
+                <a:tc>
+                  <a:txBody>
+                    <a:bodyPr vert="horz" wrap="square" lIns="91440" tIns="45720" rIns="91440" bIns="45720" anchor="t" anchorCtr="0">
+                      <a:spAutoFit/>
+                    </a:bodyPr>
+                    <a:p>
+                      <a:pPr>
+                        <a:defRPr/>
+                      </a:pPr>
+                      <a:r>
+                        <a:rPr lang="ko-KR" altLang="en-US" sz="1600"/>
+                        <a:t> 남성 </a:t>
+                      </a:r>
+                      <a:r>
+                        <a:rPr lang="en-US" altLang="ko-KR" sz="1600"/>
+                        <a:t>(100%)</a:t>
+                      </a:r>
+                      <a:endParaRPr lang="en-US" altLang="ko-KR" sz="1600"/>
+                    </a:p>
+                  </a:txBody>
+                  <a:tcPr marL="91440" marR="91440"/>
+                </a:tc>
+              </a:tr>
+            </a:tbl>
+          </a:graphicData>
+        </a:graphic>
+      </p:graphicFrame>
+    </p:spTree>
+  </p:cSld>
+  <p:clrMapOvr>
+    <a:masterClrMapping/>
+  </p:clrMapOvr>
+  <mc:AlternateContent xmlns:mc="http://schemas.openxmlformats.org/markup-compatibility/2006">
+    <mc:Choice xmlns:p14="http://schemas.microsoft.com/office/powerpoint/2010/main" Requires="p14">
+      <p:transition xmlns:mc="http://schemas.openxmlformats.org/markup-compatibility/2006" xmlns:p14="http://schemas.microsoft.com/office/powerpoint/2010/main" mc:Ignorable="p14" p14:dur="500"/>
+    </mc:Choice>
+    <mc:Fallback>
+      <p:transition/>
+    </mc:Fallback>
+  </mc:AlternateContent>
+</p:sld>
+</file>
+
+<file path=ppt/slides/slide5.xml><?xml version="1.0" encoding="utf-8"?>
+<p:sld xmlns:r="http://schemas.openxmlformats.org/officeDocument/2006/relationships" xmlns:c="http://schemas.openxmlformats.org/drawingml/2006/chart" xmlns:a="http://schemas.openxmlformats.org/drawingml/2006/main" xmlns:dgm="http://schemas.openxmlformats.org/drawingml/2006/diagram" xmlns:dsp="http://schemas.microsoft.com/office/drawing/2008/diagram" xmlns:p="http://schemas.openxmlformats.org/presentationml/2006/main">
+  <p:cSld>
+    <p:spTree>
+      <p:nvGrpSpPr>
+        <p:cNvPr id="1" name=""/>
+        <p:cNvGrpSpPr/>
+        <p:nvPr/>
+      </p:nvGrpSpPr>
+      <p:grpSpPr>
+        <a:xfrm>
+          <a:off x="0" y="0"/>
+          <a:ext cx="0" cy="0"/>
+          <a:chOff x="0" y="0"/>
+          <a:chExt cx="0" cy="0"/>
+        </a:xfrm>
+      </p:grpSpPr>
+      <p:graphicFrame>
+        <p:nvGraphicFramePr>
+          <p:cNvPr id="9" name="표 9"/>
+          <p:cNvGraphicFramePr>
+            <a:graphicFrameLocks noGrp="1"/>
+          </p:cNvGraphicFramePr>
+          <p:nvPr/>
+        </p:nvGraphicFramePr>
+        <p:xfrm>
+          <a:off x="341947" y="185258"/>
+          <a:ext cx="11508105" cy="6487482"/>
+        </p:xfrm>
+        <a:graphic>
+          <a:graphicData uri="http://schemas.openxmlformats.org/drawingml/2006/table">
+            <a:tbl>
+              <a:tblPr firstRow="1" bandRow="1">
+                <a:tableStyleId>{5FD0F851-EC5A-4D38-B0AD-8093EC10F338}</a:tableStyleId>
+              </a:tblPr>
+              <a:tblGrid>
+                <a:gridCol w="11508105"/>
+              </a:tblGrid>
+              <a:tr h="357788">
+                <a:tc>
+                  <a:txBody>
+                    <a:bodyPr vert="horz" lIns="91440" tIns="45720" rIns="91440" bIns="45720" anchor="t" anchorCtr="0"/>
+                    <a:p>
+                      <a:pPr lvl="0">
+                        <a:defRPr/>
+                      </a:pPr>
+                      <a:r>
+                        <a:rPr lang="en-US" altLang="ko-KR" b="1"/>
+                        <a:t>extra.</a:t>
+                      </a:r>
+                      <a:r>
+                        <a:rPr lang="ko-KR" altLang="en-US" b="1"/>
+                        <a:t> 각 군집 특성 확인</a:t>
+                      </a:r>
+                      <a:endParaRPr lang="ko-KR" altLang="en-US"/>
+                    </a:p>
+                  </a:txBody>
+                  <a:tcPr marL="91440" marR="91440"/>
+                </a:tc>
+              </a:tr>
+              <a:tr h="6119817">
+                <a:tc>
+                  <a:txBody>
+                    <a:bodyPr vert="horz" lIns="91440" tIns="45720" rIns="91440" bIns="45720" anchor="t" anchorCtr="0"/>
+                    <a:p>
+                      <a:pPr lvl="0">
+                        <a:defRPr/>
+                      </a:pPr>
+                      <a:r>
+                        <a:rPr lang="ko-KR" altLang="en-US" sz="1400" b="1"/>
+                        <a:t>보험사기자가 </a:t>
+                      </a:r>
+                      <a:r>
+                        <a:rPr lang="en-US" altLang="ko-KR" sz="1400" b="1"/>
+                        <a:t>5%</a:t>
+                      </a:r>
+                      <a:r>
+                        <a:rPr lang="ko-KR" altLang="en-US" sz="1400" b="1"/>
+                        <a:t> 미만인 군집 </a:t>
+                      </a:r>
+                      <a:r>
+                        <a:rPr lang="en-US" altLang="ko-KR" sz="1400" b="1"/>
+                        <a:t>10</a:t>
+                      </a:r>
+                      <a:r>
+                        <a:rPr lang="ko-KR" altLang="en-US" sz="1400" b="1"/>
+                        <a:t>개</a:t>
+                      </a:r>
+                      <a:endParaRPr lang="ko-KR" altLang="en-US" sz="1400" b="1"/>
+                    </a:p>
+                    <a:p>
+                      <a:pPr lvl="0">
+                        <a:defRPr/>
+                      </a:pPr>
+                      <a:endParaRPr lang="ko-KR" altLang="en-US" sz="1400" b="1"/>
+                    </a:p>
+                    <a:p>
+                      <a:pPr lvl="0">
+                        <a:defRPr/>
+                      </a:pPr>
+                      <a:endParaRPr lang="ko-KR" altLang="en-US" sz="1400" b="1"/>
+                    </a:p>
+                    <a:p>
+                      <a:pPr lvl="0">
+                        <a:defRPr/>
+                      </a:pPr>
+                      <a:endParaRPr lang="ko-KR" altLang="en-US" sz="1400" b="1"/>
+                    </a:p>
+                    <a:p>
+                      <a:pPr lvl="0">
+                        <a:defRPr/>
+                      </a:pPr>
+                      <a:endParaRPr lang="ko-KR" altLang="en-US" sz="1400" b="1"/>
+                    </a:p>
+                    <a:p>
+                      <a:pPr lvl="0">
+                        <a:defRPr/>
+                      </a:pPr>
+                      <a:endParaRPr lang="ko-KR" altLang="en-US" sz="1400" b="1"/>
+                    </a:p>
+                    <a:p>
+                      <a:pPr lvl="0">
+                        <a:defRPr/>
+                      </a:pPr>
+                      <a:endParaRPr lang="ko-KR" altLang="en-US" sz="1400" b="1"/>
+                    </a:p>
+                    <a:p>
+                      <a:pPr lvl="0">
+                        <a:defRPr/>
+                      </a:pPr>
+                      <a:endParaRPr lang="ko-KR" altLang="en-US" sz="1400" b="1"/>
+                    </a:p>
+                    <a:p>
+                      <a:pPr lvl="0">
+                        <a:defRPr/>
+                      </a:pPr>
+                      <a:endParaRPr lang="ko-KR" altLang="en-US" sz="1400" b="1"/>
+                    </a:p>
+                    <a:p>
+                      <a:pPr lvl="0">
+                        <a:defRPr/>
+                      </a:pPr>
+                      <a:endParaRPr lang="ko-KR" altLang="en-US" sz="1400" b="1"/>
+                    </a:p>
+                    <a:p>
+                      <a:pPr lvl="0">
+                        <a:defRPr/>
+                      </a:pPr>
+                      <a:endParaRPr lang="ko-KR" altLang="en-US" sz="1400" b="1"/>
+                    </a:p>
+                    <a:p>
+                      <a:pPr lvl="0">
+                        <a:defRPr/>
+                      </a:pPr>
+                      <a:endParaRPr lang="ko-KR" altLang="en-US" sz="1400" b="1"/>
+                    </a:p>
+                    <a:p>
+                      <a:pPr lvl="0">
+                        <a:defRPr/>
+                      </a:pPr>
+                      <a:endParaRPr lang="ko-KR" altLang="en-US" sz="1400" b="1"/>
+                    </a:p>
+                    <a:p>
+                      <a:pPr lvl="0">
+                        <a:defRPr/>
+                      </a:pPr>
+                      <a:endParaRPr lang="ko-KR" altLang="en-US" sz="1400" b="1"/>
+                    </a:p>
+                    <a:p>
+                      <a:pPr lvl="0">
+                        <a:defRPr/>
+                      </a:pPr>
+                      <a:endParaRPr lang="ko-KR" altLang="en-US" sz="1400" b="1"/>
+                    </a:p>
+                    <a:p>
+                      <a:pPr lvl="0">
+                        <a:defRPr/>
+                      </a:pPr>
+                      <a:endParaRPr lang="ko-KR" altLang="en-US" sz="1400" b="1"/>
+                    </a:p>
+                    <a:p>
+                      <a:pPr lvl="0">
+                        <a:defRPr/>
+                      </a:pPr>
+                      <a:endParaRPr lang="ko-KR" altLang="en-US" sz="1400" b="1"/>
+                    </a:p>
+                    <a:p>
+                      <a:pPr lvl="0">
+                        <a:defRPr/>
+                      </a:pPr>
+                      <a:endParaRPr lang="ko-KR" altLang="en-US" sz="1400" b="1"/>
+                    </a:p>
+                    <a:p>
+                      <a:pPr lvl="0">
+                        <a:defRPr/>
+                      </a:pPr>
+                      <a:endParaRPr lang="ko-KR" altLang="en-US" sz="1400" b="1"/>
+                    </a:p>
+                    <a:p>
+                      <a:pPr lvl="0">
+                        <a:defRPr/>
+                      </a:pPr>
+                      <a:endParaRPr lang="ko-KR" altLang="en-US" sz="1400" b="1"/>
+                    </a:p>
+                    <a:p>
+                      <a:pPr lvl="0">
+                        <a:defRPr/>
+                      </a:pPr>
+                      <a:endParaRPr lang="ko-KR" altLang="en-US" sz="1400" b="1"/>
+                    </a:p>
+                    <a:p>
+                      <a:pPr lvl="0">
+                        <a:defRPr/>
+                      </a:pPr>
+                      <a:endParaRPr lang="ko-KR" altLang="en-US" sz="1400" b="1"/>
+                    </a:p>
+                    <a:p>
+                      <a:pPr lvl="0">
+                        <a:defRPr/>
+                      </a:pPr>
+                      <a:endParaRPr lang="ko-KR" altLang="en-US" sz="1400" b="1"/>
+                    </a:p>
+                    <a:p>
+                      <a:pPr lvl="0">
+                        <a:defRPr/>
+                      </a:pPr>
+                      <a:endParaRPr lang="ko-KR" altLang="en-US" sz="1400" b="1"/>
+                    </a:p>
+                    <a:p>
+                      <a:pPr lvl="0">
+                        <a:defRPr/>
+                      </a:pPr>
+                      <a:endParaRPr lang="ko-KR" altLang="en-US" sz="1400" b="1"/>
+                    </a:p>
+                    <a:p>
+                      <a:pPr lvl="0">
+                        <a:defRPr/>
+                      </a:pPr>
+                      <a:endParaRPr lang="ko-KR" altLang="en-US" sz="1400" b="1"/>
+                    </a:p>
+                    <a:p>
+                      <a:pPr lvl="0">
+                        <a:defRPr/>
+                      </a:pPr>
+                      <a:endParaRPr lang="ko-KR" altLang="en-US" sz="1400" b="1"/>
+                    </a:p>
+                    <a:p>
+                      <a:pPr lvl="0">
+                        <a:defRPr/>
+                      </a:pPr>
+                      <a:r>
+                        <a:rPr lang="en-US" altLang="ko-KR" sz="1200" b="1"/>
+                        <a:t>*</a:t>
+                      </a:r>
+                      <a:r>
+                        <a:rPr lang="ko-KR" altLang="en-US" sz="1200" b="1"/>
+                        <a:t> 소득이나 보험료같은 금액은 중위값</a:t>
+                      </a:r>
+                      <a:r>
+                        <a:rPr lang="en-US" altLang="ko-KR" sz="1200" b="1"/>
+                        <a:t>,</a:t>
+                      </a:r>
+                      <a:r>
+                        <a:rPr lang="ko-KR" altLang="en-US" sz="1200" b="1"/>
+                        <a:t> 나머지는 평균값 적용</a:t>
+                      </a:r>
+                      <a:r>
+                        <a:rPr lang="en-US" altLang="ko-KR" sz="1200" b="1"/>
+                        <a:t>.</a:t>
+                      </a:r>
+                      <a:endParaRPr lang="ko-KR" altLang="en-US" sz="1200" b="1"/>
+                    </a:p>
+                  </a:txBody>
+                  <a:tcPr marL="91440" marR="91440"/>
+                </a:tc>
+              </a:tr>
+            </a:tbl>
+          </a:graphicData>
+        </a:graphic>
+      </p:graphicFrame>
+      <p:graphicFrame>
+        <p:nvGraphicFramePr>
+          <p:cNvPr id="12" name=""/>
+          <p:cNvGraphicFramePr>
+            <a:graphicFrameLocks noGrp="1"/>
+          </p:cNvGraphicFramePr>
+          <p:nvPr/>
+        </p:nvGraphicFramePr>
+        <p:xfrm>
+          <a:off x="458095" y="845698"/>
+          <a:ext cx="8945880" cy="5344954"/>
+        </p:xfrm>
+        <a:graphic>
+          <a:graphicData uri="http://schemas.openxmlformats.org/drawingml/2006/table">
+            <a:tbl>
+              <a:tblPr firstRow="1" bandRow="1">
+                <a:tableStyleId>{F8D88D6A-5F01-457D-8EC9-7B5F63248C40}</a:tableStyleId>
+              </a:tblPr>
+              <a:tblGrid>
+                <a:gridCol w="1764030"/>
+                <a:gridCol w="1478280"/>
+                <a:gridCol w="1430655"/>
+                <a:gridCol w="1383030"/>
+                <a:gridCol w="1478280"/>
+                <a:gridCol w="1411605"/>
+              </a:tblGrid>
+              <a:tr h="332174">
+                <a:tc>
+                  <a:txBody>
+                    <a:bodyPr vert="horz" wrap="square" lIns="91440" tIns="45720" rIns="91440" bIns="45720" anchor="t" anchorCtr="0">
+                      <a:spAutoFit/>
+                    </a:bodyPr>
+                    <a:p>
+                      <a:pPr>
+                        <a:defRPr/>
+                      </a:pPr>
+                      <a:endParaRPr lang="ko-KR" altLang="en-US" sz="1600"/>
+                    </a:p>
+                  </a:txBody>
+                  <a:tcPr marL="91440" marR="91440"/>
+                </a:tc>
+                <a:tc>
+                  <a:txBody>
+                    <a:bodyPr vert="horz" wrap="square" lIns="91440" tIns="45720" rIns="91440" bIns="45720" anchor="t" anchorCtr="0">
+                      <a:spAutoFit/>
+                    </a:bodyPr>
+                    <a:p>
+                      <a:pPr>
+                        <a:defRPr/>
+                      </a:pPr>
+                      <a:r>
+                        <a:rPr lang="en-US" altLang="ko-KR" sz="1600"/>
+                        <a:t>5</a:t>
+                      </a:r>
+                      <a:endParaRPr lang="en-US" altLang="ko-KR" sz="1600"/>
+                    </a:p>
+                  </a:txBody>
+                  <a:tcPr marL="91440" marR="91440"/>
+                </a:tc>
+                <a:tc>
+                  <a:txBody>
+                    <a:bodyPr vert="horz" wrap="square" lIns="91440" tIns="45720" rIns="91440" bIns="45720" anchor="t" anchorCtr="0">
+                      <a:spAutoFit/>
+                    </a:bodyPr>
+                    <a:p>
+                      <a:pPr>
+                        <a:defRPr/>
+                      </a:pPr>
+                      <a:r>
+                        <a:rPr lang="en-US" altLang="ko-KR" sz="1600"/>
+                        <a:t>6</a:t>
+                      </a:r>
+                      <a:endParaRPr lang="en-US" altLang="ko-KR" sz="1600"/>
+                    </a:p>
+                  </a:txBody>
+                  <a:tcPr marL="91440" marR="91440"/>
+                </a:tc>
+                <a:tc>
+                  <a:txBody>
+                    <a:bodyPr vert="horz" wrap="square" lIns="91440" tIns="45720" rIns="91440" bIns="45720" anchor="t" anchorCtr="0">
+                      <a:spAutoFit/>
+                    </a:bodyPr>
+                    <a:p>
+                      <a:pPr>
+                        <a:defRPr/>
+                      </a:pPr>
+                      <a:r>
+                        <a:rPr lang="en-US" altLang="ko-KR" sz="1600"/>
+                        <a:t>7</a:t>
+                      </a:r>
+                      <a:endParaRPr lang="en-US" altLang="ko-KR" sz="1600"/>
+                    </a:p>
+                  </a:txBody>
+                  <a:tcPr marL="91440" marR="91440"/>
+                </a:tc>
+                <a:tc>
+                  <a:txBody>
+                    <a:bodyPr vert="horz" wrap="square" lIns="91440" tIns="45720" rIns="91440" bIns="45720" anchor="t" anchorCtr="0">
+                      <a:spAutoFit/>
+                    </a:bodyPr>
+                    <a:p>
+                      <a:pPr>
+                        <a:defRPr/>
+                      </a:pPr>
+                      <a:r>
+                        <a:rPr lang="en-US" altLang="ko-KR" sz="1600"/>
+                        <a:t>8</a:t>
+                      </a:r>
+                      <a:endParaRPr lang="en-US" altLang="ko-KR" sz="1600"/>
+                    </a:p>
+                  </a:txBody>
+                  <a:tcPr marL="91440" marR="91440"/>
+                </a:tc>
+                <a:tc>
+                  <a:txBody>
+                    <a:bodyPr vert="horz" wrap="square" lIns="91440" tIns="45720" rIns="91440" bIns="45720" anchor="t" anchorCtr="0">
+                      <a:spAutoFit/>
+                    </a:bodyPr>
+                    <a:p>
+                      <a:pPr>
+                        <a:defRPr/>
+                      </a:pPr>
+                      <a:r>
+                        <a:rPr lang="en-US" altLang="ko-KR" sz="1600"/>
+                        <a:t>9</a:t>
+                      </a:r>
+                      <a:endParaRPr lang="en-US" altLang="ko-KR" sz="1600"/>
+                    </a:p>
+                  </a:txBody>
+                  <a:tcPr marL="91440" marR="91440"/>
+                </a:tc>
+              </a:tr>
+              <a:tr h="360167">
+                <a:tc>
+                  <a:txBody>
+                    <a:bodyPr vert="horz" wrap="square" lIns="91440" tIns="45720" rIns="91440" bIns="45720" anchor="t" anchorCtr="0">
+                      <a:spAutoFit/>
+                    </a:bodyPr>
+                    <a:p>
+                      <a:pPr>
+                        <a:defRPr/>
+                      </a:pPr>
+                      <a:r>
+                        <a:rPr lang="ko-KR" altLang="en-US" sz="1600"/>
+                        <a:t>인원</a:t>
+                      </a:r>
+                      <a:endParaRPr lang="ko-KR" altLang="en-US" sz="1600"/>
+                    </a:p>
+                  </a:txBody>
+                  <a:tcPr marL="91440" marR="91440"/>
+                </a:tc>
+                <a:tc>
+                  <a:txBody>
+                    <a:bodyPr vert="horz" wrap="square" lIns="91440" tIns="45720" rIns="91440" bIns="45720" anchor="t" anchorCtr="0">
+                      <a:spAutoFit/>
+                    </a:bodyPr>
+                    <a:p>
+                      <a:pPr>
+                        <a:defRPr/>
+                      </a:pPr>
+                      <a:r>
+                        <a:rPr lang="en-US" altLang="ko-KR" sz="1600"/>
+                        <a:t>24</a:t>
+                      </a:r>
+                      <a:r>
+                        <a:rPr lang="ko-KR" altLang="en-US" sz="1600"/>
+                        <a:t>명</a:t>
+                      </a:r>
+                      <a:endParaRPr lang="ko-KR" altLang="en-US" sz="1600"/>
+                    </a:p>
+                  </a:txBody>
+                  <a:tcPr marL="91440" marR="91440"/>
+                </a:tc>
+                <a:tc>
+                  <a:txBody>
+                    <a:bodyPr vert="horz" wrap="square" lIns="91440" tIns="45720" rIns="91440" bIns="45720" anchor="t" anchorCtr="0">
+                      <a:spAutoFit/>
+                    </a:bodyPr>
+                    <a:p>
+                      <a:pPr>
+                        <a:defRPr/>
+                      </a:pPr>
+                      <a:r>
+                        <a:rPr lang="en-US" altLang="ko-KR" sz="1600"/>
+                        <a:t>108</a:t>
+                      </a:r>
+                      <a:r>
+                        <a:rPr lang="ko-KR" altLang="en-US" sz="1600"/>
+                        <a:t>명</a:t>
+                      </a:r>
+                      <a:endParaRPr lang="ko-KR" altLang="en-US" sz="1600"/>
+                    </a:p>
+                  </a:txBody>
+                  <a:tcPr marL="91440" marR="91440"/>
+                </a:tc>
+                <a:tc>
+                  <a:txBody>
+                    <a:bodyPr vert="horz" wrap="square" lIns="91440" tIns="45720" rIns="91440" bIns="45720" anchor="t" anchorCtr="0">
+                      <a:spAutoFit/>
+                    </a:bodyPr>
+                    <a:p>
+                      <a:pPr>
+                        <a:defRPr/>
+                      </a:pPr>
+                      <a:r>
+                        <a:rPr lang="en-US" altLang="ko-KR" sz="1600"/>
+                        <a:t>321</a:t>
+                      </a:r>
+                      <a:r>
+                        <a:rPr lang="ko-KR" altLang="en-US" sz="1600"/>
+                        <a:t>명</a:t>
+                      </a:r>
+                      <a:endParaRPr lang="ko-KR" altLang="en-US" sz="1600"/>
+                    </a:p>
+                  </a:txBody>
+                  <a:tcPr marL="91440" marR="91440"/>
+                </a:tc>
+                <a:tc>
+                  <a:txBody>
+                    <a:bodyPr vert="horz" wrap="square" lIns="91440" tIns="45720" rIns="91440" bIns="45720" anchor="t" anchorCtr="0">
+                      <a:spAutoFit/>
+                    </a:bodyPr>
+                    <a:p>
+                      <a:pPr>
+                        <a:defRPr/>
+                      </a:pPr>
+                      <a:r>
+                        <a:rPr lang="en-US" altLang="ko-KR" sz="1600"/>
+                        <a:t>62</a:t>
+                      </a:r>
+                      <a:r>
+                        <a:rPr lang="ko-KR" altLang="en-US" sz="1600"/>
+                        <a:t>명</a:t>
+                      </a:r>
+                      <a:endParaRPr lang="ko-KR" altLang="en-US" sz="1600"/>
+                    </a:p>
+                  </a:txBody>
+                  <a:tcPr marL="91440" marR="91440"/>
+                </a:tc>
+                <a:tc>
+                  <a:txBody>
+                    <a:bodyPr vert="horz" wrap="square" lIns="91440" tIns="45720" rIns="91440" bIns="45720" anchor="t" anchorCtr="0">
+                      <a:spAutoFit/>
+                    </a:bodyPr>
+                    <a:p>
+                      <a:pPr>
+                        <a:defRPr/>
+                      </a:pPr>
+                      <a:r>
+                        <a:rPr lang="en-US" altLang="ko-KR" sz="1600"/>
+                        <a:t>788</a:t>
+                      </a:r>
+                      <a:r>
+                        <a:rPr lang="ko-KR" altLang="en-US" sz="1600"/>
+                        <a:t>명</a:t>
+                      </a:r>
+                      <a:endParaRPr lang="ko-KR" altLang="en-US" sz="1600"/>
+                    </a:p>
+                  </a:txBody>
+                  <a:tcPr marL="91440" marR="91440"/>
+                </a:tc>
+              </a:tr>
+              <a:tr h="360167">
+                <a:tc>
+                  <a:txBody>
+                    <a:bodyPr vert="horz" wrap="square" lIns="91440" tIns="45720" rIns="91440" bIns="45720" anchor="t" anchorCtr="0">
+                      <a:spAutoFit/>
+                    </a:bodyPr>
+                    <a:p>
+                      <a:pPr>
+                        <a:defRPr/>
+                      </a:pPr>
+                      <a:r>
+                        <a:rPr lang="ko-KR" altLang="en-US" sz="1600"/>
+                        <a:t>보험사기자 비율</a:t>
+                      </a:r>
+                      <a:endParaRPr lang="ko-KR" altLang="en-US" sz="1600"/>
+                    </a:p>
+                  </a:txBody>
+                  <a:tcPr marL="91440" marR="91440"/>
+                </a:tc>
+                <a:tc>
+                  <a:txBody>
+                    <a:bodyPr vert="horz" wrap="square" lIns="91440" tIns="45720" rIns="91440" bIns="45720" anchor="t" anchorCtr="0">
+                      <a:spAutoFit/>
+                    </a:bodyPr>
+                    <a:p>
+                      <a:pPr>
+                        <a:defRPr/>
+                      </a:pPr>
+                      <a:r>
+                        <a:rPr lang="en-US" altLang="ko-KR" sz="1600"/>
+                        <a:t>0%</a:t>
+                      </a:r>
+                      <a:endParaRPr lang="en-US" altLang="ko-KR" sz="1600"/>
+                    </a:p>
+                  </a:txBody>
+                  <a:tcPr marL="91440" marR="91440"/>
+                </a:tc>
+                <a:tc>
+                  <a:txBody>
+                    <a:bodyPr vert="horz" wrap="square" lIns="91440" tIns="45720" rIns="91440" bIns="45720" anchor="t" anchorCtr="0">
+                      <a:spAutoFit/>
+                    </a:bodyPr>
+                    <a:p>
+                      <a:pPr>
+                        <a:defRPr/>
+                      </a:pPr>
+                      <a:r>
+                        <a:rPr lang="en-US" altLang="ko-KR" sz="1600"/>
+                        <a:t>3.7%</a:t>
+                      </a:r>
+                      <a:endParaRPr lang="en-US" altLang="ko-KR" sz="1600"/>
+                    </a:p>
+                  </a:txBody>
+                  <a:tcPr marL="91440" marR="91440"/>
+                </a:tc>
+                <a:tc>
+                  <a:txBody>
+                    <a:bodyPr vert="horz" wrap="square" lIns="91440" tIns="45720" rIns="91440" bIns="45720" anchor="t" anchorCtr="0">
+                      <a:spAutoFit/>
+                    </a:bodyPr>
+                    <a:p>
+                      <a:pPr>
+                        <a:defRPr/>
+                      </a:pPr>
+                      <a:r>
+                        <a:rPr lang="en-US" altLang="ko-KR" sz="1600"/>
+                        <a:t>4.3%</a:t>
+                      </a:r>
+                      <a:endParaRPr lang="en-US" altLang="ko-KR" sz="1600"/>
+                    </a:p>
+                  </a:txBody>
+                  <a:tcPr marL="91440" marR="91440"/>
+                </a:tc>
+                <a:tc>
+                  <a:txBody>
+                    <a:bodyPr vert="horz" wrap="square" lIns="91440" tIns="45720" rIns="91440" bIns="45720" anchor="t" anchorCtr="0">
+                      <a:spAutoFit/>
+                    </a:bodyPr>
+                    <a:p>
+                      <a:pPr>
+                        <a:defRPr/>
+                      </a:pPr>
+                      <a:r>
+                        <a:rPr lang="en-US" altLang="ko-KR" sz="1600"/>
+                        <a:t>1.6%</a:t>
+                      </a:r>
+                      <a:endParaRPr lang="en-US" altLang="ko-KR" sz="1600"/>
+                    </a:p>
+                  </a:txBody>
+                  <a:tcPr marL="91440" marR="91440"/>
+                </a:tc>
+                <a:tc>
+                  <a:txBody>
+                    <a:bodyPr vert="horz" wrap="square" lIns="91440" tIns="45720" rIns="91440" bIns="45720" anchor="t" anchorCtr="0">
+                      <a:spAutoFit/>
+                    </a:bodyPr>
+                    <a:p>
+                      <a:pPr>
+                        <a:defRPr/>
+                      </a:pPr>
+                      <a:r>
+                        <a:rPr lang="en-US" altLang="ko-KR" sz="1600"/>
+                        <a:t>2.5%</a:t>
+                      </a:r>
+                      <a:endParaRPr lang="en-US" altLang="ko-KR" sz="1600"/>
+                    </a:p>
+                  </a:txBody>
+                  <a:tcPr marL="91440" marR="91440"/>
+                </a:tc>
+              </a:tr>
+              <a:tr h="360167">
+                <a:tc>
+                  <a:txBody>
+                    <a:bodyPr vert="horz" wrap="square" lIns="91440" tIns="45720" rIns="91440" bIns="45720" anchor="t" anchorCtr="0">
+                      <a:spAutoFit/>
+                    </a:bodyPr>
+                    <a:p>
+                      <a:pPr>
+                        <a:defRPr/>
+                      </a:pPr>
+                      <a:r>
+                        <a:rPr lang="ko-KR" altLang="en-US" sz="1600"/>
+                        <a:t>자녀수</a:t>
+                      </a:r>
+                      <a:endParaRPr lang="ko-KR" altLang="en-US" sz="1600"/>
+                    </a:p>
+                  </a:txBody>
+                  <a:tcPr marL="91440" marR="91440"/>
+                </a:tc>
+                <a:tc>
+                  <a:txBody>
+                    <a:bodyPr vert="horz" wrap="square" lIns="91440" tIns="45720" rIns="91440" bIns="45720" anchor="t" anchorCtr="0">
+                      <a:spAutoFit/>
+                    </a:bodyPr>
+                    <a:p>
+                      <a:pPr>
+                        <a:defRPr/>
+                      </a:pPr>
+                      <a:r>
+                        <a:rPr lang="en-US" altLang="ko-KR" sz="1600"/>
+                        <a:t>0.1</a:t>
+                      </a:r>
+                      <a:r>
+                        <a:rPr lang="ko-KR" altLang="en-US" sz="1600"/>
+                        <a:t>명</a:t>
+                      </a:r>
+                      <a:endParaRPr lang="ko-KR" altLang="en-US" sz="1600"/>
+                    </a:p>
+                  </a:txBody>
+                  <a:tcPr marL="91440" marR="91440"/>
+                </a:tc>
+                <a:tc>
+                  <a:txBody>
+                    <a:bodyPr vert="horz" wrap="square" lIns="91440" tIns="45720" rIns="91440" bIns="45720" anchor="t" anchorCtr="0">
+                      <a:spAutoFit/>
+                    </a:bodyPr>
+                    <a:p>
+                      <a:pPr>
+                        <a:defRPr/>
+                      </a:pPr>
+                      <a:r>
+                        <a:rPr lang="en-US" altLang="ko-KR" sz="1600"/>
+                        <a:t>0.56</a:t>
+                      </a:r>
+                      <a:r>
+                        <a:rPr lang="ko-KR" altLang="en-US" sz="1600"/>
+                        <a:t>명</a:t>
+                      </a:r>
+                      <a:endParaRPr lang="ko-KR" altLang="en-US" sz="1600"/>
+                    </a:p>
+                  </a:txBody>
+                  <a:tcPr marL="91440" marR="91440"/>
+                </a:tc>
+                <a:tc>
+                  <a:txBody>
+                    <a:bodyPr vert="horz" wrap="square" lIns="91440" tIns="45720" rIns="91440" bIns="45720" anchor="t" anchorCtr="0">
+                      <a:spAutoFit/>
+                    </a:bodyPr>
+                    <a:p>
+                      <a:pPr>
+                        <a:defRPr/>
+                      </a:pPr>
+                      <a:r>
+                        <a:rPr lang="en-US" altLang="ko-KR" sz="1600"/>
+                        <a:t>0</a:t>
+                      </a:r>
+                      <a:r>
+                        <a:rPr lang="ko-KR" altLang="en-US" sz="1600"/>
+                        <a:t>명</a:t>
+                      </a:r>
+                      <a:endParaRPr lang="ko-KR" altLang="en-US" sz="1600"/>
+                    </a:p>
+                  </a:txBody>
+                  <a:tcPr marL="91440" marR="91440"/>
+                </a:tc>
+                <a:tc>
+                  <a:txBody>
+                    <a:bodyPr vert="horz" wrap="square" lIns="91440" tIns="45720" rIns="91440" bIns="45720" anchor="t" anchorCtr="0">
+                      <a:spAutoFit/>
+                    </a:bodyPr>
+                    <a:p>
+                      <a:pPr>
+                        <a:defRPr/>
+                      </a:pPr>
+                      <a:r>
+                        <a:rPr lang="en-US" altLang="ko-KR" sz="1600"/>
+                        <a:t>0.1</a:t>
+                      </a:r>
+                      <a:r>
+                        <a:rPr lang="ko-KR" altLang="en-US" sz="1600"/>
+                        <a:t>명</a:t>
+                      </a:r>
+                      <a:endParaRPr lang="ko-KR" altLang="en-US" sz="1600"/>
+                    </a:p>
+                  </a:txBody>
+                  <a:tcPr marL="91440" marR="91440"/>
+                </a:tc>
+                <a:tc>
+                  <a:txBody>
+                    <a:bodyPr vert="horz" wrap="square" lIns="91440" tIns="45720" rIns="91440" bIns="45720" anchor="t" anchorCtr="0">
+                      <a:spAutoFit/>
+                    </a:bodyPr>
+                    <a:p>
+                      <a:pPr>
+                        <a:defRPr/>
+                      </a:pPr>
+                      <a:r>
+                        <a:rPr lang="en-US" altLang="ko-KR" sz="1600"/>
+                        <a:t>0.6</a:t>
+                      </a:r>
+                      <a:r>
+                        <a:rPr lang="ko-KR" altLang="en-US" sz="1600"/>
+                        <a:t>명</a:t>
+                      </a:r>
+                      <a:endParaRPr lang="ko-KR" altLang="en-US" sz="1600"/>
+                    </a:p>
+                  </a:txBody>
+                  <a:tcPr marL="91440" marR="91440"/>
+                </a:tc>
+              </a:tr>
+              <a:tr h="352872">
+                <a:tc>
+                  <a:txBody>
+                    <a:bodyPr vert="horz" wrap="square" lIns="91440" tIns="45720" rIns="91440" bIns="45720" anchor="t" anchorCtr="0">
+                      <a:spAutoFit/>
+                    </a:bodyPr>
+                    <a:p>
+                      <a:pPr>
+                        <a:defRPr/>
+                      </a:pPr>
+                      <a:r>
+                        <a:rPr lang="ko-KR" altLang="en-US" sz="1600"/>
+                        <a:t>합계보험료</a:t>
+                      </a:r>
+                      <a:endParaRPr lang="ko-KR" altLang="en-US" sz="1600"/>
+                    </a:p>
+                  </a:txBody>
+                  <a:tcPr marL="91440" marR="91440"/>
+                </a:tc>
+                <a:tc>
+                  <a:txBody>
+                    <a:bodyPr vert="horz" wrap="square" lIns="91440" tIns="45720" rIns="91440" bIns="45720" anchor="t" anchorCtr="0">
+                      <a:spAutoFit/>
+                    </a:bodyPr>
+                    <a:p>
+                      <a:pPr>
+                        <a:defRPr/>
+                      </a:pPr>
+                      <a:r>
+                        <a:rPr lang="en-US" altLang="ko-KR" sz="1600"/>
+                        <a:t>62,000</a:t>
+                      </a:r>
+                      <a:r>
+                        <a:rPr lang="ko-KR" altLang="en-US" sz="1600"/>
+                        <a:t>원</a:t>
+                      </a:r>
+                      <a:endParaRPr lang="ko-KR" altLang="en-US" sz="1600"/>
+                    </a:p>
+                  </a:txBody>
+                  <a:tcPr marL="91440" marR="91440"/>
+                </a:tc>
+                <a:tc>
+                  <a:txBody>
+                    <a:bodyPr vert="horz" wrap="square" lIns="91440" tIns="45720" rIns="91440" bIns="45720" anchor="t" anchorCtr="0">
+                      <a:spAutoFit/>
+                    </a:bodyPr>
+                    <a:p>
+                      <a:pPr>
+                        <a:defRPr/>
+                      </a:pPr>
+                      <a:r>
+                        <a:rPr lang="en-US" altLang="ko-KR" sz="1600"/>
+                        <a:t>94,000</a:t>
+                      </a:r>
+                      <a:r>
+                        <a:rPr lang="ko-KR" altLang="en-US" sz="1600"/>
+                        <a:t>원</a:t>
+                      </a:r>
+                      <a:endParaRPr lang="ko-KR" altLang="en-US" sz="1600"/>
+                    </a:p>
+                  </a:txBody>
+                  <a:tcPr marL="91440" marR="91440"/>
+                </a:tc>
+                <a:tc>
+                  <a:txBody>
+                    <a:bodyPr vert="horz" wrap="square" lIns="91440" tIns="45720" rIns="91440" bIns="45720" anchor="t" anchorCtr="0">
+                      <a:spAutoFit/>
+                    </a:bodyPr>
+                    <a:p>
+                      <a:pPr>
+                        <a:defRPr/>
+                      </a:pPr>
+                      <a:r>
+                        <a:rPr lang="en-US" altLang="ko-KR" sz="1600"/>
+                        <a:t>86,000</a:t>
+                      </a:r>
+                      <a:r>
+                        <a:rPr lang="ko-KR" altLang="en-US" sz="1600"/>
+                        <a:t>원</a:t>
+                      </a:r>
+                      <a:endParaRPr lang="ko-KR" altLang="en-US" sz="1600"/>
+                    </a:p>
+                  </a:txBody>
+                  <a:tcPr marL="91440" marR="91440"/>
+                </a:tc>
+                <a:tc>
+                  <a:txBody>
+                    <a:bodyPr vert="horz" wrap="square" lIns="91440" tIns="45720" rIns="91440" bIns="45720" anchor="t" anchorCtr="0">
+                      <a:spAutoFit/>
+                    </a:bodyPr>
+                    <a:p>
+                      <a:pPr>
+                        <a:defRPr/>
+                      </a:pPr>
+                      <a:r>
+                        <a:rPr lang="en-US" altLang="ko-KR" sz="1600"/>
+                        <a:t>76,000</a:t>
+                      </a:r>
+                      <a:r>
+                        <a:rPr lang="ko-KR" altLang="en-US" sz="1600"/>
+                        <a:t>원</a:t>
+                      </a:r>
+                      <a:endParaRPr lang="ko-KR" altLang="en-US" sz="1600"/>
+                    </a:p>
+                  </a:txBody>
+                  <a:tcPr marL="91440" marR="91440"/>
+                </a:tc>
+                <a:tc>
+                  <a:txBody>
+                    <a:bodyPr vert="horz" wrap="square" lIns="91440" tIns="45720" rIns="91440" bIns="45720" anchor="t" anchorCtr="0">
+                      <a:spAutoFit/>
+                    </a:bodyPr>
+                    <a:p>
+                      <a:pPr>
+                        <a:defRPr/>
+                      </a:pPr>
+                      <a:r>
+                        <a:rPr lang="en-US" altLang="ko-KR" sz="1600"/>
+                        <a:t>79,000</a:t>
+                      </a:r>
+                      <a:r>
+                        <a:rPr lang="ko-KR" altLang="en-US" sz="1600"/>
+                        <a:t>원</a:t>
+                      </a:r>
+                      <a:endParaRPr lang="ko-KR" altLang="en-US" sz="1600"/>
+                    </a:p>
+                  </a:txBody>
+                  <a:tcPr marL="91440" marR="91440"/>
+                </a:tc>
+              </a:tr>
+              <a:tr h="360167">
+                <a:tc>
+                  <a:txBody>
+                    <a:bodyPr vert="horz" wrap="square" lIns="91440" tIns="45720" rIns="91440" bIns="45720" anchor="t" anchorCtr="0">
+                      <a:spAutoFit/>
+                    </a:bodyPr>
+                    <a:p>
+                      <a:pPr>
+                        <a:defRPr/>
+                      </a:pPr>
+                      <a:r>
+                        <a:rPr lang="ko-KR" altLang="en-US" sz="1600"/>
+                        <a:t>납입총보험료</a:t>
+                      </a:r>
+                      <a:endParaRPr lang="ko-KR" altLang="en-US" sz="1600"/>
+                    </a:p>
+                  </a:txBody>
+                  <a:tcPr marL="91440" marR="91440"/>
+                </a:tc>
+                <a:tc>
+                  <a:txBody>
+                    <a:bodyPr vert="horz" wrap="square" lIns="91440" tIns="45720" rIns="91440" bIns="45720" anchor="t" anchorCtr="0">
+                      <a:spAutoFit/>
+                    </a:bodyPr>
+                    <a:p>
+                      <a:pPr>
+                        <a:defRPr/>
+                      </a:pPr>
+                      <a:r>
+                        <a:rPr lang="en-US" altLang="ko-KR" sz="1600"/>
+                        <a:t>10,600,000</a:t>
+                      </a:r>
+                      <a:r>
+                        <a:rPr lang="ko-KR" altLang="en-US" sz="1600"/>
+                        <a:t>원</a:t>
+                      </a:r>
+                      <a:endParaRPr lang="ko-KR" altLang="en-US" sz="1600"/>
+                    </a:p>
+                  </a:txBody>
+                  <a:tcPr marL="91440" marR="91440"/>
+                </a:tc>
+                <a:tc>
+                  <a:txBody>
+                    <a:bodyPr vert="horz" wrap="square" lIns="91440" tIns="45720" rIns="91440" bIns="45720" anchor="t" anchorCtr="0">
+                      <a:spAutoFit/>
+                    </a:bodyPr>
+                    <a:p>
+                      <a:pPr>
+                        <a:defRPr/>
+                      </a:pPr>
+                      <a:r>
+                        <a:rPr lang="en-US" altLang="ko-KR" sz="1600"/>
+                        <a:t>12,200,000</a:t>
+                      </a:r>
+                      <a:r>
+                        <a:rPr lang="ko-KR" altLang="en-US" sz="1600"/>
+                        <a:t>원</a:t>
+                      </a:r>
+                      <a:endParaRPr lang="ko-KR" altLang="en-US" sz="1600"/>
+                    </a:p>
+                  </a:txBody>
+                  <a:tcPr marL="91440" marR="91440"/>
+                </a:tc>
+                <a:tc>
+                  <a:txBody>
+                    <a:bodyPr vert="horz" wrap="square" lIns="91440" tIns="45720" rIns="91440" bIns="45720" anchor="t" anchorCtr="0">
+                      <a:spAutoFit/>
+                    </a:bodyPr>
+                    <a:p>
+                      <a:pPr>
+                        <a:defRPr/>
+                      </a:pPr>
+                      <a:r>
+                        <a:rPr lang="en-US" altLang="ko-KR" sz="1600"/>
+                        <a:t>13,800,000</a:t>
+                      </a:r>
+                      <a:r>
+                        <a:rPr lang="ko-KR" altLang="en-US" sz="1600"/>
+                        <a:t>원</a:t>
+                      </a:r>
+                      <a:endParaRPr lang="ko-KR" altLang="en-US" sz="1600"/>
+                    </a:p>
+                  </a:txBody>
+                  <a:tcPr marL="91440" marR="91440"/>
+                </a:tc>
+                <a:tc>
+                  <a:txBody>
+                    <a:bodyPr vert="horz" wrap="square" lIns="91440" tIns="45720" rIns="91440" bIns="45720" anchor="t" anchorCtr="0">
+                      <a:spAutoFit/>
+                    </a:bodyPr>
+                    <a:p>
+                      <a:pPr>
+                        <a:defRPr/>
+                      </a:pPr>
+                      <a:r>
+                        <a:rPr lang="en-US" altLang="ko-KR" sz="1600"/>
+                        <a:t>10,600,000</a:t>
+                      </a:r>
+                      <a:r>
+                        <a:rPr lang="ko-KR" altLang="en-US" sz="1600"/>
+                        <a:t>원</a:t>
+                      </a:r>
+                      <a:endParaRPr lang="ko-KR" altLang="en-US" sz="1600"/>
+                    </a:p>
+                  </a:txBody>
+                  <a:tcPr marL="91440" marR="91440"/>
+                </a:tc>
+                <a:tc>
+                  <a:txBody>
+                    <a:bodyPr vert="horz" wrap="square" lIns="91440" tIns="45720" rIns="91440" bIns="45720" anchor="t" anchorCtr="0">
+                      <a:spAutoFit/>
+                    </a:bodyPr>
+                    <a:p>
+                      <a:pPr>
+                        <a:defRPr/>
+                      </a:pPr>
+                      <a:r>
+                        <a:rPr lang="en-US" altLang="ko-KR" sz="1600"/>
+                        <a:t>11,800,000</a:t>
+                      </a:r>
+                      <a:r>
+                        <a:rPr lang="ko-KR" altLang="en-US" sz="1600"/>
+                        <a:t>원</a:t>
+                      </a:r>
+                      <a:endParaRPr lang="ko-KR" altLang="en-US" sz="1600"/>
+                    </a:p>
+                  </a:txBody>
+                  <a:tcPr marL="91440" marR="91440"/>
+                </a:tc>
+              </a:tr>
+              <a:tr h="360167">
+                <a:tc>
+                  <a:txBody>
+                    <a:bodyPr vert="horz" wrap="square" lIns="91440" tIns="45720" rIns="91440" bIns="45720" anchor="t" anchorCtr="0">
+                      <a:spAutoFit/>
+                    </a:bodyPr>
+                    <a:p>
+                      <a:pPr>
+                        <a:defRPr/>
+                      </a:pPr>
+                      <a:r>
+                        <a:rPr lang="ko-KR" altLang="en-US" sz="1600"/>
+                        <a:t>병원거리</a:t>
+                      </a:r>
+                      <a:endParaRPr lang="ko-KR" altLang="en-US" sz="1600"/>
+                    </a:p>
+                  </a:txBody>
+                  <a:tcPr marL="91440" marR="91440"/>
+                </a:tc>
+                <a:tc>
+                  <a:txBody>
+                    <a:bodyPr vert="horz" wrap="square" lIns="91440" tIns="45720" rIns="91440" bIns="45720" anchor="t" anchorCtr="0">
+                      <a:spAutoFit/>
+                    </a:bodyPr>
+                    <a:p>
+                      <a:pPr>
+                        <a:defRPr/>
+                      </a:pPr>
+                      <a:r>
+                        <a:rPr lang="en-US" altLang="ko-KR" sz="1600"/>
+                        <a:t>31.4km</a:t>
+                      </a:r>
+                      <a:endParaRPr lang="en-US" altLang="ko-KR" sz="1600"/>
+                    </a:p>
+                  </a:txBody>
+                  <a:tcPr marL="91440" marR="91440"/>
+                </a:tc>
+                <a:tc>
+                  <a:txBody>
+                    <a:bodyPr vert="horz" wrap="square" lIns="91440" tIns="45720" rIns="91440" bIns="45720" anchor="t" anchorCtr="0">
+                      <a:spAutoFit/>
+                    </a:bodyPr>
+                    <a:p>
+                      <a:pPr>
+                        <a:defRPr/>
+                      </a:pPr>
+                      <a:r>
+                        <a:rPr lang="en-US" altLang="ko-KR" sz="1600"/>
+                        <a:t>28.5km</a:t>
+                      </a:r>
+                      <a:endParaRPr lang="en-US" altLang="ko-KR" sz="1600"/>
+                    </a:p>
+                  </a:txBody>
+                  <a:tcPr marL="91440" marR="91440"/>
+                </a:tc>
+                <a:tc>
+                  <a:txBody>
+                    <a:bodyPr vert="horz" wrap="square" lIns="91440" tIns="45720" rIns="91440" bIns="45720" anchor="t" anchorCtr="0">
+                      <a:spAutoFit/>
+                    </a:bodyPr>
+                    <a:p>
+                      <a:pPr>
+                        <a:defRPr/>
+                      </a:pPr>
+                      <a:r>
+                        <a:rPr lang="en-US" altLang="ko-KR" sz="1600"/>
+                        <a:t>12.4km</a:t>
+                      </a:r>
+                      <a:endParaRPr lang="en-US" altLang="ko-KR" sz="1600"/>
+                    </a:p>
+                  </a:txBody>
+                  <a:tcPr marL="91440" marR="91440"/>
+                </a:tc>
+                <a:tc>
+                  <a:txBody>
+                    <a:bodyPr vert="horz" wrap="square" lIns="91440" tIns="45720" rIns="91440" bIns="45720" anchor="t" anchorCtr="0">
+                      <a:spAutoFit/>
+                    </a:bodyPr>
+                    <a:p>
+                      <a:pPr>
+                        <a:defRPr/>
+                      </a:pPr>
+                      <a:r>
+                        <a:rPr lang="en-US" altLang="ko-KR" sz="1600"/>
+                        <a:t>244km</a:t>
+                      </a:r>
+                      <a:endParaRPr lang="en-US" altLang="ko-KR" sz="1600"/>
+                    </a:p>
+                  </a:txBody>
+                  <a:tcPr marL="91440" marR="91440"/>
+                </a:tc>
+                <a:tc>
+                  <a:txBody>
+                    <a:bodyPr vert="horz" wrap="square" lIns="91440" tIns="45720" rIns="91440" bIns="45720" anchor="t" anchorCtr="0">
+                      <a:spAutoFit/>
+                    </a:bodyPr>
+                    <a:p>
+                      <a:pPr>
+                        <a:defRPr/>
+                      </a:pPr>
+                      <a:r>
+                        <a:rPr lang="en-US" altLang="ko-KR" sz="1600"/>
+                        <a:t>14.9km</a:t>
+                      </a:r>
+                      <a:endParaRPr lang="en-US" altLang="ko-KR" sz="1600"/>
+                    </a:p>
+                  </a:txBody>
+                  <a:tcPr marL="91440" marR="91440"/>
+                </a:tc>
+              </a:tr>
+              <a:tr h="352872">
+                <a:tc>
+                  <a:txBody>
+                    <a:bodyPr vert="horz" wrap="square" lIns="91440" tIns="45720" rIns="91440" bIns="45720" anchor="t" anchorCtr="0">
+                      <a:spAutoFit/>
+                    </a:bodyPr>
+                    <a:p>
+                      <a:pPr>
+                        <a:defRPr/>
+                      </a:pPr>
+                      <a:r>
+                        <a:rPr lang="ko-KR" altLang="en-US" sz="1600"/>
+                        <a:t>추정가구소득</a:t>
+                      </a:r>
+                      <a:endParaRPr lang="ko-KR" altLang="en-US" sz="1600"/>
+                    </a:p>
+                  </a:txBody>
+                  <a:tcPr marL="91440" marR="91440"/>
+                </a:tc>
+                <a:tc>
+                  <a:txBody>
+                    <a:bodyPr vert="horz" wrap="square" lIns="91440" tIns="45720" rIns="91440" bIns="45720" anchor="t" anchorCtr="0">
+                      <a:spAutoFit/>
+                    </a:bodyPr>
+                    <a:p>
+                      <a:pPr>
+                        <a:defRPr/>
+                      </a:pPr>
+                      <a:r>
+                        <a:rPr lang="en-US" altLang="ko-KR" sz="1600"/>
+                        <a:t>54,190,000</a:t>
+                      </a:r>
+                      <a:r>
+                        <a:rPr lang="ko-KR" altLang="en-US" sz="1600"/>
+                        <a:t>원</a:t>
+                      </a:r>
+                      <a:endParaRPr lang="ko-KR" altLang="en-US" sz="1600"/>
+                    </a:p>
+                  </a:txBody>
+                  <a:tcPr marL="91440" marR="91440"/>
+                </a:tc>
+                <a:tc>
+                  <a:txBody>
+                    <a:bodyPr vert="horz" wrap="square" lIns="91440" tIns="45720" rIns="91440" bIns="45720" anchor="t" anchorCtr="0">
+                      <a:spAutoFit/>
+                    </a:bodyPr>
+                    <a:p>
+                      <a:pPr>
+                        <a:defRPr/>
+                      </a:pPr>
+                      <a:r>
+                        <a:rPr lang="en-US" altLang="ko-KR" sz="1600"/>
+                        <a:t>41,700,000</a:t>
+                      </a:r>
+                      <a:r>
+                        <a:rPr lang="ko-KR" altLang="en-US" sz="1600"/>
+                        <a:t>원</a:t>
+                      </a:r>
+                      <a:endParaRPr lang="ko-KR" altLang="en-US" sz="1600"/>
+                    </a:p>
+                  </a:txBody>
+                  <a:tcPr marL="91440" marR="91440"/>
+                </a:tc>
+                <a:tc>
+                  <a:txBody>
+                    <a:bodyPr vert="horz" wrap="square" lIns="91440" tIns="45720" rIns="91440" bIns="45720" anchor="t" anchorCtr="0">
+                      <a:spAutoFit/>
+                    </a:bodyPr>
+                    <a:p>
+                      <a:pPr>
+                        <a:defRPr/>
+                      </a:pPr>
+                      <a:r>
+                        <a:rPr lang="en-US" altLang="ko-KR" sz="1600"/>
+                        <a:t>54,540,000</a:t>
+                      </a:r>
+                      <a:r>
+                        <a:rPr lang="ko-KR" altLang="en-US" sz="1600"/>
+                        <a:t>원</a:t>
+                      </a:r>
+                      <a:endParaRPr lang="ko-KR" altLang="en-US" sz="1600"/>
+                    </a:p>
+                  </a:txBody>
+                  <a:tcPr marL="91440" marR="91440"/>
+                </a:tc>
+                <a:tc>
+                  <a:txBody>
+                    <a:bodyPr vert="horz" wrap="square" lIns="91440" tIns="45720" rIns="91440" bIns="45720" anchor="t" anchorCtr="0">
+                      <a:spAutoFit/>
+                    </a:bodyPr>
+                    <a:p>
+                      <a:pPr>
+                        <a:defRPr/>
+                      </a:pPr>
+                      <a:r>
+                        <a:rPr lang="en-US" altLang="ko-KR" sz="1600"/>
+                        <a:t>42,400,000</a:t>
+                      </a:r>
+                      <a:r>
+                        <a:rPr lang="ko-KR" altLang="en-US" sz="1600"/>
+                        <a:t>원</a:t>
+                      </a:r>
+                      <a:endParaRPr lang="ko-KR" altLang="en-US" sz="1600"/>
+                    </a:p>
+                  </a:txBody>
+                  <a:tcPr marL="91440" marR="91440"/>
+                </a:tc>
+                <a:tc>
+                  <a:txBody>
+                    <a:bodyPr vert="horz" wrap="square" lIns="91440" tIns="45720" rIns="91440" bIns="45720" anchor="t" anchorCtr="0">
+                      <a:spAutoFit/>
+                    </a:bodyPr>
+                    <a:p>
+                      <a:pPr>
+                        <a:defRPr/>
+                      </a:pPr>
+                      <a:r>
+                        <a:rPr lang="en-US" altLang="ko-KR" sz="1600"/>
+                        <a:t>46,720,000</a:t>
+                      </a:r>
+                      <a:r>
+                        <a:rPr lang="ko-KR" altLang="en-US" sz="1600"/>
+                        <a:t>원</a:t>
+                      </a:r>
+                      <a:endParaRPr lang="ko-KR" altLang="en-US" sz="1600"/>
+                    </a:p>
+                  </a:txBody>
+                  <a:tcPr marL="91440" marR="91440"/>
+                </a:tc>
+              </a:tr>
+              <a:tr h="352872">
+                <a:tc>
+                  <a:txBody>
+                    <a:bodyPr vert="horz" wrap="square" lIns="91440" tIns="45720" rIns="91440" bIns="45720" anchor="t" anchorCtr="0">
+                      <a:spAutoFit/>
+                    </a:bodyPr>
+                    <a:p>
+                      <a:pPr>
+                        <a:defRPr/>
+                      </a:pPr>
+                      <a:r>
+                        <a:rPr lang="ko-KR" altLang="en-US" sz="1600"/>
+                        <a:t>나이</a:t>
+                      </a:r>
+                      <a:endParaRPr lang="ko-KR" altLang="en-US" sz="1600"/>
+                    </a:p>
+                  </a:txBody>
+                  <a:tcPr marL="91440" marR="91440"/>
+                </a:tc>
+                <a:tc>
+                  <a:txBody>
+                    <a:bodyPr vert="horz" wrap="square" lIns="91440" tIns="45720" rIns="91440" bIns="45720" anchor="t" anchorCtr="0">
+                      <a:spAutoFit/>
+                    </a:bodyPr>
+                    <a:p>
+                      <a:pPr>
+                        <a:defRPr/>
+                      </a:pPr>
+                      <a:r>
+                        <a:rPr lang="en-US" altLang="ko-KR" sz="1600"/>
+                        <a:t>27</a:t>
+                      </a:r>
+                      <a:r>
+                        <a:rPr lang="ko-KR" altLang="en-US" sz="1600"/>
+                        <a:t>세</a:t>
+                      </a:r>
+                      <a:endParaRPr lang="ko-KR" altLang="en-US" sz="1600"/>
+                    </a:p>
+                  </a:txBody>
+                  <a:tcPr marL="91440" marR="91440"/>
+                </a:tc>
+                <a:tc>
+                  <a:txBody>
+                    <a:bodyPr vert="horz" wrap="square" lIns="91440" tIns="45720" rIns="91440" bIns="45720" anchor="t" anchorCtr="0">
+                      <a:spAutoFit/>
+                    </a:bodyPr>
+                    <a:p>
+                      <a:pPr>
+                        <a:defRPr/>
+                      </a:pPr>
+                      <a:r>
+                        <a:rPr lang="en-US" altLang="ko-KR" sz="1600"/>
+                        <a:t>45.1</a:t>
+                      </a:r>
+                      <a:r>
+                        <a:rPr lang="ko-KR" altLang="en-US" sz="1600"/>
+                        <a:t>세</a:t>
+                      </a:r>
+                      <a:endParaRPr lang="ko-KR" altLang="en-US" sz="1600"/>
+                    </a:p>
+                  </a:txBody>
+                  <a:tcPr marL="91440" marR="91440"/>
+                </a:tc>
+                <a:tc>
+                  <a:txBody>
+                    <a:bodyPr vert="horz" wrap="square" lIns="91440" tIns="45720" rIns="91440" bIns="45720" anchor="t" anchorCtr="0">
+                      <a:spAutoFit/>
+                    </a:bodyPr>
+                    <a:p>
+                      <a:pPr>
+                        <a:defRPr/>
+                      </a:pPr>
+                      <a:r>
+                        <a:rPr lang="en-US" altLang="ko-KR" sz="1600"/>
+                        <a:t>36</a:t>
+                      </a:r>
+                      <a:r>
+                        <a:rPr lang="ko-KR" altLang="en-US" sz="1600"/>
+                        <a:t>세</a:t>
+                      </a:r>
+                      <a:endParaRPr lang="ko-KR" altLang="en-US" sz="1600"/>
+                    </a:p>
+                  </a:txBody>
+                  <a:tcPr marL="91440" marR="91440"/>
+                </a:tc>
+                <a:tc>
+                  <a:txBody>
+                    <a:bodyPr vert="horz" wrap="square" lIns="91440" tIns="45720" rIns="91440" bIns="45720" anchor="t" anchorCtr="0">
+                      <a:spAutoFit/>
+                    </a:bodyPr>
+                    <a:p>
+                      <a:pPr>
+                        <a:defRPr/>
+                      </a:pPr>
+                      <a:r>
+                        <a:rPr lang="en-US" altLang="ko-KR" sz="1600"/>
+                        <a:t>34</a:t>
+                      </a:r>
+                      <a:r>
+                        <a:rPr lang="ko-KR" altLang="en-US" sz="1600"/>
+                        <a:t>세</a:t>
+                      </a:r>
+                      <a:endParaRPr lang="ko-KR" altLang="en-US" sz="1600"/>
+                    </a:p>
+                  </a:txBody>
+                  <a:tcPr marL="91440" marR="91440"/>
+                </a:tc>
+                <a:tc>
+                  <a:txBody>
+                    <a:bodyPr vert="horz" wrap="square" lIns="91440" tIns="45720" rIns="91440" bIns="45720" anchor="t" anchorCtr="0">
+                      <a:spAutoFit/>
+                    </a:bodyPr>
+                    <a:p>
+                      <a:pPr>
+                        <a:defRPr/>
+                      </a:pPr>
+                      <a:r>
+                        <a:rPr lang="en-US" altLang="ko-KR" sz="1600"/>
+                        <a:t>43.3</a:t>
+                      </a:r>
+                      <a:r>
+                        <a:rPr lang="ko-KR" altLang="en-US" sz="1600"/>
+                        <a:t>세</a:t>
+                      </a:r>
+                      <a:endParaRPr lang="ko-KR" altLang="en-US" sz="1600"/>
+                    </a:p>
+                  </a:txBody>
+                  <a:tcPr marL="91440" marR="91440"/>
+                </a:tc>
+              </a:tr>
+              <a:tr h="360167">
+                <a:tc>
+                  <a:txBody>
+                    <a:bodyPr vert="horz" wrap="square" lIns="91440" tIns="45720" rIns="91440" bIns="45720" anchor="t" anchorCtr="0">
+                      <a:spAutoFit/>
+                    </a:bodyPr>
+                    <a:p>
+                      <a:pPr>
+                        <a:defRPr/>
+                      </a:pPr>
+                      <a:r>
+                        <a:rPr lang="ko-KR" altLang="en-US" sz="1600"/>
+                        <a:t>고객등록년월</a:t>
+                      </a:r>
+                      <a:endParaRPr lang="ko-KR" altLang="en-US" sz="1600"/>
+                    </a:p>
+                  </a:txBody>
+                  <a:tcPr marL="91440" marR="91440"/>
+                </a:tc>
+                <a:tc>
+                  <a:txBody>
+                    <a:bodyPr vert="horz" wrap="square" lIns="91440" tIns="45720" rIns="91440" bIns="45720" anchor="t" anchorCtr="0">
+                      <a:spAutoFit/>
+                    </a:bodyPr>
+                    <a:p>
+                      <a:pPr>
+                        <a:defRPr/>
+                      </a:pPr>
+                      <a:r>
+                        <a:rPr lang="en-US" altLang="ko-KR" sz="1600"/>
+                        <a:t>3552</a:t>
+                      </a:r>
+                      <a:r>
+                        <a:rPr lang="ko-KR" altLang="en-US" sz="1600"/>
+                        <a:t>일</a:t>
+                      </a:r>
+                      <a:endParaRPr lang="ko-KR" altLang="en-US" sz="1600"/>
+                    </a:p>
+                  </a:txBody>
+                  <a:tcPr marL="91440" marR="91440"/>
+                </a:tc>
+                <a:tc>
+                  <a:txBody>
+                    <a:bodyPr vert="horz" wrap="square" lIns="91440" tIns="45720" rIns="91440" bIns="45720" anchor="t" anchorCtr="0">
+                      <a:spAutoFit/>
+                    </a:bodyPr>
+                    <a:p>
+                      <a:pPr>
+                        <a:defRPr/>
+                      </a:pPr>
+                      <a:r>
+                        <a:rPr lang="en-US" altLang="ko-KR" sz="1600"/>
+                        <a:t>4417</a:t>
+                      </a:r>
+                      <a:r>
+                        <a:rPr lang="ko-KR" altLang="en-US" sz="1600"/>
+                        <a:t>일</a:t>
+                      </a:r>
+                      <a:endParaRPr lang="ko-KR" altLang="en-US" sz="1600"/>
+                    </a:p>
+                  </a:txBody>
+                  <a:tcPr marL="91440" marR="91440"/>
+                </a:tc>
+                <a:tc>
+                  <a:txBody>
+                    <a:bodyPr vert="horz" wrap="square" lIns="91440" tIns="45720" rIns="91440" bIns="45720" anchor="t" anchorCtr="0">
+                      <a:spAutoFit/>
+                    </a:bodyPr>
+                    <a:p>
+                      <a:pPr>
+                        <a:defRPr/>
+                      </a:pPr>
+                      <a:r>
+                        <a:rPr lang="en-US" altLang="ko-KR" sz="1600"/>
+                        <a:t>4504</a:t>
+                      </a:r>
+                      <a:r>
+                        <a:rPr lang="ko-KR" altLang="en-US" sz="1600"/>
+                        <a:t>일</a:t>
+                      </a:r>
+                      <a:endParaRPr lang="ko-KR" altLang="en-US" sz="1600"/>
+                    </a:p>
+                  </a:txBody>
+                  <a:tcPr marL="91440" marR="91440"/>
+                </a:tc>
+                <a:tc>
+                  <a:txBody>
+                    <a:bodyPr vert="horz" wrap="square" lIns="91440" tIns="45720" rIns="91440" bIns="45720" anchor="t" anchorCtr="0">
+                      <a:spAutoFit/>
+                    </a:bodyPr>
+                    <a:p>
+                      <a:pPr>
+                        <a:defRPr/>
+                      </a:pPr>
+                      <a:r>
+                        <a:rPr lang="en-US" altLang="ko-KR" sz="1600"/>
+                        <a:t>4519</a:t>
+                      </a:r>
+                      <a:r>
+                        <a:rPr lang="ko-KR" altLang="en-US" sz="1600"/>
+                        <a:t>일</a:t>
+                      </a:r>
+                      <a:endParaRPr lang="ko-KR" altLang="en-US" sz="1600"/>
+                    </a:p>
+                  </a:txBody>
+                  <a:tcPr marL="91440" marR="91440"/>
+                </a:tc>
+                <a:tc>
+                  <a:txBody>
+                    <a:bodyPr vert="horz" wrap="square" lIns="91440" tIns="45720" rIns="91440" bIns="45720" anchor="t" anchorCtr="0">
+                      <a:spAutoFit/>
+                    </a:bodyPr>
+                    <a:p>
+                      <a:pPr>
+                        <a:defRPr/>
+                      </a:pPr>
+                      <a:r>
+                        <a:rPr lang="en-US" altLang="ko-KR" sz="1600"/>
+                        <a:t>4718</a:t>
+                      </a:r>
+                      <a:r>
+                        <a:rPr lang="ko-KR" altLang="en-US" sz="1600"/>
+                        <a:t>일</a:t>
+                      </a:r>
+                      <a:endParaRPr lang="ko-KR" altLang="en-US" sz="1600"/>
+                    </a:p>
+                  </a:txBody>
+                  <a:tcPr marL="91440" marR="91440"/>
+                </a:tc>
+              </a:tr>
+              <a:tr h="360167">
+                <a:tc>
+                  <a:txBody>
+                    <a:bodyPr vert="horz" wrap="square" lIns="91440" tIns="45720" rIns="91440" bIns="45720" anchor="t" anchorCtr="0">
+                      <a:spAutoFit/>
+                    </a:bodyPr>
+                    <a:p>
+                      <a:pPr>
+                        <a:defRPr/>
+                      </a:pPr>
+                      <a:r>
+                        <a:rPr lang="ko-KR" altLang="en-US" sz="1600"/>
+                        <a:t>청구횟수</a:t>
+                      </a:r>
+                      <a:endParaRPr lang="ko-KR" altLang="en-US" sz="1600"/>
+                    </a:p>
+                  </a:txBody>
+                  <a:tcPr marL="91440" marR="91440"/>
+                </a:tc>
+                <a:tc>
+                  <a:txBody>
+                    <a:bodyPr vert="horz" wrap="square" lIns="91440" tIns="45720" rIns="91440" bIns="45720" anchor="t" anchorCtr="0">
+                      <a:spAutoFit/>
+                    </a:bodyPr>
+                    <a:p>
+                      <a:pPr>
+                        <a:defRPr/>
+                      </a:pPr>
+                      <a:r>
+                        <a:rPr lang="en-US" altLang="ko-KR" sz="1600"/>
+                        <a:t>8.8</a:t>
+                      </a:r>
+                      <a:r>
+                        <a:rPr lang="ko-KR" altLang="en-US" sz="1600"/>
+                        <a:t>회</a:t>
+                      </a:r>
+                      <a:endParaRPr lang="ko-KR" altLang="en-US" sz="1600"/>
+                    </a:p>
+                  </a:txBody>
+                  <a:tcPr marL="91440" marR="91440"/>
+                </a:tc>
+                <a:tc>
+                  <a:txBody>
+                    <a:bodyPr vert="horz" wrap="square" lIns="91440" tIns="45720" rIns="91440" bIns="45720" anchor="t" anchorCtr="0">
+                      <a:spAutoFit/>
+                    </a:bodyPr>
+                    <a:p>
+                      <a:pPr>
+                        <a:defRPr/>
+                      </a:pPr>
+                      <a:r>
+                        <a:rPr lang="en-US" altLang="ko-KR" sz="1600"/>
+                        <a:t>3.1</a:t>
+                      </a:r>
+                      <a:r>
+                        <a:rPr lang="ko-KR" altLang="en-US" sz="1600"/>
+                        <a:t>회</a:t>
+                      </a:r>
+                      <a:endParaRPr lang="ko-KR" altLang="en-US" sz="1600"/>
+                    </a:p>
+                  </a:txBody>
+                  <a:tcPr marL="91440" marR="91440"/>
+                </a:tc>
+                <a:tc>
+                  <a:txBody>
+                    <a:bodyPr vert="horz" wrap="square" lIns="91440" tIns="45720" rIns="91440" bIns="45720" anchor="t" anchorCtr="0">
+                      <a:spAutoFit/>
+                    </a:bodyPr>
+                    <a:p>
+                      <a:pPr>
+                        <a:defRPr/>
+                      </a:pPr>
+                      <a:r>
+                        <a:rPr lang="en-US" altLang="ko-KR" sz="1600"/>
+                        <a:t>4.6</a:t>
+                      </a:r>
+                      <a:r>
+                        <a:rPr lang="ko-KR" altLang="en-US" sz="1600"/>
+                        <a:t>회</a:t>
+                      </a:r>
+                      <a:endParaRPr lang="ko-KR" altLang="en-US" sz="1600"/>
+                    </a:p>
+                  </a:txBody>
+                  <a:tcPr marL="91440" marR="91440"/>
+                </a:tc>
+                <a:tc>
+                  <a:txBody>
+                    <a:bodyPr vert="horz" wrap="square" lIns="91440" tIns="45720" rIns="91440" bIns="45720" anchor="t" anchorCtr="0">
+                      <a:spAutoFit/>
+                    </a:bodyPr>
+                    <a:p>
+                      <a:pPr>
+                        <a:defRPr/>
+                      </a:pPr>
+                      <a:r>
+                        <a:rPr lang="en-US" altLang="ko-KR" sz="1600"/>
+                        <a:t>3.6</a:t>
+                      </a:r>
+                      <a:r>
+                        <a:rPr lang="ko-KR" altLang="en-US" sz="1600"/>
+                        <a:t>회</a:t>
+                      </a:r>
+                      <a:endParaRPr lang="ko-KR" altLang="en-US" sz="1600"/>
+                    </a:p>
+                  </a:txBody>
+                  <a:tcPr marL="91440" marR="91440"/>
+                </a:tc>
+                <a:tc>
+                  <a:txBody>
+                    <a:bodyPr vert="horz" wrap="square" lIns="91440" tIns="45720" rIns="91440" bIns="45720" anchor="t" anchorCtr="0">
+                      <a:spAutoFit/>
+                    </a:bodyPr>
+                    <a:p>
+                      <a:pPr>
+                        <a:defRPr/>
+                      </a:pPr>
+                      <a:r>
+                        <a:rPr lang="en-US" altLang="ko-KR" sz="1600"/>
+                        <a:t>3</a:t>
+                      </a:r>
+                      <a:r>
+                        <a:rPr lang="ko-KR" altLang="en-US" sz="1600"/>
+                        <a:t>회</a:t>
+                      </a:r>
+                      <a:endParaRPr lang="ko-KR" altLang="en-US" sz="1600"/>
+                    </a:p>
+                  </a:txBody>
+                  <a:tcPr marL="91440" marR="91440"/>
+                </a:tc>
+              </a:tr>
+              <a:tr h="352872">
+                <a:tc>
+                  <a:txBody>
+                    <a:bodyPr vert="horz" wrap="square" lIns="91440" tIns="45720" rIns="91440" bIns="45720" anchor="t" anchorCtr="0">
+                      <a:spAutoFit/>
+                    </a:bodyPr>
+                    <a:p>
+                      <a:pPr>
+                        <a:defRPr/>
+                      </a:pPr>
+                      <a:r>
+                        <a:rPr lang="ko-KR" altLang="en-US" sz="1600"/>
+                        <a:t>추정고객소득</a:t>
+                      </a:r>
+                      <a:endParaRPr lang="ko-KR" altLang="en-US" sz="1600"/>
+                    </a:p>
+                  </a:txBody>
+                  <a:tcPr marL="91440" marR="91440"/>
+                </a:tc>
+                <a:tc>
+                  <a:txBody>
+                    <a:bodyPr vert="horz" wrap="square" lIns="91440" tIns="45720" rIns="91440" bIns="45720" anchor="t" anchorCtr="0">
+                      <a:spAutoFit/>
+                    </a:bodyPr>
+                    <a:p>
+                      <a:pPr>
+                        <a:defRPr/>
+                      </a:pPr>
+                      <a:r>
+                        <a:rPr lang="en-US" altLang="ko-KR" sz="1600"/>
+                        <a:t>0</a:t>
+                      </a:r>
+                      <a:r>
+                        <a:rPr lang="ko-KR" altLang="en-US" sz="1600"/>
+                        <a:t>원</a:t>
+                      </a:r>
+                      <a:endParaRPr lang="ko-KR" altLang="en-US" sz="1600"/>
+                    </a:p>
+                  </a:txBody>
+                  <a:tcPr marL="91440" marR="91440"/>
+                </a:tc>
+                <a:tc>
+                  <a:txBody>
+                    <a:bodyPr vert="horz" wrap="square" lIns="91440" tIns="45720" rIns="91440" bIns="45720" anchor="t" anchorCtr="0">
+                      <a:spAutoFit/>
+                    </a:bodyPr>
+                    <a:p>
+                      <a:pPr>
+                        <a:defRPr/>
+                      </a:pPr>
+                      <a:r>
+                        <a:rPr lang="en-US" altLang="ko-KR" sz="1600"/>
+                        <a:t>0</a:t>
+                      </a:r>
+                      <a:r>
+                        <a:rPr lang="ko-KR" altLang="en-US" sz="1600"/>
+                        <a:t>원</a:t>
+                      </a:r>
+                      <a:endParaRPr lang="ko-KR" altLang="en-US" sz="1600"/>
+                    </a:p>
+                  </a:txBody>
+                  <a:tcPr marL="91440" marR="91440"/>
+                </a:tc>
+                <a:tc>
+                  <a:txBody>
+                    <a:bodyPr vert="horz" wrap="square" lIns="91440" tIns="45720" rIns="91440" bIns="45720" anchor="t" anchorCtr="0">
+                      <a:spAutoFit/>
+                    </a:bodyPr>
+                    <a:p>
+                      <a:pPr>
+                        <a:defRPr/>
+                      </a:pPr>
+                      <a:r>
+                        <a:rPr lang="en-US" altLang="ko-KR" sz="1600"/>
+                        <a:t>34,580,000</a:t>
+                      </a:r>
+                      <a:r>
+                        <a:rPr lang="ko-KR" altLang="en-US" sz="1600"/>
+                        <a:t>원</a:t>
+                      </a:r>
+                      <a:endParaRPr lang="ko-KR" altLang="en-US" sz="1600"/>
+                    </a:p>
+                  </a:txBody>
+                  <a:tcPr marL="91440" marR="91440"/>
+                </a:tc>
+                <a:tc>
+                  <a:txBody>
+                    <a:bodyPr vert="horz" wrap="square" lIns="91440" tIns="45720" rIns="91440" bIns="45720" anchor="t" anchorCtr="0">
+                      <a:spAutoFit/>
+                    </a:bodyPr>
+                    <a:p>
+                      <a:pPr>
+                        <a:defRPr/>
+                      </a:pPr>
+                      <a:r>
+                        <a:rPr lang="en-US" altLang="ko-KR" sz="1600"/>
+                        <a:t>27,290,000</a:t>
+                      </a:r>
+                      <a:r>
+                        <a:rPr lang="ko-KR" altLang="en-US" sz="1600"/>
+                        <a:t>원</a:t>
+                      </a:r>
+                      <a:endParaRPr lang="ko-KR" altLang="en-US" sz="1600"/>
+                    </a:p>
+                  </a:txBody>
+                  <a:tcPr marL="91440" marR="91440"/>
+                </a:tc>
+                <a:tc>
+                  <a:txBody>
+                    <a:bodyPr vert="horz" wrap="square" lIns="91440" tIns="45720" rIns="91440" bIns="45720" anchor="t" anchorCtr="0">
+                      <a:spAutoFit/>
+                    </a:bodyPr>
+                    <a:p>
+                      <a:pPr>
+                        <a:defRPr/>
+                      </a:pPr>
+                      <a:r>
+                        <a:rPr lang="en-US" altLang="ko-KR" sz="1600"/>
+                        <a:t>0</a:t>
+                      </a:r>
+                      <a:r>
+                        <a:rPr lang="ko-KR" altLang="en-US" sz="1600"/>
+                        <a:t>원</a:t>
+                      </a:r>
+                      <a:endParaRPr lang="ko-KR" altLang="en-US" sz="1600"/>
+                    </a:p>
+                  </a:txBody>
+                  <a:tcPr marL="91440" marR="91440"/>
+                </a:tc>
+              </a:tr>
+              <a:tr h="360167">
+                <a:tc>
+                  <a:txBody>
+                    <a:bodyPr vert="horz" wrap="square" lIns="91440" tIns="45720" rIns="91440" bIns="45720" anchor="t" anchorCtr="0">
+                      <a:spAutoFit/>
+                    </a:bodyPr>
+                    <a:p>
+                      <a:pPr>
+                        <a:defRPr/>
+                      </a:pPr>
+                      <a:r>
+                        <a:rPr lang="ko-KR" altLang="en-US" sz="1600"/>
+                        <a:t>청구사유코드</a:t>
+                      </a:r>
+                      <a:endParaRPr lang="ko-KR" altLang="en-US" sz="1600"/>
+                    </a:p>
+                  </a:txBody>
+                  <a:tcPr marL="91440" marR="91440"/>
+                </a:tc>
+                <a:tc>
+                  <a:txBody>
+                    <a:bodyPr vert="horz" wrap="square" lIns="91440" tIns="45720" rIns="91440" bIns="45720" anchor="t" anchorCtr="0">
+                      <a:spAutoFit/>
+                    </a:bodyPr>
+                    <a:p>
+                      <a:pPr>
+                        <a:defRPr/>
+                      </a:pPr>
+                      <a:r>
+                        <a:rPr lang="ko-KR" altLang="en-US" sz="1600"/>
+                        <a:t>치료 </a:t>
+                      </a:r>
+                      <a:r>
+                        <a:rPr lang="en-US" altLang="ko-KR" sz="1600"/>
+                        <a:t>(100%)</a:t>
+                      </a:r>
+                      <a:endParaRPr lang="en-US" altLang="ko-KR" sz="1600"/>
+                    </a:p>
+                  </a:txBody>
+                  <a:tcPr marL="91440" marR="91440"/>
+                </a:tc>
+                <a:tc>
+                  <a:txBody>
+                    <a:bodyPr vert="horz" wrap="square" lIns="91440" tIns="45720" rIns="91440" bIns="45720" anchor="t" anchorCtr="0">
+                      <a:spAutoFit/>
+                    </a:bodyPr>
+                    <a:p>
+                      <a:pPr>
+                        <a:defRPr/>
+                      </a:pPr>
+                      <a:r>
+                        <a:rPr lang="ko-KR" altLang="en-US" sz="1600"/>
+                        <a:t>수술 </a:t>
+                      </a:r>
+                      <a:r>
+                        <a:rPr lang="en-US" altLang="ko-KR" sz="1600"/>
+                        <a:t>(100%)</a:t>
+                      </a:r>
+                      <a:endParaRPr lang="en-US" altLang="ko-KR" sz="1600"/>
+                    </a:p>
+                  </a:txBody>
+                  <a:tcPr marL="91440" marR="91440"/>
+                </a:tc>
+                <a:tc>
+                  <a:txBody>
+                    <a:bodyPr vert="horz" wrap="square" lIns="91440" tIns="45720" rIns="91440" bIns="45720" anchor="t" anchorCtr="0">
+                      <a:spAutoFit/>
+                    </a:bodyPr>
+                    <a:p>
+                      <a:pPr>
+                        <a:defRPr/>
+                      </a:pPr>
+                      <a:r>
+                        <a:rPr lang="ko-KR" altLang="en-US" sz="1600"/>
+                        <a:t>수술 </a:t>
+                      </a:r>
+                      <a:r>
+                        <a:rPr lang="en-US" altLang="ko-KR" sz="1600"/>
+                        <a:t>(100%)</a:t>
+                      </a:r>
+                      <a:endParaRPr lang="ko-KR" altLang="en-US" sz="1600"/>
+                    </a:p>
+                  </a:txBody>
+                  <a:tcPr marL="91440" marR="91440"/>
+                </a:tc>
+                <a:tc>
+                  <a:txBody>
+                    <a:bodyPr vert="horz" wrap="square" lIns="91440" tIns="45720" rIns="91440" bIns="45720" anchor="t" anchorCtr="0">
+                      <a:spAutoFit/>
+                    </a:bodyPr>
+                    <a:p>
+                      <a:pPr>
+                        <a:defRPr/>
+                      </a:pPr>
+                      <a:r>
+                        <a:rPr lang="ko-KR" altLang="en-US" sz="1600"/>
+                        <a:t>수술 </a:t>
+                      </a:r>
+                      <a:r>
+                        <a:rPr lang="en-US" altLang="ko-KR" sz="1600"/>
+                        <a:t>(100%)</a:t>
+                      </a:r>
+                      <a:endParaRPr lang="ko-KR" altLang="en-US" sz="1600"/>
+                    </a:p>
+                  </a:txBody>
+                  <a:tcPr marL="91440" marR="91440"/>
+                </a:tc>
+                <a:tc>
+                  <a:txBody>
+                    <a:bodyPr vert="horz" wrap="square" lIns="91440" tIns="45720" rIns="91440" bIns="45720" anchor="t" anchorCtr="0">
+                      <a:spAutoFit/>
+                    </a:bodyPr>
+                    <a:p>
+                      <a:pPr>
+                        <a:defRPr/>
+                      </a:pPr>
+                      <a:r>
+                        <a:rPr lang="ko-KR" altLang="en-US" sz="1600"/>
+                        <a:t>진단 </a:t>
+                      </a:r>
+                      <a:r>
+                        <a:rPr lang="en-US" altLang="ko-KR" sz="1600"/>
+                        <a:t>(100%)</a:t>
+                      </a:r>
+                      <a:endParaRPr lang="en-US" altLang="ko-KR" sz="1600"/>
+                    </a:p>
+                  </a:txBody>
+                  <a:tcPr marL="91440" marR="91440"/>
+                </a:tc>
+              </a:tr>
+              <a:tr h="360167">
+                <a:tc>
+                  <a:txBody>
+                    <a:bodyPr vert="horz" wrap="square" lIns="91440" tIns="45720" rIns="91440" bIns="45720" anchor="t" anchorCtr="0">
+                      <a:spAutoFit/>
+                    </a:bodyPr>
+                    <a:p>
+                      <a:pPr>
+                        <a:defRPr/>
+                      </a:pPr>
+                      <a:r>
+                        <a:rPr lang="ko-KR" altLang="en-US" sz="1600"/>
+                        <a:t>사고구분</a:t>
+                      </a:r>
+                      <a:endParaRPr lang="ko-KR" altLang="en-US" sz="1600"/>
+                    </a:p>
+                  </a:txBody>
+                  <a:tcPr marL="91440" marR="91440"/>
+                </a:tc>
+                <a:tc>
+                  <a:txBody>
+                    <a:bodyPr vert="horz" wrap="square" lIns="91440" tIns="45720" rIns="91440" bIns="45720" anchor="t" anchorCtr="0">
+                      <a:spAutoFit/>
+                    </a:bodyPr>
+                    <a:p>
+                      <a:pPr>
+                        <a:defRPr/>
+                      </a:pPr>
+                      <a:r>
+                        <a:rPr lang="ko-KR" altLang="en-US" sz="1600"/>
+                        <a:t>질병 </a:t>
+                      </a:r>
+                      <a:r>
+                        <a:rPr lang="en-US" altLang="ko-KR" sz="1600"/>
+                        <a:t>(100%)</a:t>
+                      </a:r>
+                      <a:endParaRPr lang="en-US" altLang="ko-KR" sz="1600"/>
+                    </a:p>
+                  </a:txBody>
+                  <a:tcPr marL="91440" marR="91440"/>
+                </a:tc>
+                <a:tc>
+                  <a:txBody>
+                    <a:bodyPr vert="horz" wrap="square" lIns="91440" tIns="45720" rIns="91440" bIns="45720" anchor="t" anchorCtr="0">
+                      <a:spAutoFit/>
+                    </a:bodyPr>
+                    <a:p>
+                      <a:pPr>
+                        <a:defRPr/>
+                      </a:pPr>
+                      <a:r>
+                        <a:rPr lang="ko-KR" altLang="en-US" sz="1600"/>
+                        <a:t>재해 </a:t>
+                      </a:r>
+                      <a:r>
+                        <a:rPr lang="en-US" altLang="ko-KR" sz="1600"/>
+                        <a:t>(100%)</a:t>
+                      </a:r>
+                      <a:endParaRPr lang="en-US" altLang="ko-KR" sz="1600"/>
+                    </a:p>
+                  </a:txBody>
+                  <a:tcPr marL="91440" marR="91440"/>
+                </a:tc>
+                <a:tc>
+                  <a:txBody>
+                    <a:bodyPr vert="horz" wrap="square" lIns="91440" tIns="45720" rIns="91440" bIns="45720" anchor="t" anchorCtr="0">
+                      <a:spAutoFit/>
+                    </a:bodyPr>
+                    <a:p>
+                      <a:pPr>
+                        <a:defRPr/>
+                      </a:pPr>
+                      <a:r>
+                        <a:rPr lang="ko-KR" altLang="en-US" sz="1600"/>
+                        <a:t>질병 </a:t>
+                      </a:r>
+                      <a:r>
+                        <a:rPr lang="en-US" altLang="ko-KR" sz="1600"/>
+                        <a:t>(100%)</a:t>
+                      </a:r>
+                      <a:endParaRPr lang="en-US" altLang="ko-KR" sz="1600"/>
+                    </a:p>
+                  </a:txBody>
+                  <a:tcPr marL="91440" marR="91440"/>
+                </a:tc>
+                <a:tc>
+                  <a:txBody>
+                    <a:bodyPr vert="horz" wrap="square" lIns="91440" tIns="45720" rIns="91440" bIns="45720" anchor="t" anchorCtr="0">
+                      <a:spAutoFit/>
+                    </a:bodyPr>
+                    <a:p>
+                      <a:pPr>
+                        <a:defRPr/>
+                      </a:pPr>
+                      <a:r>
+                        <a:rPr lang="ko-KR" altLang="en-US" sz="1600"/>
+                        <a:t>질병 </a:t>
+                      </a:r>
+                      <a:r>
+                        <a:rPr lang="en-US" altLang="ko-KR" sz="1600"/>
+                        <a:t>(100%)</a:t>
+                      </a:r>
+                      <a:endParaRPr lang="en-US" altLang="ko-KR" sz="1600"/>
+                    </a:p>
+                  </a:txBody>
+                  <a:tcPr marL="91440" marR="91440"/>
+                </a:tc>
+                <a:tc>
+                  <a:txBody>
+                    <a:bodyPr vert="horz" wrap="square" lIns="91440" tIns="45720" rIns="91440" bIns="45720" anchor="t" anchorCtr="0">
+                      <a:spAutoFit/>
+                    </a:bodyPr>
+                    <a:p>
+                      <a:pPr>
+                        <a:defRPr/>
+                      </a:pPr>
+                      <a:r>
+                        <a:rPr lang="ko-KR" altLang="en-US" sz="1600"/>
+                        <a:t>재해 </a:t>
+                      </a:r>
+                      <a:r>
+                        <a:rPr lang="en-US" altLang="ko-KR" sz="1600"/>
+                        <a:t>(100%)</a:t>
+                      </a:r>
+                      <a:endParaRPr lang="en-US" altLang="ko-KR" sz="1600"/>
+                    </a:p>
+                  </a:txBody>
+                  <a:tcPr marL="91440" marR="91440"/>
+                </a:tc>
+              </a:tr>
+              <a:tr h="352872">
+                <a:tc>
+                  <a:txBody>
+                    <a:bodyPr vert="horz" wrap="square" lIns="91440" tIns="45720" rIns="91440" bIns="45720" anchor="t" anchorCtr="0">
+                      <a:spAutoFit/>
+                    </a:bodyPr>
+                    <a:p>
+                      <a:pPr>
+                        <a:defRPr/>
+                      </a:pPr>
+                      <a:r>
+                        <a:rPr lang="ko-KR" altLang="en-US" sz="1600"/>
+                        <a:t>성별</a:t>
+                      </a:r>
+                      <a:endParaRPr lang="ko-KR" altLang="en-US" sz="1600"/>
+                    </a:p>
+                  </a:txBody>
+                  <a:tcPr marL="91440" marR="91440"/>
+                </a:tc>
+                <a:tc>
+                  <a:txBody>
+                    <a:bodyPr vert="horz" wrap="square" lIns="91440" tIns="45720" rIns="91440" bIns="45720" anchor="t" anchorCtr="0">
+                      <a:spAutoFit/>
+                    </a:bodyPr>
+                    <a:p>
+                      <a:pPr>
+                        <a:defRPr/>
+                      </a:pPr>
+                      <a:r>
+                        <a:rPr lang="ko-KR" altLang="en-US" sz="1600"/>
+                        <a:t>남성 </a:t>
+                      </a:r>
+                      <a:r>
+                        <a:rPr lang="en-US" altLang="ko-KR" sz="1600"/>
+                        <a:t>(100%)</a:t>
+                      </a:r>
+                      <a:endParaRPr lang="en-US" altLang="ko-KR" sz="1600"/>
+                    </a:p>
+                  </a:txBody>
+                  <a:tcPr marL="91440" marR="91440"/>
+                </a:tc>
+                <a:tc>
+                  <a:txBody>
+                    <a:bodyPr vert="horz" wrap="square" lIns="91440" tIns="45720" rIns="91440" bIns="45720" anchor="t" anchorCtr="0">
+                      <a:spAutoFit/>
+                    </a:bodyPr>
+                    <a:p>
+                      <a:pPr>
+                        <a:defRPr/>
+                      </a:pPr>
+                      <a:r>
+                        <a:rPr lang="ko-KR" altLang="en-US" sz="1600"/>
+                        <a:t>여성 </a:t>
+                      </a:r>
+                      <a:r>
+                        <a:rPr lang="en-US" altLang="ko-KR" sz="1600"/>
+                        <a:t>(100%)</a:t>
+                      </a:r>
+                      <a:endParaRPr lang="en-US" altLang="ko-KR" sz="1600"/>
+                    </a:p>
+                  </a:txBody>
+                  <a:tcPr marL="91440" marR="91440"/>
+                </a:tc>
+                <a:tc>
+                  <a:txBody>
+                    <a:bodyPr vert="horz" wrap="square" lIns="91440" tIns="45720" rIns="91440" bIns="45720" anchor="t" anchorCtr="0">
+                      <a:spAutoFit/>
+                    </a:bodyPr>
+                    <a:p>
+                      <a:pPr>
+                        <a:defRPr/>
+                      </a:pPr>
+                      <a:r>
+                        <a:rPr lang="ko-KR" altLang="en-US" sz="1600"/>
+                        <a:t>여성 </a:t>
+                      </a:r>
+                      <a:r>
+                        <a:rPr lang="en-US" altLang="ko-KR" sz="1600"/>
+                        <a:t>(100%)</a:t>
+                      </a:r>
+                      <a:endParaRPr lang="en-US" altLang="ko-KR" sz="1600"/>
+                    </a:p>
+                  </a:txBody>
+                  <a:tcPr marL="91440" marR="91440"/>
+                </a:tc>
+                <a:tc>
+                  <a:txBody>
+                    <a:bodyPr vert="horz" wrap="square" lIns="91440" tIns="45720" rIns="91440" bIns="45720" anchor="t" anchorCtr="0">
+                      <a:spAutoFit/>
+                    </a:bodyPr>
+                    <a:p>
+                      <a:pPr>
+                        <a:defRPr/>
+                      </a:pPr>
+                      <a:r>
+                        <a:rPr lang="ko-KR" altLang="en-US" sz="1600"/>
+                        <a:t>여성 </a:t>
+                      </a:r>
+                      <a:r>
+                        <a:rPr lang="en-US" altLang="ko-KR" sz="1600"/>
+                        <a:t>(100%)</a:t>
+                      </a:r>
+                      <a:endParaRPr lang="en-US" altLang="ko-KR" sz="1600"/>
+                    </a:p>
+                  </a:txBody>
+                  <a:tcPr marL="91440" marR="91440"/>
+                </a:tc>
+                <a:tc>
+                  <a:txBody>
+                    <a:bodyPr vert="horz" wrap="square" lIns="91440" tIns="45720" rIns="91440" bIns="45720" anchor="t" anchorCtr="0">
+                      <a:spAutoFit/>
+                    </a:bodyPr>
+                    <a:p>
+                      <a:pPr>
+                        <a:defRPr/>
+                      </a:pPr>
+                      <a:r>
+                        <a:rPr lang="ko-KR" altLang="en-US" sz="1600"/>
+                        <a:t>여성 </a:t>
+                      </a:r>
+                      <a:r>
+                        <a:rPr lang="en-US" altLang="ko-KR" sz="1600"/>
+                        <a:t>(100%)</a:t>
+                      </a:r>
+                      <a:endParaRPr lang="en-US" altLang="ko-KR" sz="1600"/>
+                    </a:p>
+                  </a:txBody>
+                  <a:tcPr marL="91440" marR="91440"/>
+                </a:tc>
+              </a:tr>
+            </a:tbl>
+          </a:graphicData>
+        </a:graphic>
+      </p:graphicFrame>
+    </p:spTree>
+  </p:cSld>
+  <p:clrMapOvr>
+    <a:masterClrMapping/>
+  </p:clrMapOvr>
+  <mc:AlternateContent xmlns:mc="http://schemas.openxmlformats.org/markup-compatibility/2006">
+    <mc:Choice xmlns:p14="http://schemas.microsoft.com/office/powerpoint/2010/main" Requires="p14">
+      <p:transition xmlns:mc="http://schemas.openxmlformats.org/markup-compatibility/2006" xmlns:p14="http://schemas.microsoft.com/office/powerpoint/2010/main" mc:Ignorable="p14" p14:dur="500"/>
+    </mc:Choice>
+    <mc:Fallback>
+      <p:transition/>
+    </mc:Fallback>
+  </mc:AlternateContent>
 </p:sld>
 </file>
 
 <file path=ppt/theme/theme1.xml><?xml version="1.0" encoding="utf-8"?>
-<a:theme xmlns:a="http://schemas.openxmlformats.org/drawingml/2006/main" name="Office 테마">
+<a:theme xmlns:r="http://schemas.openxmlformats.org/officeDocument/2006/relationships" xmlns:c="http://schemas.openxmlformats.org/drawingml/2006/chart" xmlns:dgm="http://schemas.openxmlformats.org/drawingml/2006/diagram" xmlns:dsp="http://schemas.microsoft.com/office/drawing/2008/diagram" xmlns:a="http://schemas.openxmlformats.org/drawingml/2006/main" xmlns:pic="http://schemas.openxmlformats.org/drawingml/2006/picture" xmlns:wp="http://schemas.openxmlformats.org/drawingml/2006/wordprocessingDrawing" xmlns:xdr="http://schemas.openxmlformats.org/drawingml/2006/spreadsheetDrawing" xmlns:lc="http://schemas.openxmlformats.org/drawingml/2006/lockedCanvas" xmlns:p="http://schemas.openxmlformats.org/presentationml/2006/main" name="Office 테마">
   <a:themeElements>
     <a:clrScheme name="Office">
       <a:dk1>
         <a:sysClr val="windowText" lastClr="000000"/>
       </a:dk1>
       <a:lt1>
-        <a:sysClr val="window" lastClr="FFFFFF"/>
+        <a:sysClr val="window" lastClr="ffffff"/>
       </a:lt1>
       <a:dk2>
-        <a:srgbClr val="44546A"/>
+        <a:srgbClr val="44546a"/>
       </a:dk2>
       <a:lt2>
-        <a:srgbClr val="E7E6E6"/>
+        <a:srgbClr val="e7e6e6"/>
       </a:lt2>
       <a:accent1>
-        <a:srgbClr val="4472C4"/>
+        <a:srgbClr val="4472c4"/>
       </a:accent1>
       <a:accent2>
-        <a:srgbClr val="ED7D31"/>
+        <a:srgbClr val="ed7d31"/>
       </a:accent2>
       <a:accent3>
-        <a:srgbClr val="A5A5A5"/>
+        <a:srgbClr val="a5a5a5"/>
       </a:accent3>
       <a:accent4>
-        <a:srgbClr val="FFC000"/>
+        <a:srgbClr val="ffc000"/>
       </a:accent4>
       <a:accent5>
-        <a:srgbClr val="5B9BD5"/>
+        <a:srgbClr val="5b9bd5"/>
       </a:accent5>
       <a:accent6>
-        <a:srgbClr val="70AD47"/>
+        <a:srgbClr val="70ad47"/>
       </a:accent6>
       <a:hlink>
-        <a:srgbClr val="0563C1"/>
+        <a:srgbClr val="0563c1"/>
       </a:hlink>
       <a:folHlink>
-        <a:srgbClr val="954F72"/>
+        <a:srgbClr val="954f72"/>
       </a:folHlink>
     </a:clrScheme>
     <a:fontScheme name="Office">
@@ -5526,7 +12624,7 @@
         <a:latin typeface="맑은 고딕" panose="020F0302020204030204"/>
         <a:ea typeface=""/>
         <a:cs typeface=""/>
-        <a:font script="Jpan" typeface="游ゴシック Light"/>
+        <a:font script="Jpan" typeface="Yu Gothic Light"/>
         <a:font script="Hang" typeface="맑은 고딕"/>
         <a:font script="Hans" typeface="等线 Light"/>
         <a:font script="Hant" typeface="新細明體"/>
@@ -5578,7 +12676,7 @@
         <a:latin typeface="맑은 고딕" panose="020F0502020204030204"/>
         <a:ea typeface=""/>
         <a:cs typeface=""/>
-        <a:font script="Jpan" typeface="游ゴシック"/>
+        <a:font script="Jpan" typeface="Yu Gothic"/>
         <a:font script="Hang" typeface="맑은 고딕"/>
         <a:font script="Hans" typeface="等线"/>
         <a:font script="Hant" typeface="新細明體"/>
@@ -5691,21 +12789,21 @@
             <a:schemeClr val="phClr"/>
           </a:solidFill>
           <a:prstDash val="solid"/>
-          <a:miter lim="800000"/>
+          <a:miter/>
         </a:ln>
         <a:ln w="12700" cap="flat" cmpd="sng" algn="ctr">
           <a:solidFill>
             <a:schemeClr val="phClr"/>
           </a:solidFill>
           <a:prstDash val="solid"/>
-          <a:miter lim="800000"/>
+          <a:miter/>
         </a:ln>
         <a:ln w="19050" cap="flat" cmpd="sng" algn="ctr">
           <a:solidFill>
             <a:schemeClr val="phClr"/>
           </a:solidFill>
           <a:prstDash val="solid"/>
-          <a:miter lim="800000"/>
+          <a:miter/>
         </a:ln>
       </a:lnStyleLst>
       <a:effectStyleLst>
@@ -5765,55 +12863,48 @@
       </a:bgFillStyleLst>
     </a:fmtScheme>
   </a:themeElements>
-  <a:objectDefaults/>
-  <a:extraClrSchemeLst/>
-  <a:extLst>
-    <a:ext uri="{05A4C25C-085E-4340-85A3-A5531E510DB2}">
-      <thm15:themeFamily xmlns:thm15="http://schemas.microsoft.com/office/thememl/2012/main" name="Office Theme" id="{62F939B6-93AF-4DB8-9C6B-D6C7DFDC589F}" vid="{4A3C46E8-61CC-4603-A589-7422A47A8E4A}"/>
-    </a:ext>
-  </a:extLst>
 </a:theme>
 </file>
 
 <file path=ppt/theme/theme2.xml><?xml version="1.0" encoding="utf-8"?>
-<a:theme xmlns:a="http://schemas.openxmlformats.org/drawingml/2006/main" name="Office 테마">
+<a:theme xmlns:r="http://schemas.openxmlformats.org/officeDocument/2006/relationships" xmlns:c="http://schemas.openxmlformats.org/drawingml/2006/chart" xmlns:dgm="http://schemas.openxmlformats.org/drawingml/2006/diagram" xmlns:dsp="http://schemas.microsoft.com/office/drawing/2008/diagram" xmlns:a="http://schemas.openxmlformats.org/drawingml/2006/main" xmlns:pic="http://schemas.openxmlformats.org/drawingml/2006/picture" xmlns:wp="http://schemas.openxmlformats.org/drawingml/2006/wordprocessingDrawing" xmlns:xdr="http://schemas.openxmlformats.org/drawingml/2006/spreadsheetDrawing" xmlns:lc="http://schemas.openxmlformats.org/drawingml/2006/lockedCanvas" xmlns:p="http://schemas.openxmlformats.org/presentationml/2006/main" name="Office 테마">
   <a:themeElements>
     <a:clrScheme name="Office">
       <a:dk1>
         <a:sysClr val="windowText" lastClr="000000"/>
       </a:dk1>
       <a:lt1>
-        <a:sysClr val="window" lastClr="FFFFFF"/>
+        <a:sysClr val="window" lastClr="ffffff"/>
       </a:lt1>
       <a:dk2>
-        <a:srgbClr val="44546A"/>
+        <a:srgbClr val="44546a"/>
       </a:dk2>
       <a:lt2>
-        <a:srgbClr val="E7E6E6"/>
+        <a:srgbClr val="e7e6e6"/>
       </a:lt2>
       <a:accent1>
-        <a:srgbClr val="4472C4"/>
+        <a:srgbClr val="4472c4"/>
       </a:accent1>
       <a:accent2>
-        <a:srgbClr val="ED7D31"/>
+        <a:srgbClr val="ed7d31"/>
       </a:accent2>
       <a:accent3>
-        <a:srgbClr val="A5A5A5"/>
+        <a:srgbClr val="a5a5a5"/>
       </a:accent3>
       <a:accent4>
-        <a:srgbClr val="FFC000"/>
+        <a:srgbClr val="ffc000"/>
       </a:accent4>
       <a:accent5>
-        <a:srgbClr val="5B9BD5"/>
+        <a:srgbClr val="5b9bd5"/>
       </a:accent5>
       <a:accent6>
-        <a:srgbClr val="70AD47"/>
+        <a:srgbClr val="70ad47"/>
       </a:accent6>
       <a:hlink>
-        <a:srgbClr val="0563C1"/>
+        <a:srgbClr val="0563c1"/>
       </a:hlink>
       <a:folHlink>
-        <a:srgbClr val="954F72"/>
+        <a:srgbClr val="954f72"/>
       </a:folHlink>
     </a:clrScheme>
     <a:fontScheme name="Office">
@@ -5821,7 +12912,7 @@
         <a:latin typeface="맑은 고딕" panose="020F0302020204030204"/>
         <a:ea typeface=""/>
         <a:cs typeface=""/>
-        <a:font script="Jpan" typeface="游ゴシック Light"/>
+        <a:font script="Jpan" typeface="Yu Gothic Light"/>
         <a:font script="Hang" typeface="맑은 고딕"/>
         <a:font script="Hans" typeface="等线 Light"/>
         <a:font script="Hant" typeface="新細明體"/>
@@ -5873,7 +12964,7 @@
         <a:latin typeface="맑은 고딕" panose="020F0502020204030204"/>
         <a:ea typeface=""/>
         <a:cs typeface=""/>
-        <a:font script="Jpan" typeface="游ゴシック"/>
+        <a:font script="Jpan" typeface="Yu Gothic"/>
         <a:font script="Hang" typeface="맑은 고딕"/>
         <a:font script="Hans" typeface="等线"/>
         <a:font script="Hant" typeface="新細明體"/>
@@ -5986,21 +13077,21 @@
             <a:schemeClr val="phClr"/>
           </a:solidFill>
           <a:prstDash val="solid"/>
-          <a:miter lim="800000"/>
+          <a:miter/>
         </a:ln>
         <a:ln w="12700" cap="flat" cmpd="sng" algn="ctr">
           <a:solidFill>
             <a:schemeClr val="phClr"/>
           </a:solidFill>
           <a:prstDash val="solid"/>
-          <a:miter lim="800000"/>
+          <a:miter/>
         </a:ln>
         <a:ln w="19050" cap="flat" cmpd="sng" algn="ctr">
           <a:solidFill>
             <a:schemeClr val="phClr"/>
           </a:solidFill>
           <a:prstDash val="solid"/>
-          <a:miter lim="800000"/>
+          <a:miter/>
         </a:ln>
       </a:lnStyleLst>
       <a:effectStyleLst>
@@ -6060,12 +13151,5 @@
       </a:bgFillStyleLst>
     </a:fmtScheme>
   </a:themeElements>
-  <a:objectDefaults/>
-  <a:extraClrSchemeLst/>
-  <a:extLst>
-    <a:ext uri="{05A4C25C-085E-4340-85A3-A5531E510DB2}">
-      <thm15:themeFamily xmlns:thm15="http://schemas.microsoft.com/office/thememl/2012/main" name="Office Theme" id="{62F939B6-93AF-4DB8-9C6B-D6C7DFDC589F}" vid="{4A3C46E8-61CC-4603-A589-7422A47A8E4A}"/>
-    </a:ext>
-  </a:extLst>
 </a:theme>
 </file>